--- a/Presentation/Social Books.pptx
+++ b/Presentation/Social Books.pptx
@@ -8,29 +8,29 @@
     <p:sldId id="256" r:id="rId2"/>
     <p:sldId id="257" r:id="rId3"/>
     <p:sldId id="296" r:id="rId4"/>
-    <p:sldId id="270" r:id="rId5"/>
-    <p:sldId id="288" r:id="rId6"/>
-    <p:sldId id="301" r:id="rId7"/>
+    <p:sldId id="288" r:id="rId5"/>
+    <p:sldId id="304" r:id="rId6"/>
+    <p:sldId id="305" r:id="rId7"/>
     <p:sldId id="273" r:id="rId8"/>
     <p:sldId id="274" r:id="rId9"/>
     <p:sldId id="280" r:id="rId10"/>
     <p:sldId id="291" r:id="rId11"/>
     <p:sldId id="290" r:id="rId12"/>
     <p:sldId id="272" r:id="rId13"/>
-    <p:sldId id="281" r:id="rId14"/>
-    <p:sldId id="275" r:id="rId15"/>
-    <p:sldId id="282" r:id="rId16"/>
-    <p:sldId id="294" r:id="rId17"/>
-    <p:sldId id="276" r:id="rId18"/>
-    <p:sldId id="283" r:id="rId19"/>
-    <p:sldId id="277" r:id="rId20"/>
-    <p:sldId id="284" r:id="rId21"/>
-    <p:sldId id="278" r:id="rId22"/>
-    <p:sldId id="300" r:id="rId23"/>
-    <p:sldId id="299" r:id="rId24"/>
+    <p:sldId id="307" r:id="rId14"/>
+    <p:sldId id="281" r:id="rId15"/>
+    <p:sldId id="275" r:id="rId16"/>
+    <p:sldId id="282" r:id="rId17"/>
+    <p:sldId id="294" r:id="rId18"/>
+    <p:sldId id="276" r:id="rId19"/>
+    <p:sldId id="283" r:id="rId20"/>
+    <p:sldId id="277" r:id="rId21"/>
+    <p:sldId id="284" r:id="rId22"/>
+    <p:sldId id="278" r:id="rId23"/>
+    <p:sldId id="300" r:id="rId24"/>
     <p:sldId id="295" r:id="rId25"/>
     <p:sldId id="302" r:id="rId26"/>
-    <p:sldId id="303" r:id="rId27"/>
+    <p:sldId id="306" r:id="rId27"/>
     <p:sldId id="285" r:id="rId28"/>
   </p:sldIdLst>
   <p:sldSz cx="12192000" cy="6858000"/>
@@ -2621,7 +2621,7 @@
             <a:fld id="{5586B75A-687E-405C-8A0B-8D00578BA2C3}" type="datetimeFigureOut">
               <a:rPr lang="en-US" dirty="0"/>
               <a:pPr/>
-              <a:t>4/16/2020</a:t>
+              <a:t>4/30/2020</a:t>
             </a:fld>
             <a:endParaRPr lang="en-US"/>
           </a:p>
@@ -2791,7 +2791,7 @@
             <a:fld id="{5586B75A-687E-405C-8A0B-8D00578BA2C3}" type="datetimeFigureOut">
               <a:rPr lang="en-US" dirty="0"/>
               <a:pPr/>
-              <a:t>4/16/2020</a:t>
+              <a:t>4/30/2020</a:t>
             </a:fld>
             <a:endParaRPr lang="en-US"/>
           </a:p>
@@ -2971,7 +2971,7 @@
             <a:fld id="{5586B75A-687E-405C-8A0B-8D00578BA2C3}" type="datetimeFigureOut">
               <a:rPr lang="en-US" dirty="0"/>
               <a:pPr/>
-              <a:t>4/16/2020</a:t>
+              <a:t>4/30/2020</a:t>
             </a:fld>
             <a:endParaRPr lang="en-US"/>
           </a:p>
@@ -3141,7 +3141,7 @@
             <a:fld id="{5586B75A-687E-405C-8A0B-8D00578BA2C3}" type="datetimeFigureOut">
               <a:rPr lang="en-US" dirty="0"/>
               <a:pPr/>
-              <a:t>4/16/2020</a:t>
+              <a:t>4/30/2020</a:t>
             </a:fld>
             <a:endParaRPr lang="en-US"/>
           </a:p>
@@ -3400,7 +3400,7 @@
             <a:fld id="{5586B75A-687E-405C-8A0B-8D00578BA2C3}" type="datetimeFigureOut">
               <a:rPr lang="en-US" dirty="0"/>
               <a:pPr/>
-              <a:t>4/16/2020</a:t>
+              <a:t>4/30/2020</a:t>
             </a:fld>
             <a:endParaRPr lang="en-US"/>
           </a:p>
@@ -3687,7 +3687,7 @@
             <a:fld id="{5586B75A-687E-405C-8A0B-8D00578BA2C3}" type="datetimeFigureOut">
               <a:rPr lang="en-US" dirty="0"/>
               <a:pPr/>
-              <a:t>4/16/2020</a:t>
+              <a:t>4/30/2020</a:t>
             </a:fld>
             <a:endParaRPr lang="en-US"/>
           </a:p>
@@ -4128,7 +4128,7 @@
             <a:fld id="{5586B75A-687E-405C-8A0B-8D00578BA2C3}" type="datetimeFigureOut">
               <a:rPr lang="en-US" dirty="0"/>
               <a:pPr/>
-              <a:t>4/16/2020</a:t>
+              <a:t>4/30/2020</a:t>
             </a:fld>
             <a:endParaRPr lang="en-US"/>
           </a:p>
@@ -4247,7 +4247,7 @@
             <a:fld id="{5586B75A-687E-405C-8A0B-8D00578BA2C3}" type="datetimeFigureOut">
               <a:rPr lang="en-US" dirty="0"/>
               <a:pPr/>
-              <a:t>4/16/2020</a:t>
+              <a:t>4/30/2020</a:t>
             </a:fld>
             <a:endParaRPr lang="en-US"/>
           </a:p>
@@ -4344,7 +4344,7 @@
             <a:fld id="{5586B75A-687E-405C-8A0B-8D00578BA2C3}" type="datetimeFigureOut">
               <a:rPr lang="en-US" dirty="0"/>
               <a:pPr/>
-              <a:t>4/16/2020</a:t>
+              <a:t>4/30/2020</a:t>
             </a:fld>
             <a:endParaRPr lang="en-US"/>
           </a:p>
@@ -4632,7 +4632,7 @@
             <a:fld id="{5586B75A-687E-405C-8A0B-8D00578BA2C3}" type="datetimeFigureOut">
               <a:rPr lang="en-US" dirty="0"/>
               <a:pPr/>
-              <a:t>4/16/2020</a:t>
+              <a:t>4/30/2020</a:t>
             </a:fld>
             <a:endParaRPr lang="en-US"/>
           </a:p>
@@ -4902,7 +4902,7 @@
             <a:fld id="{5586B75A-687E-405C-8A0B-8D00578BA2C3}" type="datetimeFigureOut">
               <a:rPr lang="en-US" dirty="0"/>
               <a:pPr/>
-              <a:t>4/16/2020</a:t>
+              <a:t>4/30/2020</a:t>
             </a:fld>
             <a:endParaRPr lang="en-US"/>
           </a:p>
@@ -5199,7 +5199,7 @@
             <a:fld id="{5586B75A-687E-405C-8A0B-8D00578BA2C3}" type="datetimeFigureOut">
               <a:rPr lang="en-US" dirty="0"/>
               <a:pPr/>
-              <a:t>4/16/2020</a:t>
+              <a:t>4/30/2020</a:t>
             </a:fld>
             <a:endParaRPr lang="en-US"/>
           </a:p>
@@ -5716,13 +5716,13 @@
         </p:nvSpPr>
         <p:spPr>
           <a:xfrm>
-            <a:off x="1524000" y="643468"/>
+            <a:off x="806547" y="1121770"/>
             <a:ext cx="7850038" cy="1649201"/>
           </a:xfrm>
         </p:spPr>
         <p:txBody>
           <a:bodyPr anchor="b">
-            <a:normAutofit/>
+            <a:normAutofit fontScale="90000"/>
           </a:bodyPr>
           <a:lstStyle/>
           <a:p>
@@ -5733,6 +5733,19 @@
                 <a:cs typeface="Arial"/>
               </a:rPr>
               <a:t>SOCIAL BOOKS</a:t>
+            </a:r>
+            <a:br>
+              <a:rPr lang="en-GB" sz="7200" b="1" dirty="0">
+                <a:latin typeface="Arial"/>
+                <a:cs typeface="Arial"/>
+              </a:rPr>
+            </a:br>
+            <a:r>
+              <a:rPr lang="en-GB" sz="7200" b="1" dirty="0">
+                <a:latin typeface="Arial"/>
+                <a:cs typeface="Arial"/>
+              </a:rPr>
+              <a:t>GROUP 10</a:t>
             </a:r>
           </a:p>
         </p:txBody>
@@ -6246,7 +6259,7 @@
         <p:spPr>
           <a:xfrm>
             <a:off x="1434905" y="2526526"/>
-            <a:ext cx="8865034" cy="1815882"/>
+            <a:ext cx="8865034" cy="3108543"/>
           </a:xfrm>
           <a:prstGeom prst="rect">
             <a:avLst/>
@@ -6264,49 +6277,33 @@
           <a:p>
             <a:r>
               <a:rPr lang="en-GB" sz="2800" b="1" dirty="0">
-                <a:solidFill>
-                  <a:schemeClr val="accent5">
-                    <a:lumMod val="50000"/>
-                  </a:schemeClr>
-                </a:solidFill>
                 <a:latin typeface="Arial"/>
                 <a:cs typeface="Arial"/>
               </a:rPr>
-              <a:t>  -   Search based on </a:t>
-            </a:r>
-            <a:r>
-              <a:rPr lang="en-GB" sz="2800" b="1" dirty="0" err="1">
-                <a:solidFill>
-                  <a:schemeClr val="accent5">
-                    <a:lumMod val="50000"/>
-                  </a:schemeClr>
-                </a:solidFill>
+              <a:t>  2)    -   Forming topics based on metadata tags</a:t>
+            </a:r>
+          </a:p>
+          <a:p>
+            <a:r>
+              <a:rPr lang="en-GB" sz="2800" b="1" dirty="0">
                 <a:latin typeface="Arial"/>
                 <a:cs typeface="Arial"/>
               </a:rPr>
-              <a:t>Metedata</a:t>
-            </a:r>
+              <a:t>	</a:t>
+            </a:r>
+          </a:p>
+          <a:p>
             <a:r>
               <a:rPr lang="en-GB" sz="2800" b="1" dirty="0">
-                <a:solidFill>
-                  <a:schemeClr val="accent5">
-                    <a:lumMod val="50000"/>
-                  </a:schemeClr>
-                </a:solidFill>
                 <a:latin typeface="Arial"/>
                 <a:cs typeface="Arial"/>
               </a:rPr>
-              <a:t> tags</a:t>
+              <a:t>	- Searching based on that topics.    </a:t>
             </a:r>
           </a:p>
           <a:p>
             <a:r>
               <a:rPr lang="en-GB" sz="2800" b="1" dirty="0">
-                <a:solidFill>
-                  <a:schemeClr val="accent5">
-                    <a:lumMod val="50000"/>
-                  </a:schemeClr>
-                </a:solidFill>
                 <a:latin typeface="Arial"/>
                 <a:cs typeface="Arial"/>
               </a:rPr>
@@ -6316,15 +6313,10 @@
           <a:p>
             <a:r>
               <a:rPr lang="en-GB" sz="2800" b="1" dirty="0">
-                <a:solidFill>
-                  <a:schemeClr val="accent5">
-                    <a:lumMod val="50000"/>
-                  </a:schemeClr>
-                </a:solidFill>
                 <a:latin typeface="Arial"/>
                 <a:cs typeface="Arial"/>
               </a:rPr>
-              <a:t>  -   Books Recommendation </a:t>
+              <a:t>  3)      Books Recommendation </a:t>
             </a:r>
           </a:p>
           <a:p>
@@ -6340,6 +6332,17 @@
               </a:rPr>
               <a:t>                         </a:t>
             </a:r>
+          </a:p>
+          <a:p>
+            <a:endParaRPr lang="en-GB" sz="2800" b="1" dirty="0">
+              <a:solidFill>
+                <a:schemeClr val="accent5">
+                  <a:lumMod val="50000"/>
+                </a:schemeClr>
+              </a:solidFill>
+              <a:latin typeface="Arial"/>
+              <a:cs typeface="Arial"/>
+            </a:endParaRPr>
           </a:p>
         </p:txBody>
       </p:sp>
@@ -7462,7 +7465,7 @@
           <a:p>
             <a:r>
               <a:rPr lang="en-US" b="1" spc="-100" dirty="0"/>
-              <a:t>                               PERSONAL SECTION</a:t>
+              <a:t>                                     LOGIN PAGE</a:t>
             </a:r>
             <a:endParaRPr lang="en-US" dirty="0"/>
           </a:p>
@@ -7662,8 +7665,8 @@
         </p:nvSpPr>
         <p:spPr>
           <a:xfrm>
-            <a:off x="1877683" y="3085381"/>
-            <a:ext cx="9284897" cy="3570208"/>
+            <a:off x="1279018" y="2526526"/>
+            <a:ext cx="10270557" cy="3600986"/>
           </a:xfrm>
           <a:prstGeom prst="rect">
             <a:avLst/>
@@ -7680,107 +7683,233 @@
           <a:lstStyle/>
           <a:p>
             <a:r>
-              <a:rPr lang="en-GB" sz="4000" b="1" dirty="0">
+              <a:rPr lang="en-GB" sz="3200" b="1" dirty="0">
                 <a:solidFill>
                   <a:srgbClr val="FF0000"/>
                 </a:solidFill>
                 <a:latin typeface="Arial"/>
                 <a:cs typeface="Arial"/>
               </a:rPr>
-              <a:t>Personal Section :</a:t>
-            </a:r>
-          </a:p>
-          <a:p>
-            <a:r>
-              <a:rPr lang="en-GB" dirty="0">
-                <a:latin typeface="Arial"/>
-                <a:cs typeface="Arial"/>
-              </a:rPr>
-              <a:t>                      </a:t>
-            </a:r>
-            <a:endParaRPr lang="en-GB">
-              <a:latin typeface="Arial"/>
-              <a:cs typeface="Arial"/>
-            </a:endParaRPr>
-          </a:p>
-          <a:p>
-            <a:r>
-              <a:rPr lang="en-GB" dirty="0">
+              <a:t>Login.html </a:t>
+            </a:r>
+            <a:r>
+              <a:rPr lang="en-GB" sz="2400" b="1" dirty="0">
                 <a:solidFill>
                   <a:schemeClr val="accent1">
-                    <a:lumMod val="50000"/>
+                    <a:lumMod val="75000"/>
                   </a:schemeClr>
                 </a:solidFill>
                 <a:latin typeface="Arial"/>
                 <a:cs typeface="Arial"/>
               </a:rPr>
-              <a:t>                      </a:t>
-            </a:r>
-            <a:r>
-              <a:rPr lang="en-GB" sz="2800" b="1" dirty="0">
+              <a:t>(HTML, CSS, </a:t>
+            </a:r>
+            <a:r>
+              <a:rPr lang="en-GB" sz="2400" b="1" dirty="0" err="1">
                 <a:solidFill>
                   <a:schemeClr val="accent1">
-                    <a:lumMod val="50000"/>
+                    <a:lumMod val="75000"/>
                   </a:schemeClr>
                 </a:solidFill>
                 <a:latin typeface="Arial"/>
                 <a:cs typeface="Arial"/>
               </a:rPr>
-              <a:t>1) This section holds the list of books available in personal section</a:t>
-            </a:r>
-          </a:p>
-          <a:p>
-            <a:r>
-              <a:rPr lang="en-GB" sz="2800" b="1" dirty="0">
+              <a:t>BootStrap</a:t>
+            </a:r>
+            <a:r>
+              <a:rPr lang="en-GB" sz="2400" b="1" dirty="0">
                 <a:solidFill>
                   <a:schemeClr val="accent1">
-                    <a:lumMod val="50000"/>
+                    <a:lumMod val="75000"/>
                   </a:schemeClr>
                 </a:solidFill>
                 <a:latin typeface="Arial"/>
                 <a:cs typeface="Arial"/>
               </a:rPr>
-              <a:t>                      </a:t>
-            </a:r>
-            <a:endParaRPr lang="en-GB" sz="2800" b="1">
-              <a:solidFill>
-                <a:schemeClr val="accent1">
-                  <a:lumMod val="50000"/>
-                </a:schemeClr>
-              </a:solidFill>
-              <a:latin typeface="Arial"/>
-              <a:cs typeface="Arial"/>
-            </a:endParaRPr>
-          </a:p>
-          <a:p>
-            <a:r>
-              <a:rPr lang="en-GB" sz="2800" b="1" dirty="0">
+              <a:t>)</a:t>
+            </a:r>
+          </a:p>
+          <a:p>
+            <a:r>
+              <a:rPr lang="en-GB" sz="2400" b="1" dirty="0">
+                <a:solidFill>
+                  <a:srgbClr val="FF0000"/>
+                </a:solidFill>
+                <a:latin typeface="Arial"/>
+                <a:cs typeface="Arial"/>
+              </a:rPr>
+              <a:t>                </a:t>
+            </a:r>
+            <a:r>
+              <a:rPr lang="en-GB" sz="2400" b="1" dirty="0">
+                <a:latin typeface="Arial"/>
+                <a:cs typeface="Arial"/>
+              </a:rPr>
+              <a:t> -    User Input </a:t>
+            </a:r>
+            <a:r>
+              <a:rPr lang="en-GB" sz="2400" b="1" dirty="0">
                 <a:solidFill>
                   <a:schemeClr val="accent1">
-                    <a:lumMod val="50000"/>
+                    <a:lumMod val="75000"/>
                   </a:schemeClr>
                 </a:solidFill>
                 <a:latin typeface="Arial"/>
                 <a:cs typeface="Arial"/>
               </a:rPr>
-              <a:t>               2)  In addition to that it has customized search where we can able to search the books based on topics.</a:t>
-            </a:r>
-            <a:endParaRPr lang="en-GB" sz="2800" b="1">
+              <a:t>: User Name and Password </a:t>
+            </a:r>
+          </a:p>
+          <a:p>
+            <a:r>
+              <a:rPr lang="en-GB" sz="3200" b="1" dirty="0">
+                <a:solidFill>
+                  <a:srgbClr val="FF0000"/>
+                </a:solidFill>
+                <a:latin typeface="Arial"/>
+                <a:cs typeface="Arial"/>
+              </a:rPr>
+              <a:t>Login.js </a:t>
+            </a:r>
+            <a:r>
+              <a:rPr lang="en-GB" sz="2400" b="1" dirty="0">
+                <a:solidFill>
+                  <a:schemeClr val="accent1">
+                    <a:lumMod val="75000"/>
+                  </a:schemeClr>
+                </a:solidFill>
+                <a:latin typeface="Arial"/>
+                <a:cs typeface="Arial"/>
+              </a:rPr>
+              <a:t>(JavaScript,  AJAX, Mongoose, Express)</a:t>
+            </a:r>
+            <a:endParaRPr lang="en-GB" sz="2400" b="1" dirty="0">
               <a:solidFill>
-                <a:schemeClr val="accent1">
-                  <a:lumMod val="50000"/>
-                </a:schemeClr>
+                <a:srgbClr val="FF0000"/>
               </a:solidFill>
               <a:latin typeface="Arial"/>
               <a:cs typeface="Arial"/>
             </a:endParaRPr>
           </a:p>
+          <a:p>
+            <a:r>
+              <a:rPr lang="en-GB" sz="3200" b="1" dirty="0">
+                <a:solidFill>
+                  <a:srgbClr val="FF0000"/>
+                </a:solidFill>
+                <a:latin typeface="Arial"/>
+                <a:cs typeface="Arial"/>
+              </a:rPr>
+              <a:t>             </a:t>
+            </a:r>
+            <a:r>
+              <a:rPr lang="en-GB" sz="2400" b="1" dirty="0">
+                <a:latin typeface="Arial"/>
+                <a:cs typeface="Arial"/>
+              </a:rPr>
+              <a:t>-</a:t>
+            </a:r>
+            <a:r>
+              <a:rPr lang="en-GB" sz="2400" b="1" dirty="0">
+                <a:solidFill>
+                  <a:schemeClr val="accent1">
+                    <a:lumMod val="75000"/>
+                  </a:schemeClr>
+                </a:solidFill>
+                <a:latin typeface="Arial"/>
+                <a:cs typeface="Arial"/>
+              </a:rPr>
+              <a:t>   </a:t>
+            </a:r>
+            <a:r>
+              <a:rPr lang="en-GB" sz="2400" b="1" dirty="0">
+                <a:latin typeface="Arial"/>
+                <a:cs typeface="Arial"/>
+              </a:rPr>
+              <a:t>Validation  Success</a:t>
+            </a:r>
+          </a:p>
+          <a:p>
+            <a:r>
+              <a:rPr lang="en-GB" sz="2800" b="1" dirty="0">
+                <a:solidFill>
+                  <a:schemeClr val="accent1">
+                    <a:lumMod val="75000"/>
+                  </a:schemeClr>
+                </a:solidFill>
+                <a:latin typeface="Arial"/>
+                <a:cs typeface="Arial"/>
+              </a:rPr>
+              <a:t>                                       </a:t>
+            </a:r>
+            <a:r>
+              <a:rPr lang="en-GB" sz="2400" b="1" dirty="0">
+                <a:solidFill>
+                  <a:schemeClr val="accent1">
+                    <a:lumMod val="75000"/>
+                  </a:schemeClr>
+                </a:solidFill>
+                <a:latin typeface="Arial"/>
+                <a:cs typeface="Arial"/>
+              </a:rPr>
+              <a:t>Render to Personal Section</a:t>
+            </a:r>
+          </a:p>
+          <a:p>
+            <a:r>
+              <a:rPr lang="en-GB" sz="2800" b="1" dirty="0">
+                <a:solidFill>
+                  <a:schemeClr val="accent1">
+                    <a:lumMod val="75000"/>
+                  </a:schemeClr>
+                </a:solidFill>
+                <a:latin typeface="Arial"/>
+                <a:cs typeface="Arial"/>
+              </a:rPr>
+              <a:t>               </a:t>
+            </a:r>
+            <a:r>
+              <a:rPr lang="en-GB" sz="2400" b="1" dirty="0">
+                <a:latin typeface="Arial"/>
+                <a:cs typeface="Arial"/>
+              </a:rPr>
+              <a:t>-   Validation  Failure</a:t>
+            </a:r>
+          </a:p>
+          <a:p>
+            <a:r>
+              <a:rPr lang="en-GB" sz="2400" b="1" dirty="0">
+                <a:solidFill>
+                  <a:schemeClr val="accent1">
+                    <a:lumMod val="75000"/>
+                  </a:schemeClr>
+                </a:solidFill>
+                <a:latin typeface="Arial"/>
+                <a:cs typeface="Arial"/>
+              </a:rPr>
+              <a:t>                                       Render to same page with Error Message</a:t>
+            </a:r>
+          </a:p>
+          <a:p>
+            <a:r>
+              <a:rPr lang="en-GB" sz="2800" b="1" dirty="0">
+                <a:solidFill>
+                  <a:schemeClr val="accent1">
+                    <a:lumMod val="75000"/>
+                  </a:schemeClr>
+                </a:solidFill>
+                <a:latin typeface="Arial"/>
+                <a:cs typeface="Arial"/>
+              </a:rPr>
+              <a:t>                </a:t>
+            </a:r>
+          </a:p>
         </p:txBody>
       </p:sp>
     </p:spTree>
     <p:extLst>
       <p:ext uri="{BB962C8B-B14F-4D97-AF65-F5344CB8AC3E}">
-        <p14:creationId xmlns:p14="http://schemas.microsoft.com/office/powerpoint/2010/main" val="2452647310"/>
+        <p14:creationId xmlns:p14="http://schemas.microsoft.com/office/powerpoint/2010/main" val="1121063019"/>
       </p:ext>
     </p:extLst>
   </p:cSld>
@@ -7817,7 +7946,7 @@
       </p:grpSpPr>
       <p:sp useBgFill="1">
         <p:nvSpPr>
-          <p:cNvPr id="8" name="Rectangle 7">
+          <p:cNvPr id="5" name="Rectangle 7">
             <a:extLst>
               <a:ext uri="{FF2B5EF4-FFF2-40B4-BE49-F238E27FC236}">
                 <a16:creationId xmlns:a16="http://schemas.microsoft.com/office/drawing/2014/main" id="{29DC5A77-10C9-4ECF-B7EB-8D917F36A9EE}"/>
@@ -7877,7 +8006,7 @@
       </p:sp>
       <p:sp>
         <p:nvSpPr>
-          <p:cNvPr id="10" name="Rectangle 9">
+          <p:cNvPr id="6" name="Rectangle 9">
             <a:extLst>
               <a:ext uri="{FF2B5EF4-FFF2-40B4-BE49-F238E27FC236}">
                 <a16:creationId xmlns:a16="http://schemas.microsoft.com/office/drawing/2014/main" id="{2FFE28B5-FB16-49A9-B851-3C35FAC0CACB}"/>
@@ -7942,7 +8071,7 @@
           <p:cNvPr id="2" name="Title 1">
             <a:extLst>
               <a:ext uri="{FF2B5EF4-FFF2-40B4-BE49-F238E27FC236}">
-                <a16:creationId xmlns:a16="http://schemas.microsoft.com/office/drawing/2014/main" id="{FD65F6C6-3FCF-459F-8A15-0D9283A6E883}"/>
+                <a16:creationId xmlns:a16="http://schemas.microsoft.com/office/drawing/2014/main" id="{42CA5B38-EBAF-4C64-91A1-6E5300D607D5}"/>
               </a:ext>
             </a:extLst>
           </p:cNvPr>
@@ -7960,21 +8089,22 @@
           </a:xfrm>
         </p:spPr>
         <p:txBody>
-          <a:bodyPr>
+          <a:bodyPr vert="horz" lIns="91440" tIns="45720" rIns="91440" bIns="45720" rtlCol="0">
             <a:normAutofit/>
           </a:bodyPr>
           <a:lstStyle/>
           <a:p>
             <a:r>
-              <a:rPr lang="en-GB" dirty="0"/>
-              <a:t>                      PERSONAL SECTION</a:t>
-            </a:r>
+              <a:rPr lang="en-US" b="1" spc="-100" dirty="0"/>
+              <a:t>                               PERSONAL SECTION</a:t>
+            </a:r>
+            <a:endParaRPr lang="en-US" dirty="0"/>
           </a:p>
         </p:txBody>
       </p:sp>
       <p:sp>
         <p:nvSpPr>
-          <p:cNvPr id="12" name="Rectangle 11">
+          <p:cNvPr id="7" name="Rectangle 11">
             <a:extLst>
               <a:ext uri="{FF2B5EF4-FFF2-40B4-BE49-F238E27FC236}">
                 <a16:creationId xmlns:a16="http://schemas.microsoft.com/office/drawing/2014/main" id="{01014442-855A-4E0F-8D09-C314661A48B9}"/>
@@ -8031,7 +8161,7 @@
       </p:sp>
       <p:sp>
         <p:nvSpPr>
-          <p:cNvPr id="14" name="Rectangle 13">
+          <p:cNvPr id="9" name="Rectangle 13">
             <a:extLst>
               <a:ext uri="{FF2B5EF4-FFF2-40B4-BE49-F238E27FC236}">
                 <a16:creationId xmlns:a16="http://schemas.microsoft.com/office/drawing/2014/main" id="{9B1ABF09-86CF-414E-88A5-2B84CC7232A9}"/>
@@ -8088,7 +8218,7 @@
       </p:sp>
       <p:sp>
         <p:nvSpPr>
-          <p:cNvPr id="16" name="Rectangle 15">
+          <p:cNvPr id="11" name="Rectangle 15">
             <a:extLst>
               <a:ext uri="{FF2B5EF4-FFF2-40B4-BE49-F238E27FC236}">
                 <a16:creationId xmlns:a16="http://schemas.microsoft.com/office/drawing/2014/main" id="{3FE91770-CDBB-4D24-94E5-AD484F36CE87}"/>
@@ -8152,39 +8282,139 @@
           </a:p>
         </p:txBody>
       </p:sp>
-      <p:pic>
-        <p:nvPicPr>
-          <p:cNvPr id="4" name="Picture 4" descr="A screenshot of a cell phone&#10;&#10;Description generated with very high confidence">
+      <p:sp>
+        <p:nvSpPr>
+          <p:cNvPr id="10" name="TextBox 9">
             <a:extLst>
               <a:ext uri="{FF2B5EF4-FFF2-40B4-BE49-F238E27FC236}">
-                <a16:creationId xmlns:a16="http://schemas.microsoft.com/office/drawing/2014/main" id="{49573FA8-BE3D-4481-AB71-158672E62A28}"/>
+                <a16:creationId xmlns:a16="http://schemas.microsoft.com/office/drawing/2014/main" id="{E7E1857B-DD12-4EAA-A375-66DFDDF0CACF}"/>
               </a:ext>
             </a:extLst>
           </p:cNvPr>
-          <p:cNvPicPr>
-            <a:picLocks noGrp="1" noChangeAspect="1"/>
-          </p:cNvPicPr>
-          <p:nvPr>
-            <p:ph idx="1"/>
-          </p:nvPr>
-        </p:nvPicPr>
-        <p:blipFill>
-          <a:blip r:embed="rId2"/>
-          <a:stretch>
-            <a:fillRect/>
-          </a:stretch>
-        </p:blipFill>
-        <p:spPr>
-          <a:xfrm>
-            <a:off x="4866" y="2525296"/>
-            <a:ext cx="12189639" cy="4336757"/>
-          </a:xfrm>
-        </p:spPr>
-      </p:pic>
+          <p:cNvSpPr txBox="1"/>
+          <p:nvPr/>
+        </p:nvSpPr>
+        <p:spPr>
+          <a:xfrm>
+            <a:off x="1877683" y="3085381"/>
+            <a:ext cx="9284897" cy="3570208"/>
+          </a:xfrm>
+          <a:prstGeom prst="rect">
+            <a:avLst/>
+          </a:prstGeom>
+          <a:noFill/>
+        </p:spPr>
+        <p:txBody>
+          <a:bodyPr rot="0" spcFirstLastPara="0" vertOverflow="overflow" horzOverflow="overflow" vert="horz" wrap="square" lIns="91440" tIns="45720" rIns="91440" bIns="45720" numCol="1" spcCol="0" rtlCol="0" fromWordArt="0" anchor="t" anchorCtr="0" forceAA="0" compatLnSpc="1">
+            <a:prstTxWarp prst="textNoShape">
+              <a:avLst/>
+            </a:prstTxWarp>
+            <a:spAutoFit/>
+          </a:bodyPr>
+          <a:lstStyle/>
+          <a:p>
+            <a:r>
+              <a:rPr lang="en-GB" sz="4000" b="1" dirty="0">
+                <a:solidFill>
+                  <a:srgbClr val="FF0000"/>
+                </a:solidFill>
+                <a:latin typeface="Arial"/>
+                <a:cs typeface="Arial"/>
+              </a:rPr>
+              <a:t>Personal Section :</a:t>
+            </a:r>
+          </a:p>
+          <a:p>
+            <a:r>
+              <a:rPr lang="en-GB" dirty="0">
+                <a:latin typeface="Arial"/>
+                <a:cs typeface="Arial"/>
+              </a:rPr>
+              <a:t>                      </a:t>
+            </a:r>
+            <a:endParaRPr lang="en-GB">
+              <a:latin typeface="Arial"/>
+              <a:cs typeface="Arial"/>
+            </a:endParaRPr>
+          </a:p>
+          <a:p>
+            <a:r>
+              <a:rPr lang="en-GB" dirty="0">
+                <a:solidFill>
+                  <a:schemeClr val="accent1">
+                    <a:lumMod val="50000"/>
+                  </a:schemeClr>
+                </a:solidFill>
+                <a:latin typeface="Arial"/>
+                <a:cs typeface="Arial"/>
+              </a:rPr>
+              <a:t>                      </a:t>
+            </a:r>
+            <a:r>
+              <a:rPr lang="en-GB" sz="2800" b="1" dirty="0">
+                <a:solidFill>
+                  <a:schemeClr val="accent1">
+                    <a:lumMod val="50000"/>
+                  </a:schemeClr>
+                </a:solidFill>
+                <a:latin typeface="Arial"/>
+                <a:cs typeface="Arial"/>
+              </a:rPr>
+              <a:t>1) This section holds the list of books available in personal section</a:t>
+            </a:r>
+          </a:p>
+          <a:p>
+            <a:r>
+              <a:rPr lang="en-GB" sz="2800" b="1" dirty="0">
+                <a:solidFill>
+                  <a:schemeClr val="accent1">
+                    <a:lumMod val="50000"/>
+                  </a:schemeClr>
+                </a:solidFill>
+                <a:latin typeface="Arial"/>
+                <a:cs typeface="Arial"/>
+              </a:rPr>
+              <a:t>                      </a:t>
+            </a:r>
+            <a:endParaRPr lang="en-GB" sz="2800" b="1">
+              <a:solidFill>
+                <a:schemeClr val="accent1">
+                  <a:lumMod val="50000"/>
+                </a:schemeClr>
+              </a:solidFill>
+              <a:latin typeface="Arial"/>
+              <a:cs typeface="Arial"/>
+            </a:endParaRPr>
+          </a:p>
+          <a:p>
+            <a:r>
+              <a:rPr lang="en-GB" sz="2800" b="1" dirty="0">
+                <a:solidFill>
+                  <a:schemeClr val="accent1">
+                    <a:lumMod val="50000"/>
+                  </a:schemeClr>
+                </a:solidFill>
+                <a:latin typeface="Arial"/>
+                <a:cs typeface="Arial"/>
+              </a:rPr>
+              <a:t>               2)  In addition to that it has customized search where we can able to search the books based on topics.</a:t>
+            </a:r>
+            <a:endParaRPr lang="en-GB" sz="2800" b="1">
+              <a:solidFill>
+                <a:schemeClr val="accent1">
+                  <a:lumMod val="50000"/>
+                </a:schemeClr>
+              </a:solidFill>
+              <a:latin typeface="Arial"/>
+              <a:cs typeface="Arial"/>
+            </a:endParaRPr>
+          </a:p>
+        </p:txBody>
+      </p:sp>
     </p:spTree>
     <p:extLst>
       <p:ext uri="{BB962C8B-B14F-4D97-AF65-F5344CB8AC3E}">
-        <p14:creationId xmlns:p14="http://schemas.microsoft.com/office/powerpoint/2010/main" val="1913734537"/>
+        <p14:creationId xmlns:p14="http://schemas.microsoft.com/office/powerpoint/2010/main" val="2452647310"/>
       </p:ext>
     </p:extLst>
   </p:cSld>
@@ -8221,7 +8451,7 @@
       </p:grpSpPr>
       <p:sp useBgFill="1">
         <p:nvSpPr>
-          <p:cNvPr id="5" name="Rectangle 7">
+          <p:cNvPr id="8" name="Rectangle 7">
             <a:extLst>
               <a:ext uri="{FF2B5EF4-FFF2-40B4-BE49-F238E27FC236}">
                 <a16:creationId xmlns:a16="http://schemas.microsoft.com/office/drawing/2014/main" id="{29DC5A77-10C9-4ECF-B7EB-8D917F36A9EE}"/>
@@ -8281,7 +8511,7 @@
       </p:sp>
       <p:sp>
         <p:nvSpPr>
-          <p:cNvPr id="6" name="Rectangle 9">
+          <p:cNvPr id="10" name="Rectangle 9">
             <a:extLst>
               <a:ext uri="{FF2B5EF4-FFF2-40B4-BE49-F238E27FC236}">
                 <a16:creationId xmlns:a16="http://schemas.microsoft.com/office/drawing/2014/main" id="{2FFE28B5-FB16-49A9-B851-3C35FAC0CACB}"/>
@@ -8346,7 +8576,7 @@
           <p:cNvPr id="2" name="Title 1">
             <a:extLst>
               <a:ext uri="{FF2B5EF4-FFF2-40B4-BE49-F238E27FC236}">
-                <a16:creationId xmlns:a16="http://schemas.microsoft.com/office/drawing/2014/main" id="{42CA5B38-EBAF-4C64-91A1-6E5300D607D5}"/>
+                <a16:creationId xmlns:a16="http://schemas.microsoft.com/office/drawing/2014/main" id="{FD65F6C6-3FCF-459F-8A15-0D9283A6E883}"/>
               </a:ext>
             </a:extLst>
           </p:cNvPr>
@@ -8364,22 +8594,21 @@
           </a:xfrm>
         </p:spPr>
         <p:txBody>
-          <a:bodyPr vert="horz" lIns="91440" tIns="45720" rIns="91440" bIns="45720" rtlCol="0">
+          <a:bodyPr>
             <a:normAutofit/>
           </a:bodyPr>
           <a:lstStyle/>
           <a:p>
             <a:r>
-              <a:rPr lang="en-US" b="1" spc="-100" dirty="0"/>
-              <a:t>                               SOCIAL SECTION</a:t>
-            </a:r>
-            <a:endParaRPr lang="en-US" dirty="0"/>
+              <a:rPr lang="en-GB" dirty="0"/>
+              <a:t>                      PERSONAL SECTION</a:t>
+            </a:r>
           </a:p>
         </p:txBody>
       </p:sp>
       <p:sp>
         <p:nvSpPr>
-          <p:cNvPr id="7" name="Rectangle 11">
+          <p:cNvPr id="12" name="Rectangle 11">
             <a:extLst>
               <a:ext uri="{FF2B5EF4-FFF2-40B4-BE49-F238E27FC236}">
                 <a16:creationId xmlns:a16="http://schemas.microsoft.com/office/drawing/2014/main" id="{01014442-855A-4E0F-8D09-C314661A48B9}"/>
@@ -8436,7 +8665,7 @@
       </p:sp>
       <p:sp>
         <p:nvSpPr>
-          <p:cNvPr id="9" name="Rectangle 13">
+          <p:cNvPr id="14" name="Rectangle 13">
             <a:extLst>
               <a:ext uri="{FF2B5EF4-FFF2-40B4-BE49-F238E27FC236}">
                 <a16:creationId xmlns:a16="http://schemas.microsoft.com/office/drawing/2014/main" id="{9B1ABF09-86CF-414E-88A5-2B84CC7232A9}"/>
@@ -8493,7 +8722,7 @@
       </p:sp>
       <p:sp>
         <p:nvSpPr>
-          <p:cNvPr id="11" name="Rectangle 15">
+          <p:cNvPr id="16" name="Rectangle 15">
             <a:extLst>
               <a:ext uri="{FF2B5EF4-FFF2-40B4-BE49-F238E27FC236}">
                 <a16:creationId xmlns:a16="http://schemas.microsoft.com/office/drawing/2014/main" id="{3FE91770-CDBB-4D24-94E5-AD484F36CE87}"/>
@@ -8557,117 +8786,39 @@
           </a:p>
         </p:txBody>
       </p:sp>
-      <p:sp>
-        <p:nvSpPr>
-          <p:cNvPr id="10" name="TextBox 9">
+      <p:pic>
+        <p:nvPicPr>
+          <p:cNvPr id="4" name="Picture 4" descr="A screenshot of a cell phone&#10;&#10;Description generated with very high confidence">
             <a:extLst>
               <a:ext uri="{FF2B5EF4-FFF2-40B4-BE49-F238E27FC236}">
-                <a16:creationId xmlns:a16="http://schemas.microsoft.com/office/drawing/2014/main" id="{E7E1857B-DD12-4EAA-A375-66DFDDF0CACF}"/>
+                <a16:creationId xmlns:a16="http://schemas.microsoft.com/office/drawing/2014/main" id="{49573FA8-BE3D-4481-AB71-158672E62A28}"/>
               </a:ext>
             </a:extLst>
           </p:cNvPr>
-          <p:cNvSpPr txBox="1"/>
-          <p:nvPr/>
-        </p:nvSpPr>
-        <p:spPr>
-          <a:xfrm>
-            <a:off x="1877683" y="3085381"/>
-            <a:ext cx="9284897" cy="3570208"/>
-          </a:xfrm>
-          <a:prstGeom prst="rect">
-            <a:avLst/>
-          </a:prstGeom>
-          <a:noFill/>
-        </p:spPr>
-        <p:txBody>
-          <a:bodyPr rot="0" spcFirstLastPara="0" vertOverflow="overflow" horzOverflow="overflow" vert="horz" wrap="square" lIns="91440" tIns="45720" rIns="91440" bIns="45720" numCol="1" spcCol="0" rtlCol="0" fromWordArt="0" anchor="t" anchorCtr="0" forceAA="0" compatLnSpc="1">
-            <a:prstTxWarp prst="textNoShape">
-              <a:avLst/>
-            </a:prstTxWarp>
-            <a:spAutoFit/>
-          </a:bodyPr>
-          <a:lstStyle/>
-          <a:p>
-            <a:r>
-              <a:rPr lang="en-GB" sz="4000" b="1" dirty="0">
-                <a:solidFill>
-                  <a:srgbClr val="FF0000"/>
-                </a:solidFill>
-                <a:latin typeface="Arial"/>
-                <a:cs typeface="Arial"/>
-              </a:rPr>
-              <a:t>Social Section :</a:t>
-            </a:r>
-          </a:p>
-          <a:p>
-            <a:r>
-              <a:rPr lang="en-GB" dirty="0">
-                <a:latin typeface="Arial"/>
-                <a:cs typeface="Arial"/>
-              </a:rPr>
-              <a:t>                      </a:t>
-            </a:r>
-          </a:p>
-          <a:p>
-            <a:r>
-              <a:rPr lang="en-GB" dirty="0">
-                <a:solidFill>
-                  <a:schemeClr val="accent1">
-                    <a:lumMod val="50000"/>
-                  </a:schemeClr>
-                </a:solidFill>
-                <a:latin typeface="Arial"/>
-                <a:cs typeface="Arial"/>
-              </a:rPr>
-              <a:t>                      </a:t>
-            </a:r>
-            <a:r>
-              <a:rPr lang="en-GB" sz="2800" b="1" dirty="0">
-                <a:solidFill>
-                  <a:schemeClr val="accent1">
-                    <a:lumMod val="50000"/>
-                  </a:schemeClr>
-                </a:solidFill>
-                <a:latin typeface="Arial"/>
-                <a:cs typeface="Arial"/>
-              </a:rPr>
-              <a:t>1) This section holds the list of books available in social section</a:t>
-            </a:r>
-          </a:p>
-          <a:p>
-            <a:r>
-              <a:rPr lang="en-GB" sz="2800" b="1" dirty="0">
-                <a:solidFill>
-                  <a:schemeClr val="accent1">
-                    <a:lumMod val="50000"/>
-                  </a:schemeClr>
-                </a:solidFill>
-                <a:latin typeface="Arial"/>
-                <a:cs typeface="Arial"/>
-              </a:rPr>
-              <a:t>                      </a:t>
-            </a:r>
-          </a:p>
-          <a:p>
-            <a:r>
-              <a:rPr lang="en-GB" sz="2800" b="1" dirty="0">
-                <a:solidFill>
-                  <a:schemeClr val="accent1">
-                    <a:lumMod val="50000"/>
-                  </a:schemeClr>
-                </a:solidFill>
-                <a:latin typeface="Arial"/>
-                <a:cs typeface="Arial"/>
-              </a:rPr>
-              <a:t>               2)  In addition to that it has customized search where we can able to search the books based on topics.</a:t>
-            </a:r>
-          </a:p>
-        </p:txBody>
-      </p:sp>
+          <p:cNvPicPr>
+            <a:picLocks noGrp="1" noChangeAspect="1"/>
+          </p:cNvPicPr>
+          <p:nvPr>
+            <p:ph idx="1"/>
+          </p:nvPr>
+        </p:nvPicPr>
+        <p:blipFill>
+          <a:blip r:embed="rId2"/>
+          <a:stretch>
+            <a:fillRect/>
+          </a:stretch>
+        </p:blipFill>
+        <p:spPr>
+          <a:xfrm>
+            <a:off x="4866" y="2525296"/>
+            <a:ext cx="12189639" cy="4336757"/>
+          </a:xfrm>
+        </p:spPr>
+      </p:pic>
     </p:spTree>
     <p:extLst>
       <p:ext uri="{BB962C8B-B14F-4D97-AF65-F5344CB8AC3E}">
-        <p14:creationId xmlns:p14="http://schemas.microsoft.com/office/powerpoint/2010/main" val="627959921"/>
+        <p14:creationId xmlns:p14="http://schemas.microsoft.com/office/powerpoint/2010/main" val="1913734537"/>
       </p:ext>
     </p:extLst>
   </p:cSld>
@@ -9055,7 +9206,7 @@
         <p:spPr>
           <a:xfrm>
             <a:off x="1877683" y="3085381"/>
-            <a:ext cx="9284897" cy="2708434"/>
+            <a:ext cx="9284897" cy="3570208"/>
           </a:xfrm>
           <a:prstGeom prst="rect">
             <a:avLst/>
@@ -9114,7 +9265,7 @@
                 <a:latin typeface="Arial"/>
                 <a:cs typeface="Arial"/>
               </a:rPr>
-              <a:t>3) Book Recommendation:  </a:t>
+              <a:t>1) This section holds the list of books available in social section</a:t>
             </a:r>
           </a:p>
           <a:p>
@@ -9128,7 +9279,7 @@
                 <a:latin typeface="Arial"/>
                 <a:cs typeface="Arial"/>
               </a:rPr>
-              <a:t>                             </a:t>
+              <a:t>                      </a:t>
             </a:r>
           </a:p>
           <a:p>
@@ -9142,31 +9293,7 @@
                 <a:latin typeface="Arial"/>
                 <a:cs typeface="Arial"/>
               </a:rPr>
-              <a:t>                             User can able to view other user books if they share </a:t>
-            </a:r>
-            <a:r>
-              <a:rPr lang="en-GB" sz="2800" b="1" dirty="0" err="1">
-                <a:solidFill>
-                  <a:schemeClr val="accent1">
-                    <a:lumMod val="50000"/>
-                  </a:schemeClr>
-                </a:solidFill>
-                <a:latin typeface="Arial"/>
-                <a:cs typeface="Arial"/>
-              </a:rPr>
-              <a:t>atleast</a:t>
-            </a:r>
-            <a:r>
-              <a:rPr lang="en-GB" sz="2800" b="1" dirty="0">
-                <a:solidFill>
-                  <a:schemeClr val="accent1">
-                    <a:lumMod val="50000"/>
-                  </a:schemeClr>
-                </a:solidFill>
-                <a:latin typeface="Arial"/>
-                <a:cs typeface="Arial"/>
-              </a:rPr>
-              <a:t> three books in common.</a:t>
+              <a:t>               2)  In addition to that it has customized search where we can able to search the books based on topics.</a:t>
             </a:r>
           </a:p>
         </p:txBody>
@@ -9174,7 +9301,7 @@
     </p:spTree>
     <p:extLst>
       <p:ext uri="{BB962C8B-B14F-4D97-AF65-F5344CB8AC3E}">
-        <p14:creationId xmlns:p14="http://schemas.microsoft.com/office/powerpoint/2010/main" val="327072001"/>
+        <p14:creationId xmlns:p14="http://schemas.microsoft.com/office/powerpoint/2010/main" val="627959921"/>
       </p:ext>
     </p:extLst>
   </p:cSld>
@@ -9211,7 +9338,7 @@
       </p:grpSpPr>
       <p:sp useBgFill="1">
         <p:nvSpPr>
-          <p:cNvPr id="8" name="Rectangle 7">
+          <p:cNvPr id="5" name="Rectangle 7">
             <a:extLst>
               <a:ext uri="{FF2B5EF4-FFF2-40B4-BE49-F238E27FC236}">
                 <a16:creationId xmlns:a16="http://schemas.microsoft.com/office/drawing/2014/main" id="{29DC5A77-10C9-4ECF-B7EB-8D917F36A9EE}"/>
@@ -9271,7 +9398,7 @@
       </p:sp>
       <p:sp>
         <p:nvSpPr>
-          <p:cNvPr id="10" name="Rectangle 9">
+          <p:cNvPr id="6" name="Rectangle 9">
             <a:extLst>
               <a:ext uri="{FF2B5EF4-FFF2-40B4-BE49-F238E27FC236}">
                 <a16:creationId xmlns:a16="http://schemas.microsoft.com/office/drawing/2014/main" id="{2FFE28B5-FB16-49A9-B851-3C35FAC0CACB}"/>
@@ -9336,7 +9463,7 @@
           <p:cNvPr id="2" name="Title 1">
             <a:extLst>
               <a:ext uri="{FF2B5EF4-FFF2-40B4-BE49-F238E27FC236}">
-                <a16:creationId xmlns:a16="http://schemas.microsoft.com/office/drawing/2014/main" id="{FD65F6C6-3FCF-459F-8A15-0D9283A6E883}"/>
+                <a16:creationId xmlns:a16="http://schemas.microsoft.com/office/drawing/2014/main" id="{42CA5B38-EBAF-4C64-91A1-6E5300D607D5}"/>
               </a:ext>
             </a:extLst>
           </p:cNvPr>
@@ -9354,21 +9481,22 @@
           </a:xfrm>
         </p:spPr>
         <p:txBody>
-          <a:bodyPr>
+          <a:bodyPr vert="horz" lIns="91440" tIns="45720" rIns="91440" bIns="45720" rtlCol="0">
             <a:normAutofit/>
           </a:bodyPr>
           <a:lstStyle/>
           <a:p>
             <a:r>
-              <a:rPr lang="en-GB" dirty="0"/>
-              <a:t>                      SOCIAL SECTION</a:t>
-            </a:r>
+              <a:rPr lang="en-US" b="1" spc="-100" dirty="0"/>
+              <a:t>                               SOCIAL SECTION</a:t>
+            </a:r>
+            <a:endParaRPr lang="en-US" dirty="0"/>
           </a:p>
         </p:txBody>
       </p:sp>
       <p:sp>
         <p:nvSpPr>
-          <p:cNvPr id="12" name="Rectangle 11">
+          <p:cNvPr id="7" name="Rectangle 11">
             <a:extLst>
               <a:ext uri="{FF2B5EF4-FFF2-40B4-BE49-F238E27FC236}">
                 <a16:creationId xmlns:a16="http://schemas.microsoft.com/office/drawing/2014/main" id="{01014442-855A-4E0F-8D09-C314661A48B9}"/>
@@ -9425,7 +9553,7 @@
       </p:sp>
       <p:sp>
         <p:nvSpPr>
-          <p:cNvPr id="14" name="Rectangle 13">
+          <p:cNvPr id="9" name="Rectangle 13">
             <a:extLst>
               <a:ext uri="{FF2B5EF4-FFF2-40B4-BE49-F238E27FC236}">
                 <a16:creationId xmlns:a16="http://schemas.microsoft.com/office/drawing/2014/main" id="{9B1ABF09-86CF-414E-88A5-2B84CC7232A9}"/>
@@ -9482,7 +9610,7 @@
       </p:sp>
       <p:sp>
         <p:nvSpPr>
-          <p:cNvPr id="16" name="Rectangle 15">
+          <p:cNvPr id="11" name="Rectangle 15">
             <a:extLst>
               <a:ext uri="{FF2B5EF4-FFF2-40B4-BE49-F238E27FC236}">
                 <a16:creationId xmlns:a16="http://schemas.microsoft.com/office/drawing/2014/main" id="{3FE91770-CDBB-4D24-94E5-AD484F36CE87}"/>
@@ -9546,39 +9674,141 @@
           </a:p>
         </p:txBody>
       </p:sp>
-      <p:pic>
-        <p:nvPicPr>
-          <p:cNvPr id="6" name="Picture 6" descr="A screenshot of a cell phone&#10;&#10;Description generated with very high confidence">
+      <p:sp>
+        <p:nvSpPr>
+          <p:cNvPr id="10" name="TextBox 9">
             <a:extLst>
               <a:ext uri="{FF2B5EF4-FFF2-40B4-BE49-F238E27FC236}">
-                <a16:creationId xmlns:a16="http://schemas.microsoft.com/office/drawing/2014/main" id="{2054E8E3-3658-4854-9F6D-8025AC785776}"/>
+                <a16:creationId xmlns:a16="http://schemas.microsoft.com/office/drawing/2014/main" id="{E7E1857B-DD12-4EAA-A375-66DFDDF0CACF}"/>
               </a:ext>
             </a:extLst>
           </p:cNvPr>
-          <p:cNvPicPr>
-            <a:picLocks noGrp="1" noChangeAspect="1"/>
-          </p:cNvPicPr>
-          <p:nvPr>
-            <p:ph idx="1"/>
-          </p:nvPr>
-        </p:nvPicPr>
-        <p:blipFill>
-          <a:blip r:embed="rId2"/>
-          <a:stretch>
-            <a:fillRect/>
-          </a:stretch>
-        </p:blipFill>
-        <p:spPr>
-          <a:xfrm>
-            <a:off x="1758" y="2413747"/>
-            <a:ext cx="12189124" cy="4839323"/>
-          </a:xfrm>
-        </p:spPr>
-      </p:pic>
+          <p:cNvSpPr txBox="1"/>
+          <p:nvPr/>
+        </p:nvSpPr>
+        <p:spPr>
+          <a:xfrm>
+            <a:off x="1877683" y="3085381"/>
+            <a:ext cx="9284897" cy="2708434"/>
+          </a:xfrm>
+          <a:prstGeom prst="rect">
+            <a:avLst/>
+          </a:prstGeom>
+          <a:noFill/>
+        </p:spPr>
+        <p:txBody>
+          <a:bodyPr rot="0" spcFirstLastPara="0" vertOverflow="overflow" horzOverflow="overflow" vert="horz" wrap="square" lIns="91440" tIns="45720" rIns="91440" bIns="45720" numCol="1" spcCol="0" rtlCol="0" fromWordArt="0" anchor="t" anchorCtr="0" forceAA="0" compatLnSpc="1">
+            <a:prstTxWarp prst="textNoShape">
+              <a:avLst/>
+            </a:prstTxWarp>
+            <a:spAutoFit/>
+          </a:bodyPr>
+          <a:lstStyle/>
+          <a:p>
+            <a:r>
+              <a:rPr lang="en-GB" sz="4000" b="1" dirty="0">
+                <a:solidFill>
+                  <a:srgbClr val="FF0000"/>
+                </a:solidFill>
+                <a:latin typeface="Arial"/>
+                <a:cs typeface="Arial"/>
+              </a:rPr>
+              <a:t>Social Section :</a:t>
+            </a:r>
+          </a:p>
+          <a:p>
+            <a:r>
+              <a:rPr lang="en-GB" dirty="0">
+                <a:latin typeface="Arial"/>
+                <a:cs typeface="Arial"/>
+              </a:rPr>
+              <a:t>                      </a:t>
+            </a:r>
+          </a:p>
+          <a:p>
+            <a:r>
+              <a:rPr lang="en-GB" dirty="0">
+                <a:solidFill>
+                  <a:schemeClr val="accent1">
+                    <a:lumMod val="50000"/>
+                  </a:schemeClr>
+                </a:solidFill>
+                <a:latin typeface="Arial"/>
+                <a:cs typeface="Arial"/>
+              </a:rPr>
+              <a:t>                      </a:t>
+            </a:r>
+            <a:r>
+              <a:rPr lang="en-GB" sz="2800" b="1" dirty="0">
+                <a:solidFill>
+                  <a:schemeClr val="accent1">
+                    <a:lumMod val="50000"/>
+                  </a:schemeClr>
+                </a:solidFill>
+                <a:latin typeface="Arial"/>
+                <a:cs typeface="Arial"/>
+              </a:rPr>
+              <a:t>3) Book Recommendation:  </a:t>
+            </a:r>
+          </a:p>
+          <a:p>
+            <a:r>
+              <a:rPr lang="en-GB" sz="2800" b="1" dirty="0">
+                <a:solidFill>
+                  <a:schemeClr val="accent1">
+                    <a:lumMod val="50000"/>
+                  </a:schemeClr>
+                </a:solidFill>
+                <a:latin typeface="Arial"/>
+                <a:cs typeface="Arial"/>
+              </a:rPr>
+              <a:t>                             </a:t>
+            </a:r>
+          </a:p>
+          <a:p>
+            <a:r>
+              <a:rPr lang="en-GB" sz="2800" b="1" dirty="0">
+                <a:solidFill>
+                  <a:schemeClr val="accent1">
+                    <a:lumMod val="50000"/>
+                  </a:schemeClr>
+                </a:solidFill>
+                <a:latin typeface="Arial"/>
+                <a:cs typeface="Arial"/>
+              </a:rPr>
+              <a:t>                             User can able to view other user books if they share </a:t>
+            </a:r>
+            <a:r>
+              <a:rPr lang="en-GB" sz="2800" b="1" dirty="0" err="1">
+                <a:solidFill>
+                  <a:schemeClr val="accent1">
+                    <a:lumMod val="50000"/>
+                  </a:schemeClr>
+                </a:solidFill>
+                <a:latin typeface="Arial"/>
+                <a:cs typeface="Arial"/>
+              </a:rPr>
+              <a:t>atleast</a:t>
+            </a:r>
+            <a:r>
+              <a:rPr lang="en-GB" sz="2800" b="1" dirty="0">
+                <a:solidFill>
+                  <a:schemeClr val="accent1">
+                    <a:lumMod val="50000"/>
+                  </a:schemeClr>
+                </a:solidFill>
+                <a:latin typeface="Arial"/>
+                <a:cs typeface="Arial"/>
+              </a:rPr>
+              <a:t> three books in common.</a:t>
+            </a:r>
+          </a:p>
+        </p:txBody>
+      </p:sp>
     </p:spTree>
     <p:extLst>
       <p:ext uri="{BB962C8B-B14F-4D97-AF65-F5344CB8AC3E}">
-        <p14:creationId xmlns:p14="http://schemas.microsoft.com/office/powerpoint/2010/main" val="1955348653"/>
+        <p14:creationId xmlns:p14="http://schemas.microsoft.com/office/powerpoint/2010/main" val="327072001"/>
       </p:ext>
     </p:extLst>
   </p:cSld>
@@ -9615,7 +9845,7 @@
       </p:grpSpPr>
       <p:sp useBgFill="1">
         <p:nvSpPr>
-          <p:cNvPr id="5" name="Rectangle 7">
+          <p:cNvPr id="8" name="Rectangle 7">
             <a:extLst>
               <a:ext uri="{FF2B5EF4-FFF2-40B4-BE49-F238E27FC236}">
                 <a16:creationId xmlns:a16="http://schemas.microsoft.com/office/drawing/2014/main" id="{29DC5A77-10C9-4ECF-B7EB-8D917F36A9EE}"/>
@@ -9675,7 +9905,7 @@
       </p:sp>
       <p:sp>
         <p:nvSpPr>
-          <p:cNvPr id="6" name="Rectangle 9">
+          <p:cNvPr id="10" name="Rectangle 9">
             <a:extLst>
               <a:ext uri="{FF2B5EF4-FFF2-40B4-BE49-F238E27FC236}">
                 <a16:creationId xmlns:a16="http://schemas.microsoft.com/office/drawing/2014/main" id="{2FFE28B5-FB16-49A9-B851-3C35FAC0CACB}"/>
@@ -9740,7 +9970,7 @@
           <p:cNvPr id="2" name="Title 1">
             <a:extLst>
               <a:ext uri="{FF2B5EF4-FFF2-40B4-BE49-F238E27FC236}">
-                <a16:creationId xmlns:a16="http://schemas.microsoft.com/office/drawing/2014/main" id="{42CA5B38-EBAF-4C64-91A1-6E5300D607D5}"/>
+                <a16:creationId xmlns:a16="http://schemas.microsoft.com/office/drawing/2014/main" id="{FD65F6C6-3FCF-459F-8A15-0D9283A6E883}"/>
               </a:ext>
             </a:extLst>
           </p:cNvPr>
@@ -9758,22 +9988,21 @@
           </a:xfrm>
         </p:spPr>
         <p:txBody>
-          <a:bodyPr vert="horz" lIns="91440" tIns="45720" rIns="91440" bIns="45720" rtlCol="0">
+          <a:bodyPr>
             <a:normAutofit/>
           </a:bodyPr>
           <a:lstStyle/>
           <a:p>
             <a:r>
-              <a:rPr lang="en-US" b="1" spc="-100" dirty="0"/>
-              <a:t>                                    ADD BOOK</a:t>
-            </a:r>
-            <a:endParaRPr lang="en-US" dirty="0"/>
+              <a:rPr lang="en-GB" dirty="0"/>
+              <a:t>                      SOCIAL SECTION</a:t>
+            </a:r>
           </a:p>
         </p:txBody>
       </p:sp>
       <p:sp>
         <p:nvSpPr>
-          <p:cNvPr id="7" name="Rectangle 11">
+          <p:cNvPr id="12" name="Rectangle 11">
             <a:extLst>
               <a:ext uri="{FF2B5EF4-FFF2-40B4-BE49-F238E27FC236}">
                 <a16:creationId xmlns:a16="http://schemas.microsoft.com/office/drawing/2014/main" id="{01014442-855A-4E0F-8D09-C314661A48B9}"/>
@@ -9830,7 +10059,7 @@
       </p:sp>
       <p:sp>
         <p:nvSpPr>
-          <p:cNvPr id="9" name="Rectangle 13">
+          <p:cNvPr id="14" name="Rectangle 13">
             <a:extLst>
               <a:ext uri="{FF2B5EF4-FFF2-40B4-BE49-F238E27FC236}">
                 <a16:creationId xmlns:a16="http://schemas.microsoft.com/office/drawing/2014/main" id="{9B1ABF09-86CF-414E-88A5-2B84CC7232A9}"/>
@@ -9887,7 +10116,7 @@
       </p:sp>
       <p:sp>
         <p:nvSpPr>
-          <p:cNvPr id="11" name="Rectangle 15">
+          <p:cNvPr id="16" name="Rectangle 15">
             <a:extLst>
               <a:ext uri="{FF2B5EF4-FFF2-40B4-BE49-F238E27FC236}">
                 <a16:creationId xmlns:a16="http://schemas.microsoft.com/office/drawing/2014/main" id="{3FE91770-CDBB-4D24-94E5-AD484F36CE87}"/>
@@ -9951,202 +10180,39 @@
           </a:p>
         </p:txBody>
       </p:sp>
-      <p:sp>
-        <p:nvSpPr>
-          <p:cNvPr id="10" name="TextBox 9">
+      <p:pic>
+        <p:nvPicPr>
+          <p:cNvPr id="6" name="Picture 6" descr="A screenshot of a cell phone&#10;&#10;Description generated with very high confidence">
             <a:extLst>
               <a:ext uri="{FF2B5EF4-FFF2-40B4-BE49-F238E27FC236}">
-                <a16:creationId xmlns:a16="http://schemas.microsoft.com/office/drawing/2014/main" id="{E7E1857B-DD12-4EAA-A375-66DFDDF0CACF}"/>
+                <a16:creationId xmlns:a16="http://schemas.microsoft.com/office/drawing/2014/main" id="{2054E8E3-3658-4854-9F6D-8025AC785776}"/>
               </a:ext>
             </a:extLst>
           </p:cNvPr>
-          <p:cNvSpPr txBox="1"/>
-          <p:nvPr/>
-        </p:nvSpPr>
-        <p:spPr>
-          <a:xfrm>
-            <a:off x="1273834" y="2567797"/>
-            <a:ext cx="9888746" cy="3231654"/>
-          </a:xfrm>
-          <a:prstGeom prst="rect">
-            <a:avLst/>
-          </a:prstGeom>
-          <a:noFill/>
-        </p:spPr>
-        <p:txBody>
-          <a:bodyPr rot="0" spcFirstLastPara="0" vertOverflow="overflow" horzOverflow="overflow" vert="horz" wrap="square" lIns="91440" tIns="45720" rIns="91440" bIns="45720" numCol="1" spcCol="0" rtlCol="0" fromWordArt="0" anchor="t" anchorCtr="0" forceAA="0" compatLnSpc="1">
-            <a:prstTxWarp prst="textNoShape">
-              <a:avLst/>
-            </a:prstTxWarp>
-            <a:spAutoFit/>
-          </a:bodyPr>
-          <a:lstStyle/>
-          <a:p>
-            <a:r>
-              <a:rPr lang="en-GB" sz="4000" b="1" dirty="0">
-                <a:solidFill>
-                  <a:srgbClr val="FF0000"/>
-                </a:solidFill>
-                <a:latin typeface="Arial"/>
-                <a:cs typeface="Arial"/>
-              </a:rPr>
-              <a:t>Add Book :</a:t>
-            </a:r>
-          </a:p>
-          <a:p>
-            <a:r>
-              <a:rPr lang="en-GB" dirty="0">
-                <a:latin typeface="Arial"/>
-                <a:cs typeface="Arial"/>
-              </a:rPr>
-              <a:t>                               </a:t>
-            </a:r>
-            <a:r>
-              <a:rPr lang="en-GB" sz="2800" b="1" dirty="0">
-                <a:solidFill>
-                  <a:schemeClr val="accent1">
-                    <a:lumMod val="50000"/>
-                  </a:schemeClr>
-                </a:solidFill>
-                <a:latin typeface="Arial"/>
-                <a:cs typeface="Arial"/>
-              </a:rPr>
-              <a:t>1)  Here we can add books to this library .The fields which required to add the books includes:</a:t>
-            </a:r>
-            <a:endParaRPr lang="en-GB">
-              <a:solidFill>
-                <a:schemeClr val="accent1">
-                  <a:lumMod val="50000"/>
-                </a:schemeClr>
-              </a:solidFill>
-              <a:latin typeface="Arial"/>
-              <a:cs typeface="Arial"/>
-            </a:endParaRPr>
-          </a:p>
-          <a:p>
-            <a:pPr marL="3028950" lvl="6" indent="-285750">
-              <a:buFont typeface="Wingdings"/>
-              <a:buChar char="Ø"/>
-            </a:pPr>
-            <a:r>
-              <a:rPr lang="en-GB" b="1" dirty="0">
-                <a:solidFill>
-                  <a:schemeClr val="accent1">
-                    <a:lumMod val="50000"/>
-                  </a:schemeClr>
-                </a:solidFill>
-                <a:latin typeface="Arial"/>
-                <a:cs typeface="Arial"/>
-              </a:rPr>
-              <a:t>Title</a:t>
-            </a:r>
-          </a:p>
-          <a:p>
-            <a:pPr marL="3028950" lvl="6" indent="-285750">
-              <a:buFont typeface="Wingdings"/>
-              <a:buChar char="Ø"/>
-            </a:pPr>
-            <a:r>
-              <a:rPr lang="en-GB" b="1" dirty="0">
-                <a:solidFill>
-                  <a:schemeClr val="accent1">
-                    <a:lumMod val="50000"/>
-                  </a:schemeClr>
-                </a:solidFill>
-                <a:latin typeface="Arial"/>
-                <a:cs typeface="Arial"/>
-              </a:rPr>
-              <a:t>Author</a:t>
-            </a:r>
-          </a:p>
-          <a:p>
-            <a:pPr marL="3028950" lvl="6" indent="-285750">
-              <a:buFont typeface="Wingdings"/>
-              <a:buChar char="Ø"/>
-            </a:pPr>
-            <a:r>
-              <a:rPr lang="en-GB" b="1" dirty="0">
-                <a:solidFill>
-                  <a:schemeClr val="accent1">
-                    <a:lumMod val="50000"/>
-                  </a:schemeClr>
-                </a:solidFill>
-                <a:latin typeface="Arial"/>
-                <a:cs typeface="Arial"/>
-              </a:rPr>
-              <a:t>Public Year</a:t>
-            </a:r>
-          </a:p>
-          <a:p>
-            <a:pPr marL="3028950" lvl="6" indent="-285750">
-              <a:buFont typeface="Wingdings"/>
-              <a:buChar char="Ø"/>
-            </a:pPr>
-            <a:r>
-              <a:rPr lang="en-GB" b="1" dirty="0">
-                <a:solidFill>
-                  <a:schemeClr val="accent1">
-                    <a:lumMod val="50000"/>
-                  </a:schemeClr>
-                </a:solidFill>
-                <a:latin typeface="Arial"/>
-                <a:cs typeface="Arial"/>
-              </a:rPr>
-              <a:t>ISBN</a:t>
-            </a:r>
-          </a:p>
-          <a:p>
-            <a:pPr marL="3028950" lvl="6" indent="-285750">
-              <a:buFont typeface="Wingdings"/>
-              <a:buChar char="Ø"/>
-            </a:pPr>
-            <a:r>
-              <a:rPr lang="en-GB" b="1" dirty="0">
-                <a:solidFill>
-                  <a:schemeClr val="accent1">
-                    <a:lumMod val="50000"/>
-                  </a:schemeClr>
-                </a:solidFill>
-                <a:latin typeface="Arial"/>
-                <a:cs typeface="Arial"/>
-              </a:rPr>
-              <a:t>Abstract</a:t>
-            </a:r>
-          </a:p>
-          <a:p>
-            <a:pPr marL="3028950" lvl="6" indent="-285750">
-              <a:buFont typeface="Wingdings"/>
-              <a:buChar char="Ø"/>
-            </a:pPr>
-            <a:r>
-              <a:rPr lang="en-GB" b="1" dirty="0">
-                <a:solidFill>
-                  <a:schemeClr val="accent1">
-                    <a:lumMod val="50000"/>
-                  </a:schemeClr>
-                </a:solidFill>
-                <a:latin typeface="Arial"/>
-                <a:cs typeface="Arial"/>
-              </a:rPr>
-              <a:t>Metadata  </a:t>
-            </a:r>
-            <a:r>
-              <a:rPr lang="en-GB" dirty="0">
-                <a:solidFill>
-                  <a:schemeClr val="accent1">
-                    <a:lumMod val="50000"/>
-                  </a:schemeClr>
-                </a:solidFill>
-              </a:rPr>
-              <a:t>                                                          </a:t>
-            </a:r>
-          </a:p>
-        </p:txBody>
-      </p:sp>
+          <p:cNvPicPr>
+            <a:picLocks noGrp="1" noChangeAspect="1"/>
+          </p:cNvPicPr>
+          <p:nvPr>
+            <p:ph idx="1"/>
+          </p:nvPr>
+        </p:nvPicPr>
+        <p:blipFill>
+          <a:blip r:embed="rId2"/>
+          <a:stretch>
+            <a:fillRect/>
+          </a:stretch>
+        </p:blipFill>
+        <p:spPr>
+          <a:xfrm>
+            <a:off x="1758" y="2413747"/>
+            <a:ext cx="12189124" cy="4839323"/>
+          </a:xfrm>
+        </p:spPr>
+      </p:pic>
     </p:spTree>
     <p:extLst>
       <p:ext uri="{BB962C8B-B14F-4D97-AF65-F5344CB8AC3E}">
-        <p14:creationId xmlns:p14="http://schemas.microsoft.com/office/powerpoint/2010/main" val="4288163776"/>
+        <p14:creationId xmlns:p14="http://schemas.microsoft.com/office/powerpoint/2010/main" val="1955348653"/>
       </p:ext>
     </p:extLst>
   </p:cSld>
@@ -10183,7 +10249,7 @@
       </p:grpSpPr>
       <p:sp useBgFill="1">
         <p:nvSpPr>
-          <p:cNvPr id="8" name="Rectangle 7">
+          <p:cNvPr id="5" name="Rectangle 7">
             <a:extLst>
               <a:ext uri="{FF2B5EF4-FFF2-40B4-BE49-F238E27FC236}">
                 <a16:creationId xmlns:a16="http://schemas.microsoft.com/office/drawing/2014/main" id="{29DC5A77-10C9-4ECF-B7EB-8D917F36A9EE}"/>
@@ -10243,7 +10309,7 @@
       </p:sp>
       <p:sp>
         <p:nvSpPr>
-          <p:cNvPr id="10" name="Rectangle 9">
+          <p:cNvPr id="6" name="Rectangle 9">
             <a:extLst>
               <a:ext uri="{FF2B5EF4-FFF2-40B4-BE49-F238E27FC236}">
                 <a16:creationId xmlns:a16="http://schemas.microsoft.com/office/drawing/2014/main" id="{2FFE28B5-FB16-49A9-B851-3C35FAC0CACB}"/>
@@ -10308,7 +10374,7 @@
           <p:cNvPr id="2" name="Title 1">
             <a:extLst>
               <a:ext uri="{FF2B5EF4-FFF2-40B4-BE49-F238E27FC236}">
-                <a16:creationId xmlns:a16="http://schemas.microsoft.com/office/drawing/2014/main" id="{FD65F6C6-3FCF-459F-8A15-0D9283A6E883}"/>
+                <a16:creationId xmlns:a16="http://schemas.microsoft.com/office/drawing/2014/main" id="{42CA5B38-EBAF-4C64-91A1-6E5300D607D5}"/>
               </a:ext>
             </a:extLst>
           </p:cNvPr>
@@ -10326,21 +10392,22 @@
           </a:xfrm>
         </p:spPr>
         <p:txBody>
-          <a:bodyPr>
+          <a:bodyPr vert="horz" lIns="91440" tIns="45720" rIns="91440" bIns="45720" rtlCol="0">
             <a:normAutofit/>
           </a:bodyPr>
           <a:lstStyle/>
           <a:p>
             <a:r>
-              <a:rPr lang="en-GB" dirty="0"/>
-              <a:t>                                   ADD BOOK</a:t>
-            </a:r>
+              <a:rPr lang="en-US" b="1" spc="-100" dirty="0"/>
+              <a:t>                                    ADD BOOK</a:t>
+            </a:r>
+            <a:endParaRPr lang="en-US" dirty="0"/>
           </a:p>
         </p:txBody>
       </p:sp>
       <p:sp>
         <p:nvSpPr>
-          <p:cNvPr id="12" name="Rectangle 11">
+          <p:cNvPr id="7" name="Rectangle 11">
             <a:extLst>
               <a:ext uri="{FF2B5EF4-FFF2-40B4-BE49-F238E27FC236}">
                 <a16:creationId xmlns:a16="http://schemas.microsoft.com/office/drawing/2014/main" id="{01014442-855A-4E0F-8D09-C314661A48B9}"/>
@@ -10397,7 +10464,7 @@
       </p:sp>
       <p:sp>
         <p:nvSpPr>
-          <p:cNvPr id="14" name="Rectangle 13">
+          <p:cNvPr id="9" name="Rectangle 13">
             <a:extLst>
               <a:ext uri="{FF2B5EF4-FFF2-40B4-BE49-F238E27FC236}">
                 <a16:creationId xmlns:a16="http://schemas.microsoft.com/office/drawing/2014/main" id="{9B1ABF09-86CF-414E-88A5-2B84CC7232A9}"/>
@@ -10454,7 +10521,7 @@
       </p:sp>
       <p:sp>
         <p:nvSpPr>
-          <p:cNvPr id="16" name="Rectangle 15">
+          <p:cNvPr id="11" name="Rectangle 15">
             <a:extLst>
               <a:ext uri="{FF2B5EF4-FFF2-40B4-BE49-F238E27FC236}">
                 <a16:creationId xmlns:a16="http://schemas.microsoft.com/office/drawing/2014/main" id="{3FE91770-CDBB-4D24-94E5-AD484F36CE87}"/>
@@ -10518,39 +10585,202 @@
           </a:p>
         </p:txBody>
       </p:sp>
-      <p:pic>
-        <p:nvPicPr>
-          <p:cNvPr id="6" name="Picture 6" descr="A screenshot of a cell phone&#10;&#10;Description generated with very high confidence">
+      <p:sp>
+        <p:nvSpPr>
+          <p:cNvPr id="10" name="TextBox 9">
             <a:extLst>
               <a:ext uri="{FF2B5EF4-FFF2-40B4-BE49-F238E27FC236}">
-                <a16:creationId xmlns:a16="http://schemas.microsoft.com/office/drawing/2014/main" id="{32B46CCE-A4FA-4EE0-A4F9-9B04DF6E6978}"/>
+                <a16:creationId xmlns:a16="http://schemas.microsoft.com/office/drawing/2014/main" id="{E7E1857B-DD12-4EAA-A375-66DFDDF0CACF}"/>
               </a:ext>
             </a:extLst>
           </p:cNvPr>
-          <p:cNvPicPr>
-            <a:picLocks noGrp="1" noChangeAspect="1"/>
-          </p:cNvPicPr>
-          <p:nvPr>
-            <p:ph idx="1"/>
-          </p:nvPr>
-        </p:nvPicPr>
-        <p:blipFill>
-          <a:blip r:embed="rId2"/>
-          <a:stretch>
-            <a:fillRect/>
-          </a:stretch>
-        </p:blipFill>
-        <p:spPr>
-          <a:xfrm>
-            <a:off x="-55750" y="2528944"/>
-            <a:ext cx="12246632" cy="4249496"/>
-          </a:xfrm>
-        </p:spPr>
-      </p:pic>
+          <p:cNvSpPr txBox="1"/>
+          <p:nvPr/>
+        </p:nvSpPr>
+        <p:spPr>
+          <a:xfrm>
+            <a:off x="1273834" y="2567797"/>
+            <a:ext cx="9888746" cy="3231654"/>
+          </a:xfrm>
+          <a:prstGeom prst="rect">
+            <a:avLst/>
+          </a:prstGeom>
+          <a:noFill/>
+        </p:spPr>
+        <p:txBody>
+          <a:bodyPr rot="0" spcFirstLastPara="0" vertOverflow="overflow" horzOverflow="overflow" vert="horz" wrap="square" lIns="91440" tIns="45720" rIns="91440" bIns="45720" numCol="1" spcCol="0" rtlCol="0" fromWordArt="0" anchor="t" anchorCtr="0" forceAA="0" compatLnSpc="1">
+            <a:prstTxWarp prst="textNoShape">
+              <a:avLst/>
+            </a:prstTxWarp>
+            <a:spAutoFit/>
+          </a:bodyPr>
+          <a:lstStyle/>
+          <a:p>
+            <a:r>
+              <a:rPr lang="en-GB" sz="4000" b="1" dirty="0">
+                <a:solidFill>
+                  <a:srgbClr val="FF0000"/>
+                </a:solidFill>
+                <a:latin typeface="Arial"/>
+                <a:cs typeface="Arial"/>
+              </a:rPr>
+              <a:t>Add Book :</a:t>
+            </a:r>
+          </a:p>
+          <a:p>
+            <a:r>
+              <a:rPr lang="en-GB" dirty="0">
+                <a:latin typeface="Arial"/>
+                <a:cs typeface="Arial"/>
+              </a:rPr>
+              <a:t>                               </a:t>
+            </a:r>
+            <a:r>
+              <a:rPr lang="en-GB" sz="2800" b="1" dirty="0">
+                <a:solidFill>
+                  <a:schemeClr val="accent1">
+                    <a:lumMod val="50000"/>
+                  </a:schemeClr>
+                </a:solidFill>
+                <a:latin typeface="Arial"/>
+                <a:cs typeface="Arial"/>
+              </a:rPr>
+              <a:t>1)  Here we can add books to this library .The fields which required to add the books includes:</a:t>
+            </a:r>
+            <a:endParaRPr lang="en-GB">
+              <a:solidFill>
+                <a:schemeClr val="accent1">
+                  <a:lumMod val="50000"/>
+                </a:schemeClr>
+              </a:solidFill>
+              <a:latin typeface="Arial"/>
+              <a:cs typeface="Arial"/>
+            </a:endParaRPr>
+          </a:p>
+          <a:p>
+            <a:pPr marL="3028950" lvl="6" indent="-285750">
+              <a:buFont typeface="Wingdings"/>
+              <a:buChar char="Ø"/>
+            </a:pPr>
+            <a:r>
+              <a:rPr lang="en-GB" b="1" dirty="0">
+                <a:solidFill>
+                  <a:schemeClr val="accent1">
+                    <a:lumMod val="50000"/>
+                  </a:schemeClr>
+                </a:solidFill>
+                <a:latin typeface="Arial"/>
+                <a:cs typeface="Arial"/>
+              </a:rPr>
+              <a:t>Title</a:t>
+            </a:r>
+          </a:p>
+          <a:p>
+            <a:pPr marL="3028950" lvl="6" indent="-285750">
+              <a:buFont typeface="Wingdings"/>
+              <a:buChar char="Ø"/>
+            </a:pPr>
+            <a:r>
+              <a:rPr lang="en-GB" b="1" dirty="0">
+                <a:solidFill>
+                  <a:schemeClr val="accent1">
+                    <a:lumMod val="50000"/>
+                  </a:schemeClr>
+                </a:solidFill>
+                <a:latin typeface="Arial"/>
+                <a:cs typeface="Arial"/>
+              </a:rPr>
+              <a:t>Author</a:t>
+            </a:r>
+          </a:p>
+          <a:p>
+            <a:pPr marL="3028950" lvl="6" indent="-285750">
+              <a:buFont typeface="Wingdings"/>
+              <a:buChar char="Ø"/>
+            </a:pPr>
+            <a:r>
+              <a:rPr lang="en-GB" b="1" dirty="0">
+                <a:solidFill>
+                  <a:schemeClr val="accent1">
+                    <a:lumMod val="50000"/>
+                  </a:schemeClr>
+                </a:solidFill>
+                <a:latin typeface="Arial"/>
+                <a:cs typeface="Arial"/>
+              </a:rPr>
+              <a:t>Public Year</a:t>
+            </a:r>
+          </a:p>
+          <a:p>
+            <a:pPr marL="3028950" lvl="6" indent="-285750">
+              <a:buFont typeface="Wingdings"/>
+              <a:buChar char="Ø"/>
+            </a:pPr>
+            <a:r>
+              <a:rPr lang="en-GB" b="1" dirty="0">
+                <a:solidFill>
+                  <a:schemeClr val="accent1">
+                    <a:lumMod val="50000"/>
+                  </a:schemeClr>
+                </a:solidFill>
+                <a:latin typeface="Arial"/>
+                <a:cs typeface="Arial"/>
+              </a:rPr>
+              <a:t>ISBN</a:t>
+            </a:r>
+          </a:p>
+          <a:p>
+            <a:pPr marL="3028950" lvl="6" indent="-285750">
+              <a:buFont typeface="Wingdings"/>
+              <a:buChar char="Ø"/>
+            </a:pPr>
+            <a:r>
+              <a:rPr lang="en-GB" b="1" dirty="0">
+                <a:solidFill>
+                  <a:schemeClr val="accent1">
+                    <a:lumMod val="50000"/>
+                  </a:schemeClr>
+                </a:solidFill>
+                <a:latin typeface="Arial"/>
+                <a:cs typeface="Arial"/>
+              </a:rPr>
+              <a:t>Abstract</a:t>
+            </a:r>
+          </a:p>
+          <a:p>
+            <a:pPr marL="3028950" lvl="6" indent="-285750">
+              <a:buFont typeface="Wingdings"/>
+              <a:buChar char="Ø"/>
+            </a:pPr>
+            <a:r>
+              <a:rPr lang="en-GB" b="1" dirty="0">
+                <a:solidFill>
+                  <a:schemeClr val="accent1">
+                    <a:lumMod val="50000"/>
+                  </a:schemeClr>
+                </a:solidFill>
+                <a:latin typeface="Arial"/>
+                <a:cs typeface="Arial"/>
+              </a:rPr>
+              <a:t>Metadata  </a:t>
+            </a:r>
+            <a:r>
+              <a:rPr lang="en-GB" dirty="0">
+                <a:solidFill>
+                  <a:schemeClr val="accent1">
+                    <a:lumMod val="50000"/>
+                  </a:schemeClr>
+                </a:solidFill>
+              </a:rPr>
+              <a:t>                                                          </a:t>
+            </a:r>
+          </a:p>
+        </p:txBody>
+      </p:sp>
     </p:spTree>
     <p:extLst>
       <p:ext uri="{BB962C8B-B14F-4D97-AF65-F5344CB8AC3E}">
-        <p14:creationId xmlns:p14="http://schemas.microsoft.com/office/powerpoint/2010/main" val="745318177"/>
+        <p14:creationId xmlns:p14="http://schemas.microsoft.com/office/powerpoint/2010/main" val="4288163776"/>
       </p:ext>
     </p:extLst>
   </p:cSld>
@@ -11025,7 +11255,7 @@
       </p:grpSpPr>
       <p:sp useBgFill="1">
         <p:nvSpPr>
-          <p:cNvPr id="5" name="Rectangle 7">
+          <p:cNvPr id="8" name="Rectangle 7">
             <a:extLst>
               <a:ext uri="{FF2B5EF4-FFF2-40B4-BE49-F238E27FC236}">
                 <a16:creationId xmlns:a16="http://schemas.microsoft.com/office/drawing/2014/main" id="{29DC5A77-10C9-4ECF-B7EB-8D917F36A9EE}"/>
@@ -11085,7 +11315,7 @@
       </p:sp>
       <p:sp>
         <p:nvSpPr>
-          <p:cNvPr id="6" name="Rectangle 9">
+          <p:cNvPr id="10" name="Rectangle 9">
             <a:extLst>
               <a:ext uri="{FF2B5EF4-FFF2-40B4-BE49-F238E27FC236}">
                 <a16:creationId xmlns:a16="http://schemas.microsoft.com/office/drawing/2014/main" id="{2FFE28B5-FB16-49A9-B851-3C35FAC0CACB}"/>
@@ -11150,7 +11380,7 @@
           <p:cNvPr id="2" name="Title 1">
             <a:extLst>
               <a:ext uri="{FF2B5EF4-FFF2-40B4-BE49-F238E27FC236}">
-                <a16:creationId xmlns:a16="http://schemas.microsoft.com/office/drawing/2014/main" id="{42CA5B38-EBAF-4C64-91A1-6E5300D607D5}"/>
+                <a16:creationId xmlns:a16="http://schemas.microsoft.com/office/drawing/2014/main" id="{FD65F6C6-3FCF-459F-8A15-0D9283A6E883}"/>
               </a:ext>
             </a:extLst>
           </p:cNvPr>
@@ -11168,21 +11398,21 @@
           </a:xfrm>
         </p:spPr>
         <p:txBody>
-          <a:bodyPr vert="horz" lIns="91440" tIns="45720" rIns="91440" bIns="45720" rtlCol="0">
+          <a:bodyPr>
             <a:normAutofit/>
           </a:bodyPr>
           <a:lstStyle/>
           <a:p>
             <a:r>
-              <a:rPr lang="en-US" b="1" spc="-100" dirty="0"/>
-              <a:t>                       BOOK MANAGEMENT</a:t>
+              <a:rPr lang="en-GB" dirty="0"/>
+              <a:t>                                   ADD BOOK</a:t>
             </a:r>
           </a:p>
         </p:txBody>
       </p:sp>
       <p:sp>
         <p:nvSpPr>
-          <p:cNvPr id="7" name="Rectangle 11">
+          <p:cNvPr id="12" name="Rectangle 11">
             <a:extLst>
               <a:ext uri="{FF2B5EF4-FFF2-40B4-BE49-F238E27FC236}">
                 <a16:creationId xmlns:a16="http://schemas.microsoft.com/office/drawing/2014/main" id="{01014442-855A-4E0F-8D09-C314661A48B9}"/>
@@ -11239,7 +11469,7 @@
       </p:sp>
       <p:sp>
         <p:nvSpPr>
-          <p:cNvPr id="9" name="Rectangle 13">
+          <p:cNvPr id="14" name="Rectangle 13">
             <a:extLst>
               <a:ext uri="{FF2B5EF4-FFF2-40B4-BE49-F238E27FC236}">
                 <a16:creationId xmlns:a16="http://schemas.microsoft.com/office/drawing/2014/main" id="{9B1ABF09-86CF-414E-88A5-2B84CC7232A9}"/>
@@ -11296,7 +11526,7 @@
       </p:sp>
       <p:sp>
         <p:nvSpPr>
-          <p:cNvPr id="11" name="Rectangle 15">
+          <p:cNvPr id="16" name="Rectangle 15">
             <a:extLst>
               <a:ext uri="{FF2B5EF4-FFF2-40B4-BE49-F238E27FC236}">
                 <a16:creationId xmlns:a16="http://schemas.microsoft.com/office/drawing/2014/main" id="{3FE91770-CDBB-4D24-94E5-AD484F36CE87}"/>
@@ -11360,161 +11590,39 @@
           </a:p>
         </p:txBody>
       </p:sp>
-      <p:sp>
-        <p:nvSpPr>
-          <p:cNvPr id="10" name="TextBox 9">
+      <p:pic>
+        <p:nvPicPr>
+          <p:cNvPr id="6" name="Picture 6" descr="A screenshot of a cell phone&#10;&#10;Description generated with very high confidence">
             <a:extLst>
               <a:ext uri="{FF2B5EF4-FFF2-40B4-BE49-F238E27FC236}">
-                <a16:creationId xmlns:a16="http://schemas.microsoft.com/office/drawing/2014/main" id="{E7E1857B-DD12-4EAA-A375-66DFDDF0CACF}"/>
+                <a16:creationId xmlns:a16="http://schemas.microsoft.com/office/drawing/2014/main" id="{32B46CCE-A4FA-4EE0-A4F9-9B04DF6E6978}"/>
               </a:ext>
             </a:extLst>
           </p:cNvPr>
-          <p:cNvSpPr txBox="1"/>
-          <p:nvPr/>
-        </p:nvSpPr>
-        <p:spPr>
-          <a:xfrm>
-            <a:off x="1273834" y="2567797"/>
-            <a:ext cx="9888746" cy="2277547"/>
-          </a:xfrm>
-          <a:prstGeom prst="rect">
-            <a:avLst/>
-          </a:prstGeom>
-          <a:noFill/>
-        </p:spPr>
-        <p:txBody>
-          <a:bodyPr rot="0" spcFirstLastPara="0" vertOverflow="overflow" horzOverflow="overflow" vert="horz" wrap="square" lIns="91440" tIns="45720" rIns="91440" bIns="45720" numCol="1" spcCol="0" rtlCol="0" fromWordArt="0" anchor="t" anchorCtr="0" forceAA="0" compatLnSpc="1">
-            <a:prstTxWarp prst="textNoShape">
-              <a:avLst/>
-            </a:prstTxWarp>
-            <a:spAutoFit/>
-          </a:bodyPr>
-          <a:lstStyle/>
-          <a:p>
-            <a:r>
-              <a:rPr lang="en-GB" sz="4000" b="1" dirty="0">
-                <a:solidFill>
-                  <a:srgbClr val="FF0000"/>
-                </a:solidFill>
-                <a:latin typeface="Arial"/>
-                <a:cs typeface="Arial"/>
-              </a:rPr>
-              <a:t>Book Management :</a:t>
-            </a:r>
-          </a:p>
-          <a:p>
-            <a:r>
-              <a:rPr lang="en-GB" dirty="0">
-                <a:latin typeface="Arial"/>
-                <a:cs typeface="Arial"/>
-              </a:rPr>
-              <a:t>                               </a:t>
-            </a:r>
-            <a:endParaRPr lang="en-GB" dirty="0">
-              <a:solidFill>
-                <a:schemeClr val="accent1">
-                  <a:lumMod val="50000"/>
-                </a:schemeClr>
-              </a:solidFill>
-              <a:latin typeface="Arial"/>
-              <a:cs typeface="Arial"/>
-            </a:endParaRPr>
-          </a:p>
-          <a:p>
-            <a:r>
-              <a:rPr lang="en-GB" sz="2800" b="1" dirty="0">
-                <a:solidFill>
-                  <a:schemeClr val="accent1">
-                    <a:lumMod val="50000"/>
-                  </a:schemeClr>
-                </a:solidFill>
-                <a:latin typeface="Arial"/>
-                <a:cs typeface="Arial"/>
-              </a:rPr>
-              <a:t>  </a:t>
-            </a:r>
-            <a:endParaRPr lang="en-GB" dirty="0">
-              <a:solidFill>
-                <a:schemeClr val="accent1">
-                  <a:lumMod val="50000"/>
-                </a:schemeClr>
-              </a:solidFill>
-              <a:latin typeface="Arial"/>
-              <a:cs typeface="Arial"/>
-            </a:endParaRPr>
-          </a:p>
-          <a:p>
-            <a:r>
-              <a:rPr lang="en-GB" sz="2800" b="1" dirty="0">
-                <a:solidFill>
-                  <a:schemeClr val="accent1">
-                    <a:lumMod val="50000"/>
-                  </a:schemeClr>
-                </a:solidFill>
-                <a:latin typeface="Arial"/>
-                <a:cs typeface="Arial"/>
-              </a:rPr>
-              <a:t>                  1) Customized search based on Title,</a:t>
-            </a:r>
-            <a:endParaRPr lang="en-GB" dirty="0">
-              <a:solidFill>
-                <a:schemeClr val="accent1">
-                  <a:lumMod val="50000"/>
-                </a:schemeClr>
-              </a:solidFill>
-              <a:latin typeface="Arial"/>
-              <a:cs typeface="Arial"/>
-            </a:endParaRPr>
-          </a:p>
-          <a:p>
-            <a:r>
-              <a:rPr lang="en-GB" sz="2800" b="1" dirty="0">
-                <a:solidFill>
-                  <a:schemeClr val="accent1">
-                    <a:lumMod val="50000"/>
-                  </a:schemeClr>
-                </a:solidFill>
-                <a:latin typeface="Arial"/>
-                <a:cs typeface="Arial"/>
-              </a:rPr>
-              <a:t>Author Name, Published Year and ISBN</a:t>
-            </a:r>
-            <a:r>
-              <a:rPr lang="en-GB" sz="2800" b="1" dirty="0">
-                <a:solidFill>
-                  <a:schemeClr val="accent1">
-                    <a:lumMod val="50000"/>
-                  </a:schemeClr>
-                </a:solidFill>
-              </a:rPr>
-              <a:t>   </a:t>
-            </a:r>
-            <a:r>
-              <a:rPr lang="en-GB" dirty="0">
-                <a:solidFill>
-                  <a:schemeClr val="accent1">
-                    <a:lumMod val="50000"/>
-                  </a:schemeClr>
-                </a:solidFill>
-              </a:rPr>
-              <a:t>                                                    </a:t>
-            </a:r>
-            <a:endParaRPr lang="en-GB" dirty="0">
-              <a:solidFill>
-                <a:schemeClr val="accent1">
-                  <a:lumMod val="50000"/>
-                </a:schemeClr>
-              </a:solidFill>
-              <a:latin typeface="Arial"/>
-              <a:cs typeface="Arial"/>
-            </a:endParaRPr>
-          </a:p>
-        </p:txBody>
-      </p:sp>
+          <p:cNvPicPr>
+            <a:picLocks noGrp="1" noChangeAspect="1"/>
+          </p:cNvPicPr>
+          <p:nvPr>
+            <p:ph idx="1"/>
+          </p:nvPr>
+        </p:nvPicPr>
+        <p:blipFill>
+          <a:blip r:embed="rId2"/>
+          <a:stretch>
+            <a:fillRect/>
+          </a:stretch>
+        </p:blipFill>
+        <p:spPr>
+          <a:xfrm>
+            <a:off x="-55750" y="2528944"/>
+            <a:ext cx="12246632" cy="4249496"/>
+          </a:xfrm>
+        </p:spPr>
+      </p:pic>
     </p:spTree>
     <p:extLst>
       <p:ext uri="{BB962C8B-B14F-4D97-AF65-F5344CB8AC3E}">
-        <p14:creationId xmlns:p14="http://schemas.microsoft.com/office/powerpoint/2010/main" val="909086268"/>
+        <p14:creationId xmlns:p14="http://schemas.microsoft.com/office/powerpoint/2010/main" val="745318177"/>
       </p:ext>
     </p:extLst>
   </p:cSld>
@@ -11551,7 +11659,7 @@
       </p:grpSpPr>
       <p:sp useBgFill="1">
         <p:nvSpPr>
-          <p:cNvPr id="8" name="Rectangle 7">
+          <p:cNvPr id="5" name="Rectangle 7">
             <a:extLst>
               <a:ext uri="{FF2B5EF4-FFF2-40B4-BE49-F238E27FC236}">
                 <a16:creationId xmlns:a16="http://schemas.microsoft.com/office/drawing/2014/main" id="{29DC5A77-10C9-4ECF-B7EB-8D917F36A9EE}"/>
@@ -11611,7 +11719,7 @@
       </p:sp>
       <p:sp>
         <p:nvSpPr>
-          <p:cNvPr id="10" name="Rectangle 9">
+          <p:cNvPr id="6" name="Rectangle 9">
             <a:extLst>
               <a:ext uri="{FF2B5EF4-FFF2-40B4-BE49-F238E27FC236}">
                 <a16:creationId xmlns:a16="http://schemas.microsoft.com/office/drawing/2014/main" id="{2FFE28B5-FB16-49A9-B851-3C35FAC0CACB}"/>
@@ -11676,7 +11784,7 @@
           <p:cNvPr id="2" name="Title 1">
             <a:extLst>
               <a:ext uri="{FF2B5EF4-FFF2-40B4-BE49-F238E27FC236}">
-                <a16:creationId xmlns:a16="http://schemas.microsoft.com/office/drawing/2014/main" id="{8B05AF88-ECFD-4683-AE66-8ED7A2E68156}"/>
+                <a16:creationId xmlns:a16="http://schemas.microsoft.com/office/drawing/2014/main" id="{42CA5B38-EBAF-4C64-91A1-6E5300D607D5}"/>
               </a:ext>
             </a:extLst>
           </p:cNvPr>
@@ -11694,21 +11802,21 @@
           </a:xfrm>
         </p:spPr>
         <p:txBody>
-          <a:bodyPr>
+          <a:bodyPr vert="horz" lIns="91440" tIns="45720" rIns="91440" bIns="45720" rtlCol="0">
             <a:normAutofit/>
           </a:bodyPr>
           <a:lstStyle/>
           <a:p>
             <a:r>
-              <a:rPr lang="en-GB" dirty="0"/>
-              <a:t>                             BOOK MANAGEMENT</a:t>
+              <a:rPr lang="en-US" b="1" spc="-100" dirty="0"/>
+              <a:t>                       BOOK MANAGEMENT</a:t>
             </a:r>
           </a:p>
         </p:txBody>
       </p:sp>
       <p:sp>
         <p:nvSpPr>
-          <p:cNvPr id="12" name="Rectangle 11">
+          <p:cNvPr id="7" name="Rectangle 11">
             <a:extLst>
               <a:ext uri="{FF2B5EF4-FFF2-40B4-BE49-F238E27FC236}">
                 <a16:creationId xmlns:a16="http://schemas.microsoft.com/office/drawing/2014/main" id="{01014442-855A-4E0F-8D09-C314661A48B9}"/>
@@ -11765,7 +11873,7 @@
       </p:sp>
       <p:sp>
         <p:nvSpPr>
-          <p:cNvPr id="14" name="Rectangle 13">
+          <p:cNvPr id="9" name="Rectangle 13">
             <a:extLst>
               <a:ext uri="{FF2B5EF4-FFF2-40B4-BE49-F238E27FC236}">
                 <a16:creationId xmlns:a16="http://schemas.microsoft.com/office/drawing/2014/main" id="{9B1ABF09-86CF-414E-88A5-2B84CC7232A9}"/>
@@ -11822,7 +11930,7 @@
       </p:sp>
       <p:sp>
         <p:nvSpPr>
-          <p:cNvPr id="16" name="Rectangle 15">
+          <p:cNvPr id="11" name="Rectangle 15">
             <a:extLst>
               <a:ext uri="{FF2B5EF4-FFF2-40B4-BE49-F238E27FC236}">
                 <a16:creationId xmlns:a16="http://schemas.microsoft.com/office/drawing/2014/main" id="{3FE91770-CDBB-4D24-94E5-AD484F36CE87}"/>
@@ -11886,39 +11994,161 @@
           </a:p>
         </p:txBody>
       </p:sp>
-      <p:pic>
-        <p:nvPicPr>
-          <p:cNvPr id="4" name="Picture 4" descr="A screenshot of a cell phone&#10;&#10;Description generated with very high confidence">
+      <p:sp>
+        <p:nvSpPr>
+          <p:cNvPr id="10" name="TextBox 9">
             <a:extLst>
               <a:ext uri="{FF2B5EF4-FFF2-40B4-BE49-F238E27FC236}">
-                <a16:creationId xmlns:a16="http://schemas.microsoft.com/office/drawing/2014/main" id="{D49ED5C2-41AE-41B7-A101-E13361F6FAF6}"/>
+                <a16:creationId xmlns:a16="http://schemas.microsoft.com/office/drawing/2014/main" id="{E7E1857B-DD12-4EAA-A375-66DFDDF0CACF}"/>
               </a:ext>
             </a:extLst>
           </p:cNvPr>
-          <p:cNvPicPr>
-            <a:picLocks noGrp="1" noChangeAspect="1"/>
-          </p:cNvPicPr>
-          <p:nvPr>
-            <p:ph idx="1"/>
-          </p:nvPr>
-        </p:nvPicPr>
-        <p:blipFill>
-          <a:blip r:embed="rId2"/>
-          <a:stretch>
-            <a:fillRect/>
-          </a:stretch>
-        </p:blipFill>
-        <p:spPr>
-          <a:xfrm>
-            <a:off x="2530" y="2406050"/>
-            <a:ext cx="12194311" cy="4445852"/>
-          </a:xfrm>
-        </p:spPr>
-      </p:pic>
+          <p:cNvSpPr txBox="1"/>
+          <p:nvPr/>
+        </p:nvSpPr>
+        <p:spPr>
+          <a:xfrm>
+            <a:off x="1273834" y="2567797"/>
+            <a:ext cx="9888746" cy="2277547"/>
+          </a:xfrm>
+          <a:prstGeom prst="rect">
+            <a:avLst/>
+          </a:prstGeom>
+          <a:noFill/>
+        </p:spPr>
+        <p:txBody>
+          <a:bodyPr rot="0" spcFirstLastPara="0" vertOverflow="overflow" horzOverflow="overflow" vert="horz" wrap="square" lIns="91440" tIns="45720" rIns="91440" bIns="45720" numCol="1" spcCol="0" rtlCol="0" fromWordArt="0" anchor="t" anchorCtr="0" forceAA="0" compatLnSpc="1">
+            <a:prstTxWarp prst="textNoShape">
+              <a:avLst/>
+            </a:prstTxWarp>
+            <a:spAutoFit/>
+          </a:bodyPr>
+          <a:lstStyle/>
+          <a:p>
+            <a:r>
+              <a:rPr lang="en-GB" sz="4000" b="1" dirty="0">
+                <a:solidFill>
+                  <a:srgbClr val="FF0000"/>
+                </a:solidFill>
+                <a:latin typeface="Arial"/>
+                <a:cs typeface="Arial"/>
+              </a:rPr>
+              <a:t>Book Management :</a:t>
+            </a:r>
+          </a:p>
+          <a:p>
+            <a:r>
+              <a:rPr lang="en-GB" dirty="0">
+                <a:latin typeface="Arial"/>
+                <a:cs typeface="Arial"/>
+              </a:rPr>
+              <a:t>                               </a:t>
+            </a:r>
+            <a:endParaRPr lang="en-GB" dirty="0">
+              <a:solidFill>
+                <a:schemeClr val="accent1">
+                  <a:lumMod val="50000"/>
+                </a:schemeClr>
+              </a:solidFill>
+              <a:latin typeface="Arial"/>
+              <a:cs typeface="Arial"/>
+            </a:endParaRPr>
+          </a:p>
+          <a:p>
+            <a:r>
+              <a:rPr lang="en-GB" sz="2800" b="1" dirty="0">
+                <a:solidFill>
+                  <a:schemeClr val="accent1">
+                    <a:lumMod val="50000"/>
+                  </a:schemeClr>
+                </a:solidFill>
+                <a:latin typeface="Arial"/>
+                <a:cs typeface="Arial"/>
+              </a:rPr>
+              <a:t>  </a:t>
+            </a:r>
+            <a:endParaRPr lang="en-GB" dirty="0">
+              <a:solidFill>
+                <a:schemeClr val="accent1">
+                  <a:lumMod val="50000"/>
+                </a:schemeClr>
+              </a:solidFill>
+              <a:latin typeface="Arial"/>
+              <a:cs typeface="Arial"/>
+            </a:endParaRPr>
+          </a:p>
+          <a:p>
+            <a:r>
+              <a:rPr lang="en-GB" sz="2800" b="1" dirty="0">
+                <a:solidFill>
+                  <a:schemeClr val="accent1">
+                    <a:lumMod val="50000"/>
+                  </a:schemeClr>
+                </a:solidFill>
+                <a:latin typeface="Arial"/>
+                <a:cs typeface="Arial"/>
+              </a:rPr>
+              <a:t>                  1) Customized search based on Title,</a:t>
+            </a:r>
+            <a:endParaRPr lang="en-GB" dirty="0">
+              <a:solidFill>
+                <a:schemeClr val="accent1">
+                  <a:lumMod val="50000"/>
+                </a:schemeClr>
+              </a:solidFill>
+              <a:latin typeface="Arial"/>
+              <a:cs typeface="Arial"/>
+            </a:endParaRPr>
+          </a:p>
+          <a:p>
+            <a:r>
+              <a:rPr lang="en-GB" sz="2800" b="1" dirty="0">
+                <a:solidFill>
+                  <a:schemeClr val="accent1">
+                    <a:lumMod val="50000"/>
+                  </a:schemeClr>
+                </a:solidFill>
+                <a:latin typeface="Arial"/>
+                <a:cs typeface="Arial"/>
+              </a:rPr>
+              <a:t>Author Name, Published Year and ISBN</a:t>
+            </a:r>
+            <a:r>
+              <a:rPr lang="en-GB" sz="2800" b="1" dirty="0">
+                <a:solidFill>
+                  <a:schemeClr val="accent1">
+                    <a:lumMod val="50000"/>
+                  </a:schemeClr>
+                </a:solidFill>
+              </a:rPr>
+              <a:t>   </a:t>
+            </a:r>
+            <a:r>
+              <a:rPr lang="en-GB" dirty="0">
+                <a:solidFill>
+                  <a:schemeClr val="accent1">
+                    <a:lumMod val="50000"/>
+                  </a:schemeClr>
+                </a:solidFill>
+              </a:rPr>
+              <a:t>                                                    </a:t>
+            </a:r>
+            <a:endParaRPr lang="en-GB" dirty="0">
+              <a:solidFill>
+                <a:schemeClr val="accent1">
+                  <a:lumMod val="50000"/>
+                </a:schemeClr>
+              </a:solidFill>
+              <a:latin typeface="Arial"/>
+              <a:cs typeface="Arial"/>
+            </a:endParaRPr>
+          </a:p>
+        </p:txBody>
+      </p:sp>
     </p:spTree>
     <p:extLst>
       <p:ext uri="{BB962C8B-B14F-4D97-AF65-F5344CB8AC3E}">
-        <p14:creationId xmlns:p14="http://schemas.microsoft.com/office/powerpoint/2010/main" val="1643236380"/>
+        <p14:creationId xmlns:p14="http://schemas.microsoft.com/office/powerpoint/2010/main" val="909086268"/>
       </p:ext>
     </p:extLst>
   </p:cSld>
@@ -11953,12 +12183,134 @@
           <a:chExt cx="0" cy="0"/>
         </a:xfrm>
       </p:grpSpPr>
+      <p:sp useBgFill="1">
+        <p:nvSpPr>
+          <p:cNvPr id="8" name="Rectangle 7">
+            <a:extLst>
+              <a:ext uri="{FF2B5EF4-FFF2-40B4-BE49-F238E27FC236}">
+                <a16:creationId xmlns:a16="http://schemas.microsoft.com/office/drawing/2014/main" id="{29DC5A77-10C9-4ECF-B7EB-8D917F36A9EE}"/>
+              </a:ext>
+              <a:ext uri="{C183D7F6-B498-43B3-948B-1728B52AA6E4}">
+                <adec:decorative xmlns:adec="http://schemas.microsoft.com/office/drawing/2017/decorative" val="1"/>
+              </a:ext>
+            </a:extLst>
+          </p:cNvPr>
+          <p:cNvSpPr>
+            <a:spLocks noGrp="1" noRot="1" noChangeAspect="1" noMove="1" noResize="1" noEditPoints="1" noAdjustHandles="1" noChangeArrowheads="1" noChangeShapeType="1" noTextEdit="1"/>
+          </p:cNvSpPr>
+          <p:nvPr>
+            <p:extLst>
+              <p:ext uri="{386F3935-93C4-4BCD-93E2-E3B085C9AB24}">
+                <p16:designElem xmlns:p16="http://schemas.microsoft.com/office/powerpoint/2015/main" val="1"/>
+              </p:ext>
+            </p:extLst>
+          </p:nvPr>
+        </p:nvSpPr>
+        <p:spPr>
+          <a:xfrm>
+            <a:off x="0" y="0"/>
+            <a:ext cx="12192000" cy="6858000"/>
+          </a:xfrm>
+          <a:prstGeom prst="rect">
+            <a:avLst/>
+          </a:prstGeom>
+          <a:ln>
+            <a:noFill/>
+          </a:ln>
+        </p:spPr>
+        <p:style>
+          <a:lnRef idx="2">
+            <a:schemeClr val="accent1">
+              <a:shade val="50000"/>
+            </a:schemeClr>
+          </a:lnRef>
+          <a:fillRef idx="1">
+            <a:schemeClr val="accent1"/>
+          </a:fillRef>
+          <a:effectRef idx="0">
+            <a:schemeClr val="accent1"/>
+          </a:effectRef>
+          <a:fontRef idx="minor">
+            <a:schemeClr val="lt1"/>
+          </a:fontRef>
+        </p:style>
+        <p:txBody>
+          <a:bodyPr rtlCol="0" anchor="ctr"/>
+          <a:lstStyle/>
+          <a:p>
+            <a:pPr algn="ctr"/>
+            <a:endParaRPr lang="en-US"/>
+          </a:p>
+        </p:txBody>
+      </p:sp>
+      <p:sp>
+        <p:nvSpPr>
+          <p:cNvPr id="10" name="Rectangle 9">
+            <a:extLst>
+              <a:ext uri="{FF2B5EF4-FFF2-40B4-BE49-F238E27FC236}">
+                <a16:creationId xmlns:a16="http://schemas.microsoft.com/office/drawing/2014/main" id="{2FFE28B5-FB16-49A9-B851-3C35FAC0CACB}"/>
+              </a:ext>
+              <a:ext uri="{C183D7F6-B498-43B3-948B-1728B52AA6E4}">
+                <adec:decorative xmlns:adec="http://schemas.microsoft.com/office/drawing/2017/decorative" val="1"/>
+              </a:ext>
+            </a:extLst>
+          </p:cNvPr>
+          <p:cNvSpPr>
+            <a:spLocks noGrp="1" noRot="1" noChangeAspect="1" noMove="1" noResize="1" noEditPoints="1" noAdjustHandles="1" noChangeArrowheads="1" noChangeShapeType="1" noTextEdit="1"/>
+          </p:cNvSpPr>
+          <p:nvPr>
+            <p:extLst>
+              <p:ext uri="{386F3935-93C4-4BCD-93E2-E3B085C9AB24}">
+                <p16:designElem xmlns:p16="http://schemas.microsoft.com/office/powerpoint/2015/main" val="1"/>
+              </p:ext>
+            </p:extLst>
+          </p:nvPr>
+        </p:nvSpPr>
+        <p:spPr>
+          <a:xfrm>
+            <a:off x="1" y="758952"/>
+            <a:ext cx="10905976" cy="1651133"/>
+          </a:xfrm>
+          <a:prstGeom prst="rect">
+            <a:avLst/>
+          </a:prstGeom>
+          <a:solidFill>
+            <a:schemeClr val="accent1"/>
+          </a:solidFill>
+          <a:ln>
+            <a:noFill/>
+          </a:ln>
+        </p:spPr>
+        <p:style>
+          <a:lnRef idx="2">
+            <a:schemeClr val="accent1">
+              <a:shade val="50000"/>
+            </a:schemeClr>
+          </a:lnRef>
+          <a:fillRef idx="1">
+            <a:schemeClr val="accent1"/>
+          </a:fillRef>
+          <a:effectRef idx="0">
+            <a:schemeClr val="accent1"/>
+          </a:effectRef>
+          <a:fontRef idx="minor">
+            <a:schemeClr val="lt1"/>
+          </a:fontRef>
+        </p:style>
+        <p:txBody>
+          <a:bodyPr/>
+          <a:lstStyle/>
+          <a:p>
+            <a:endParaRPr lang="en-US" dirty="0"/>
+          </a:p>
+        </p:txBody>
+      </p:sp>
       <p:sp>
         <p:nvSpPr>
           <p:cNvPr id="2" name="Title 1">
             <a:extLst>
               <a:ext uri="{FF2B5EF4-FFF2-40B4-BE49-F238E27FC236}">
-                <a16:creationId xmlns:a16="http://schemas.microsoft.com/office/drawing/2014/main" id="{A3D8773C-2C46-4FB5-B625-2900809E2707}"/>
+                <a16:creationId xmlns:a16="http://schemas.microsoft.com/office/drawing/2014/main" id="{8B05AF88-ECFD-4683-AE66-8ED7A2E68156}"/>
               </a:ext>
             </a:extLst>
           </p:cNvPr>
@@ -11971,79 +12323,236 @@
         </p:nvSpPr>
         <p:spPr>
           <a:xfrm>
-            <a:off x="-126609" y="-745588"/>
-            <a:ext cx="3545058" cy="5078437"/>
+            <a:off x="1600754" y="1087374"/>
+            <a:ext cx="8983489" cy="1000978"/>
           </a:xfrm>
         </p:spPr>
         <p:txBody>
-          <a:bodyPr vert="horz" lIns="91440" tIns="45720" rIns="91440" bIns="45720" rtlCol="0" anchor="b">
+          <a:bodyPr>
             <a:normAutofit/>
           </a:bodyPr>
           <a:lstStyle/>
           <a:p>
-            <a:pPr algn="ctr"/>
-            <a:r>
-              <a:rPr lang="en-US" sz="5900" b="1" spc="-100" dirty="0">
-                <a:solidFill>
-                  <a:schemeClr val="bg1"/>
-                </a:solidFill>
-              </a:rPr>
-              <a:t>WEB HOSTING</a:t>
-            </a:r>
+            <a:r>
+              <a:rPr lang="en-GB" dirty="0"/>
+              <a:t>                             BOOK MANAGEMENT</a:t>
+            </a:r>
+          </a:p>
+        </p:txBody>
+      </p:sp>
+      <p:sp>
+        <p:nvSpPr>
+          <p:cNvPr id="12" name="Rectangle 11">
+            <a:extLst>
+              <a:ext uri="{FF2B5EF4-FFF2-40B4-BE49-F238E27FC236}">
+                <a16:creationId xmlns:a16="http://schemas.microsoft.com/office/drawing/2014/main" id="{01014442-855A-4E0F-8D09-C314661A48B9}"/>
+              </a:ext>
+              <a:ext uri="{C183D7F6-B498-43B3-948B-1728B52AA6E4}">
+                <adec:decorative xmlns:adec="http://schemas.microsoft.com/office/drawing/2017/decorative" val="1"/>
+              </a:ext>
+            </a:extLst>
+          </p:cNvPr>
+          <p:cNvSpPr>
+            <a:spLocks noGrp="1" noRot="1" noChangeAspect="1" noMove="1" noResize="1" noEditPoints="1" noAdjustHandles="1" noChangeArrowheads="1" noChangeShapeType="1" noTextEdit="1"/>
+          </p:cNvSpPr>
+          <p:nvPr>
+            <p:extLst>
+              <p:ext uri="{386F3935-93C4-4BCD-93E2-E3B085C9AB24}">
+                <p16:designElem xmlns:p16="http://schemas.microsoft.com/office/powerpoint/2015/main" val="1"/>
+              </p:ext>
+            </p:extLst>
+          </p:nvPr>
+        </p:nvSpPr>
+        <p:spPr>
+          <a:xfrm>
+            <a:off x="11014533" y="758952"/>
+            <a:ext cx="1185379" cy="1651133"/>
+          </a:xfrm>
+          <a:prstGeom prst="rect">
+            <a:avLst/>
+          </a:prstGeom>
+          <a:solidFill>
+            <a:srgbClr val="C8C8C8">
+              <a:alpha val="49804"/>
+            </a:srgbClr>
+          </a:solidFill>
+          <a:ln>
+            <a:noFill/>
+          </a:ln>
+        </p:spPr>
+        <p:style>
+          <a:lnRef idx="2">
+            <a:schemeClr val="accent1">
+              <a:shade val="50000"/>
+            </a:schemeClr>
+          </a:lnRef>
+          <a:fillRef idx="1">
+            <a:schemeClr val="accent1"/>
+          </a:fillRef>
+          <a:effectRef idx="0">
+            <a:schemeClr val="accent1"/>
+          </a:effectRef>
+          <a:fontRef idx="minor">
+            <a:schemeClr val="lt1"/>
+          </a:fontRef>
+        </p:style>
+      </p:sp>
+      <p:sp>
+        <p:nvSpPr>
+          <p:cNvPr id="14" name="Rectangle 13">
+            <a:extLst>
+              <a:ext uri="{FF2B5EF4-FFF2-40B4-BE49-F238E27FC236}">
+                <a16:creationId xmlns:a16="http://schemas.microsoft.com/office/drawing/2014/main" id="{9B1ABF09-86CF-414E-88A5-2B84CC7232A9}"/>
+              </a:ext>
+              <a:ext uri="{C183D7F6-B498-43B3-948B-1728B52AA6E4}">
+                <adec:decorative xmlns:adec="http://schemas.microsoft.com/office/drawing/2017/decorative" val="1"/>
+              </a:ext>
+            </a:extLst>
+          </p:cNvPr>
+          <p:cNvSpPr>
+            <a:spLocks noGrp="1" noRot="1" noChangeAspect="1" noMove="1" noResize="1" noEditPoints="1" noAdjustHandles="1" noChangeArrowheads="1" noChangeShapeType="1" noTextEdit="1"/>
+          </p:cNvSpPr>
+          <p:nvPr>
+            <p:extLst>
+              <p:ext uri="{386F3935-93C4-4BCD-93E2-E3B085C9AB24}">
+                <p16:designElem xmlns:p16="http://schemas.microsoft.com/office/powerpoint/2015/main" val="1"/>
+              </p:ext>
+            </p:extLst>
+          </p:nvPr>
+        </p:nvSpPr>
+        <p:spPr>
+          <a:xfrm>
+            <a:off x="763" y="2526526"/>
+            <a:ext cx="1169701" cy="3563378"/>
+          </a:xfrm>
+          <a:prstGeom prst="rect">
+            <a:avLst/>
+          </a:prstGeom>
+          <a:solidFill>
+            <a:srgbClr val="C8C8C8">
+              <a:alpha val="49804"/>
+            </a:srgbClr>
+          </a:solidFill>
+          <a:ln>
+            <a:noFill/>
+          </a:ln>
+        </p:spPr>
+        <p:style>
+          <a:lnRef idx="2">
+            <a:schemeClr val="accent1">
+              <a:shade val="50000"/>
+            </a:schemeClr>
+          </a:lnRef>
+          <a:fillRef idx="1">
+            <a:schemeClr val="accent1"/>
+          </a:fillRef>
+          <a:effectRef idx="0">
+            <a:schemeClr val="accent1"/>
+          </a:effectRef>
+          <a:fontRef idx="minor">
+            <a:schemeClr val="lt1"/>
+          </a:fontRef>
+        </p:style>
+      </p:sp>
+      <p:sp>
+        <p:nvSpPr>
+          <p:cNvPr id="16" name="Rectangle 15">
+            <a:extLst>
+              <a:ext uri="{FF2B5EF4-FFF2-40B4-BE49-F238E27FC236}">
+                <a16:creationId xmlns:a16="http://schemas.microsoft.com/office/drawing/2014/main" id="{3FE91770-CDBB-4D24-94E5-AD484F36CE87}"/>
+              </a:ext>
+              <a:ext uri="{C183D7F6-B498-43B3-948B-1728B52AA6E4}">
+                <adec:decorative xmlns:adec="http://schemas.microsoft.com/office/drawing/2017/decorative" val="1"/>
+              </a:ext>
+            </a:extLst>
+          </p:cNvPr>
+          <p:cNvSpPr>
+            <a:spLocks noGrp="1" noRot="1" noChangeAspect="1" noMove="1" noResize="1" noEditPoints="1" noAdjustHandles="1" noChangeArrowheads="1" noChangeShapeType="1" noTextEdit="1"/>
+          </p:cNvSpPr>
+          <p:nvPr>
+            <p:extLst>
+              <p:ext uri="{386F3935-93C4-4BCD-93E2-E3B085C9AB24}">
+                <p16:designElem xmlns:p16="http://schemas.microsoft.com/office/powerpoint/2015/main" val="1"/>
+              </p:ext>
+            </p:extLst>
+          </p:nvPr>
+        </p:nvSpPr>
+        <p:spPr>
+          <a:xfrm>
+            <a:off x="1279019" y="2526526"/>
+            <a:ext cx="10920893" cy="3563377"/>
+          </a:xfrm>
+          <a:prstGeom prst="rect">
+            <a:avLst/>
+          </a:prstGeom>
+          <a:solidFill>
+            <a:schemeClr val="bg2">
+              <a:lumMod val="60000"/>
+              <a:lumOff val="40000"/>
+              <a:alpha val="60000"/>
+            </a:schemeClr>
+          </a:solidFill>
+          <a:ln>
+            <a:noFill/>
+          </a:ln>
+        </p:spPr>
+        <p:style>
+          <a:lnRef idx="2">
+            <a:schemeClr val="accent1">
+              <a:shade val="50000"/>
+            </a:schemeClr>
+          </a:lnRef>
+          <a:fillRef idx="1">
+            <a:schemeClr val="accent1"/>
+          </a:fillRef>
+          <a:effectRef idx="0">
+            <a:schemeClr val="accent1"/>
+          </a:effectRef>
+          <a:fontRef idx="minor">
+            <a:schemeClr val="lt1"/>
+          </a:fontRef>
+        </p:style>
+        <p:txBody>
+          <a:bodyPr/>
+          <a:lstStyle/>
+          <a:p>
+            <a:endParaRPr lang="en-US" dirty="0"/>
           </a:p>
         </p:txBody>
       </p:sp>
       <p:pic>
         <p:nvPicPr>
-          <p:cNvPr id="4" name="Picture 2" descr="Klarna signs deal with AWS | FinTech Alliance">
+          <p:cNvPr id="4" name="Picture 4" descr="A screenshot of a cell phone&#10;&#10;Description generated with very high confidence">
             <a:extLst>
               <a:ext uri="{FF2B5EF4-FFF2-40B4-BE49-F238E27FC236}">
-                <a16:creationId xmlns:a16="http://schemas.microsoft.com/office/drawing/2014/main" id="{2DE163E0-9E6E-42B2-84CB-5C0887C03451}"/>
+                <a16:creationId xmlns:a16="http://schemas.microsoft.com/office/drawing/2014/main" id="{D49ED5C2-41AE-41B7-A101-E13361F6FAF6}"/>
               </a:ext>
             </a:extLst>
           </p:cNvPr>
           <p:cNvPicPr>
-            <a:picLocks noChangeAspect="1" noChangeArrowheads="1"/>
+            <a:picLocks noGrp="1" noChangeAspect="1"/>
           </p:cNvPicPr>
-          <p:nvPr/>
+          <p:nvPr>
+            <p:ph idx="1"/>
+          </p:nvPr>
         </p:nvPicPr>
         <p:blipFill>
-          <a:blip r:embed="rId2">
-            <a:extLst>
-              <a:ext uri="{28A0092B-C50C-407E-A947-70E740481C1C}">
-                <a14:useLocalDpi xmlns:a14="http://schemas.microsoft.com/office/drawing/2010/main" val="0"/>
-              </a:ext>
-            </a:extLst>
-          </a:blip>
-          <a:srcRect/>
+          <a:blip r:embed="rId2"/>
           <a:stretch>
             <a:fillRect/>
           </a:stretch>
         </p:blipFill>
-        <p:spPr bwMode="auto">
-          <a:xfrm>
-            <a:off x="4128306" y="1168763"/>
-            <a:ext cx="6771616" cy="4112742"/>
-          </a:xfrm>
-          <a:prstGeom prst="rect">
-            <a:avLst/>
-          </a:prstGeom>
-          <a:noFill/>
-          <a:extLst>
-            <a:ext uri="{909E8E84-426E-40DD-AFC4-6F175D3DCCD1}">
-              <a14:hiddenFill xmlns:a14="http://schemas.microsoft.com/office/drawing/2010/main">
-                <a:solidFill>
-                  <a:srgbClr val="FFFFFF"/>
-                </a:solidFill>
-              </a14:hiddenFill>
-            </a:ext>
-          </a:extLst>
+        <p:spPr>
+          <a:xfrm>
+            <a:off x="2530" y="2406050"/>
+            <a:ext cx="12194311" cy="4445852"/>
+          </a:xfrm>
         </p:spPr>
       </p:pic>
     </p:spTree>
     <p:extLst>
       <p:ext uri="{BB962C8B-B14F-4D97-AF65-F5344CB8AC3E}">
-        <p14:creationId xmlns:p14="http://schemas.microsoft.com/office/powerpoint/2010/main" val="3437735645"/>
+        <p14:creationId xmlns:p14="http://schemas.microsoft.com/office/powerpoint/2010/main" val="1643236380"/>
       </p:ext>
     </p:extLst>
   </p:cSld>
@@ -12078,134 +12587,12 @@
           <a:chExt cx="0" cy="0"/>
         </a:xfrm>
       </p:grpSpPr>
-      <p:sp useBgFill="1">
-        <p:nvSpPr>
-          <p:cNvPr id="5" name="Rectangle 7">
-            <a:extLst>
-              <a:ext uri="{FF2B5EF4-FFF2-40B4-BE49-F238E27FC236}">
-                <a16:creationId xmlns:a16="http://schemas.microsoft.com/office/drawing/2014/main" id="{29DC5A77-10C9-4ECF-B7EB-8D917F36A9EE}"/>
-              </a:ext>
-              <a:ext uri="{C183D7F6-B498-43B3-948B-1728B52AA6E4}">
-                <adec:decorative xmlns:adec="http://schemas.microsoft.com/office/drawing/2017/decorative" val="1"/>
-              </a:ext>
-            </a:extLst>
-          </p:cNvPr>
-          <p:cNvSpPr>
-            <a:spLocks noGrp="1" noRot="1" noChangeAspect="1" noMove="1" noResize="1" noEditPoints="1" noAdjustHandles="1" noChangeArrowheads="1" noChangeShapeType="1" noTextEdit="1"/>
-          </p:cNvSpPr>
-          <p:nvPr>
-            <p:extLst>
-              <p:ext uri="{386F3935-93C4-4BCD-93E2-E3B085C9AB24}">
-                <p16:designElem xmlns:p16="http://schemas.microsoft.com/office/powerpoint/2015/main" val="1"/>
-              </p:ext>
-            </p:extLst>
-          </p:nvPr>
-        </p:nvSpPr>
-        <p:spPr>
-          <a:xfrm>
-            <a:off x="0" y="0"/>
-            <a:ext cx="12192000" cy="6858000"/>
-          </a:xfrm>
-          <a:prstGeom prst="rect">
-            <a:avLst/>
-          </a:prstGeom>
-          <a:ln>
-            <a:noFill/>
-          </a:ln>
-        </p:spPr>
-        <p:style>
-          <a:lnRef idx="2">
-            <a:schemeClr val="accent1">
-              <a:shade val="50000"/>
-            </a:schemeClr>
-          </a:lnRef>
-          <a:fillRef idx="1">
-            <a:schemeClr val="accent1"/>
-          </a:fillRef>
-          <a:effectRef idx="0">
-            <a:schemeClr val="accent1"/>
-          </a:effectRef>
-          <a:fontRef idx="minor">
-            <a:schemeClr val="lt1"/>
-          </a:fontRef>
-        </p:style>
-        <p:txBody>
-          <a:bodyPr rtlCol="0" anchor="ctr"/>
-          <a:lstStyle/>
-          <a:p>
-            <a:pPr algn="ctr"/>
-            <a:endParaRPr lang="en-US"/>
-          </a:p>
-        </p:txBody>
-      </p:sp>
-      <p:sp>
-        <p:nvSpPr>
-          <p:cNvPr id="6" name="Rectangle 9">
-            <a:extLst>
-              <a:ext uri="{FF2B5EF4-FFF2-40B4-BE49-F238E27FC236}">
-                <a16:creationId xmlns:a16="http://schemas.microsoft.com/office/drawing/2014/main" id="{2FFE28B5-FB16-49A9-B851-3C35FAC0CACB}"/>
-              </a:ext>
-              <a:ext uri="{C183D7F6-B498-43B3-948B-1728B52AA6E4}">
-                <adec:decorative xmlns:adec="http://schemas.microsoft.com/office/drawing/2017/decorative" val="1"/>
-              </a:ext>
-            </a:extLst>
-          </p:cNvPr>
-          <p:cNvSpPr>
-            <a:spLocks noGrp="1" noRot="1" noChangeAspect="1" noMove="1" noResize="1" noEditPoints="1" noAdjustHandles="1" noChangeArrowheads="1" noChangeShapeType="1" noTextEdit="1"/>
-          </p:cNvSpPr>
-          <p:nvPr>
-            <p:extLst>
-              <p:ext uri="{386F3935-93C4-4BCD-93E2-E3B085C9AB24}">
-                <p16:designElem xmlns:p16="http://schemas.microsoft.com/office/powerpoint/2015/main" val="1"/>
-              </p:ext>
-            </p:extLst>
-          </p:nvPr>
-        </p:nvSpPr>
-        <p:spPr>
-          <a:xfrm>
-            <a:off x="1" y="758952"/>
-            <a:ext cx="10905976" cy="1651133"/>
-          </a:xfrm>
-          <a:prstGeom prst="rect">
-            <a:avLst/>
-          </a:prstGeom>
-          <a:solidFill>
-            <a:schemeClr val="accent1"/>
-          </a:solidFill>
-          <a:ln>
-            <a:noFill/>
-          </a:ln>
-        </p:spPr>
-        <p:style>
-          <a:lnRef idx="2">
-            <a:schemeClr val="accent1">
-              <a:shade val="50000"/>
-            </a:schemeClr>
-          </a:lnRef>
-          <a:fillRef idx="1">
-            <a:schemeClr val="accent1"/>
-          </a:fillRef>
-          <a:effectRef idx="0">
-            <a:schemeClr val="accent1"/>
-          </a:effectRef>
-          <a:fontRef idx="minor">
-            <a:schemeClr val="lt1"/>
-          </a:fontRef>
-        </p:style>
-        <p:txBody>
-          <a:bodyPr/>
-          <a:lstStyle/>
-          <a:p>
-            <a:endParaRPr lang="en-US" dirty="0"/>
-          </a:p>
-        </p:txBody>
-      </p:sp>
       <p:sp>
         <p:nvSpPr>
           <p:cNvPr id="2" name="Title 1">
             <a:extLst>
               <a:ext uri="{FF2B5EF4-FFF2-40B4-BE49-F238E27FC236}">
-                <a16:creationId xmlns:a16="http://schemas.microsoft.com/office/drawing/2014/main" id="{42CA5B38-EBAF-4C64-91A1-6E5300D607D5}"/>
+                <a16:creationId xmlns:a16="http://schemas.microsoft.com/office/drawing/2014/main" id="{A3D8773C-2C46-4FB5-B625-2900809E2707}"/>
               </a:ext>
             </a:extLst>
           </p:cNvPr>
@@ -12218,358 +12605,79 @@
         </p:nvSpPr>
         <p:spPr>
           <a:xfrm>
-            <a:off x="1600754" y="1087374"/>
-            <a:ext cx="8983489" cy="1000978"/>
+            <a:off x="-126609" y="-745588"/>
+            <a:ext cx="3545058" cy="5078437"/>
           </a:xfrm>
         </p:spPr>
         <p:txBody>
-          <a:bodyPr vert="horz" lIns="91440" tIns="45720" rIns="91440" bIns="45720" rtlCol="0">
+          <a:bodyPr vert="horz" lIns="91440" tIns="45720" rIns="91440" bIns="45720" rtlCol="0" anchor="b">
             <a:normAutofit/>
           </a:bodyPr>
           <a:lstStyle/>
           <a:p>
-            <a:r>
-              <a:rPr lang="en-US" b="1" spc="-100" dirty="0"/>
-              <a:t>                                 WHY AWS ?	</a:t>
-            </a:r>
-            <a:endParaRPr lang="en-US" dirty="0"/>
+            <a:pPr algn="ctr"/>
+            <a:r>
+              <a:rPr lang="en-US" sz="5900" b="1" spc="-100" dirty="0">
+                <a:solidFill>
+                  <a:schemeClr val="bg1"/>
+                </a:solidFill>
+              </a:rPr>
+              <a:t>WEB HOSTING</a:t>
+            </a:r>
           </a:p>
         </p:txBody>
       </p:sp>
-      <p:sp>
-        <p:nvSpPr>
-          <p:cNvPr id="7" name="Rectangle 11">
+      <p:pic>
+        <p:nvPicPr>
+          <p:cNvPr id="4" name="Picture 2" descr="Klarna signs deal with AWS | FinTech Alliance">
             <a:extLst>
               <a:ext uri="{FF2B5EF4-FFF2-40B4-BE49-F238E27FC236}">
-                <a16:creationId xmlns:a16="http://schemas.microsoft.com/office/drawing/2014/main" id="{01014442-855A-4E0F-8D09-C314661A48B9}"/>
-              </a:ext>
-              <a:ext uri="{C183D7F6-B498-43B3-948B-1728B52AA6E4}">
-                <adec:decorative xmlns:adec="http://schemas.microsoft.com/office/drawing/2017/decorative" val="1"/>
+                <a16:creationId xmlns:a16="http://schemas.microsoft.com/office/drawing/2014/main" id="{2DE163E0-9E6E-42B2-84CB-5C0887C03451}"/>
               </a:ext>
             </a:extLst>
           </p:cNvPr>
-          <p:cNvSpPr>
-            <a:spLocks noGrp="1" noRot="1" noChangeAspect="1" noMove="1" noResize="1" noEditPoints="1" noAdjustHandles="1" noChangeArrowheads="1" noChangeShapeType="1" noTextEdit="1"/>
-          </p:cNvSpPr>
-          <p:nvPr>
-            <p:extLst>
-              <p:ext uri="{386F3935-93C4-4BCD-93E2-E3B085C9AB24}">
-                <p16:designElem xmlns:p16="http://schemas.microsoft.com/office/powerpoint/2015/main" val="1"/>
-              </p:ext>
-            </p:extLst>
-          </p:nvPr>
-        </p:nvSpPr>
-        <p:spPr>
-          <a:xfrm>
-            <a:off x="11014533" y="758952"/>
-            <a:ext cx="1185379" cy="1651133"/>
-          </a:xfrm>
-          <a:prstGeom prst="rect">
-            <a:avLst/>
-          </a:prstGeom>
-          <a:solidFill>
-            <a:srgbClr val="C8C8C8">
-              <a:alpha val="49804"/>
-            </a:srgbClr>
-          </a:solidFill>
-          <a:ln>
-            <a:noFill/>
-          </a:ln>
-        </p:spPr>
-        <p:style>
-          <a:lnRef idx="2">
-            <a:schemeClr val="accent1">
-              <a:shade val="50000"/>
-            </a:schemeClr>
-          </a:lnRef>
-          <a:fillRef idx="1">
-            <a:schemeClr val="accent1"/>
-          </a:fillRef>
-          <a:effectRef idx="0">
-            <a:schemeClr val="accent1"/>
-          </a:effectRef>
-          <a:fontRef idx="minor">
-            <a:schemeClr val="lt1"/>
-          </a:fontRef>
-        </p:style>
-      </p:sp>
-      <p:sp>
-        <p:nvSpPr>
-          <p:cNvPr id="9" name="Rectangle 13">
+          <p:cNvPicPr>
+            <a:picLocks noChangeAspect="1" noChangeArrowheads="1"/>
+          </p:cNvPicPr>
+          <p:nvPr/>
+        </p:nvPicPr>
+        <p:blipFill>
+          <a:blip r:embed="rId2">
             <a:extLst>
-              <a:ext uri="{FF2B5EF4-FFF2-40B4-BE49-F238E27FC236}">
-                <a16:creationId xmlns:a16="http://schemas.microsoft.com/office/drawing/2014/main" id="{9B1ABF09-86CF-414E-88A5-2B84CC7232A9}"/>
-              </a:ext>
-              <a:ext uri="{C183D7F6-B498-43B3-948B-1728B52AA6E4}">
-                <adec:decorative xmlns:adec="http://schemas.microsoft.com/office/drawing/2017/decorative" val="1"/>
+              <a:ext uri="{28A0092B-C50C-407E-A947-70E740481C1C}">
+                <a14:useLocalDpi xmlns:a14="http://schemas.microsoft.com/office/drawing/2010/main" val="0"/>
               </a:ext>
             </a:extLst>
-          </p:cNvPr>
-          <p:cNvSpPr>
-            <a:spLocks noGrp="1" noRot="1" noChangeAspect="1" noMove="1" noResize="1" noEditPoints="1" noAdjustHandles="1" noChangeArrowheads="1" noChangeShapeType="1" noTextEdit="1"/>
-          </p:cNvSpPr>
-          <p:nvPr>
-            <p:extLst>
-              <p:ext uri="{386F3935-93C4-4BCD-93E2-E3B085C9AB24}">
-                <p16:designElem xmlns:p16="http://schemas.microsoft.com/office/powerpoint/2015/main" val="1"/>
-              </p:ext>
-            </p:extLst>
-          </p:nvPr>
-        </p:nvSpPr>
-        <p:spPr>
-          <a:xfrm>
-            <a:off x="763" y="2526526"/>
-            <a:ext cx="1169701" cy="3563378"/>
-          </a:xfrm>
-          <a:prstGeom prst="rect">
-            <a:avLst/>
-          </a:prstGeom>
-          <a:solidFill>
-            <a:srgbClr val="C8C8C8">
-              <a:alpha val="49804"/>
-            </a:srgbClr>
-          </a:solidFill>
-          <a:ln>
-            <a:noFill/>
-          </a:ln>
-        </p:spPr>
-        <p:style>
-          <a:lnRef idx="2">
-            <a:schemeClr val="accent1">
-              <a:shade val="50000"/>
-            </a:schemeClr>
-          </a:lnRef>
-          <a:fillRef idx="1">
-            <a:schemeClr val="accent1"/>
-          </a:fillRef>
-          <a:effectRef idx="0">
-            <a:schemeClr val="accent1"/>
-          </a:effectRef>
-          <a:fontRef idx="minor">
-            <a:schemeClr val="lt1"/>
-          </a:fontRef>
-        </p:style>
-      </p:sp>
-      <p:sp>
-        <p:nvSpPr>
-          <p:cNvPr id="11" name="Rectangle 15">
-            <a:extLst>
-              <a:ext uri="{FF2B5EF4-FFF2-40B4-BE49-F238E27FC236}">
-                <a16:creationId xmlns:a16="http://schemas.microsoft.com/office/drawing/2014/main" id="{3FE91770-CDBB-4D24-94E5-AD484F36CE87}"/>
-              </a:ext>
-              <a:ext uri="{C183D7F6-B498-43B3-948B-1728B52AA6E4}">
-                <adec:decorative xmlns:adec="http://schemas.microsoft.com/office/drawing/2017/decorative" val="1"/>
-              </a:ext>
-            </a:extLst>
-          </p:cNvPr>
-          <p:cNvSpPr>
-            <a:spLocks noGrp="1" noRot="1" noChangeAspect="1" noMove="1" noResize="1" noEditPoints="1" noAdjustHandles="1" noChangeArrowheads="1" noChangeShapeType="1" noTextEdit="1"/>
-          </p:cNvSpPr>
-          <p:nvPr>
-            <p:extLst>
-              <p:ext uri="{386F3935-93C4-4BCD-93E2-E3B085C9AB24}">
-                <p16:designElem xmlns:p16="http://schemas.microsoft.com/office/powerpoint/2015/main" val="1"/>
-              </p:ext>
-            </p:extLst>
-          </p:nvPr>
-        </p:nvSpPr>
-        <p:spPr>
-          <a:xfrm>
-            <a:off x="1279019" y="2526526"/>
-            <a:ext cx="10920893" cy="3563377"/>
-          </a:xfrm>
-          <a:prstGeom prst="rect">
-            <a:avLst/>
-          </a:prstGeom>
-          <a:solidFill>
-            <a:schemeClr val="bg2">
-              <a:lumMod val="60000"/>
-              <a:lumOff val="40000"/>
-              <a:alpha val="60000"/>
-            </a:schemeClr>
-          </a:solidFill>
-          <a:ln>
-            <a:noFill/>
-          </a:ln>
-        </p:spPr>
-        <p:style>
-          <a:lnRef idx="2">
-            <a:schemeClr val="accent1">
-              <a:shade val="50000"/>
-            </a:schemeClr>
-          </a:lnRef>
-          <a:fillRef idx="1">
-            <a:schemeClr val="accent1"/>
-          </a:fillRef>
-          <a:effectRef idx="0">
-            <a:schemeClr val="accent1"/>
-          </a:effectRef>
-          <a:fontRef idx="minor">
-            <a:schemeClr val="lt1"/>
-          </a:fontRef>
-        </p:style>
-        <p:txBody>
-          <a:bodyPr/>
-          <a:lstStyle/>
-          <a:p>
-            <a:endParaRPr lang="en-US" dirty="0"/>
-          </a:p>
-        </p:txBody>
-      </p:sp>
-      <p:sp>
-        <p:nvSpPr>
-          <p:cNvPr id="10" name="TextBox 9">
-            <a:extLst>
-              <a:ext uri="{FF2B5EF4-FFF2-40B4-BE49-F238E27FC236}">
-                <a16:creationId xmlns:a16="http://schemas.microsoft.com/office/drawing/2014/main" id="{E7E1857B-DD12-4EAA-A375-66DFDDF0CACF}"/>
-              </a:ext>
-            </a:extLst>
-          </p:cNvPr>
-          <p:cNvSpPr txBox="1"/>
-          <p:nvPr/>
-        </p:nvSpPr>
-        <p:spPr>
-          <a:xfrm>
-            <a:off x="2136321" y="2780632"/>
-            <a:ext cx="8738558" cy="3724096"/>
+          </a:blip>
+          <a:srcRect/>
+          <a:stretch>
+            <a:fillRect/>
+          </a:stretch>
+        </p:blipFill>
+        <p:spPr bwMode="auto">
+          <a:xfrm>
+            <a:off x="4128306" y="1168763"/>
+            <a:ext cx="6771616" cy="4112742"/>
           </a:xfrm>
           <a:prstGeom prst="rect">
             <a:avLst/>
           </a:prstGeom>
           <a:noFill/>
-        </p:spPr>
-        <p:txBody>
-          <a:bodyPr rot="0" spcFirstLastPara="0" vertOverflow="overflow" horzOverflow="overflow" vert="horz" wrap="square" lIns="91440" tIns="45720" rIns="91440" bIns="45720" numCol="1" spcCol="0" rtlCol="0" fromWordArt="0" anchor="t" anchorCtr="0" forceAA="0" compatLnSpc="1">
-            <a:prstTxWarp prst="textNoShape">
-              <a:avLst/>
-            </a:prstTxWarp>
-            <a:spAutoFit/>
-          </a:bodyPr>
-          <a:lstStyle/>
-          <a:p>
-            <a:pPr marL="571500" indent="-571500">
-              <a:buFont typeface="Arial" panose="020B0604020202020204" pitchFamily="34" charset="0"/>
-              <a:buChar char="•"/>
-            </a:pPr>
-            <a:r>
-              <a:rPr lang="en-GB" sz="4000" b="1" dirty="0">
+          <a:extLst>
+            <a:ext uri="{909E8E84-426E-40DD-AFC4-6F175D3DCCD1}">
+              <a14:hiddenFill xmlns:a14="http://schemas.microsoft.com/office/drawing/2010/main">
                 <a:solidFill>
-                  <a:schemeClr val="accent1">
-                    <a:lumMod val="50000"/>
-                  </a:schemeClr>
+                  <a:srgbClr val="FFFFFF"/>
                 </a:solidFill>
-                <a:latin typeface="Arial"/>
-                <a:cs typeface="Arial"/>
-              </a:rPr>
-              <a:t>Secure</a:t>
-            </a:r>
-          </a:p>
-          <a:p>
-            <a:pPr marL="571500" indent="-571500">
-              <a:buFont typeface="Arial" panose="020B0604020202020204" pitchFamily="34" charset="0"/>
-              <a:buChar char="•"/>
-            </a:pPr>
-            <a:r>
-              <a:rPr lang="en-GB" sz="4000" b="1" dirty="0">
-                <a:solidFill>
-                  <a:schemeClr val="accent1">
-                    <a:lumMod val="50000"/>
-                  </a:schemeClr>
-                </a:solidFill>
-                <a:latin typeface="Arial"/>
-                <a:cs typeface="Arial"/>
-              </a:rPr>
-              <a:t>Flexible</a:t>
-            </a:r>
-          </a:p>
-          <a:p>
-            <a:pPr marL="571500" indent="-571500">
-              <a:buFont typeface="Arial" panose="020B0604020202020204" pitchFamily="34" charset="0"/>
-              <a:buChar char="•"/>
-            </a:pPr>
-            <a:r>
-              <a:rPr lang="en-GB" sz="4000" b="1" dirty="0">
-                <a:solidFill>
-                  <a:schemeClr val="accent1">
-                    <a:lumMod val="50000"/>
-                  </a:schemeClr>
-                </a:solidFill>
-                <a:latin typeface="Arial"/>
-                <a:cs typeface="Arial"/>
-              </a:rPr>
-              <a:t>Reliable</a:t>
-            </a:r>
-          </a:p>
-          <a:p>
-            <a:pPr marL="571500" indent="-571500">
-              <a:buFont typeface="Arial" panose="020B0604020202020204" pitchFamily="34" charset="0"/>
-              <a:buChar char="•"/>
-            </a:pPr>
-            <a:r>
-              <a:rPr lang="en-GB" sz="4000" b="1" dirty="0">
-                <a:solidFill>
-                  <a:schemeClr val="accent1">
-                    <a:lumMod val="50000"/>
-                  </a:schemeClr>
-                </a:solidFill>
-                <a:latin typeface="Arial"/>
-                <a:cs typeface="Arial"/>
-              </a:rPr>
-              <a:t>Scalable</a:t>
-            </a:r>
-          </a:p>
-          <a:p>
-            <a:pPr marL="571500" indent="-571500">
-              <a:buFont typeface="Arial" panose="020B0604020202020204" pitchFamily="34" charset="0"/>
-              <a:buChar char="•"/>
-            </a:pPr>
-            <a:r>
-              <a:rPr lang="en-GB" sz="4000" b="1" dirty="0">
-                <a:solidFill>
-                  <a:schemeClr val="accent1">
-                    <a:lumMod val="50000"/>
-                  </a:schemeClr>
-                </a:solidFill>
-                <a:latin typeface="Arial"/>
-                <a:cs typeface="Arial"/>
-              </a:rPr>
-              <a:t>High Performance               </a:t>
-            </a:r>
-          </a:p>
-          <a:p>
-            <a:pPr marL="285750" indent="-285750" algn="ctr">
-              <a:buFont typeface="Arial" panose="020B0604020202020204" pitchFamily="34" charset="0"/>
-              <a:buChar char="•"/>
-            </a:pPr>
-            <a:endParaRPr lang="en-GB" dirty="0">
-              <a:latin typeface="Arial"/>
-              <a:cs typeface="Arial"/>
-            </a:endParaRPr>
-          </a:p>
-          <a:p>
-            <a:r>
-              <a:rPr lang="en-GB" dirty="0">
-                <a:latin typeface="Arial"/>
-                <a:cs typeface="Arial"/>
-              </a:rPr>
-              <a:t>                                                    </a:t>
-            </a:r>
-            <a:endParaRPr lang="en-GB" sz="2800" b="1" dirty="0">
-              <a:solidFill>
-                <a:schemeClr val="accent1">
-                  <a:lumMod val="50000"/>
-                </a:schemeClr>
-              </a:solidFill>
-              <a:latin typeface="Arial"/>
-              <a:cs typeface="Arial"/>
-            </a:endParaRPr>
-          </a:p>
-        </p:txBody>
-      </p:sp>
+              </a14:hiddenFill>
+            </a:ext>
+          </a:extLst>
+        </p:spPr>
+      </p:pic>
     </p:spTree>
     <p:extLst>
       <p:ext uri="{BB962C8B-B14F-4D97-AF65-F5344CB8AC3E}">
-        <p14:creationId xmlns:p14="http://schemas.microsoft.com/office/powerpoint/2010/main" val="3149260453"/>
+        <p14:creationId xmlns:p14="http://schemas.microsoft.com/office/powerpoint/2010/main" val="3437735645"/>
       </p:ext>
     </p:extLst>
   </p:cSld>
@@ -12604,128 +12712,6 @@
           <a:chExt cx="0" cy="0"/>
         </a:xfrm>
       </p:grpSpPr>
-      <p:sp useBgFill="1">
-        <p:nvSpPr>
-          <p:cNvPr id="5" name="Rectangle 7">
-            <a:extLst>
-              <a:ext uri="{FF2B5EF4-FFF2-40B4-BE49-F238E27FC236}">
-                <a16:creationId xmlns:a16="http://schemas.microsoft.com/office/drawing/2014/main" id="{29DC5A77-10C9-4ECF-B7EB-8D917F36A9EE}"/>
-              </a:ext>
-              <a:ext uri="{C183D7F6-B498-43B3-948B-1728B52AA6E4}">
-                <adec:decorative xmlns:adec="http://schemas.microsoft.com/office/drawing/2017/decorative" val="1"/>
-              </a:ext>
-            </a:extLst>
-          </p:cNvPr>
-          <p:cNvSpPr>
-            <a:spLocks noGrp="1" noRot="1" noChangeAspect="1" noMove="1" noResize="1" noEditPoints="1" noAdjustHandles="1" noChangeArrowheads="1" noChangeShapeType="1" noTextEdit="1"/>
-          </p:cNvSpPr>
-          <p:nvPr>
-            <p:extLst>
-              <p:ext uri="{386F3935-93C4-4BCD-93E2-E3B085C9AB24}">
-                <p16:designElem xmlns:p16="http://schemas.microsoft.com/office/powerpoint/2015/main" val="1"/>
-              </p:ext>
-            </p:extLst>
-          </p:nvPr>
-        </p:nvSpPr>
-        <p:spPr>
-          <a:xfrm>
-            <a:off x="0" y="0"/>
-            <a:ext cx="12192000" cy="6858000"/>
-          </a:xfrm>
-          <a:prstGeom prst="rect">
-            <a:avLst/>
-          </a:prstGeom>
-          <a:ln>
-            <a:noFill/>
-          </a:ln>
-        </p:spPr>
-        <p:style>
-          <a:lnRef idx="2">
-            <a:schemeClr val="accent1">
-              <a:shade val="50000"/>
-            </a:schemeClr>
-          </a:lnRef>
-          <a:fillRef idx="1">
-            <a:schemeClr val="accent1"/>
-          </a:fillRef>
-          <a:effectRef idx="0">
-            <a:schemeClr val="accent1"/>
-          </a:effectRef>
-          <a:fontRef idx="minor">
-            <a:schemeClr val="lt1"/>
-          </a:fontRef>
-        </p:style>
-        <p:txBody>
-          <a:bodyPr rtlCol="0" anchor="ctr"/>
-          <a:lstStyle/>
-          <a:p>
-            <a:pPr algn="ctr"/>
-            <a:endParaRPr lang="en-US"/>
-          </a:p>
-        </p:txBody>
-      </p:sp>
-      <p:sp>
-        <p:nvSpPr>
-          <p:cNvPr id="6" name="Rectangle 9">
-            <a:extLst>
-              <a:ext uri="{FF2B5EF4-FFF2-40B4-BE49-F238E27FC236}">
-                <a16:creationId xmlns:a16="http://schemas.microsoft.com/office/drawing/2014/main" id="{2FFE28B5-FB16-49A9-B851-3C35FAC0CACB}"/>
-              </a:ext>
-              <a:ext uri="{C183D7F6-B498-43B3-948B-1728B52AA6E4}">
-                <adec:decorative xmlns:adec="http://schemas.microsoft.com/office/drawing/2017/decorative" val="1"/>
-              </a:ext>
-            </a:extLst>
-          </p:cNvPr>
-          <p:cNvSpPr>
-            <a:spLocks noGrp="1" noRot="1" noChangeAspect="1" noMove="1" noResize="1" noEditPoints="1" noAdjustHandles="1" noChangeArrowheads="1" noChangeShapeType="1" noTextEdit="1"/>
-          </p:cNvSpPr>
-          <p:nvPr>
-            <p:extLst>
-              <p:ext uri="{386F3935-93C4-4BCD-93E2-E3B085C9AB24}">
-                <p16:designElem xmlns:p16="http://schemas.microsoft.com/office/powerpoint/2015/main" val="1"/>
-              </p:ext>
-            </p:extLst>
-          </p:nvPr>
-        </p:nvSpPr>
-        <p:spPr>
-          <a:xfrm>
-            <a:off x="1" y="758952"/>
-            <a:ext cx="10905976" cy="1651133"/>
-          </a:xfrm>
-          <a:prstGeom prst="rect">
-            <a:avLst/>
-          </a:prstGeom>
-          <a:solidFill>
-            <a:schemeClr val="accent1"/>
-          </a:solidFill>
-          <a:ln>
-            <a:noFill/>
-          </a:ln>
-        </p:spPr>
-        <p:style>
-          <a:lnRef idx="2">
-            <a:schemeClr val="accent1">
-              <a:shade val="50000"/>
-            </a:schemeClr>
-          </a:lnRef>
-          <a:fillRef idx="1">
-            <a:schemeClr val="accent1"/>
-          </a:fillRef>
-          <a:effectRef idx="0">
-            <a:schemeClr val="accent1"/>
-          </a:effectRef>
-          <a:fontRef idx="minor">
-            <a:schemeClr val="lt1"/>
-          </a:fontRef>
-        </p:style>
-        <p:txBody>
-          <a:bodyPr/>
-          <a:lstStyle/>
-          <a:p>
-            <a:endParaRPr lang="en-US" dirty="0"/>
-          </a:p>
-        </p:txBody>
-      </p:sp>
       <p:sp>
         <p:nvSpPr>
           <p:cNvPr id="2" name="Title 1">
@@ -12739,13 +12725,13 @@
             <a:spLocks noGrp="1"/>
           </p:cNvSpPr>
           <p:nvPr>
-            <p:ph type="title"/>
-          </p:nvPr>
-        </p:nvSpPr>
-        <p:spPr>
-          <a:xfrm>
-            <a:off x="1600754" y="1087374"/>
-            <a:ext cx="8983489" cy="1000978"/>
+            <p:ph type="title" idx="4294967295"/>
+          </p:nvPr>
+        </p:nvSpPr>
+        <p:spPr>
+          <a:xfrm>
+            <a:off x="0" y="1087438"/>
+            <a:ext cx="8983663" cy="1000125"/>
           </a:xfrm>
         </p:spPr>
         <p:txBody>
@@ -12758,186 +12744,6 @@
               <a:rPr lang="en-US" b="1" spc="-100" dirty="0"/>
               <a:t>                       APP DEPLOYMENT</a:t>
             </a:r>
-          </a:p>
-        </p:txBody>
-      </p:sp>
-      <p:sp>
-        <p:nvSpPr>
-          <p:cNvPr id="7" name="Rectangle 11">
-            <a:extLst>
-              <a:ext uri="{FF2B5EF4-FFF2-40B4-BE49-F238E27FC236}">
-                <a16:creationId xmlns:a16="http://schemas.microsoft.com/office/drawing/2014/main" id="{01014442-855A-4E0F-8D09-C314661A48B9}"/>
-              </a:ext>
-              <a:ext uri="{C183D7F6-B498-43B3-948B-1728B52AA6E4}">
-                <adec:decorative xmlns:adec="http://schemas.microsoft.com/office/drawing/2017/decorative" val="1"/>
-              </a:ext>
-            </a:extLst>
-          </p:cNvPr>
-          <p:cNvSpPr>
-            <a:spLocks noGrp="1" noRot="1" noChangeAspect="1" noMove="1" noResize="1" noEditPoints="1" noAdjustHandles="1" noChangeArrowheads="1" noChangeShapeType="1" noTextEdit="1"/>
-          </p:cNvSpPr>
-          <p:nvPr>
-            <p:extLst>
-              <p:ext uri="{386F3935-93C4-4BCD-93E2-E3B085C9AB24}">
-                <p16:designElem xmlns:p16="http://schemas.microsoft.com/office/powerpoint/2015/main" val="1"/>
-              </p:ext>
-            </p:extLst>
-          </p:nvPr>
-        </p:nvSpPr>
-        <p:spPr>
-          <a:xfrm>
-            <a:off x="11014533" y="758952"/>
-            <a:ext cx="1185379" cy="1651133"/>
-          </a:xfrm>
-          <a:prstGeom prst="rect">
-            <a:avLst/>
-          </a:prstGeom>
-          <a:solidFill>
-            <a:srgbClr val="C8C8C8">
-              <a:alpha val="49804"/>
-            </a:srgbClr>
-          </a:solidFill>
-          <a:ln>
-            <a:noFill/>
-          </a:ln>
-        </p:spPr>
-        <p:style>
-          <a:lnRef idx="2">
-            <a:schemeClr val="accent1">
-              <a:shade val="50000"/>
-            </a:schemeClr>
-          </a:lnRef>
-          <a:fillRef idx="1">
-            <a:schemeClr val="accent1"/>
-          </a:fillRef>
-          <a:effectRef idx="0">
-            <a:schemeClr val="accent1"/>
-          </a:effectRef>
-          <a:fontRef idx="minor">
-            <a:schemeClr val="lt1"/>
-          </a:fontRef>
-        </p:style>
-      </p:sp>
-      <p:sp>
-        <p:nvSpPr>
-          <p:cNvPr id="9" name="Rectangle 13">
-            <a:extLst>
-              <a:ext uri="{FF2B5EF4-FFF2-40B4-BE49-F238E27FC236}">
-                <a16:creationId xmlns:a16="http://schemas.microsoft.com/office/drawing/2014/main" id="{9B1ABF09-86CF-414E-88A5-2B84CC7232A9}"/>
-              </a:ext>
-              <a:ext uri="{C183D7F6-B498-43B3-948B-1728B52AA6E4}">
-                <adec:decorative xmlns:adec="http://schemas.microsoft.com/office/drawing/2017/decorative" val="1"/>
-              </a:ext>
-            </a:extLst>
-          </p:cNvPr>
-          <p:cNvSpPr>
-            <a:spLocks noGrp="1" noRot="1" noChangeAspect="1" noMove="1" noResize="1" noEditPoints="1" noAdjustHandles="1" noChangeArrowheads="1" noChangeShapeType="1" noTextEdit="1"/>
-          </p:cNvSpPr>
-          <p:nvPr>
-            <p:extLst>
-              <p:ext uri="{386F3935-93C4-4BCD-93E2-E3B085C9AB24}">
-                <p16:designElem xmlns:p16="http://schemas.microsoft.com/office/powerpoint/2015/main" val="1"/>
-              </p:ext>
-            </p:extLst>
-          </p:nvPr>
-        </p:nvSpPr>
-        <p:spPr>
-          <a:xfrm>
-            <a:off x="763" y="2526526"/>
-            <a:ext cx="1169701" cy="3563378"/>
-          </a:xfrm>
-          <a:prstGeom prst="rect">
-            <a:avLst/>
-          </a:prstGeom>
-          <a:solidFill>
-            <a:srgbClr val="C8C8C8">
-              <a:alpha val="49804"/>
-            </a:srgbClr>
-          </a:solidFill>
-          <a:ln>
-            <a:noFill/>
-          </a:ln>
-        </p:spPr>
-        <p:style>
-          <a:lnRef idx="2">
-            <a:schemeClr val="accent1">
-              <a:shade val="50000"/>
-            </a:schemeClr>
-          </a:lnRef>
-          <a:fillRef idx="1">
-            <a:schemeClr val="accent1"/>
-          </a:fillRef>
-          <a:effectRef idx="0">
-            <a:schemeClr val="accent1"/>
-          </a:effectRef>
-          <a:fontRef idx="minor">
-            <a:schemeClr val="lt1"/>
-          </a:fontRef>
-        </p:style>
-      </p:sp>
-      <p:sp>
-        <p:nvSpPr>
-          <p:cNvPr id="11" name="Rectangle 15">
-            <a:extLst>
-              <a:ext uri="{FF2B5EF4-FFF2-40B4-BE49-F238E27FC236}">
-                <a16:creationId xmlns:a16="http://schemas.microsoft.com/office/drawing/2014/main" id="{3FE91770-CDBB-4D24-94E5-AD484F36CE87}"/>
-              </a:ext>
-              <a:ext uri="{C183D7F6-B498-43B3-948B-1728B52AA6E4}">
-                <adec:decorative xmlns:adec="http://schemas.microsoft.com/office/drawing/2017/decorative" val="1"/>
-              </a:ext>
-            </a:extLst>
-          </p:cNvPr>
-          <p:cNvSpPr>
-            <a:spLocks noGrp="1" noRot="1" noChangeAspect="1" noMove="1" noResize="1" noEditPoints="1" noAdjustHandles="1" noChangeArrowheads="1" noChangeShapeType="1" noTextEdit="1"/>
-          </p:cNvSpPr>
-          <p:nvPr>
-            <p:extLst>
-              <p:ext uri="{386F3935-93C4-4BCD-93E2-E3B085C9AB24}">
-                <p16:designElem xmlns:p16="http://schemas.microsoft.com/office/powerpoint/2015/main" val="1"/>
-              </p:ext>
-            </p:extLst>
-          </p:nvPr>
-        </p:nvSpPr>
-        <p:spPr>
-          <a:xfrm>
-            <a:off x="1279019" y="2526526"/>
-            <a:ext cx="10920893" cy="3563377"/>
-          </a:xfrm>
-          <a:prstGeom prst="rect">
-            <a:avLst/>
-          </a:prstGeom>
-          <a:solidFill>
-            <a:schemeClr val="bg2">
-              <a:lumMod val="60000"/>
-              <a:lumOff val="40000"/>
-              <a:alpha val="60000"/>
-            </a:schemeClr>
-          </a:solidFill>
-          <a:ln>
-            <a:noFill/>
-          </a:ln>
-        </p:spPr>
-        <p:style>
-          <a:lnRef idx="2">
-            <a:schemeClr val="accent1">
-              <a:shade val="50000"/>
-            </a:schemeClr>
-          </a:lnRef>
-          <a:fillRef idx="1">
-            <a:schemeClr val="accent1"/>
-          </a:fillRef>
-          <a:effectRef idx="0">
-            <a:schemeClr val="accent1"/>
-          </a:effectRef>
-          <a:fontRef idx="minor">
-            <a:schemeClr val="lt1"/>
-          </a:fontRef>
-        </p:style>
-        <p:txBody>
-          <a:bodyPr/>
-          <a:lstStyle/>
-          <a:p>
-            <a:endParaRPr lang="en-US" dirty="0"/>
           </a:p>
         </p:txBody>
       </p:sp>
@@ -13006,10 +12812,10 @@
       </p:sp>
       <p:pic>
         <p:nvPicPr>
-          <p:cNvPr id="3" name="Picture 2">
+          <p:cNvPr id="12" name="Picture 11">
             <a:extLst>
               <a:ext uri="{FF2B5EF4-FFF2-40B4-BE49-F238E27FC236}">
-                <a16:creationId xmlns:a16="http://schemas.microsoft.com/office/drawing/2014/main" id="{DE4B1825-850B-4538-A9F1-A52797C495D1}"/>
+                <a16:creationId xmlns:a16="http://schemas.microsoft.com/office/drawing/2014/main" id="{C17E78FC-9122-4898-B238-1C9EACBA9EC7}"/>
               </a:ext>
             </a:extLst>
           </p:cNvPr>
@@ -13026,8 +12832,8 @@
         </p:blipFill>
         <p:spPr>
           <a:xfrm>
-            <a:off x="2258283" y="2526526"/>
-            <a:ext cx="6965618" cy="3555635"/>
+            <a:off x="2084511" y="881216"/>
+            <a:ext cx="8670134" cy="5041281"/>
           </a:xfrm>
           <a:prstGeom prst="rect">
             <a:avLst/>
@@ -13424,7 +13230,7 @@
         <p:spPr>
           <a:xfrm>
             <a:off x="1927273" y="2567798"/>
-            <a:ext cx="9425355" cy="3970318"/>
+            <a:ext cx="9425355" cy="3416320"/>
           </a:xfrm>
           <a:prstGeom prst="rect">
             <a:avLst/>
@@ -13446,7 +13252,7 @@
                   <a:srgbClr val="FF0000"/>
                 </a:solidFill>
               </a:rPr>
-              <a:t>AMAZON S3 :</a:t>
+              <a:t>AMAZON  ELB ( Elastic Load Balancing ) :</a:t>
             </a:r>
           </a:p>
           <a:p>
@@ -13458,6 +13264,10 @@
               </a:rPr>
               <a:t>                 </a:t>
             </a:r>
+            <a:r>
+              <a:rPr lang="en-GB" sz="3600" b="1" dirty="0"/>
+              <a:t>For Consistence Application Performance</a:t>
+            </a:r>
           </a:p>
           <a:p>
             <a:r>
@@ -13466,67 +13276,36 @@
                   <a:srgbClr val="FF0000"/>
                 </a:solidFill>
               </a:rPr>
-              <a:t>                  </a:t>
+              <a:t>EC2   :                     </a:t>
             </a:r>
             <a:r>
               <a:rPr lang="en-GB" sz="3600" b="1" dirty="0"/>
-              <a:t>Storing the Files </a:t>
-            </a:r>
+              <a:t>Virtual Server</a:t>
+            </a:r>
+          </a:p>
+          <a:p>
             <a:r>
               <a:rPr lang="en-GB" sz="3600" b="1" dirty="0">
                 <a:solidFill>
                   <a:srgbClr val="FF0000"/>
                 </a:solidFill>
               </a:rPr>
-              <a:t>    </a:t>
-            </a:r>
-          </a:p>
-          <a:p>
-            <a:r>
-              <a:rPr lang="en-GB" sz="3600" b="1" dirty="0">
-                <a:solidFill>
-                  <a:srgbClr val="FF0000"/>
-                </a:solidFill>
-              </a:rPr>
-              <a:t>EC2   :      </a:t>
-            </a:r>
-          </a:p>
-          <a:p>
-            <a:r>
-              <a:rPr lang="en-GB" sz="3600" b="1" dirty="0">
-                <a:solidFill>
-                  <a:srgbClr val="FF0000"/>
-                </a:solidFill>
-              </a:rPr>
-              <a:t>                  </a:t>
+              <a:t>Available Zone: </a:t>
             </a:r>
             <a:r>
               <a:rPr lang="en-GB" sz="3600" b="1" dirty="0"/>
-              <a:t>Virtual Server</a:t>
-            </a:r>
-          </a:p>
-          <a:p>
-            <a:r>
-              <a:rPr lang="en-GB" sz="3600" b="1" dirty="0">
-                <a:solidFill>
-                  <a:srgbClr val="FF0000"/>
-                </a:solidFill>
-              </a:rPr>
-              <a:t>RDS  :</a:t>
-            </a:r>
-          </a:p>
-          <a:p>
-            <a:r>
-              <a:rPr lang="en-GB" sz="3600" b="1" dirty="0">
-                <a:solidFill>
-                  <a:srgbClr val="FF0000"/>
-                </a:solidFill>
-              </a:rPr>
-              <a:t>                  </a:t>
-            </a:r>
+              <a:t>Data </a:t>
+            </a:r>
+            <a:r>
+              <a:rPr lang="en-GB" sz="3600" b="1" dirty="0" err="1"/>
+              <a:t>Center</a:t>
+            </a:r>
+            <a:endParaRPr lang="en-GB" sz="3600" b="1" dirty="0"/>
+          </a:p>
+          <a:p>
             <a:r>
               <a:rPr lang="en-GB" sz="3600" b="1" dirty="0"/>
-              <a:t>Cloud Database                                   </a:t>
+              <a:t>                                </a:t>
             </a:r>
             <a:endParaRPr lang="en-GB" sz="3600" b="1" dirty="0">
               <a:latin typeface="Arial"/>
@@ -13551,14 +13330,6 @@
 <file path=ppt/slides/slide26.xml><?xml version="1.0" encoding="utf-8"?>
 <p:sld xmlns:a="http://schemas.openxmlformats.org/drawingml/2006/main" xmlns:r="http://schemas.openxmlformats.org/officeDocument/2006/relationships" xmlns:p="http://schemas.openxmlformats.org/presentationml/2006/main">
   <p:cSld>
-    <p:bg>
-      <p:bgPr>
-        <a:solidFill>
-          <a:schemeClr val="bg1"/>
-        </a:solidFill>
-        <a:effectLst/>
-      </p:bgPr>
-    </p:bg>
     <p:spTree>
       <p:nvGrpSpPr>
         <p:cNvPr id="1" name=""/>
@@ -13573,436 +13344,40 @@
           <a:chExt cx="0" cy="0"/>
         </a:xfrm>
       </p:grpSpPr>
-      <p:sp useBgFill="1">
-        <p:nvSpPr>
-          <p:cNvPr id="5" name="Rectangle 7">
+      <p:pic>
+        <p:nvPicPr>
+          <p:cNvPr id="4" name="Picture 3">
             <a:extLst>
               <a:ext uri="{FF2B5EF4-FFF2-40B4-BE49-F238E27FC236}">
-                <a16:creationId xmlns:a16="http://schemas.microsoft.com/office/drawing/2014/main" id="{29DC5A77-10C9-4ECF-B7EB-8D917F36A9EE}"/>
-              </a:ext>
-              <a:ext uri="{C183D7F6-B498-43B3-948B-1728B52AA6E4}">
-                <adec:decorative xmlns:adec="http://schemas.microsoft.com/office/drawing/2017/decorative" val="1"/>
+                <a16:creationId xmlns:a16="http://schemas.microsoft.com/office/drawing/2014/main" id="{90FE668F-C1A1-4AC9-86E0-7EAF09D222D0}"/>
               </a:ext>
             </a:extLst>
           </p:cNvPr>
-          <p:cNvSpPr>
-            <a:spLocks noGrp="1" noRot="1" noChangeAspect="1" noMove="1" noResize="1" noEditPoints="1" noAdjustHandles="1" noChangeArrowheads="1" noChangeShapeType="1" noTextEdit="1"/>
-          </p:cNvSpPr>
-          <p:nvPr>
-            <p:extLst>
-              <p:ext uri="{386F3935-93C4-4BCD-93E2-E3B085C9AB24}">
-                <p16:designElem xmlns:p16="http://schemas.microsoft.com/office/powerpoint/2015/main" val="1"/>
-              </p:ext>
-            </p:extLst>
-          </p:nvPr>
-        </p:nvSpPr>
-        <p:spPr>
-          <a:xfrm>
-            <a:off x="0" y="0"/>
-            <a:ext cx="12192000" cy="6858000"/>
+          <p:cNvPicPr>
+            <a:picLocks noChangeAspect="1"/>
+          </p:cNvPicPr>
+          <p:nvPr/>
+        </p:nvPicPr>
+        <p:blipFill>
+          <a:blip r:embed="rId2"/>
+          <a:stretch>
+            <a:fillRect/>
+          </a:stretch>
+        </p:blipFill>
+        <p:spPr>
+          <a:xfrm>
+            <a:off x="1719775" y="709055"/>
+            <a:ext cx="8752449" cy="5439890"/>
           </a:xfrm>
           <a:prstGeom prst="rect">
             <a:avLst/>
           </a:prstGeom>
-          <a:ln>
-            <a:noFill/>
-          </a:ln>
-        </p:spPr>
-        <p:style>
-          <a:lnRef idx="2">
-            <a:schemeClr val="accent1">
-              <a:shade val="50000"/>
-            </a:schemeClr>
-          </a:lnRef>
-          <a:fillRef idx="1">
-            <a:schemeClr val="accent1"/>
-          </a:fillRef>
-          <a:effectRef idx="0">
-            <a:schemeClr val="accent1"/>
-          </a:effectRef>
-          <a:fontRef idx="minor">
-            <a:schemeClr val="lt1"/>
-          </a:fontRef>
-        </p:style>
-        <p:txBody>
-          <a:bodyPr rtlCol="0" anchor="ctr"/>
-          <a:lstStyle/>
-          <a:p>
-            <a:pPr algn="ctr"/>
-            <a:endParaRPr lang="en-US"/>
-          </a:p>
-        </p:txBody>
-      </p:sp>
-      <p:sp>
-        <p:nvSpPr>
-          <p:cNvPr id="6" name="Rectangle 9">
-            <a:extLst>
-              <a:ext uri="{FF2B5EF4-FFF2-40B4-BE49-F238E27FC236}">
-                <a16:creationId xmlns:a16="http://schemas.microsoft.com/office/drawing/2014/main" id="{2FFE28B5-FB16-49A9-B851-3C35FAC0CACB}"/>
-              </a:ext>
-              <a:ext uri="{C183D7F6-B498-43B3-948B-1728B52AA6E4}">
-                <adec:decorative xmlns:adec="http://schemas.microsoft.com/office/drawing/2017/decorative" val="1"/>
-              </a:ext>
-            </a:extLst>
-          </p:cNvPr>
-          <p:cNvSpPr>
-            <a:spLocks noGrp="1" noRot="1" noChangeAspect="1" noMove="1" noResize="1" noEditPoints="1" noAdjustHandles="1" noChangeArrowheads="1" noChangeShapeType="1" noTextEdit="1"/>
-          </p:cNvSpPr>
-          <p:nvPr>
-            <p:extLst>
-              <p:ext uri="{386F3935-93C4-4BCD-93E2-E3B085C9AB24}">
-                <p16:designElem xmlns:p16="http://schemas.microsoft.com/office/powerpoint/2015/main" val="1"/>
-              </p:ext>
-            </p:extLst>
-          </p:nvPr>
-        </p:nvSpPr>
-        <p:spPr>
-          <a:xfrm>
-            <a:off x="1" y="758952"/>
-            <a:ext cx="10905976" cy="1651133"/>
-          </a:xfrm>
-          <a:prstGeom prst="rect">
-            <a:avLst/>
-          </a:prstGeom>
-          <a:solidFill>
-            <a:schemeClr val="accent1"/>
-          </a:solidFill>
-          <a:ln>
-            <a:noFill/>
-          </a:ln>
-        </p:spPr>
-        <p:style>
-          <a:lnRef idx="2">
-            <a:schemeClr val="accent1">
-              <a:shade val="50000"/>
-            </a:schemeClr>
-          </a:lnRef>
-          <a:fillRef idx="1">
-            <a:schemeClr val="accent1"/>
-          </a:fillRef>
-          <a:effectRef idx="0">
-            <a:schemeClr val="accent1"/>
-          </a:effectRef>
-          <a:fontRef idx="minor">
-            <a:schemeClr val="lt1"/>
-          </a:fontRef>
-        </p:style>
-        <p:txBody>
-          <a:bodyPr/>
-          <a:lstStyle/>
-          <a:p>
-            <a:endParaRPr lang="en-US" dirty="0"/>
-          </a:p>
-        </p:txBody>
-      </p:sp>
-      <p:sp>
-        <p:nvSpPr>
-          <p:cNvPr id="2" name="Title 1">
-            <a:extLst>
-              <a:ext uri="{FF2B5EF4-FFF2-40B4-BE49-F238E27FC236}">
-                <a16:creationId xmlns:a16="http://schemas.microsoft.com/office/drawing/2014/main" id="{42CA5B38-EBAF-4C64-91A1-6E5300D607D5}"/>
-              </a:ext>
-            </a:extLst>
-          </p:cNvPr>
-          <p:cNvSpPr>
-            <a:spLocks noGrp="1"/>
-          </p:cNvSpPr>
-          <p:nvPr>
-            <p:ph type="title"/>
-          </p:nvPr>
-        </p:nvSpPr>
-        <p:spPr>
-          <a:xfrm>
-            <a:off x="1600754" y="1087374"/>
-            <a:ext cx="8983489" cy="1000978"/>
-          </a:xfrm>
-        </p:spPr>
-        <p:txBody>
-          <a:bodyPr vert="horz" lIns="91440" tIns="45720" rIns="91440" bIns="45720" rtlCol="0">
-            <a:normAutofit/>
-          </a:bodyPr>
-          <a:lstStyle/>
-          <a:p>
-            <a:r>
-              <a:rPr lang="en-US" b="1" spc="-100" dirty="0"/>
-              <a:t>                       APP DEPLOYMENT</a:t>
-            </a:r>
-          </a:p>
-        </p:txBody>
-      </p:sp>
-      <p:sp>
-        <p:nvSpPr>
-          <p:cNvPr id="7" name="Rectangle 11">
-            <a:extLst>
-              <a:ext uri="{FF2B5EF4-FFF2-40B4-BE49-F238E27FC236}">
-                <a16:creationId xmlns:a16="http://schemas.microsoft.com/office/drawing/2014/main" id="{01014442-855A-4E0F-8D09-C314661A48B9}"/>
-              </a:ext>
-              <a:ext uri="{C183D7F6-B498-43B3-948B-1728B52AA6E4}">
-                <adec:decorative xmlns:adec="http://schemas.microsoft.com/office/drawing/2017/decorative" val="1"/>
-              </a:ext>
-            </a:extLst>
-          </p:cNvPr>
-          <p:cNvSpPr>
-            <a:spLocks noGrp="1" noRot="1" noChangeAspect="1" noMove="1" noResize="1" noEditPoints="1" noAdjustHandles="1" noChangeArrowheads="1" noChangeShapeType="1" noTextEdit="1"/>
-          </p:cNvSpPr>
-          <p:nvPr>
-            <p:extLst>
-              <p:ext uri="{386F3935-93C4-4BCD-93E2-E3B085C9AB24}">
-                <p16:designElem xmlns:p16="http://schemas.microsoft.com/office/powerpoint/2015/main" val="1"/>
-              </p:ext>
-            </p:extLst>
-          </p:nvPr>
-        </p:nvSpPr>
-        <p:spPr>
-          <a:xfrm>
-            <a:off x="11014533" y="758952"/>
-            <a:ext cx="1185379" cy="1651133"/>
-          </a:xfrm>
-          <a:prstGeom prst="rect">
-            <a:avLst/>
-          </a:prstGeom>
-          <a:solidFill>
-            <a:srgbClr val="C8C8C8">
-              <a:alpha val="49804"/>
-            </a:srgbClr>
-          </a:solidFill>
-          <a:ln>
-            <a:noFill/>
-          </a:ln>
-        </p:spPr>
-        <p:style>
-          <a:lnRef idx="2">
-            <a:schemeClr val="accent1">
-              <a:shade val="50000"/>
-            </a:schemeClr>
-          </a:lnRef>
-          <a:fillRef idx="1">
-            <a:schemeClr val="accent1"/>
-          </a:fillRef>
-          <a:effectRef idx="0">
-            <a:schemeClr val="accent1"/>
-          </a:effectRef>
-          <a:fontRef idx="minor">
-            <a:schemeClr val="lt1"/>
-          </a:fontRef>
-        </p:style>
-      </p:sp>
-      <p:sp>
-        <p:nvSpPr>
-          <p:cNvPr id="9" name="Rectangle 13">
-            <a:extLst>
-              <a:ext uri="{FF2B5EF4-FFF2-40B4-BE49-F238E27FC236}">
-                <a16:creationId xmlns:a16="http://schemas.microsoft.com/office/drawing/2014/main" id="{9B1ABF09-86CF-414E-88A5-2B84CC7232A9}"/>
-              </a:ext>
-              <a:ext uri="{C183D7F6-B498-43B3-948B-1728B52AA6E4}">
-                <adec:decorative xmlns:adec="http://schemas.microsoft.com/office/drawing/2017/decorative" val="1"/>
-              </a:ext>
-            </a:extLst>
-          </p:cNvPr>
-          <p:cNvSpPr>
-            <a:spLocks noGrp="1" noRot="1" noChangeAspect="1" noMove="1" noResize="1" noEditPoints="1" noAdjustHandles="1" noChangeArrowheads="1" noChangeShapeType="1" noTextEdit="1"/>
-          </p:cNvSpPr>
-          <p:nvPr>
-            <p:extLst>
-              <p:ext uri="{386F3935-93C4-4BCD-93E2-E3B085C9AB24}">
-                <p16:designElem xmlns:p16="http://schemas.microsoft.com/office/powerpoint/2015/main" val="1"/>
-              </p:ext>
-            </p:extLst>
-          </p:nvPr>
-        </p:nvSpPr>
-        <p:spPr>
-          <a:xfrm>
-            <a:off x="763" y="2526526"/>
-            <a:ext cx="1169701" cy="3563378"/>
-          </a:xfrm>
-          <a:prstGeom prst="rect">
-            <a:avLst/>
-          </a:prstGeom>
-          <a:solidFill>
-            <a:srgbClr val="C8C8C8">
-              <a:alpha val="49804"/>
-            </a:srgbClr>
-          </a:solidFill>
-          <a:ln>
-            <a:noFill/>
-          </a:ln>
-        </p:spPr>
-        <p:style>
-          <a:lnRef idx="2">
-            <a:schemeClr val="accent1">
-              <a:shade val="50000"/>
-            </a:schemeClr>
-          </a:lnRef>
-          <a:fillRef idx="1">
-            <a:schemeClr val="accent1"/>
-          </a:fillRef>
-          <a:effectRef idx="0">
-            <a:schemeClr val="accent1"/>
-          </a:effectRef>
-          <a:fontRef idx="minor">
-            <a:schemeClr val="lt1"/>
-          </a:fontRef>
-        </p:style>
-      </p:sp>
-      <p:sp>
-        <p:nvSpPr>
-          <p:cNvPr id="11" name="Rectangle 15">
-            <a:extLst>
-              <a:ext uri="{FF2B5EF4-FFF2-40B4-BE49-F238E27FC236}">
-                <a16:creationId xmlns:a16="http://schemas.microsoft.com/office/drawing/2014/main" id="{3FE91770-CDBB-4D24-94E5-AD484F36CE87}"/>
-              </a:ext>
-              <a:ext uri="{C183D7F6-B498-43B3-948B-1728B52AA6E4}">
-                <adec:decorative xmlns:adec="http://schemas.microsoft.com/office/drawing/2017/decorative" val="1"/>
-              </a:ext>
-            </a:extLst>
-          </p:cNvPr>
-          <p:cNvSpPr>
-            <a:spLocks noGrp="1" noRot="1" noChangeAspect="1" noMove="1" noResize="1" noEditPoints="1" noAdjustHandles="1" noChangeArrowheads="1" noChangeShapeType="1" noTextEdit="1"/>
-          </p:cNvSpPr>
-          <p:nvPr>
-            <p:extLst>
-              <p:ext uri="{386F3935-93C4-4BCD-93E2-E3B085C9AB24}">
-                <p16:designElem xmlns:p16="http://schemas.microsoft.com/office/powerpoint/2015/main" val="1"/>
-              </p:ext>
-            </p:extLst>
-          </p:nvPr>
-        </p:nvSpPr>
-        <p:spPr>
-          <a:xfrm>
-            <a:off x="1279019" y="2526526"/>
-            <a:ext cx="10920893" cy="3563377"/>
-          </a:xfrm>
-          <a:prstGeom prst="rect">
-            <a:avLst/>
-          </a:prstGeom>
-          <a:solidFill>
-            <a:schemeClr val="bg2">
-              <a:lumMod val="60000"/>
-              <a:lumOff val="40000"/>
-              <a:alpha val="60000"/>
-            </a:schemeClr>
-          </a:solidFill>
-          <a:ln>
-            <a:noFill/>
-          </a:ln>
-        </p:spPr>
-        <p:style>
-          <a:lnRef idx="2">
-            <a:schemeClr val="accent1">
-              <a:shade val="50000"/>
-            </a:schemeClr>
-          </a:lnRef>
-          <a:fillRef idx="1">
-            <a:schemeClr val="accent1"/>
-          </a:fillRef>
-          <a:effectRef idx="0">
-            <a:schemeClr val="accent1"/>
-          </a:effectRef>
-          <a:fontRef idx="minor">
-            <a:schemeClr val="lt1"/>
-          </a:fontRef>
-        </p:style>
-        <p:txBody>
-          <a:bodyPr/>
-          <a:lstStyle/>
-          <a:p>
-            <a:endParaRPr lang="en-US" dirty="0"/>
-          </a:p>
-        </p:txBody>
-      </p:sp>
-      <p:sp>
-        <p:nvSpPr>
-          <p:cNvPr id="10" name="TextBox 9">
-            <a:extLst>
-              <a:ext uri="{FF2B5EF4-FFF2-40B4-BE49-F238E27FC236}">
-                <a16:creationId xmlns:a16="http://schemas.microsoft.com/office/drawing/2014/main" id="{E7E1857B-DD12-4EAA-A375-66DFDDF0CACF}"/>
-              </a:ext>
-            </a:extLst>
-          </p:cNvPr>
-          <p:cNvSpPr txBox="1"/>
-          <p:nvPr/>
-        </p:nvSpPr>
-        <p:spPr>
-          <a:xfrm>
-            <a:off x="1927273" y="2567798"/>
-            <a:ext cx="9425355" cy="2308324"/>
-          </a:xfrm>
-          <a:prstGeom prst="rect">
-            <a:avLst/>
-          </a:prstGeom>
-          <a:noFill/>
-        </p:spPr>
-        <p:txBody>
-          <a:bodyPr rot="0" spcFirstLastPara="0" vertOverflow="overflow" horzOverflow="overflow" vert="horz" wrap="square" lIns="91440" tIns="45720" rIns="91440" bIns="45720" numCol="1" spcCol="0" rtlCol="0" fromWordArt="0" anchor="t" anchorCtr="0" forceAA="0" compatLnSpc="1">
-            <a:prstTxWarp prst="textNoShape">
-              <a:avLst/>
-            </a:prstTxWarp>
-            <a:spAutoFit/>
-          </a:bodyPr>
-          <a:lstStyle/>
-          <a:p>
-            <a:r>
-              <a:rPr lang="en-GB" sz="3600" b="1" dirty="0">
-                <a:solidFill>
-                  <a:srgbClr val="FF0000"/>
-                </a:solidFill>
-              </a:rPr>
-              <a:t>API                   : </a:t>
-            </a:r>
-            <a:r>
-              <a:rPr lang="en-GB" sz="3600" b="1" dirty="0"/>
-              <a:t>REST</a:t>
-            </a:r>
-          </a:p>
-          <a:p>
-            <a:endParaRPr lang="en-GB" sz="3600" b="1" dirty="0">
-              <a:solidFill>
-                <a:srgbClr val="FF0000"/>
-              </a:solidFill>
-            </a:endParaRPr>
-          </a:p>
-          <a:p>
-            <a:endParaRPr lang="en-GB" sz="3600" b="1" dirty="0">
-              <a:solidFill>
-                <a:srgbClr val="FF0000"/>
-              </a:solidFill>
-            </a:endParaRPr>
-          </a:p>
-          <a:p>
-            <a:r>
-              <a:rPr lang="en-GB" sz="3600" b="1" dirty="0">
-                <a:solidFill>
-                  <a:srgbClr val="FF0000"/>
-                </a:solidFill>
-              </a:rPr>
-              <a:t>PROTOCOL  : </a:t>
-            </a:r>
-            <a:r>
-              <a:rPr lang="en-GB" sz="3600" b="1" dirty="0"/>
-              <a:t>HTTP </a:t>
-            </a:r>
-            <a:r>
-              <a:rPr lang="en-GB" sz="3600" b="1" dirty="0">
-                <a:solidFill>
-                  <a:srgbClr val="FF0000"/>
-                </a:solidFill>
-              </a:rPr>
-              <a:t>                             </a:t>
-            </a:r>
-            <a:endParaRPr lang="en-GB" sz="3600" b="1" dirty="0">
-              <a:solidFill>
-                <a:srgbClr val="FF0000"/>
-              </a:solidFill>
-              <a:latin typeface="Arial"/>
-              <a:cs typeface="Arial"/>
-            </a:endParaRPr>
-          </a:p>
-        </p:txBody>
-      </p:sp>
+        </p:spPr>
+      </p:pic>
     </p:spTree>
     <p:extLst>
       <p:ext uri="{BB962C8B-B14F-4D97-AF65-F5344CB8AC3E}">
-        <p14:creationId xmlns:p14="http://schemas.microsoft.com/office/powerpoint/2010/main" val="1007911844"/>
+        <p14:creationId xmlns:p14="http://schemas.microsoft.com/office/powerpoint/2010/main" val="232242154"/>
       </p:ext>
     </p:extLst>
   </p:cSld>
@@ -14091,10 +13466,10 @@
       </p:grpSpPr>
       <p:pic>
         <p:nvPicPr>
-          <p:cNvPr id="3" name="Picture 2">
+          <p:cNvPr id="2" name="Picture 1">
             <a:extLst>
               <a:ext uri="{FF2B5EF4-FFF2-40B4-BE49-F238E27FC236}">
-                <a16:creationId xmlns:a16="http://schemas.microsoft.com/office/drawing/2014/main" id="{B72E9899-57CB-4843-AEC8-E9C45DAEFF09}"/>
+                <a16:creationId xmlns:a16="http://schemas.microsoft.com/office/drawing/2014/main" id="{C0319F1F-8964-4B23-B0EE-F80E74E8285A}"/>
               </a:ext>
             </a:extLst>
           </p:cNvPr>
@@ -14111,8 +13486,8 @@
         </p:blipFill>
         <p:spPr>
           <a:xfrm>
-            <a:off x="119251" y="1136268"/>
-            <a:ext cx="11640022" cy="4585463"/>
+            <a:off x="731520" y="347387"/>
+            <a:ext cx="10003393" cy="5337499"/>
           </a:xfrm>
           <a:prstGeom prst="rect">
             <a:avLst/>
@@ -14157,12 +13532,134 @@
           <a:chExt cx="0" cy="0"/>
         </a:xfrm>
       </p:grpSpPr>
+      <p:sp useBgFill="1">
+        <p:nvSpPr>
+          <p:cNvPr id="5" name="Rectangle 7">
+            <a:extLst>
+              <a:ext uri="{FF2B5EF4-FFF2-40B4-BE49-F238E27FC236}">
+                <a16:creationId xmlns:a16="http://schemas.microsoft.com/office/drawing/2014/main" id="{29DC5A77-10C9-4ECF-B7EB-8D917F36A9EE}"/>
+              </a:ext>
+              <a:ext uri="{C183D7F6-B498-43B3-948B-1728B52AA6E4}">
+                <adec:decorative xmlns:adec="http://schemas.microsoft.com/office/drawing/2017/decorative" val="1"/>
+              </a:ext>
+            </a:extLst>
+          </p:cNvPr>
+          <p:cNvSpPr>
+            <a:spLocks noGrp="1" noRot="1" noChangeAspect="1" noMove="1" noResize="1" noEditPoints="1" noAdjustHandles="1" noChangeArrowheads="1" noChangeShapeType="1" noTextEdit="1"/>
+          </p:cNvSpPr>
+          <p:nvPr>
+            <p:extLst>
+              <p:ext uri="{386F3935-93C4-4BCD-93E2-E3B085C9AB24}">
+                <p16:designElem xmlns:p16="http://schemas.microsoft.com/office/powerpoint/2015/main" val="1"/>
+              </p:ext>
+            </p:extLst>
+          </p:nvPr>
+        </p:nvSpPr>
+        <p:spPr>
+          <a:xfrm>
+            <a:off x="0" y="0"/>
+            <a:ext cx="12192000" cy="6858000"/>
+          </a:xfrm>
+          <a:prstGeom prst="rect">
+            <a:avLst/>
+          </a:prstGeom>
+          <a:ln>
+            <a:noFill/>
+          </a:ln>
+        </p:spPr>
+        <p:style>
+          <a:lnRef idx="2">
+            <a:schemeClr val="accent1">
+              <a:shade val="50000"/>
+            </a:schemeClr>
+          </a:lnRef>
+          <a:fillRef idx="1">
+            <a:schemeClr val="accent1"/>
+          </a:fillRef>
+          <a:effectRef idx="0">
+            <a:schemeClr val="accent1"/>
+          </a:effectRef>
+          <a:fontRef idx="minor">
+            <a:schemeClr val="lt1"/>
+          </a:fontRef>
+        </p:style>
+        <p:txBody>
+          <a:bodyPr rtlCol="0" anchor="ctr"/>
+          <a:lstStyle/>
+          <a:p>
+            <a:pPr algn="ctr"/>
+            <a:endParaRPr lang="en-US"/>
+          </a:p>
+        </p:txBody>
+      </p:sp>
+      <p:sp>
+        <p:nvSpPr>
+          <p:cNvPr id="6" name="Rectangle 9">
+            <a:extLst>
+              <a:ext uri="{FF2B5EF4-FFF2-40B4-BE49-F238E27FC236}">
+                <a16:creationId xmlns:a16="http://schemas.microsoft.com/office/drawing/2014/main" id="{2FFE28B5-FB16-49A9-B851-3C35FAC0CACB}"/>
+              </a:ext>
+              <a:ext uri="{C183D7F6-B498-43B3-948B-1728B52AA6E4}">
+                <adec:decorative xmlns:adec="http://schemas.microsoft.com/office/drawing/2017/decorative" val="1"/>
+              </a:ext>
+            </a:extLst>
+          </p:cNvPr>
+          <p:cNvSpPr>
+            <a:spLocks noGrp="1" noRot="1" noChangeAspect="1" noMove="1" noResize="1" noEditPoints="1" noAdjustHandles="1" noChangeArrowheads="1" noChangeShapeType="1" noTextEdit="1"/>
+          </p:cNvSpPr>
+          <p:nvPr>
+            <p:extLst>
+              <p:ext uri="{386F3935-93C4-4BCD-93E2-E3B085C9AB24}">
+                <p16:designElem xmlns:p16="http://schemas.microsoft.com/office/powerpoint/2015/main" val="1"/>
+              </p:ext>
+            </p:extLst>
+          </p:nvPr>
+        </p:nvSpPr>
+        <p:spPr>
+          <a:xfrm>
+            <a:off x="1" y="758952"/>
+            <a:ext cx="10905976" cy="1651133"/>
+          </a:xfrm>
+          <a:prstGeom prst="rect">
+            <a:avLst/>
+          </a:prstGeom>
+          <a:solidFill>
+            <a:schemeClr val="accent1"/>
+          </a:solidFill>
+          <a:ln>
+            <a:noFill/>
+          </a:ln>
+        </p:spPr>
+        <p:style>
+          <a:lnRef idx="2">
+            <a:schemeClr val="accent1">
+              <a:shade val="50000"/>
+            </a:schemeClr>
+          </a:lnRef>
+          <a:fillRef idx="1">
+            <a:schemeClr val="accent1"/>
+          </a:fillRef>
+          <a:effectRef idx="0">
+            <a:schemeClr val="accent1"/>
+          </a:effectRef>
+          <a:fontRef idx="minor">
+            <a:schemeClr val="lt1"/>
+          </a:fontRef>
+        </p:style>
+        <p:txBody>
+          <a:bodyPr/>
+          <a:lstStyle/>
+          <a:p>
+            <a:endParaRPr lang="en-US" dirty="0"/>
+          </a:p>
+        </p:txBody>
+      </p:sp>
       <p:sp>
         <p:nvSpPr>
           <p:cNvPr id="2" name="Title 1">
             <a:extLst>
               <a:ext uri="{FF2B5EF4-FFF2-40B4-BE49-F238E27FC236}">
-                <a16:creationId xmlns:a16="http://schemas.microsoft.com/office/drawing/2014/main" id="{A3D8773C-2C46-4FB5-B625-2900809E2707}"/>
+                <a16:creationId xmlns:a16="http://schemas.microsoft.com/office/drawing/2014/main" id="{42CA5B38-EBAF-4C64-91A1-6E5300D607D5}"/>
               </a:ext>
             </a:extLst>
           </p:cNvPr>
@@ -14175,79 +13672,416 @@
         </p:nvSpPr>
         <p:spPr>
           <a:xfrm>
-            <a:off x="252919" y="1123837"/>
-            <a:ext cx="2068250" cy="3349689"/>
+            <a:off x="1600754" y="1087374"/>
+            <a:ext cx="8983489" cy="1000978"/>
           </a:xfrm>
         </p:spPr>
         <p:txBody>
-          <a:bodyPr vert="horz" lIns="91440" tIns="45720" rIns="91440" bIns="45720" rtlCol="0" anchor="b">
+          <a:bodyPr vert="horz" lIns="91440" tIns="45720" rIns="91440" bIns="45720" rtlCol="0">
             <a:normAutofit/>
           </a:bodyPr>
           <a:lstStyle/>
           <a:p>
-            <a:pPr algn="r"/>
-            <a:r>
-              <a:rPr lang="en-US" sz="5900" b="1" spc="-100" dirty="0">
+            <a:r>
+              <a:rPr lang="en-US" b="1" spc="-100" dirty="0">
                 <a:solidFill>
                   <a:schemeClr val="bg1"/>
                 </a:solidFill>
               </a:rPr>
-              <a:t>IDE</a:t>
-            </a:r>
+              <a:t>               Model  -   View  -  Controller</a:t>
+            </a:r>
+            <a:endParaRPr lang="en-US" dirty="0">
+              <a:solidFill>
+                <a:schemeClr val="bg1"/>
+              </a:solidFill>
+            </a:endParaRPr>
           </a:p>
         </p:txBody>
       </p:sp>
-      <p:pic>
-        <p:nvPicPr>
-          <p:cNvPr id="1026" name="Picture 2" descr="IntelliJ IDEA - Wikipedia">
+      <p:sp>
+        <p:nvSpPr>
+          <p:cNvPr id="7" name="Rectangle 11">
             <a:extLst>
               <a:ext uri="{FF2B5EF4-FFF2-40B4-BE49-F238E27FC236}">
-                <a16:creationId xmlns:a16="http://schemas.microsoft.com/office/drawing/2014/main" id="{FD0C171F-DF4E-41AD-83E3-CEAC92E0371C}"/>
+                <a16:creationId xmlns:a16="http://schemas.microsoft.com/office/drawing/2014/main" id="{01014442-855A-4E0F-8D09-C314661A48B9}"/>
+              </a:ext>
+              <a:ext uri="{C183D7F6-B498-43B3-948B-1728B52AA6E4}">
+                <adec:decorative xmlns:adec="http://schemas.microsoft.com/office/drawing/2017/decorative" val="1"/>
               </a:ext>
             </a:extLst>
           </p:cNvPr>
-          <p:cNvPicPr>
-            <a:picLocks noChangeAspect="1" noChangeArrowheads="1"/>
-          </p:cNvPicPr>
+          <p:cNvSpPr>
+            <a:spLocks noGrp="1" noRot="1" noChangeAspect="1" noMove="1" noResize="1" noEditPoints="1" noAdjustHandles="1" noChangeArrowheads="1" noChangeShapeType="1" noTextEdit="1"/>
+          </p:cNvSpPr>
+          <p:nvPr>
+            <p:extLst>
+              <p:ext uri="{386F3935-93C4-4BCD-93E2-E3B085C9AB24}">
+                <p16:designElem xmlns:p16="http://schemas.microsoft.com/office/powerpoint/2015/main" val="1"/>
+              </p:ext>
+            </p:extLst>
+          </p:nvPr>
+        </p:nvSpPr>
+        <p:spPr>
+          <a:xfrm>
+            <a:off x="11014533" y="758952"/>
+            <a:ext cx="1185379" cy="1651133"/>
+          </a:xfrm>
+          <a:prstGeom prst="rect">
+            <a:avLst/>
+          </a:prstGeom>
+          <a:solidFill>
+            <a:srgbClr val="C8C8C8">
+              <a:alpha val="49804"/>
+            </a:srgbClr>
+          </a:solidFill>
+          <a:ln>
+            <a:noFill/>
+          </a:ln>
+        </p:spPr>
+        <p:style>
+          <a:lnRef idx="2">
+            <a:schemeClr val="accent1">
+              <a:shade val="50000"/>
+            </a:schemeClr>
+          </a:lnRef>
+          <a:fillRef idx="1">
+            <a:schemeClr val="accent1"/>
+          </a:fillRef>
+          <a:effectRef idx="0">
+            <a:schemeClr val="accent1"/>
+          </a:effectRef>
+          <a:fontRef idx="minor">
+            <a:schemeClr val="lt1"/>
+          </a:fontRef>
+        </p:style>
+      </p:sp>
+      <p:sp>
+        <p:nvSpPr>
+          <p:cNvPr id="9" name="Rectangle 13">
+            <a:extLst>
+              <a:ext uri="{FF2B5EF4-FFF2-40B4-BE49-F238E27FC236}">
+                <a16:creationId xmlns:a16="http://schemas.microsoft.com/office/drawing/2014/main" id="{9B1ABF09-86CF-414E-88A5-2B84CC7232A9}"/>
+              </a:ext>
+              <a:ext uri="{C183D7F6-B498-43B3-948B-1728B52AA6E4}">
+                <adec:decorative xmlns:adec="http://schemas.microsoft.com/office/drawing/2017/decorative" val="1"/>
+              </a:ext>
+            </a:extLst>
+          </p:cNvPr>
+          <p:cNvSpPr>
+            <a:spLocks noGrp="1" noRot="1" noChangeAspect="1" noMove="1" noResize="1" noEditPoints="1" noAdjustHandles="1" noChangeArrowheads="1" noChangeShapeType="1" noTextEdit="1"/>
+          </p:cNvSpPr>
+          <p:nvPr>
+            <p:extLst>
+              <p:ext uri="{386F3935-93C4-4BCD-93E2-E3B085C9AB24}">
+                <p16:designElem xmlns:p16="http://schemas.microsoft.com/office/powerpoint/2015/main" val="1"/>
+              </p:ext>
+            </p:extLst>
+          </p:nvPr>
+        </p:nvSpPr>
+        <p:spPr>
+          <a:xfrm>
+            <a:off x="763" y="2526526"/>
+            <a:ext cx="1169701" cy="3563378"/>
+          </a:xfrm>
+          <a:prstGeom prst="rect">
+            <a:avLst/>
+          </a:prstGeom>
+          <a:solidFill>
+            <a:srgbClr val="C8C8C8">
+              <a:alpha val="49804"/>
+            </a:srgbClr>
+          </a:solidFill>
+          <a:ln>
+            <a:noFill/>
+          </a:ln>
+        </p:spPr>
+        <p:style>
+          <a:lnRef idx="2">
+            <a:schemeClr val="accent1">
+              <a:shade val="50000"/>
+            </a:schemeClr>
+          </a:lnRef>
+          <a:fillRef idx="1">
+            <a:schemeClr val="accent1"/>
+          </a:fillRef>
+          <a:effectRef idx="0">
+            <a:schemeClr val="accent1"/>
+          </a:effectRef>
+          <a:fontRef idx="minor">
+            <a:schemeClr val="lt1"/>
+          </a:fontRef>
+        </p:style>
+      </p:sp>
+      <p:sp>
+        <p:nvSpPr>
+          <p:cNvPr id="11" name="Rectangle 15">
+            <a:extLst>
+              <a:ext uri="{FF2B5EF4-FFF2-40B4-BE49-F238E27FC236}">
+                <a16:creationId xmlns:a16="http://schemas.microsoft.com/office/drawing/2014/main" id="{3FE91770-CDBB-4D24-94E5-AD484F36CE87}"/>
+              </a:ext>
+              <a:ext uri="{C183D7F6-B498-43B3-948B-1728B52AA6E4}">
+                <adec:decorative xmlns:adec="http://schemas.microsoft.com/office/drawing/2017/decorative" val="1"/>
+              </a:ext>
+            </a:extLst>
+          </p:cNvPr>
+          <p:cNvSpPr>
+            <a:spLocks noGrp="1" noRot="1" noChangeAspect="1" noMove="1" noResize="1" noEditPoints="1" noAdjustHandles="1" noChangeArrowheads="1" noChangeShapeType="1" noTextEdit="1"/>
+          </p:cNvSpPr>
+          <p:nvPr>
+            <p:extLst>
+              <p:ext uri="{386F3935-93C4-4BCD-93E2-E3B085C9AB24}">
+                <p16:designElem xmlns:p16="http://schemas.microsoft.com/office/powerpoint/2015/main" val="1"/>
+              </p:ext>
+            </p:extLst>
+          </p:nvPr>
+        </p:nvSpPr>
+        <p:spPr>
+          <a:xfrm>
+            <a:off x="1279019" y="2526526"/>
+            <a:ext cx="10920893" cy="3563377"/>
+          </a:xfrm>
+          <a:prstGeom prst="rect">
+            <a:avLst/>
+          </a:prstGeom>
+          <a:solidFill>
+            <a:schemeClr val="bg2">
+              <a:lumMod val="60000"/>
+              <a:lumOff val="40000"/>
+              <a:alpha val="60000"/>
+            </a:schemeClr>
+          </a:solidFill>
+          <a:ln>
+            <a:noFill/>
+          </a:ln>
+        </p:spPr>
+        <p:style>
+          <a:lnRef idx="2">
+            <a:schemeClr val="accent1">
+              <a:shade val="50000"/>
+            </a:schemeClr>
+          </a:lnRef>
+          <a:fillRef idx="1">
+            <a:schemeClr val="accent1"/>
+          </a:fillRef>
+          <a:effectRef idx="0">
+            <a:schemeClr val="accent1"/>
+          </a:effectRef>
+          <a:fontRef idx="minor">
+            <a:schemeClr val="lt1"/>
+          </a:fontRef>
+        </p:style>
+        <p:txBody>
+          <a:bodyPr/>
+          <a:lstStyle/>
+          <a:p>
+            <a:endParaRPr lang="en-US" dirty="0"/>
+          </a:p>
+        </p:txBody>
+      </p:sp>
+      <p:sp>
+        <p:nvSpPr>
+          <p:cNvPr id="10" name="TextBox 9">
+            <a:extLst>
+              <a:ext uri="{FF2B5EF4-FFF2-40B4-BE49-F238E27FC236}">
+                <a16:creationId xmlns:a16="http://schemas.microsoft.com/office/drawing/2014/main" id="{E7E1857B-DD12-4EAA-A375-66DFDDF0CACF}"/>
+              </a:ext>
+            </a:extLst>
+          </p:cNvPr>
+          <p:cNvSpPr txBox="1"/>
           <p:nvPr/>
-        </p:nvPicPr>
-        <p:blipFill>
-          <a:blip r:embed="rId2">
-            <a:extLst>
-              <a:ext uri="{28A0092B-C50C-407E-A947-70E740481C1C}">
-                <a14:useLocalDpi xmlns:a14="http://schemas.microsoft.com/office/drawing/2010/main" val="0"/>
-              </a:ext>
-            </a:extLst>
-          </a:blip>
-          <a:srcRect/>
-          <a:stretch>
-            <a:fillRect/>
-          </a:stretch>
-        </p:blipFill>
-        <p:spPr bwMode="auto">
-          <a:xfrm>
-            <a:off x="4552071" y="774895"/>
-            <a:ext cx="5745480" cy="5745480"/>
+        </p:nvSpPr>
+        <p:spPr>
+          <a:xfrm>
+            <a:off x="2136321" y="2780632"/>
+            <a:ext cx="8738558" cy="5139869"/>
           </a:xfrm>
           <a:prstGeom prst="rect">
             <a:avLst/>
           </a:prstGeom>
           <a:noFill/>
-          <a:extLst>
-            <a:ext uri="{909E8E84-426E-40DD-AFC4-6F175D3DCCD1}">
-              <a14:hiddenFill xmlns:a14="http://schemas.microsoft.com/office/drawing/2010/main">
+        </p:spPr>
+        <p:txBody>
+          <a:bodyPr rot="0" spcFirstLastPara="0" vertOverflow="overflow" horzOverflow="overflow" vert="horz" wrap="square" lIns="91440" tIns="45720" rIns="91440" bIns="45720" numCol="1" spcCol="0" rtlCol="0" fromWordArt="0" anchor="t" anchorCtr="0" forceAA="0" compatLnSpc="1">
+            <a:prstTxWarp prst="textNoShape">
+              <a:avLst/>
+            </a:prstTxWarp>
+            <a:spAutoFit/>
+          </a:bodyPr>
+          <a:lstStyle/>
+          <a:p>
+            <a:r>
+              <a:rPr lang="en-GB" sz="2800" b="1" dirty="0">
                 <a:solidFill>
-                  <a:srgbClr val="FFFFFF"/>
+                  <a:srgbClr val="FF0000"/>
                 </a:solidFill>
-              </a14:hiddenFill>
-            </a:ext>
-          </a:extLst>
-        </p:spPr>
-      </p:pic>
+                <a:latin typeface="Arial"/>
+                <a:cs typeface="Arial"/>
+              </a:rPr>
+              <a:t>Model :   </a:t>
+            </a:r>
+            <a:r>
+              <a:rPr lang="en-GB" sz="2800" b="1" dirty="0">
+                <a:latin typeface="Arial"/>
+                <a:cs typeface="Arial"/>
+              </a:rPr>
+              <a:t>Mongoose </a:t>
+            </a:r>
+            <a:r>
+              <a:rPr lang="en-GB" sz="2800" b="1" dirty="0">
+                <a:solidFill>
+                  <a:schemeClr val="accent1">
+                    <a:lumMod val="50000"/>
+                  </a:schemeClr>
+                </a:solidFill>
+                <a:latin typeface="Arial"/>
+                <a:cs typeface="Arial"/>
+              </a:rPr>
+              <a:t>   </a:t>
+            </a:r>
+          </a:p>
+          <a:p>
+            <a:r>
+              <a:rPr lang="en-GB" sz="2800" b="1" dirty="0">
+                <a:solidFill>
+                  <a:schemeClr val="accent1">
+                    <a:lumMod val="50000"/>
+                  </a:schemeClr>
+                </a:solidFill>
+                <a:latin typeface="Arial"/>
+                <a:cs typeface="Arial"/>
+              </a:rPr>
+              <a:t>	     </a:t>
+            </a:r>
+          </a:p>
+          <a:p>
+            <a:pPr lvl="3"/>
+            <a:r>
+              <a:rPr lang="en-GB" sz="2800" b="1" dirty="0">
+                <a:solidFill>
+                  <a:schemeClr val="accent1">
+                    <a:lumMod val="50000"/>
+                  </a:schemeClr>
+                </a:solidFill>
+                <a:latin typeface="Arial"/>
+                <a:cs typeface="Arial"/>
+              </a:rPr>
+              <a:t> - Managing Relationship between data.</a:t>
+            </a:r>
+          </a:p>
+          <a:p>
+            <a:pPr lvl="3"/>
+            <a:endParaRPr lang="en-GB" sz="2800" b="1" dirty="0">
+              <a:solidFill>
+                <a:schemeClr val="accent1">
+                  <a:lumMod val="50000"/>
+                </a:schemeClr>
+              </a:solidFill>
+              <a:latin typeface="Arial"/>
+              <a:cs typeface="Arial"/>
+            </a:endParaRPr>
+          </a:p>
+          <a:p>
+            <a:pPr lvl="3"/>
+            <a:r>
+              <a:rPr lang="en-GB" sz="2800" b="1" dirty="0">
+                <a:solidFill>
+                  <a:schemeClr val="accent1">
+                    <a:lumMod val="50000"/>
+                  </a:schemeClr>
+                </a:solidFill>
+                <a:latin typeface="Arial"/>
+                <a:cs typeface="Arial"/>
+              </a:rPr>
+              <a:t> - Schema Validation</a:t>
+            </a:r>
+          </a:p>
+          <a:p>
+            <a:pPr lvl="3"/>
+            <a:r>
+              <a:rPr lang="en-GB" sz="2800" b="1" dirty="0">
+                <a:solidFill>
+                  <a:schemeClr val="accent1">
+                    <a:lumMod val="50000"/>
+                  </a:schemeClr>
+                </a:solidFill>
+                <a:latin typeface="Arial"/>
+                <a:cs typeface="Arial"/>
+              </a:rPr>
+              <a:t> </a:t>
+            </a:r>
+          </a:p>
+          <a:p>
+            <a:pPr lvl="3"/>
+            <a:r>
+              <a:rPr lang="en-GB" sz="2800" b="1" dirty="0">
+                <a:solidFill>
+                  <a:schemeClr val="accent1">
+                    <a:lumMod val="50000"/>
+                  </a:schemeClr>
+                </a:solidFill>
+                <a:latin typeface="Arial"/>
+                <a:cs typeface="Arial"/>
+              </a:rPr>
+              <a:t> - Object representation in MongoDB.	   	                        </a:t>
+            </a:r>
+          </a:p>
+          <a:p>
+            <a:r>
+              <a:rPr lang="en-GB" sz="2800" b="1" dirty="0">
+                <a:solidFill>
+                  <a:schemeClr val="accent1">
+                    <a:lumMod val="50000"/>
+                  </a:schemeClr>
+                </a:solidFill>
+                <a:latin typeface="Arial"/>
+                <a:cs typeface="Arial"/>
+              </a:rPr>
+              <a:t>             </a:t>
+            </a:r>
+          </a:p>
+          <a:p>
+            <a:r>
+              <a:rPr lang="en-GB" sz="4000" b="1" dirty="0">
+                <a:latin typeface="Arial"/>
+                <a:cs typeface="Arial"/>
+              </a:rPr>
+              <a:t> </a:t>
+            </a:r>
+          </a:p>
+          <a:p>
+            <a:pPr marL="285750" indent="-285750" algn="ctr">
+              <a:buFont typeface="Arial" panose="020B0604020202020204" pitchFamily="34" charset="0"/>
+              <a:buChar char="•"/>
+            </a:pPr>
+            <a:endParaRPr lang="en-GB" dirty="0">
+              <a:latin typeface="Arial"/>
+              <a:cs typeface="Arial"/>
+            </a:endParaRPr>
+          </a:p>
+          <a:p>
+            <a:r>
+              <a:rPr lang="en-GB" dirty="0">
+                <a:latin typeface="Arial"/>
+                <a:cs typeface="Arial"/>
+              </a:rPr>
+              <a:t>                                                    </a:t>
+            </a:r>
+            <a:endParaRPr lang="en-GB" sz="2800" b="1" dirty="0">
+              <a:solidFill>
+                <a:schemeClr val="accent1">
+                  <a:lumMod val="50000"/>
+                </a:schemeClr>
+              </a:solidFill>
+              <a:latin typeface="Arial"/>
+              <a:cs typeface="Arial"/>
+            </a:endParaRPr>
+          </a:p>
+        </p:txBody>
+      </p:sp>
     </p:spTree>
     <p:extLst>
       <p:ext uri="{BB962C8B-B14F-4D97-AF65-F5344CB8AC3E}">
-        <p14:creationId xmlns:p14="http://schemas.microsoft.com/office/powerpoint/2010/main" val="4265504952"/>
+        <p14:creationId xmlns:p14="http://schemas.microsoft.com/office/powerpoint/2010/main" val="3389175240"/>
       </p:ext>
     </p:extLst>
   </p:cSld>
@@ -14428,7 +14262,7 @@
         </p:spPr>
         <p:txBody>
           <a:bodyPr vert="horz" lIns="91440" tIns="45720" rIns="91440" bIns="45720" rtlCol="0">
-            <a:normAutofit fontScale="90000"/>
+            <a:normAutofit/>
           </a:bodyPr>
           <a:lstStyle/>
           <a:p>
@@ -14438,7 +14272,7 @@
                   <a:schemeClr val="bg1"/>
                 </a:solidFill>
               </a:rPr>
-              <a:t>HOW THESE TECHNOLOGIES ARE COMING INTO                 PLAY ?</a:t>
+              <a:t>        Model  -   View  -  Controller</a:t>
             </a:r>
             <a:endParaRPr lang="en-US" dirty="0">
               <a:solidFill>
@@ -14659,16 +14493,15 @@
           </a:bodyPr>
           <a:lstStyle/>
           <a:p>
-            <a:pPr marL="571500" indent="-571500">
-              <a:buFont typeface="Courier New" panose="02070309020205020404" pitchFamily="49" charset="0"/>
-              <a:buChar char="o"/>
-            </a:pPr>
             <a:r>
               <a:rPr lang="en-GB" sz="2800" b="1" dirty="0">
+                <a:solidFill>
+                  <a:srgbClr val="FF0000"/>
+                </a:solidFill>
                 <a:latin typeface="Arial"/>
                 <a:cs typeface="Arial"/>
               </a:rPr>
-              <a:t>Front End page </a:t>
+              <a:t>View :</a:t>
             </a:r>
             <a:r>
               <a:rPr lang="en-GB" sz="2800" b="1" dirty="0">
@@ -14680,18 +14513,28 @@
                 <a:latin typeface="Arial"/>
                 <a:cs typeface="Arial"/>
               </a:rPr>
-              <a:t>designing we used </a:t>
+              <a:t>  </a:t>
             </a:r>
             <a:r>
               <a:rPr lang="en-GB" sz="2800" b="1" dirty="0">
-                <a:solidFill>
-                  <a:srgbClr val="FF0000"/>
-                </a:solidFill>
                 <a:latin typeface="Arial"/>
                 <a:cs typeface="Arial"/>
               </a:rPr>
-              <a:t>HTML</a:t>
-            </a:r>
+              <a:t>HTML, CSS, </a:t>
+            </a:r>
+            <a:r>
+              <a:rPr lang="en-GB" sz="2800" b="1" dirty="0" err="1">
+                <a:latin typeface="Arial"/>
+                <a:cs typeface="Arial"/>
+              </a:rPr>
+              <a:t>BootStrap</a:t>
+            </a:r>
+            <a:endParaRPr lang="en-GB" sz="2800" b="1" dirty="0">
+              <a:latin typeface="Arial"/>
+              <a:cs typeface="Arial"/>
+            </a:endParaRPr>
+          </a:p>
+          <a:p>
             <a:r>
               <a:rPr lang="en-GB" sz="2800" b="1" dirty="0">
                 <a:solidFill>
@@ -14702,18 +14545,10 @@
                 <a:latin typeface="Arial"/>
                 <a:cs typeface="Arial"/>
               </a:rPr>
-              <a:t> and </a:t>
-            </a:r>
-            <a:r>
-              <a:rPr lang="en-GB" sz="2800" b="1" dirty="0">
-                <a:solidFill>
-                  <a:srgbClr val="FF0000"/>
-                </a:solidFill>
-                <a:latin typeface="Arial"/>
-                <a:cs typeface="Arial"/>
-              </a:rPr>
-              <a:t>CSS</a:t>
-            </a:r>
+              <a:t>	  	   	                        </a:t>
+            </a:r>
+          </a:p>
+          <a:p>
             <a:r>
               <a:rPr lang="en-GB" sz="2800" b="1" dirty="0">
                 <a:solidFill>
@@ -14724,7 +14559,7 @@
                 <a:latin typeface="Arial"/>
                 <a:cs typeface="Arial"/>
               </a:rPr>
-              <a:t>. </a:t>
+              <a:t>        - HTML  &amp; CSS : Page designing and styling</a:t>
             </a:r>
           </a:p>
           <a:p>
@@ -14738,21 +14573,10 @@
                 <a:latin typeface="Arial"/>
                 <a:cs typeface="Arial"/>
               </a:rPr>
-              <a:t>   </a:t>
-            </a:r>
-          </a:p>
-          <a:p>
-            <a:pPr marL="571500" indent="-571500">
-              <a:buFont typeface="Courier New" panose="02070309020205020404" pitchFamily="49" charset="0"/>
-              <a:buChar char="o"/>
-            </a:pPr>
-            <a:r>
-              <a:rPr lang="en-GB" sz="2800" b="1" dirty="0">
-                <a:latin typeface="Arial"/>
-                <a:cs typeface="Arial"/>
-              </a:rPr>
-              <a:t>Front End Framework </a:t>
-            </a:r>
+              <a:t>      </a:t>
+            </a:r>
+          </a:p>
+          <a:p>
             <a:r>
               <a:rPr lang="en-GB" sz="2800" b="1" dirty="0">
                 <a:solidFill>
@@ -14763,18 +14587,10 @@
                 <a:latin typeface="Arial"/>
                 <a:cs typeface="Arial"/>
               </a:rPr>
-              <a:t>we opt </a:t>
-            </a:r>
-            <a:r>
-              <a:rPr lang="en-GB" sz="2800" b="1" dirty="0">
-                <a:solidFill>
-                  <a:srgbClr val="FF0000"/>
-                </a:solidFill>
-                <a:latin typeface="Arial"/>
-                <a:cs typeface="Arial"/>
-              </a:rPr>
-              <a:t>Bootstrap</a:t>
-            </a:r>
+              <a:t>        - Bootstrap : Framework</a:t>
+            </a:r>
+          </a:p>
+          <a:p>
             <a:r>
               <a:rPr lang="en-GB" sz="2800" b="1" dirty="0">
                 <a:solidFill>
@@ -14785,24 +14601,10 @@
                 <a:latin typeface="Arial"/>
                 <a:cs typeface="Arial"/>
               </a:rPr>
-              <a:t>.</a:t>
-            </a:r>
-          </a:p>
-          <a:p>
-            <a:pPr marL="571500" indent="-571500">
-              <a:buFont typeface="Courier New" panose="02070309020205020404" pitchFamily="49" charset="0"/>
-              <a:buChar char="o"/>
-            </a:pPr>
-            <a:endParaRPr lang="en-GB" sz="2800" b="1" dirty="0">
-              <a:latin typeface="Arial"/>
-              <a:cs typeface="Arial"/>
-            </a:endParaRPr>
-          </a:p>
-          <a:p>
-            <a:pPr marL="571500" indent="-571500">
-              <a:buFont typeface="Courier New" panose="02070309020205020404" pitchFamily="49" charset="0"/>
-              <a:buChar char="o"/>
-            </a:pPr>
+              <a:t> </a:t>
+            </a:r>
+          </a:p>
+          <a:p>
             <a:r>
               <a:rPr lang="en-GB" sz="2800" b="1" dirty="0">
                 <a:solidFill>
@@ -14813,15 +14615,10 @@
                 <a:latin typeface="Arial"/>
                 <a:cs typeface="Arial"/>
               </a:rPr>
-              <a:t>For implementing </a:t>
-            </a:r>
-            <a:r>
-              <a:rPr lang="en-GB" sz="2800" b="1" dirty="0">
-                <a:latin typeface="Arial"/>
-                <a:cs typeface="Arial"/>
-              </a:rPr>
-              <a:t>Functions</a:t>
-            </a:r>
+              <a:t>        </a:t>
+            </a:r>
+          </a:p>
+          <a:p>
             <a:r>
               <a:rPr lang="en-GB" sz="2800" b="1" dirty="0">
                 <a:solidFill>
@@ -14832,36 +14629,36 @@
                 <a:latin typeface="Arial"/>
                 <a:cs typeface="Arial"/>
               </a:rPr>
-              <a:t> we choose </a:t>
-            </a:r>
-            <a:r>
-              <a:rPr lang="en-GB" sz="2800" b="1" dirty="0" err="1">
-                <a:solidFill>
-                  <a:srgbClr val="FF0000"/>
-                </a:solidFill>
+              <a:t>         </a:t>
+            </a:r>
+          </a:p>
+          <a:p>
+            <a:r>
+              <a:rPr lang="en-GB" sz="4000" b="1" dirty="0">
                 <a:latin typeface="Arial"/>
                 <a:cs typeface="Arial"/>
               </a:rPr>
-              <a:t>Javascript</a:t>
-            </a:r>
-            <a:r>
-              <a:rPr lang="en-GB" sz="2800" b="1" dirty="0">
-                <a:solidFill>
-                  <a:schemeClr val="accent1">
-                    <a:lumMod val="50000"/>
-                  </a:schemeClr>
-                </a:solidFill>
+              <a:t> </a:t>
+            </a:r>
+          </a:p>
+          <a:p>
+            <a:pPr marL="285750" indent="-285750" algn="ctr">
+              <a:buFont typeface="Arial" panose="020B0604020202020204" pitchFamily="34" charset="0"/>
+              <a:buChar char="•"/>
+            </a:pPr>
+            <a:endParaRPr lang="en-GB" dirty="0">
+              <a:latin typeface="Arial"/>
+              <a:cs typeface="Arial"/>
+            </a:endParaRPr>
+          </a:p>
+          <a:p>
+            <a:r>
+              <a:rPr lang="en-GB" dirty="0">
                 <a:latin typeface="Arial"/>
                 <a:cs typeface="Arial"/>
               </a:rPr>
-              <a:t>.</a:t>
-            </a:r>
-          </a:p>
-          <a:p>
-            <a:pPr marL="571500" indent="-571500">
-              <a:buFont typeface="Courier New" panose="02070309020205020404" pitchFamily="49" charset="0"/>
-              <a:buChar char="o"/>
-            </a:pPr>
+              <a:t>                                                    </a:t>
+            </a:r>
             <a:endParaRPr lang="en-GB" sz="2800" b="1" dirty="0">
               <a:solidFill>
                 <a:schemeClr val="accent1">
@@ -14872,49 +14669,12 @@
               <a:cs typeface="Arial"/>
             </a:endParaRPr>
           </a:p>
-          <a:p>
-            <a:r>
-              <a:rPr lang="en-GB" sz="4000" b="1" dirty="0">
-                <a:latin typeface="Arial"/>
-                <a:cs typeface="Arial"/>
-              </a:rPr>
-              <a:t> </a:t>
-            </a:r>
-          </a:p>
-          <a:p>
-            <a:pPr marL="285750" indent="-285750" algn="ctr">
-              <a:buFont typeface="Arial" panose="020B0604020202020204" pitchFamily="34" charset="0"/>
-              <a:buChar char="•"/>
-            </a:pPr>
-            <a:endParaRPr lang="en-GB" dirty="0">
-              <a:latin typeface="Arial"/>
-              <a:cs typeface="Arial"/>
-            </a:endParaRPr>
-          </a:p>
-          <a:p>
-            <a:r>
-              <a:rPr lang="en-GB" dirty="0">
-                <a:latin typeface="Arial"/>
-                <a:cs typeface="Arial"/>
-              </a:rPr>
-              <a:t>                                                    </a:t>
-            </a:r>
-            <a:endParaRPr lang="en-GB" sz="2800" b="1" dirty="0">
-              <a:solidFill>
-                <a:schemeClr val="accent1">
-                  <a:lumMod val="50000"/>
-                </a:schemeClr>
-              </a:solidFill>
-              <a:latin typeface="Arial"/>
-              <a:cs typeface="Arial"/>
-            </a:endParaRPr>
-          </a:p>
         </p:txBody>
       </p:sp>
     </p:spTree>
     <p:extLst>
       <p:ext uri="{BB962C8B-B14F-4D97-AF65-F5344CB8AC3E}">
-        <p14:creationId xmlns:p14="http://schemas.microsoft.com/office/powerpoint/2010/main" val="3389175240"/>
+        <p14:creationId xmlns:p14="http://schemas.microsoft.com/office/powerpoint/2010/main" val="3129425148"/>
       </p:ext>
     </p:extLst>
   </p:cSld>
@@ -15095,7 +14855,7 @@
         </p:spPr>
         <p:txBody>
           <a:bodyPr vert="horz" lIns="91440" tIns="45720" rIns="91440" bIns="45720" rtlCol="0">
-            <a:normAutofit fontScale="90000"/>
+            <a:normAutofit/>
           </a:bodyPr>
           <a:lstStyle/>
           <a:p>
@@ -15105,7 +14865,7 @@
                   <a:schemeClr val="bg1"/>
                 </a:solidFill>
               </a:rPr>
-              <a:t>HOW THESE TECHNOLOGIES ARE COMING INTO                 PLAY ?</a:t>
+              <a:t>        Model  -   View  -  Controller</a:t>
             </a:r>
             <a:endParaRPr lang="en-US" dirty="0">
               <a:solidFill>
@@ -15326,16 +15086,15 @@
           </a:bodyPr>
           <a:lstStyle/>
           <a:p>
-            <a:pPr marL="571500" indent="-571500">
-              <a:buFont typeface="Courier New" panose="02070309020205020404" pitchFamily="49" charset="0"/>
-              <a:buChar char="o"/>
-            </a:pPr>
             <a:r>
               <a:rPr lang="en-GB" sz="2800" b="1" dirty="0">
+                <a:solidFill>
+                  <a:srgbClr val="FF0000"/>
+                </a:solidFill>
                 <a:latin typeface="Arial"/>
                 <a:cs typeface="Arial"/>
               </a:rPr>
-              <a:t>Back End </a:t>
+              <a:t>Controller :</a:t>
             </a:r>
             <a:r>
               <a:rPr lang="en-GB" sz="2800" b="1" dirty="0">
@@ -15347,50 +15106,17 @@
                 <a:latin typeface="Arial"/>
                 <a:cs typeface="Arial"/>
               </a:rPr>
-              <a:t>is developed with the help of </a:t>
+              <a:t>  </a:t>
             </a:r>
             <a:r>
               <a:rPr lang="en-GB" sz="2800" b="1" dirty="0">
-                <a:solidFill>
-                  <a:srgbClr val="FF0000"/>
-                </a:solidFill>
                 <a:latin typeface="Arial"/>
                 <a:cs typeface="Arial"/>
               </a:rPr>
-              <a:t>Node </a:t>
-            </a:r>
-            <a:r>
-              <a:rPr lang="en-GB" sz="2800" b="1" dirty="0" err="1">
-                <a:solidFill>
-                  <a:srgbClr val="FF0000"/>
-                </a:solidFill>
-                <a:latin typeface="Arial"/>
-                <a:cs typeface="Arial"/>
-              </a:rPr>
-              <a:t>Js</a:t>
-            </a:r>
-            <a:endParaRPr lang="en-GB" sz="2800" b="1" dirty="0">
-              <a:solidFill>
-                <a:srgbClr val="FF0000"/>
-              </a:solidFill>
-              <a:latin typeface="Arial"/>
-              <a:cs typeface="Arial"/>
-            </a:endParaRPr>
-          </a:p>
-          <a:p>
-            <a:endParaRPr lang="en-GB" sz="2800" b="1" dirty="0">
-              <a:solidFill>
-                <a:srgbClr val="FF0000"/>
-              </a:solidFill>
-              <a:latin typeface="Arial"/>
-              <a:cs typeface="Arial"/>
-            </a:endParaRPr>
-          </a:p>
-          <a:p>
-            <a:pPr marL="571500" indent="-571500">
-              <a:buFont typeface="Courier New" panose="02070309020205020404" pitchFamily="49" charset="0"/>
-              <a:buChar char="o"/>
-            </a:pPr>
+              <a:t>JavaScript , Express</a:t>
+            </a:r>
+          </a:p>
+          <a:p>
             <a:r>
               <a:rPr lang="en-GB" sz="2800" b="1" dirty="0">
                 <a:solidFill>
@@ -15401,15 +15127,10 @@
                 <a:latin typeface="Arial"/>
                 <a:cs typeface="Arial"/>
               </a:rPr>
-              <a:t>For </a:t>
-            </a:r>
-            <a:r>
-              <a:rPr lang="en-GB" sz="2800" b="1" dirty="0">
-                <a:latin typeface="Arial"/>
-                <a:cs typeface="Arial"/>
-              </a:rPr>
-              <a:t>API creation</a:t>
-            </a:r>
+              <a:t>	  	   	                        </a:t>
+            </a:r>
+          </a:p>
+          <a:p>
             <a:r>
               <a:rPr lang="en-GB" sz="2800" b="1" dirty="0">
                 <a:solidFill>
@@ -15420,18 +15141,10 @@
                 <a:latin typeface="Arial"/>
                 <a:cs typeface="Arial"/>
               </a:rPr>
-              <a:t> we used </a:t>
-            </a:r>
-            <a:r>
-              <a:rPr lang="en-GB" sz="2800" b="1" dirty="0">
-                <a:solidFill>
-                  <a:srgbClr val="FF0000"/>
-                </a:solidFill>
-                <a:latin typeface="Arial"/>
-                <a:cs typeface="Arial"/>
-              </a:rPr>
-              <a:t>Express</a:t>
-            </a:r>
+              <a:t>        - JavaScript : Implementing functions.</a:t>
+            </a:r>
+          </a:p>
+          <a:p>
             <a:r>
               <a:rPr lang="en-GB" sz="2800" b="1" dirty="0">
                 <a:solidFill>
@@ -15442,20 +15155,10 @@
                 <a:latin typeface="Arial"/>
                 <a:cs typeface="Arial"/>
               </a:rPr>
-              <a:t> a backend Framework.</a:t>
-            </a:r>
-          </a:p>
-          <a:p>
-            <a:endParaRPr lang="en-GB" sz="2800" b="1" dirty="0">
-              <a:latin typeface="Arial"/>
-              <a:cs typeface="Arial"/>
-            </a:endParaRPr>
-          </a:p>
-          <a:p>
-            <a:pPr marL="571500" indent="-571500">
-              <a:buFont typeface="Courier New" panose="02070309020205020404" pitchFamily="49" charset="0"/>
-              <a:buChar char="o"/>
-            </a:pPr>
+              <a:t>        </a:t>
+            </a:r>
+          </a:p>
+          <a:p>
             <a:r>
               <a:rPr lang="en-GB" sz="2800" b="1" dirty="0">
                 <a:solidFill>
@@ -15466,15 +15169,10 @@
                 <a:latin typeface="Arial"/>
                 <a:cs typeface="Arial"/>
               </a:rPr>
-              <a:t>And, Finally the </a:t>
-            </a:r>
-            <a:r>
-              <a:rPr lang="en-GB" sz="2800" b="1" dirty="0">
-                <a:latin typeface="Arial"/>
-                <a:cs typeface="Arial"/>
-              </a:rPr>
-              <a:t>Database</a:t>
-            </a:r>
+              <a:t>       -  Express      : API Creation        </a:t>
+            </a:r>
+          </a:p>
+          <a:p>
             <a:r>
               <a:rPr lang="en-GB" sz="2800" b="1" dirty="0">
                 <a:solidFill>
@@ -15485,29 +15183,16 @@
                 <a:latin typeface="Arial"/>
                 <a:cs typeface="Arial"/>
               </a:rPr>
-              <a:t> is </a:t>
-            </a:r>
-            <a:r>
-              <a:rPr lang="en-GB" sz="2800" b="1" dirty="0">
-                <a:solidFill>
-                  <a:srgbClr val="FF0000"/>
-                </a:solidFill>
+              <a:t>         </a:t>
+            </a:r>
+          </a:p>
+          <a:p>
+            <a:r>
+              <a:rPr lang="en-GB" sz="4000" b="1" dirty="0">
                 <a:latin typeface="Arial"/>
                 <a:cs typeface="Arial"/>
               </a:rPr>
-              <a:t>Mongo</a:t>
-            </a:r>
-            <a:r>
-              <a:rPr lang="en-GB" sz="4000" b="1" dirty="0">
-                <a:solidFill>
-                  <a:schemeClr val="accent1">
-                    <a:lumMod val="50000"/>
-                  </a:schemeClr>
-                </a:solidFill>
-                <a:latin typeface="Arial"/>
-                <a:cs typeface="Arial"/>
-              </a:rPr>
-              <a:t>     </a:t>
+              <a:t> </a:t>
             </a:r>
           </a:p>
           <a:p>
@@ -15543,7 +15228,7 @@
     </p:spTree>
     <p:extLst>
       <p:ext uri="{BB962C8B-B14F-4D97-AF65-F5344CB8AC3E}">
-        <p14:creationId xmlns:p14="http://schemas.microsoft.com/office/powerpoint/2010/main" val="1041621100"/>
+        <p14:creationId xmlns:p14="http://schemas.microsoft.com/office/powerpoint/2010/main" val="3697052556"/>
       </p:ext>
     </p:extLst>
   </p:cSld>
@@ -16437,8 +16122,8 @@
         </p:nvSpPr>
         <p:spPr>
           <a:xfrm>
-            <a:off x="1434905" y="2526526"/>
-            <a:ext cx="8865034" cy="3539430"/>
+            <a:off x="1434905" y="2416774"/>
+            <a:ext cx="10297550" cy="3539430"/>
           </a:xfrm>
           <a:prstGeom prst="rect">
             <a:avLst/>
@@ -16453,6 +16138,15 @@
             <a:spAutoFit/>
           </a:bodyPr>
           <a:lstStyle/>
+          <a:p>
+            <a:r>
+              <a:rPr lang="en-GB" sz="2800" b="1" dirty="0">
+                <a:latin typeface="Arial"/>
+                <a:cs typeface="Arial"/>
+              </a:rPr>
+              <a:t>1)  User Sign In and adding books:</a:t>
+            </a:r>
+          </a:p>
           <a:p>
             <a:r>
               <a:rPr lang="en-GB" sz="2800" b="1" dirty="0">
@@ -16464,7 +16158,7 @@
                 <a:latin typeface="Arial"/>
                 <a:cs typeface="Arial"/>
               </a:rPr>
-              <a:t>  -   User Sign In  and Sign UP</a:t>
+              <a:t>  </a:t>
             </a:r>
           </a:p>
           <a:p>
@@ -16478,10 +16172,18 @@
                 <a:latin typeface="Arial"/>
                 <a:cs typeface="Arial"/>
               </a:rPr>
-              <a:t>  -   Adding the books to personal library by using</a:t>
-            </a:r>
-          </a:p>
-          <a:p>
+              <a:t>           </a:t>
+            </a:r>
+            <a:r>
+              <a:rPr lang="en-GB" sz="2800" b="1" dirty="0">
+                <a:solidFill>
+                  <a:srgbClr val="FF0000"/>
+                </a:solidFill>
+                <a:latin typeface="Arial"/>
+                <a:cs typeface="Arial"/>
+              </a:rPr>
+              <a:t>Functions</a:t>
+            </a:r>
             <a:r>
               <a:rPr lang="en-GB" sz="2800" b="1" dirty="0">
                 <a:solidFill>
@@ -16492,7 +16194,7 @@
                 <a:latin typeface="Arial"/>
                 <a:cs typeface="Arial"/>
               </a:rPr>
-              <a:t>                         . Title</a:t>
+              <a:t> :   login()  -   Logging into the application.</a:t>
             </a:r>
           </a:p>
           <a:p>
@@ -16506,7 +16208,7 @@
                 <a:latin typeface="Arial"/>
                 <a:cs typeface="Arial"/>
               </a:rPr>
-              <a:t>                         .  Author</a:t>
+              <a:t>                                  register() – Registering new user</a:t>
             </a:r>
           </a:p>
           <a:p>
@@ -16520,7 +16222,7 @@
                 <a:latin typeface="Arial"/>
                 <a:cs typeface="Arial"/>
               </a:rPr>
-              <a:t>                         . Year</a:t>
+              <a:t>                                  create() -  Adding a book into library</a:t>
             </a:r>
           </a:p>
           <a:p>
@@ -16534,7 +16236,7 @@
                 <a:latin typeface="Arial"/>
                 <a:cs typeface="Arial"/>
               </a:rPr>
-              <a:t>                         . ISBN</a:t>
+              <a:t>                                  edit()   - Editing the book details</a:t>
             </a:r>
           </a:p>
           <a:p>
@@ -16548,22 +16250,19 @@
                 <a:latin typeface="Arial"/>
                 <a:cs typeface="Arial"/>
               </a:rPr>
-              <a:t>                         . Abstract</a:t>
-            </a:r>
-          </a:p>
-          <a:p>
-            <a:r>
-              <a:rPr lang="en-GB" sz="2800" b="1" dirty="0">
-                <a:solidFill>
-                  <a:schemeClr val="accent5">
-                    <a:lumMod val="50000"/>
-                  </a:schemeClr>
-                </a:solidFill>
-                <a:latin typeface="Arial"/>
-                <a:cs typeface="Arial"/>
-              </a:rPr>
-              <a:t>                         . Metadata</a:t>
-            </a:r>
+              <a:t>                                  delete()  - deleting the books</a:t>
+            </a:r>
+          </a:p>
+          <a:p>
+            <a:endParaRPr lang="en-GB" sz="2800" b="1" dirty="0">
+              <a:solidFill>
+                <a:schemeClr val="accent5">
+                  <a:lumMod val="50000"/>
+                </a:schemeClr>
+              </a:solidFill>
+              <a:latin typeface="Arial"/>
+              <a:cs typeface="Arial"/>
+            </a:endParaRPr>
           </a:p>
         </p:txBody>
       </p:sp>

--- a/Presentation/Social Books.pptx
+++ b/Presentation/Social Books.pptx
@@ -15,23 +15,20 @@
     <p:sldId id="274" r:id="rId9"/>
     <p:sldId id="280" r:id="rId10"/>
     <p:sldId id="291" r:id="rId11"/>
-    <p:sldId id="290" r:id="rId12"/>
-    <p:sldId id="272" r:id="rId13"/>
-    <p:sldId id="307" r:id="rId14"/>
-    <p:sldId id="281" r:id="rId15"/>
-    <p:sldId id="275" r:id="rId16"/>
-    <p:sldId id="282" r:id="rId17"/>
-    <p:sldId id="294" r:id="rId18"/>
-    <p:sldId id="276" r:id="rId19"/>
-    <p:sldId id="283" r:id="rId20"/>
-    <p:sldId id="277" r:id="rId21"/>
-    <p:sldId id="284" r:id="rId22"/>
-    <p:sldId id="278" r:id="rId23"/>
-    <p:sldId id="300" r:id="rId24"/>
-    <p:sldId id="295" r:id="rId25"/>
-    <p:sldId id="302" r:id="rId26"/>
-    <p:sldId id="306" r:id="rId27"/>
-    <p:sldId id="285" r:id="rId28"/>
+    <p:sldId id="281" r:id="rId12"/>
+    <p:sldId id="275" r:id="rId13"/>
+    <p:sldId id="282" r:id="rId14"/>
+    <p:sldId id="294" r:id="rId15"/>
+    <p:sldId id="276" r:id="rId16"/>
+    <p:sldId id="283" r:id="rId17"/>
+    <p:sldId id="277" r:id="rId18"/>
+    <p:sldId id="284" r:id="rId19"/>
+    <p:sldId id="278" r:id="rId20"/>
+    <p:sldId id="300" r:id="rId21"/>
+    <p:sldId id="295" r:id="rId22"/>
+    <p:sldId id="302" r:id="rId23"/>
+    <p:sldId id="306" r:id="rId24"/>
+    <p:sldId id="285" r:id="rId25"/>
   </p:sldIdLst>
   <p:sldSz cx="12192000" cy="6858000"/>
   <p:notesSz cx="6858000" cy="9144000"/>
@@ -2621,7 +2618,7 @@
             <a:fld id="{5586B75A-687E-405C-8A0B-8D00578BA2C3}" type="datetimeFigureOut">
               <a:rPr lang="en-US" dirty="0"/>
               <a:pPr/>
-              <a:t>4/30/2020</a:t>
+              <a:t>5/3/2020</a:t>
             </a:fld>
             <a:endParaRPr lang="en-US"/>
           </a:p>
@@ -2791,7 +2788,7 @@
             <a:fld id="{5586B75A-687E-405C-8A0B-8D00578BA2C3}" type="datetimeFigureOut">
               <a:rPr lang="en-US" dirty="0"/>
               <a:pPr/>
-              <a:t>4/30/2020</a:t>
+              <a:t>5/3/2020</a:t>
             </a:fld>
             <a:endParaRPr lang="en-US"/>
           </a:p>
@@ -2971,7 +2968,7 @@
             <a:fld id="{5586B75A-687E-405C-8A0B-8D00578BA2C3}" type="datetimeFigureOut">
               <a:rPr lang="en-US" dirty="0"/>
               <a:pPr/>
-              <a:t>4/30/2020</a:t>
+              <a:t>5/3/2020</a:t>
             </a:fld>
             <a:endParaRPr lang="en-US"/>
           </a:p>
@@ -3141,7 +3138,7 @@
             <a:fld id="{5586B75A-687E-405C-8A0B-8D00578BA2C3}" type="datetimeFigureOut">
               <a:rPr lang="en-US" dirty="0"/>
               <a:pPr/>
-              <a:t>4/30/2020</a:t>
+              <a:t>5/3/2020</a:t>
             </a:fld>
             <a:endParaRPr lang="en-US"/>
           </a:p>
@@ -3400,7 +3397,7 @@
             <a:fld id="{5586B75A-687E-405C-8A0B-8D00578BA2C3}" type="datetimeFigureOut">
               <a:rPr lang="en-US" dirty="0"/>
               <a:pPr/>
-              <a:t>4/30/2020</a:t>
+              <a:t>5/3/2020</a:t>
             </a:fld>
             <a:endParaRPr lang="en-US"/>
           </a:p>
@@ -3687,7 +3684,7 @@
             <a:fld id="{5586B75A-687E-405C-8A0B-8D00578BA2C3}" type="datetimeFigureOut">
               <a:rPr lang="en-US" dirty="0"/>
               <a:pPr/>
-              <a:t>4/30/2020</a:t>
+              <a:t>5/3/2020</a:t>
             </a:fld>
             <a:endParaRPr lang="en-US"/>
           </a:p>
@@ -4128,7 +4125,7 @@
             <a:fld id="{5586B75A-687E-405C-8A0B-8D00578BA2C3}" type="datetimeFigureOut">
               <a:rPr lang="en-US" dirty="0"/>
               <a:pPr/>
-              <a:t>4/30/2020</a:t>
+              <a:t>5/3/2020</a:t>
             </a:fld>
             <a:endParaRPr lang="en-US"/>
           </a:p>
@@ -4247,7 +4244,7 @@
             <a:fld id="{5586B75A-687E-405C-8A0B-8D00578BA2C3}" type="datetimeFigureOut">
               <a:rPr lang="en-US" dirty="0"/>
               <a:pPr/>
-              <a:t>4/30/2020</a:t>
+              <a:t>5/3/2020</a:t>
             </a:fld>
             <a:endParaRPr lang="en-US"/>
           </a:p>
@@ -4344,7 +4341,7 @@
             <a:fld id="{5586B75A-687E-405C-8A0B-8D00578BA2C3}" type="datetimeFigureOut">
               <a:rPr lang="en-US" dirty="0"/>
               <a:pPr/>
-              <a:t>4/30/2020</a:t>
+              <a:t>5/3/2020</a:t>
             </a:fld>
             <a:endParaRPr lang="en-US"/>
           </a:p>
@@ -4632,7 +4629,7 @@
             <a:fld id="{5586B75A-687E-405C-8A0B-8D00578BA2C3}" type="datetimeFigureOut">
               <a:rPr lang="en-US" dirty="0"/>
               <a:pPr/>
-              <a:t>4/30/2020</a:t>
+              <a:t>5/3/2020</a:t>
             </a:fld>
             <a:endParaRPr lang="en-US"/>
           </a:p>
@@ -4902,7 +4899,7 @@
             <a:fld id="{5586B75A-687E-405C-8A0B-8D00578BA2C3}" type="datetimeFigureOut">
               <a:rPr lang="en-US" dirty="0"/>
               <a:pPr/>
-              <a:t>4/30/2020</a:t>
+              <a:t>5/3/2020</a:t>
             </a:fld>
             <a:endParaRPr lang="en-US"/>
           </a:p>
@@ -5199,7 +5196,7 @@
             <a:fld id="{5586B75A-687E-405C-8A0B-8D00578BA2C3}" type="datetimeFigureOut">
               <a:rPr lang="en-US" dirty="0"/>
               <a:pPr/>
-              <a:t>4/30/2020</a:t>
+              <a:t>5/3/2020</a:t>
             </a:fld>
             <a:endParaRPr lang="en-US"/>
           </a:p>
@@ -5722,26 +5719,26 @@
         </p:spPr>
         <p:txBody>
           <a:bodyPr anchor="b">
-            <a:normAutofit fontScale="90000"/>
+            <a:normAutofit/>
           </a:bodyPr>
           <a:lstStyle/>
           <a:p>
             <a:pPr algn="ctr"/>
             <a:r>
-              <a:rPr lang="en-GB" sz="7200" b="1" dirty="0">
+              <a:rPr lang="en-GB" sz="4400" b="1" dirty="0">
                 <a:latin typeface="Arial"/>
                 <a:cs typeface="Arial"/>
               </a:rPr>
               <a:t>SOCIAL BOOKS</a:t>
             </a:r>
             <a:br>
-              <a:rPr lang="en-GB" sz="7200" b="1" dirty="0">
+              <a:rPr lang="en-GB" sz="4400" b="1" dirty="0">
                 <a:latin typeface="Arial"/>
                 <a:cs typeface="Arial"/>
               </a:rPr>
             </a:br>
             <a:r>
-              <a:rPr lang="en-GB" sz="7200" b="1" dirty="0">
+              <a:rPr lang="en-GB" sz="3200" b="1" dirty="0">
                 <a:latin typeface="Arial"/>
                 <a:cs typeface="Arial"/>
               </a:rPr>
@@ -5762,8 +5759,8 @@
         </p:nvSpPr>
         <p:spPr>
           <a:xfrm>
-            <a:off x="2848942" y="2884561"/>
-            <a:ext cx="6752908" cy="1091381"/>
+            <a:off x="1245970" y="2995649"/>
+            <a:ext cx="6971192" cy="1091381"/>
           </a:xfrm>
         </p:spPr>
         <p:txBody>
@@ -5778,7 +5775,7 @@
               </a:lnSpc>
             </a:pPr>
             <a:r>
-              <a:rPr lang="en-GB" sz="3200" b="1" dirty="0">
+              <a:rPr lang="en-GB" sz="2400" b="1" dirty="0">
                 <a:solidFill>
                   <a:schemeClr val="tx2"/>
                 </a:solidFill>
@@ -5791,7 +5788,7 @@
           <a:p>
             <a:pPr algn="ctr"/>
             <a:r>
-              <a:rPr lang="en-GB" sz="3200" b="1" dirty="0" err="1">
+              <a:rPr lang="en-GB" sz="2400" b="1" dirty="0" err="1">
                 <a:solidFill>
                   <a:schemeClr val="tx2"/>
                 </a:solidFill>
@@ -5801,14 +5798,14 @@
               <a:t>Awais</a:t>
             </a:r>
             <a:r>
-              <a:rPr lang="en-GB" sz="3200" b="1" dirty="0">
+              <a:rPr lang="en-GB" sz="2400" b="1" dirty="0">
                 <a:solidFill>
                   <a:schemeClr val="tx2"/>
                 </a:solidFill>
                 <a:latin typeface="Arial"/>
                 <a:cs typeface="Arial"/>
               </a:rPr>
-              <a:t> Akbar</a:t>
+              <a:t> Akbar (19251600)</a:t>
             </a:r>
           </a:p>
           <a:p>
@@ -5818,7 +5815,7 @@
               </a:lnSpc>
             </a:pPr>
             <a:r>
-              <a:rPr lang="en-GB" sz="3200" b="1" dirty="0">
+              <a:rPr lang="en-GB" sz="2400" b="1" dirty="0">
                 <a:solidFill>
                   <a:schemeClr val="tx2"/>
                 </a:solidFill>
@@ -5828,7 +5825,7 @@
               <a:t>Karthick </a:t>
             </a:r>
             <a:r>
-              <a:rPr lang="en-GB" sz="3200" b="1" dirty="0" err="1">
+              <a:rPr lang="en-GB" sz="2400" b="1" dirty="0" err="1">
                 <a:solidFill>
                   <a:schemeClr val="tx2"/>
                 </a:solidFill>
@@ -5837,33 +5834,72 @@
               </a:rPr>
               <a:t>Pandi</a:t>
             </a:r>
-            <a:endParaRPr lang="en-GB" sz="3200" b="1" dirty="0">
-              <a:solidFill>
-                <a:schemeClr val="tx2"/>
-              </a:solidFill>
-              <a:latin typeface="Arial"/>
-              <a:cs typeface="Arial"/>
-            </a:endParaRPr>
-          </a:p>
-          <a:p>
-            <a:pPr algn="ctr">
-              <a:lnSpc>
-                <a:spcPct val="90000"/>
-              </a:lnSpc>
-            </a:pPr>
-            <a:r>
-              <a:rPr lang="en-GB" sz="3200" b="1" dirty="0">
+            <a:r>
+              <a:rPr lang="en-GB" sz="2400" b="1" dirty="0">
                 <a:solidFill>
                   <a:schemeClr val="tx2"/>
                 </a:solidFill>
                 <a:latin typeface="Arial"/>
                 <a:cs typeface="Arial"/>
               </a:rPr>
-              <a:t>Yang Wang</a:t>
+              <a:t> (19250898)</a:t>
+            </a:r>
+          </a:p>
+          <a:p>
+            <a:pPr algn="ctr">
+              <a:lnSpc>
+                <a:spcPct val="90000"/>
+              </a:lnSpc>
+            </a:pPr>
+            <a:r>
+              <a:rPr lang="en-GB" sz="2400" b="1" dirty="0">
+                <a:solidFill>
+                  <a:schemeClr val="tx2"/>
+                </a:solidFill>
+                <a:latin typeface="Arial"/>
+                <a:cs typeface="Arial"/>
+              </a:rPr>
+              <a:t>Yang Wang </a:t>
             </a:r>
           </a:p>
         </p:txBody>
       </p:sp>
+      <p:pic>
+        <p:nvPicPr>
+          <p:cNvPr id="5" name="Picture 4" descr="A close up of a computer&#10;&#10;Description automatically generated">
+            <a:extLst>
+              <a:ext uri="{FF2B5EF4-FFF2-40B4-BE49-F238E27FC236}">
+                <a16:creationId xmlns:a16="http://schemas.microsoft.com/office/drawing/2014/main" id="{0C24BDD0-8CFF-43AF-B34D-CC9DABA6FF60}"/>
+              </a:ext>
+            </a:extLst>
+          </p:cNvPr>
+          <p:cNvPicPr>
+            <a:picLocks noChangeAspect="1"/>
+          </p:cNvPicPr>
+          <p:nvPr/>
+        </p:nvPicPr>
+        <p:blipFill>
+          <a:blip r:embed="rId3">
+            <a:extLst>
+              <a:ext uri="{28A0092B-C50C-407E-A947-70E740481C1C}">
+                <a14:useLocalDpi xmlns:a14="http://schemas.microsoft.com/office/drawing/2010/main" val="0"/>
+              </a:ext>
+            </a:extLst>
+          </a:blip>
+          <a:stretch>
+            <a:fillRect/>
+          </a:stretch>
+        </p:blipFill>
+        <p:spPr>
+          <a:xfrm>
+            <a:off x="9153379" y="747099"/>
+            <a:ext cx="3198056" cy="6110901"/>
+          </a:xfrm>
+          <a:prstGeom prst="rect">
+            <a:avLst/>
+          </a:prstGeom>
+        </p:spPr>
+      </p:pic>
     </p:spTree>
     <p:extLst>
       <p:ext uri="{BB962C8B-B14F-4D97-AF65-F5344CB8AC3E}">
@@ -6053,14 +6089,19 @@
           <a:lstStyle/>
           <a:p>
             <a:r>
-              <a:rPr lang="en-US" b="1" spc="-100" dirty="0">
+              <a:rPr lang="en-US" sz="3200" b="1" spc="-100" dirty="0">
                 <a:solidFill>
                   <a:srgbClr val="C00000"/>
                 </a:solidFill>
+                <a:latin typeface="Arial" panose="020B0604020202020204" pitchFamily="34" charset="0"/>
+                <a:cs typeface="Arial" panose="020B0604020202020204" pitchFamily="34" charset="0"/>
               </a:rPr>
               <a:t>                                 REQUIREMENTS</a:t>
             </a:r>
-            <a:endParaRPr lang="en-US" dirty="0"/>
+            <a:endParaRPr lang="en-US" sz="3200" dirty="0">
+              <a:latin typeface="Arial" panose="020B0604020202020204" pitchFamily="34" charset="0"/>
+              <a:cs typeface="Arial" panose="020B0604020202020204" pitchFamily="34" charset="0"/>
+            </a:endParaRPr>
           </a:p>
         </p:txBody>
       </p:sp>
@@ -6535,10 +6576,16 @@
           <a:lstStyle/>
           <a:p>
             <a:r>
-              <a:rPr lang="en-US" b="1" spc="-100" dirty="0"/>
-              <a:t>                                     LOGIN PAGE</a:t>
-            </a:r>
-            <a:endParaRPr lang="en-US" dirty="0"/>
+              <a:rPr lang="en-US" sz="3200" b="1" spc="-100" dirty="0">
+                <a:latin typeface="Arial" panose="020B0604020202020204" pitchFamily="34" charset="0"/>
+                <a:cs typeface="Arial" panose="020B0604020202020204" pitchFamily="34" charset="0"/>
+              </a:rPr>
+              <a:t>                      PERSONAL SECTION</a:t>
+            </a:r>
+            <a:endParaRPr lang="en-US" sz="3200" dirty="0">
+              <a:latin typeface="Arial" panose="020B0604020202020204" pitchFamily="34" charset="0"/>
+              <a:cs typeface="Arial" panose="020B0604020202020204" pitchFamily="34" charset="0"/>
+            </a:endParaRPr>
           </a:p>
         </p:txBody>
       </p:sp>
@@ -6736,8 +6783,8 @@
         </p:nvSpPr>
         <p:spPr>
           <a:xfrm>
-            <a:off x="1279018" y="2526526"/>
-            <a:ext cx="9020921" cy="3077766"/>
+            <a:off x="1877683" y="3085381"/>
+            <a:ext cx="9284897" cy="2431435"/>
           </a:xfrm>
           <a:prstGeom prst="rect">
             <a:avLst/>
@@ -6754,21 +6801,15 @@
           <a:lstStyle/>
           <a:p>
             <a:r>
-              <a:rPr lang="en-GB" sz="4000" b="1" dirty="0">
+              <a:rPr lang="en-GB" sz="2800" b="1" dirty="0">
                 <a:solidFill>
                   <a:srgbClr val="FF0000"/>
                 </a:solidFill>
                 <a:latin typeface="Arial"/>
                 <a:cs typeface="Arial"/>
               </a:rPr>
-              <a:t>Login Page has Two Main Functionalities :</a:t>
-            </a:r>
-          </a:p>
-          <a:p>
-            <a:endParaRPr lang="en-GB" dirty="0">
-              <a:latin typeface="Arial"/>
-              <a:cs typeface="Arial"/>
-            </a:endParaRPr>
+              <a:t>Personal Section :</a:t>
+            </a:r>
           </a:p>
           <a:p>
             <a:r>
@@ -6776,22 +6817,10 @@
                 <a:latin typeface="Arial"/>
                 <a:cs typeface="Arial"/>
               </a:rPr>
-              <a:t>                                                     </a:t>
-            </a:r>
-            <a:r>
-              <a:rPr lang="en-GB" sz="2800" b="1" dirty="0">
-                <a:solidFill>
-                  <a:schemeClr val="accent5">
-                    <a:lumMod val="50000"/>
-                  </a:schemeClr>
-                </a:solidFill>
-                <a:latin typeface="Arial"/>
-                <a:cs typeface="Arial"/>
-              </a:rPr>
-              <a:t>1)  L</a:t>
-            </a:r>
-            <a:r>
-              <a:rPr lang="en-GB" sz="2800" b="1" dirty="0">
+              <a:t>                      </a:t>
+            </a:r>
+            <a:r>
+              <a:rPr lang="en-GB" sz="2000" dirty="0">
                 <a:solidFill>
                   <a:schemeClr val="accent1">
                     <a:lumMod val="50000"/>
@@ -6800,12 +6829,12 @@
                 <a:latin typeface="Arial"/>
                 <a:cs typeface="Arial"/>
               </a:rPr>
-              <a:t>ogin</a:t>
-            </a:r>
-          </a:p>
-          <a:p>
-            <a:r>
-              <a:rPr lang="en-GB" sz="2800" b="1" dirty="0">
+              <a:t> </a:t>
+            </a:r>
+          </a:p>
+          <a:p>
+            <a:r>
+              <a:rPr lang="en-GB" sz="2000" b="1" dirty="0">
                 <a:solidFill>
                   <a:schemeClr val="accent1">
                     <a:lumMod val="50000"/>
@@ -6814,36 +6843,43 @@
                 <a:latin typeface="Arial"/>
                 <a:cs typeface="Arial"/>
               </a:rPr>
-              <a:t>                                  2) Registe</a:t>
-            </a:r>
-            <a:r>
-              <a:rPr lang="en-GB" sz="2800" b="1" dirty="0">
+              <a:t>                1) This section holds the list of books available in personal section</a:t>
+            </a:r>
+          </a:p>
+          <a:p>
+            <a:r>
+              <a:rPr lang="en-GB" sz="2000" b="1" dirty="0">
                 <a:solidFill>
-                  <a:schemeClr val="accent5">
+                  <a:schemeClr val="accent1">
                     <a:lumMod val="50000"/>
                   </a:schemeClr>
                 </a:solidFill>
                 <a:latin typeface="Arial"/>
                 <a:cs typeface="Arial"/>
               </a:rPr>
-              <a:t>r</a:t>
-            </a:r>
-          </a:p>
-          <a:p>
-            <a:endParaRPr lang="en-GB" sz="4000" b="1" dirty="0">
-              <a:solidFill>
-                <a:srgbClr val="FF0000"/>
-              </a:solidFill>
-              <a:latin typeface="Arial"/>
-              <a:cs typeface="Arial"/>
-            </a:endParaRPr>
+              <a:t>               </a:t>
+            </a:r>
+          </a:p>
+          <a:p>
+            <a:r>
+              <a:rPr lang="en-GB" sz="2000" b="1" dirty="0">
+                <a:solidFill>
+                  <a:schemeClr val="accent1">
+                    <a:lumMod val="50000"/>
+                  </a:schemeClr>
+                </a:solidFill>
+                <a:latin typeface="Arial"/>
+                <a:cs typeface="Arial"/>
+              </a:rPr>
+              <a:t>                2)  In addition to that it has customized search where we can able to search the books based on topics.</a:t>
+            </a:r>
           </a:p>
         </p:txBody>
       </p:sp>
     </p:spTree>
     <p:extLst>
       <p:ext uri="{BB962C8B-B14F-4D97-AF65-F5344CB8AC3E}">
-        <p14:creationId xmlns:p14="http://schemas.microsoft.com/office/powerpoint/2010/main" val="1027413117"/>
+        <p14:creationId xmlns:p14="http://schemas.microsoft.com/office/powerpoint/2010/main" val="2452647310"/>
       </p:ext>
     </p:extLst>
   </p:cSld>
@@ -6880,7 +6916,7 @@
       </p:grpSpPr>
       <p:sp useBgFill="1">
         <p:nvSpPr>
-          <p:cNvPr id="5" name="Rectangle 7">
+          <p:cNvPr id="8" name="Rectangle 7">
             <a:extLst>
               <a:ext uri="{FF2B5EF4-FFF2-40B4-BE49-F238E27FC236}">
                 <a16:creationId xmlns:a16="http://schemas.microsoft.com/office/drawing/2014/main" id="{29DC5A77-10C9-4ECF-B7EB-8D917F36A9EE}"/>
@@ -6940,7 +6976,7 @@
       </p:sp>
       <p:sp>
         <p:nvSpPr>
-          <p:cNvPr id="6" name="Rectangle 9">
+          <p:cNvPr id="10" name="Rectangle 9">
             <a:extLst>
               <a:ext uri="{FF2B5EF4-FFF2-40B4-BE49-F238E27FC236}">
                 <a16:creationId xmlns:a16="http://schemas.microsoft.com/office/drawing/2014/main" id="{2FFE28B5-FB16-49A9-B851-3C35FAC0CACB}"/>
@@ -7005,7 +7041,7 @@
           <p:cNvPr id="2" name="Title 1">
             <a:extLst>
               <a:ext uri="{FF2B5EF4-FFF2-40B4-BE49-F238E27FC236}">
-                <a16:creationId xmlns:a16="http://schemas.microsoft.com/office/drawing/2014/main" id="{42CA5B38-EBAF-4C64-91A1-6E5300D607D5}"/>
+                <a16:creationId xmlns:a16="http://schemas.microsoft.com/office/drawing/2014/main" id="{FD65F6C6-3FCF-459F-8A15-0D9283A6E883}"/>
               </a:ext>
             </a:extLst>
           </p:cNvPr>
@@ -7023,22 +7059,24 @@
           </a:xfrm>
         </p:spPr>
         <p:txBody>
-          <a:bodyPr vert="horz" lIns="91440" tIns="45720" rIns="91440" bIns="45720" rtlCol="0">
+          <a:bodyPr>
             <a:normAutofit/>
           </a:bodyPr>
           <a:lstStyle/>
           <a:p>
             <a:r>
-              <a:rPr lang="en-US" b="1" spc="-100" dirty="0"/>
-              <a:t>                                     LOGIN PAGE</a:t>
-            </a:r>
-            <a:endParaRPr lang="en-US" dirty="0"/>
+              <a:rPr lang="en-GB" sz="3200" b="1" dirty="0">
+                <a:latin typeface="Arial" panose="020B0604020202020204" pitchFamily="34" charset="0"/>
+                <a:cs typeface="Arial" panose="020B0604020202020204" pitchFamily="34" charset="0"/>
+              </a:rPr>
+              <a:t>                      PERSONAL SECTION</a:t>
+            </a:r>
           </a:p>
         </p:txBody>
       </p:sp>
       <p:sp>
         <p:nvSpPr>
-          <p:cNvPr id="7" name="Rectangle 11">
+          <p:cNvPr id="12" name="Rectangle 11">
             <a:extLst>
               <a:ext uri="{FF2B5EF4-FFF2-40B4-BE49-F238E27FC236}">
                 <a16:creationId xmlns:a16="http://schemas.microsoft.com/office/drawing/2014/main" id="{01014442-855A-4E0F-8D09-C314661A48B9}"/>
@@ -7095,7 +7133,7 @@
       </p:sp>
       <p:sp>
         <p:nvSpPr>
-          <p:cNvPr id="9" name="Rectangle 13">
+          <p:cNvPr id="14" name="Rectangle 13">
             <a:extLst>
               <a:ext uri="{FF2B5EF4-FFF2-40B4-BE49-F238E27FC236}">
                 <a16:creationId xmlns:a16="http://schemas.microsoft.com/office/drawing/2014/main" id="{9B1ABF09-86CF-414E-88A5-2B84CC7232A9}"/>
@@ -7152,7 +7190,7 @@
       </p:sp>
       <p:sp>
         <p:nvSpPr>
-          <p:cNvPr id="11" name="Rectangle 15">
+          <p:cNvPr id="16" name="Rectangle 15">
             <a:extLst>
               <a:ext uri="{FF2B5EF4-FFF2-40B4-BE49-F238E27FC236}">
                 <a16:creationId xmlns:a16="http://schemas.microsoft.com/office/drawing/2014/main" id="{3FE91770-CDBB-4D24-94E5-AD484F36CE87}"/>
@@ -7218,10 +7256,10 @@
       </p:sp>
       <p:pic>
         <p:nvPicPr>
-          <p:cNvPr id="4" name="Picture 7" descr="A screenshot of a cell phone&#10;&#10;Description generated with very high confidence">
+          <p:cNvPr id="4" name="Picture 4" descr="A screenshot of a cell phone&#10;&#10;Description generated with very high confidence">
             <a:extLst>
               <a:ext uri="{FF2B5EF4-FFF2-40B4-BE49-F238E27FC236}">
-                <a16:creationId xmlns:a16="http://schemas.microsoft.com/office/drawing/2014/main" id="{D2811A1E-9639-4506-A634-34974AA1F74B}"/>
+                <a16:creationId xmlns:a16="http://schemas.microsoft.com/office/drawing/2014/main" id="{49573FA8-BE3D-4481-AB71-158672E62A28}"/>
               </a:ext>
             </a:extLst>
           </p:cNvPr>
@@ -7240,45 +7278,15 @@
         </p:blipFill>
         <p:spPr>
           <a:xfrm>
-            <a:off x="585613" y="2535446"/>
-            <a:ext cx="5502105" cy="3554457"/>
-          </a:xfrm>
-        </p:spPr>
-      </p:pic>
-      <p:pic>
-        <p:nvPicPr>
-          <p:cNvPr id="3" name="Picture 2">
-            <a:extLst>
-              <a:ext uri="{FF2B5EF4-FFF2-40B4-BE49-F238E27FC236}">
-                <a16:creationId xmlns:a16="http://schemas.microsoft.com/office/drawing/2014/main" id="{5795DC15-789B-45E4-AFFB-18EE89DB1F9C}"/>
-              </a:ext>
-            </a:extLst>
-          </p:cNvPr>
-          <p:cNvPicPr>
-            <a:picLocks noChangeAspect="1"/>
-          </p:cNvPicPr>
-          <p:nvPr/>
-        </p:nvPicPr>
-        <p:blipFill>
-          <a:blip r:embed="rId3"/>
-          <a:stretch>
-            <a:fillRect/>
-          </a:stretch>
-        </p:blipFill>
-        <p:spPr>
-          <a:xfrm>
-            <a:off x="5792552" y="2535445"/>
-            <a:ext cx="3423398" cy="3344850"/>
-          </a:xfrm>
-          <a:prstGeom prst="rect">
-            <a:avLst/>
-          </a:prstGeom>
+            <a:off x="4866" y="2525296"/>
+            <a:ext cx="12189639" cy="4336757"/>
+          </a:xfrm>
         </p:spPr>
       </p:pic>
     </p:spTree>
     <p:extLst>
       <p:ext uri="{BB962C8B-B14F-4D97-AF65-F5344CB8AC3E}">
-        <p14:creationId xmlns:p14="http://schemas.microsoft.com/office/powerpoint/2010/main" val="693765278"/>
+        <p14:creationId xmlns:p14="http://schemas.microsoft.com/office/powerpoint/2010/main" val="1913734537"/>
       </p:ext>
     </p:extLst>
   </p:cSld>
@@ -7464,10 +7472,16 @@
           <a:lstStyle/>
           <a:p>
             <a:r>
-              <a:rPr lang="en-US" b="1" spc="-100" dirty="0"/>
-              <a:t>                                     LOGIN PAGE</a:t>
-            </a:r>
-            <a:endParaRPr lang="en-US" dirty="0"/>
+              <a:rPr lang="en-US" sz="3200" b="1" spc="-100" dirty="0">
+                <a:latin typeface="Arial" panose="020B0604020202020204" pitchFamily="34" charset="0"/>
+                <a:cs typeface="Arial" panose="020B0604020202020204" pitchFamily="34" charset="0"/>
+              </a:rPr>
+              <a:t>                          SOCIAL SECTION</a:t>
+            </a:r>
+            <a:endParaRPr lang="en-US" sz="3200" dirty="0">
+              <a:latin typeface="Arial" panose="020B0604020202020204" pitchFamily="34" charset="0"/>
+              <a:cs typeface="Arial" panose="020B0604020202020204" pitchFamily="34" charset="0"/>
+            </a:endParaRPr>
           </a:p>
         </p:txBody>
       </p:sp>
@@ -7665,8 +7679,8 @@
         </p:nvSpPr>
         <p:spPr>
           <a:xfrm>
-            <a:off x="1279018" y="2526526"/>
-            <a:ext cx="10270557" cy="3600986"/>
+            <a:off x="1877683" y="3085381"/>
+            <a:ext cx="9284897" cy="2123658"/>
           </a:xfrm>
           <a:prstGeom prst="rect">
             <a:avLst/>
@@ -7683,225 +7697,79 @@
           <a:lstStyle/>
           <a:p>
             <a:r>
-              <a:rPr lang="en-GB" sz="3200" b="1" dirty="0">
+              <a:rPr lang="en-GB" sz="2800" b="1" dirty="0">
                 <a:solidFill>
                   <a:srgbClr val="FF0000"/>
                 </a:solidFill>
                 <a:latin typeface="Arial"/>
                 <a:cs typeface="Arial"/>
               </a:rPr>
-              <a:t>Login.html </a:t>
-            </a:r>
-            <a:r>
-              <a:rPr lang="en-GB" sz="2400" b="1" dirty="0">
+              <a:t>Social Section :</a:t>
+            </a:r>
+          </a:p>
+          <a:p>
+            <a:r>
+              <a:rPr lang="en-GB" dirty="0">
+                <a:latin typeface="Arial"/>
+                <a:cs typeface="Arial"/>
+              </a:rPr>
+              <a:t>                   </a:t>
+            </a:r>
+            <a:r>
+              <a:rPr lang="en-GB" sz="2000" dirty="0">
+                <a:latin typeface="Arial"/>
+                <a:cs typeface="Arial"/>
+              </a:rPr>
+              <a:t>  </a:t>
+            </a:r>
+          </a:p>
+          <a:p>
+            <a:r>
+              <a:rPr lang="en-GB" sz="2000" dirty="0">
+                <a:latin typeface="Arial"/>
+                <a:cs typeface="Arial"/>
+              </a:rPr>
+              <a:t>              </a:t>
+            </a:r>
+            <a:r>
+              <a:rPr lang="en-GB" sz="2000" b="1" dirty="0">
                 <a:solidFill>
                   <a:schemeClr val="accent1">
-                    <a:lumMod val="75000"/>
+                    <a:lumMod val="50000"/>
                   </a:schemeClr>
                 </a:solidFill>
                 <a:latin typeface="Arial"/>
                 <a:cs typeface="Arial"/>
               </a:rPr>
-              <a:t>(HTML, CSS, </a:t>
-            </a:r>
-            <a:r>
-              <a:rPr lang="en-GB" sz="2400" b="1" dirty="0" err="1">
+              <a:t>1) This section holds the list of books available in social section</a:t>
+            </a:r>
+          </a:p>
+          <a:p>
+            <a:r>
+              <a:rPr lang="en-GB" sz="2000" b="1" dirty="0">
                 <a:solidFill>
                   <a:schemeClr val="accent1">
-                    <a:lumMod val="75000"/>
+                    <a:lumMod val="50000"/>
                   </a:schemeClr>
                 </a:solidFill>
                 <a:latin typeface="Arial"/>
                 <a:cs typeface="Arial"/>
               </a:rPr>
-              <a:t>BootStrap</a:t>
-            </a:r>
-            <a:r>
-              <a:rPr lang="en-GB" sz="2400" b="1" dirty="0">
+              <a:t>             </a:t>
+            </a:r>
+          </a:p>
+          <a:p>
+            <a:r>
+              <a:rPr lang="en-GB" sz="2000" b="1" dirty="0">
                 <a:solidFill>
                   <a:schemeClr val="accent1">
-                    <a:lumMod val="75000"/>
+                    <a:lumMod val="50000"/>
                   </a:schemeClr>
                 </a:solidFill>
                 <a:latin typeface="Arial"/>
                 <a:cs typeface="Arial"/>
               </a:rPr>
-              <a:t>)</a:t>
-            </a:r>
-          </a:p>
-          <a:p>
-            <a:r>
-              <a:rPr lang="en-GB" sz="2400" b="1" dirty="0">
-                <a:solidFill>
-                  <a:srgbClr val="FF0000"/>
-                </a:solidFill>
-                <a:latin typeface="Arial"/>
-                <a:cs typeface="Arial"/>
-              </a:rPr>
-              <a:t>                </a:t>
-            </a:r>
-            <a:r>
-              <a:rPr lang="en-GB" sz="2400" b="1" dirty="0">
-                <a:latin typeface="Arial"/>
-                <a:cs typeface="Arial"/>
-              </a:rPr>
-              <a:t> -    User Input </a:t>
-            </a:r>
-            <a:r>
-              <a:rPr lang="en-GB" sz="2400" b="1" dirty="0">
-                <a:solidFill>
-                  <a:schemeClr val="accent1">
-                    <a:lumMod val="75000"/>
-                  </a:schemeClr>
-                </a:solidFill>
-                <a:latin typeface="Arial"/>
-                <a:cs typeface="Arial"/>
-              </a:rPr>
-              <a:t>: User Name and Password </a:t>
-            </a:r>
-          </a:p>
-          <a:p>
-            <a:r>
-              <a:rPr lang="en-GB" sz="3200" b="1" dirty="0">
-                <a:solidFill>
-                  <a:srgbClr val="FF0000"/>
-                </a:solidFill>
-                <a:latin typeface="Arial"/>
-                <a:cs typeface="Arial"/>
-              </a:rPr>
-              <a:t>Login.js </a:t>
-            </a:r>
-            <a:r>
-              <a:rPr lang="en-GB" sz="2400" b="1" dirty="0">
-                <a:solidFill>
-                  <a:schemeClr val="accent1">
-                    <a:lumMod val="75000"/>
-                  </a:schemeClr>
-                </a:solidFill>
-                <a:latin typeface="Arial"/>
-                <a:cs typeface="Arial"/>
-              </a:rPr>
-              <a:t>(JavaScript,  AJAX, Mongoose, Express)</a:t>
-            </a:r>
-            <a:endParaRPr lang="en-GB" sz="2400" b="1" dirty="0">
-              <a:solidFill>
-                <a:srgbClr val="FF0000"/>
-              </a:solidFill>
-              <a:latin typeface="Arial"/>
-              <a:cs typeface="Arial"/>
-            </a:endParaRPr>
-          </a:p>
-          <a:p>
-            <a:r>
-              <a:rPr lang="en-GB" sz="3200" b="1" dirty="0">
-                <a:solidFill>
-                  <a:srgbClr val="FF0000"/>
-                </a:solidFill>
-                <a:latin typeface="Arial"/>
-                <a:cs typeface="Arial"/>
-              </a:rPr>
-              <a:t>             </a:t>
-            </a:r>
-            <a:r>
-              <a:rPr lang="en-GB" sz="2400" b="1" dirty="0">
-                <a:latin typeface="Arial"/>
-                <a:cs typeface="Arial"/>
-              </a:rPr>
-              <a:t>-</a:t>
-            </a:r>
-            <a:r>
-              <a:rPr lang="en-GB" sz="2400" b="1" dirty="0">
-                <a:solidFill>
-                  <a:schemeClr val="accent1">
-                    <a:lumMod val="75000"/>
-                  </a:schemeClr>
-                </a:solidFill>
-                <a:latin typeface="Arial"/>
-                <a:cs typeface="Arial"/>
-              </a:rPr>
-              <a:t>   </a:t>
-            </a:r>
-            <a:r>
-              <a:rPr lang="en-GB" sz="2400" b="1" dirty="0">
-                <a:latin typeface="Arial"/>
-                <a:cs typeface="Arial"/>
-              </a:rPr>
-              <a:t>Validation  Success</a:t>
-            </a:r>
-          </a:p>
-          <a:p>
-            <a:r>
-              <a:rPr lang="en-GB" sz="2800" b="1" dirty="0">
-                <a:solidFill>
-                  <a:schemeClr val="accent1">
-                    <a:lumMod val="75000"/>
-                  </a:schemeClr>
-                </a:solidFill>
-                <a:latin typeface="Arial"/>
-                <a:cs typeface="Arial"/>
-              </a:rPr>
-              <a:t>                                       </a:t>
-            </a:r>
-            <a:r>
-              <a:rPr lang="en-GB" sz="2400" b="1" dirty="0">
-                <a:solidFill>
-                  <a:schemeClr val="accent1">
-                    <a:lumMod val="75000"/>
-                  </a:schemeClr>
-                </a:solidFill>
-                <a:latin typeface="Arial"/>
-                <a:cs typeface="Arial"/>
-              </a:rPr>
-              <a:t>Render to Personal Section</a:t>
-            </a:r>
-          </a:p>
-          <a:p>
-            <a:r>
-              <a:rPr lang="en-GB" sz="2800" b="1" dirty="0">
-                <a:solidFill>
-                  <a:schemeClr val="accent1">
-                    <a:lumMod val="75000"/>
-                  </a:schemeClr>
-                </a:solidFill>
-                <a:latin typeface="Arial"/>
-                <a:cs typeface="Arial"/>
-              </a:rPr>
-              <a:t>               </a:t>
-            </a:r>
-            <a:r>
-              <a:rPr lang="en-GB" sz="2400" b="1" dirty="0">
-                <a:latin typeface="Arial"/>
-                <a:cs typeface="Arial"/>
-              </a:rPr>
-              <a:t>-   Validation  Failure</a:t>
-            </a:r>
-          </a:p>
-          <a:p>
-            <a:r>
-              <a:rPr lang="en-GB" sz="2400" b="1" dirty="0">
-                <a:solidFill>
-                  <a:schemeClr val="accent1">
-                    <a:lumMod val="75000"/>
-                  </a:schemeClr>
-                </a:solidFill>
-                <a:latin typeface="Arial"/>
-                <a:cs typeface="Arial"/>
-              </a:rPr>
-              <a:t>                                       Render to same page with Error Message</a:t>
-            </a:r>
-          </a:p>
-          <a:p>
-            <a:r>
-              <a:rPr lang="en-GB" sz="2800" b="1" dirty="0">
-                <a:solidFill>
-                  <a:schemeClr val="accent1">
-                    <a:lumMod val="75000"/>
-                  </a:schemeClr>
-                </a:solidFill>
-                <a:latin typeface="Arial"/>
-                <a:cs typeface="Arial"/>
-              </a:rPr>
-              <a:t>                </a:t>
+              <a:t>              2)  In addition to that it has customized search where we can able to search the books based on topics.</a:t>
             </a:r>
           </a:p>
         </p:txBody>
@@ -7909,7 +7777,7 @@
     </p:spTree>
     <p:extLst>
       <p:ext uri="{BB962C8B-B14F-4D97-AF65-F5344CB8AC3E}">
-        <p14:creationId xmlns:p14="http://schemas.microsoft.com/office/powerpoint/2010/main" val="1121063019"/>
+        <p14:creationId xmlns:p14="http://schemas.microsoft.com/office/powerpoint/2010/main" val="627959921"/>
       </p:ext>
     </p:extLst>
   </p:cSld>
@@ -8095,10 +7963,16 @@
           <a:lstStyle/>
           <a:p>
             <a:r>
-              <a:rPr lang="en-US" b="1" spc="-100" dirty="0"/>
-              <a:t>                               PERSONAL SECTION</a:t>
-            </a:r>
-            <a:endParaRPr lang="en-US" dirty="0"/>
+              <a:rPr lang="en-US" sz="3200" b="1" spc="-100" dirty="0">
+                <a:latin typeface="Arial" panose="020B0604020202020204" pitchFamily="34" charset="0"/>
+                <a:cs typeface="Arial" panose="020B0604020202020204" pitchFamily="34" charset="0"/>
+              </a:rPr>
+              <a:t>                               SOCIAL SECTION</a:t>
+            </a:r>
+            <a:endParaRPr lang="en-US" sz="3200" dirty="0">
+              <a:latin typeface="Arial" panose="020B0604020202020204" pitchFamily="34" charset="0"/>
+              <a:cs typeface="Arial" panose="020B0604020202020204" pitchFamily="34" charset="0"/>
+            </a:endParaRPr>
           </a:p>
         </p:txBody>
       </p:sp>
@@ -8297,7 +8171,7 @@
         <p:spPr>
           <a:xfrm>
             <a:off x="1877683" y="3085381"/>
-            <a:ext cx="9284897" cy="3570208"/>
+            <a:ext cx="9284897" cy="2369880"/>
           </a:xfrm>
           <a:prstGeom prst="rect">
             <a:avLst/>
@@ -8314,14 +8188,14 @@
           <a:lstStyle/>
           <a:p>
             <a:r>
-              <a:rPr lang="en-GB" sz="4000" b="1" dirty="0">
+              <a:rPr lang="en-GB" sz="2800" b="1" dirty="0">
                 <a:solidFill>
                   <a:srgbClr val="FF0000"/>
                 </a:solidFill>
                 <a:latin typeface="Arial"/>
                 <a:cs typeface="Arial"/>
               </a:rPr>
-              <a:t>Personal Section :</a:t>
+              <a:t>Social Section :</a:t>
             </a:r>
           </a:p>
           <a:p>
@@ -8330,16 +8204,19 @@
                 <a:latin typeface="Arial"/>
                 <a:cs typeface="Arial"/>
               </a:rPr>
-              <a:t>                      </a:t>
-            </a:r>
-            <a:endParaRPr lang="en-GB">
-              <a:latin typeface="Arial"/>
-              <a:cs typeface="Arial"/>
-            </a:endParaRPr>
-          </a:p>
-          <a:p>
-            <a:r>
-              <a:rPr lang="en-GB" dirty="0">
+              <a:t>                    </a:t>
+            </a:r>
+            <a:r>
+              <a:rPr lang="en-GB" sz="2800" dirty="0">
+                <a:latin typeface="Arial"/>
+                <a:cs typeface="Arial"/>
+              </a:rPr>
+              <a:t>  </a:t>
+            </a:r>
+          </a:p>
+          <a:p>
+            <a:r>
+              <a:rPr lang="en-GB" sz="2800" dirty="0">
                 <a:solidFill>
                   <a:schemeClr val="accent1">
                     <a:lumMod val="50000"/>
@@ -8348,10 +8225,10 @@
                 <a:latin typeface="Arial"/>
                 <a:cs typeface="Arial"/>
               </a:rPr>
-              <a:t>                      </a:t>
-            </a:r>
-            <a:r>
-              <a:rPr lang="en-GB" sz="2800" b="1" dirty="0">
+              <a:t>                    </a:t>
+            </a:r>
+            <a:r>
+              <a:rPr lang="en-GB" sz="2000" dirty="0">
                 <a:solidFill>
                   <a:schemeClr val="accent1">
                     <a:lumMod val="50000"/>
@@ -8360,12 +8237,10 @@
                 <a:latin typeface="Arial"/>
                 <a:cs typeface="Arial"/>
               </a:rPr>
-              <a:t>1) This section holds the list of books available in personal section</a:t>
-            </a:r>
-          </a:p>
-          <a:p>
-            <a:r>
-              <a:rPr lang="en-GB" sz="2800" b="1" dirty="0">
+              <a:t>  </a:t>
+            </a:r>
+            <a:r>
+              <a:rPr lang="en-GB" sz="2000" b="1" dirty="0">
                 <a:solidFill>
                   <a:schemeClr val="accent1">
                     <a:lumMod val="50000"/>
@@ -8374,21 +8249,12 @@
                 <a:latin typeface="Arial"/>
                 <a:cs typeface="Arial"/>
               </a:rPr>
-              <a:t>                      </a:t>
-            </a:r>
-            <a:endParaRPr lang="en-GB" sz="2800" b="1">
-              <a:solidFill>
-                <a:schemeClr val="accent1">
-                  <a:lumMod val="50000"/>
-                </a:schemeClr>
-              </a:solidFill>
-              <a:latin typeface="Arial"/>
-              <a:cs typeface="Arial"/>
-            </a:endParaRPr>
-          </a:p>
-          <a:p>
-            <a:r>
-              <a:rPr lang="en-GB" sz="2800" b="1" dirty="0">
+              <a:t>3) Book Recommendation:  </a:t>
+            </a:r>
+          </a:p>
+          <a:p>
+            <a:r>
+              <a:rPr lang="en-GB" sz="2000" b="1" dirty="0">
                 <a:solidFill>
                   <a:schemeClr val="accent1">
                     <a:lumMod val="50000"/>
@@ -8397,24 +8263,53 @@
                 <a:latin typeface="Arial"/>
                 <a:cs typeface="Arial"/>
               </a:rPr>
-              <a:t>               2)  In addition to that it has customized search where we can able to search the books based on topics.</a:t>
-            </a:r>
-            <a:endParaRPr lang="en-GB" sz="2800" b="1">
-              <a:solidFill>
-                <a:schemeClr val="accent1">
-                  <a:lumMod val="50000"/>
-                </a:schemeClr>
-              </a:solidFill>
-              <a:latin typeface="Arial"/>
-              <a:cs typeface="Arial"/>
-            </a:endParaRPr>
+              <a:t>                             </a:t>
+            </a:r>
+          </a:p>
+          <a:p>
+            <a:r>
+              <a:rPr lang="en-GB" sz="2000" b="1" dirty="0">
+                <a:solidFill>
+                  <a:schemeClr val="accent1">
+                    <a:lumMod val="50000"/>
+                  </a:schemeClr>
+                </a:solidFill>
+                <a:latin typeface="Arial"/>
+                <a:cs typeface="Arial"/>
+              </a:rPr>
+              <a:t>                             User can able to view other user books if they share </a:t>
+            </a:r>
+            <a:r>
+              <a:rPr lang="en-GB" sz="2000" b="1" dirty="0" err="1">
+                <a:solidFill>
+                  <a:schemeClr val="accent1">
+                    <a:lumMod val="50000"/>
+                  </a:schemeClr>
+                </a:solidFill>
+                <a:latin typeface="Arial"/>
+                <a:cs typeface="Arial"/>
+              </a:rPr>
+              <a:t>atleast</a:t>
+            </a:r>
+            <a:r>
+              <a:rPr lang="en-GB" sz="2000" b="1" dirty="0">
+                <a:solidFill>
+                  <a:schemeClr val="accent1">
+                    <a:lumMod val="50000"/>
+                  </a:schemeClr>
+                </a:solidFill>
+                <a:latin typeface="Arial"/>
+                <a:cs typeface="Arial"/>
+              </a:rPr>
+              <a:t> three books in common.</a:t>
+            </a:r>
           </a:p>
         </p:txBody>
       </p:sp>
     </p:spTree>
     <p:extLst>
       <p:ext uri="{BB962C8B-B14F-4D97-AF65-F5344CB8AC3E}">
-        <p14:creationId xmlns:p14="http://schemas.microsoft.com/office/powerpoint/2010/main" val="2452647310"/>
+        <p14:creationId xmlns:p14="http://schemas.microsoft.com/office/powerpoint/2010/main" val="327072001"/>
       </p:ext>
     </p:extLst>
   </p:cSld>
@@ -8600,8 +8495,11 @@
           <a:lstStyle/>
           <a:p>
             <a:r>
-              <a:rPr lang="en-GB" dirty="0"/>
-              <a:t>                      PERSONAL SECTION</a:t>
+              <a:rPr lang="en-GB" sz="3200" b="1" dirty="0">
+                <a:latin typeface="Arial" panose="020B0604020202020204" pitchFamily="34" charset="0"/>
+                <a:cs typeface="Arial" panose="020B0604020202020204" pitchFamily="34" charset="0"/>
+              </a:rPr>
+              <a:t>                         SOCIAL SECTION</a:t>
             </a:r>
           </a:p>
         </p:txBody>
@@ -8788,10 +8686,10 @@
       </p:sp>
       <p:pic>
         <p:nvPicPr>
-          <p:cNvPr id="4" name="Picture 4" descr="A screenshot of a cell phone&#10;&#10;Description generated with very high confidence">
+          <p:cNvPr id="6" name="Picture 6" descr="A screenshot of a cell phone&#10;&#10;Description generated with very high confidence">
             <a:extLst>
               <a:ext uri="{FF2B5EF4-FFF2-40B4-BE49-F238E27FC236}">
-                <a16:creationId xmlns:a16="http://schemas.microsoft.com/office/drawing/2014/main" id="{49573FA8-BE3D-4481-AB71-158672E62A28}"/>
+                <a16:creationId xmlns:a16="http://schemas.microsoft.com/office/drawing/2014/main" id="{2054E8E3-3658-4854-9F6D-8025AC785776}"/>
               </a:ext>
             </a:extLst>
           </p:cNvPr>
@@ -8810,15 +8708,15 @@
         </p:blipFill>
         <p:spPr>
           <a:xfrm>
-            <a:off x="4866" y="2525296"/>
-            <a:ext cx="12189639" cy="4336757"/>
+            <a:off x="1758" y="2413747"/>
+            <a:ext cx="12189124" cy="4839323"/>
           </a:xfrm>
         </p:spPr>
       </p:pic>
     </p:spTree>
     <p:extLst>
       <p:ext uri="{BB962C8B-B14F-4D97-AF65-F5344CB8AC3E}">
-        <p14:creationId xmlns:p14="http://schemas.microsoft.com/office/powerpoint/2010/main" val="1913734537"/>
+        <p14:creationId xmlns:p14="http://schemas.microsoft.com/office/powerpoint/2010/main" val="1955348653"/>
       </p:ext>
     </p:extLst>
   </p:cSld>
@@ -9004,10 +8902,16 @@
           <a:lstStyle/>
           <a:p>
             <a:r>
-              <a:rPr lang="en-US" b="1" spc="-100" dirty="0"/>
-              <a:t>                               SOCIAL SECTION</a:t>
-            </a:r>
-            <a:endParaRPr lang="en-US" dirty="0"/>
+              <a:rPr lang="en-US" sz="3200" b="1" spc="-100" dirty="0">
+                <a:latin typeface="Arial" panose="020B0604020202020204" pitchFamily="34" charset="0"/>
+                <a:cs typeface="Arial" panose="020B0604020202020204" pitchFamily="34" charset="0"/>
+              </a:rPr>
+              <a:t>                             ADD BOOK</a:t>
+            </a:r>
+            <a:endParaRPr lang="en-US" sz="3200" dirty="0">
+              <a:latin typeface="Arial" panose="020B0604020202020204" pitchFamily="34" charset="0"/>
+              <a:cs typeface="Arial" panose="020B0604020202020204" pitchFamily="34" charset="0"/>
+            </a:endParaRPr>
           </a:p>
         </p:txBody>
       </p:sp>
@@ -9205,8 +9109,8 @@
         </p:nvSpPr>
         <p:spPr>
           <a:xfrm>
-            <a:off x="1877683" y="3085381"/>
-            <a:ext cx="9284897" cy="3570208"/>
+            <a:off x="1273834" y="2567797"/>
+            <a:ext cx="9888746" cy="2985433"/>
           </a:xfrm>
           <a:prstGeom prst="rect">
             <a:avLst/>
@@ -9223,14 +9127,14 @@
           <a:lstStyle/>
           <a:p>
             <a:r>
-              <a:rPr lang="en-GB" sz="4000" b="1" dirty="0">
+              <a:rPr lang="en-GB" sz="2800" b="1" dirty="0">
                 <a:solidFill>
                   <a:srgbClr val="FF0000"/>
                 </a:solidFill>
                 <a:latin typeface="Arial"/>
                 <a:cs typeface="Arial"/>
               </a:rPr>
-              <a:t>Social Section :</a:t>
+              <a:t>Add Book :</a:t>
             </a:r>
           </a:p>
           <a:p>
@@ -9239,12 +9143,17 @@
                 <a:latin typeface="Arial"/>
                 <a:cs typeface="Arial"/>
               </a:rPr>
-              <a:t>                      </a:t>
-            </a:r>
-          </a:p>
-          <a:p>
-            <a:r>
-              <a:rPr lang="en-GB" dirty="0">
+              <a:t>                              </a:t>
+            </a:r>
+            <a:r>
+              <a:rPr lang="en-GB" sz="2800" dirty="0">
+                <a:latin typeface="Arial"/>
+                <a:cs typeface="Arial"/>
+              </a:rPr>
+              <a:t> </a:t>
+            </a:r>
+            <a:r>
+              <a:rPr lang="en-GB" sz="2000" b="1" dirty="0">
                 <a:solidFill>
                   <a:schemeClr val="accent1">
                     <a:lumMod val="50000"/>
@@ -9253,47 +9162,146 @@
                 <a:latin typeface="Arial"/>
                 <a:cs typeface="Arial"/>
               </a:rPr>
-              <a:t>                      </a:t>
-            </a:r>
-            <a:r>
-              <a:rPr lang="en-GB" sz="2800" b="1" dirty="0">
+              <a:t>1)  Here we can add books to this library .The fields which required to add the books includes:</a:t>
+            </a:r>
+            <a:endParaRPr lang="en-GB" sz="2000" dirty="0">
+              <a:solidFill>
+                <a:schemeClr val="accent1">
+                  <a:lumMod val="50000"/>
+                </a:schemeClr>
+              </a:solidFill>
+              <a:latin typeface="Arial"/>
+              <a:cs typeface="Arial"/>
+            </a:endParaRPr>
+          </a:p>
+          <a:p>
+            <a:pPr marL="3028950" lvl="6" indent="-285750">
+              <a:buFont typeface="Wingdings"/>
+              <a:buChar char="Ø"/>
+            </a:pPr>
+            <a:r>
+              <a:rPr lang="en-GB" b="1" dirty="0">
                 <a:solidFill>
                   <a:schemeClr val="accent1">
                     <a:lumMod val="50000"/>
                   </a:schemeClr>
                 </a:solidFill>
-                <a:latin typeface="Arial"/>
-                <a:cs typeface="Arial"/>
+                <a:latin typeface="Arial" panose="020B0604020202020204" pitchFamily="34" charset="0"/>
+                <a:cs typeface="Arial" panose="020B0604020202020204" pitchFamily="34" charset="0"/>
               </a:rPr>
-              <a:t>1) This section holds the list of books available in social section</a:t>
-            </a:r>
-          </a:p>
-          <a:p>
-            <a:r>
-              <a:rPr lang="en-GB" sz="2800" b="1" dirty="0">
+              <a:t>Title</a:t>
+            </a:r>
+          </a:p>
+          <a:p>
+            <a:pPr marL="3028950" lvl="6" indent="-285750">
+              <a:buFont typeface="Wingdings"/>
+              <a:buChar char="Ø"/>
+            </a:pPr>
+            <a:r>
+              <a:rPr lang="en-GB" b="1" dirty="0">
                 <a:solidFill>
                   <a:schemeClr val="accent1">
                     <a:lumMod val="50000"/>
                   </a:schemeClr>
                 </a:solidFill>
-                <a:latin typeface="Arial"/>
-                <a:cs typeface="Arial"/>
+                <a:latin typeface="Arial" panose="020B0604020202020204" pitchFamily="34" charset="0"/>
+                <a:cs typeface="Arial" panose="020B0604020202020204" pitchFamily="34" charset="0"/>
               </a:rPr>
-              <a:t>                      </a:t>
-            </a:r>
-          </a:p>
-          <a:p>
-            <a:r>
-              <a:rPr lang="en-GB" sz="2800" b="1" dirty="0">
+              <a:t>Author</a:t>
+            </a:r>
+          </a:p>
+          <a:p>
+            <a:pPr marL="3028950" lvl="6" indent="-285750">
+              <a:buFont typeface="Wingdings"/>
+              <a:buChar char="Ø"/>
+            </a:pPr>
+            <a:r>
+              <a:rPr lang="en-GB" b="1" dirty="0">
                 <a:solidFill>
                   <a:schemeClr val="accent1">
                     <a:lumMod val="50000"/>
                   </a:schemeClr>
                 </a:solidFill>
-                <a:latin typeface="Arial"/>
-                <a:cs typeface="Arial"/>
+                <a:latin typeface="Arial" panose="020B0604020202020204" pitchFamily="34" charset="0"/>
+                <a:cs typeface="Arial" panose="020B0604020202020204" pitchFamily="34" charset="0"/>
               </a:rPr>
-              <a:t>               2)  In addition to that it has customized search where we can able to search the books based on topics.</a:t>
+              <a:t>Public Year</a:t>
+            </a:r>
+          </a:p>
+          <a:p>
+            <a:pPr marL="3028950" lvl="6" indent="-285750">
+              <a:buFont typeface="Wingdings"/>
+              <a:buChar char="Ø"/>
+            </a:pPr>
+            <a:r>
+              <a:rPr lang="en-GB" b="1" dirty="0">
+                <a:solidFill>
+                  <a:schemeClr val="accent1">
+                    <a:lumMod val="50000"/>
+                  </a:schemeClr>
+                </a:solidFill>
+                <a:latin typeface="Arial" panose="020B0604020202020204" pitchFamily="34" charset="0"/>
+                <a:cs typeface="Arial" panose="020B0604020202020204" pitchFamily="34" charset="0"/>
+              </a:rPr>
+              <a:t>ISBN</a:t>
+            </a:r>
+          </a:p>
+          <a:p>
+            <a:pPr marL="3028950" lvl="6" indent="-285750">
+              <a:buFont typeface="Wingdings"/>
+              <a:buChar char="Ø"/>
+            </a:pPr>
+            <a:r>
+              <a:rPr lang="en-GB" b="1" dirty="0">
+                <a:solidFill>
+                  <a:schemeClr val="accent1">
+                    <a:lumMod val="50000"/>
+                  </a:schemeClr>
+                </a:solidFill>
+                <a:latin typeface="Arial" panose="020B0604020202020204" pitchFamily="34" charset="0"/>
+                <a:cs typeface="Arial" panose="020B0604020202020204" pitchFamily="34" charset="0"/>
+              </a:rPr>
+              <a:t>Abstract</a:t>
+            </a:r>
+          </a:p>
+          <a:p>
+            <a:pPr marL="3028950" lvl="6" indent="-285750">
+              <a:buFont typeface="Wingdings"/>
+              <a:buChar char="Ø"/>
+            </a:pPr>
+            <a:r>
+              <a:rPr lang="en-GB" b="1" dirty="0">
+                <a:solidFill>
+                  <a:schemeClr val="accent1">
+                    <a:lumMod val="50000"/>
+                  </a:schemeClr>
+                </a:solidFill>
+                <a:latin typeface="Arial" panose="020B0604020202020204" pitchFamily="34" charset="0"/>
+                <a:cs typeface="Arial" panose="020B0604020202020204" pitchFamily="34" charset="0"/>
+              </a:rPr>
+              <a:t>Metadata  </a:t>
+            </a:r>
+            <a:r>
+              <a:rPr lang="en-GB" dirty="0">
+                <a:solidFill>
+                  <a:schemeClr val="accent1">
+                    <a:lumMod val="50000"/>
+                  </a:schemeClr>
+                </a:solidFill>
+                <a:latin typeface="Arial" panose="020B0604020202020204" pitchFamily="34" charset="0"/>
+                <a:cs typeface="Arial" panose="020B0604020202020204" pitchFamily="34" charset="0"/>
+              </a:rPr>
+              <a:t>   </a:t>
+            </a:r>
+            <a:r>
+              <a:rPr lang="en-GB" dirty="0">
+                <a:solidFill>
+                  <a:schemeClr val="accent1">
+                    <a:lumMod val="50000"/>
+                  </a:schemeClr>
+                </a:solidFill>
+              </a:rPr>
+              <a:t>                                                       </a:t>
             </a:r>
           </a:p>
         </p:txBody>
@@ -9301,7 +9309,7 @@
     </p:spTree>
     <p:extLst>
       <p:ext uri="{BB962C8B-B14F-4D97-AF65-F5344CB8AC3E}">
-        <p14:creationId xmlns:p14="http://schemas.microsoft.com/office/powerpoint/2010/main" val="627959921"/>
+        <p14:creationId xmlns:p14="http://schemas.microsoft.com/office/powerpoint/2010/main" val="4288163776"/>
       </p:ext>
     </p:extLst>
   </p:cSld>
@@ -9338,7 +9346,7 @@
       </p:grpSpPr>
       <p:sp useBgFill="1">
         <p:nvSpPr>
-          <p:cNvPr id="5" name="Rectangle 7">
+          <p:cNvPr id="8" name="Rectangle 7">
             <a:extLst>
               <a:ext uri="{FF2B5EF4-FFF2-40B4-BE49-F238E27FC236}">
                 <a16:creationId xmlns:a16="http://schemas.microsoft.com/office/drawing/2014/main" id="{29DC5A77-10C9-4ECF-B7EB-8D917F36A9EE}"/>
@@ -9398,7 +9406,7 @@
       </p:sp>
       <p:sp>
         <p:nvSpPr>
-          <p:cNvPr id="6" name="Rectangle 9">
+          <p:cNvPr id="10" name="Rectangle 9">
             <a:extLst>
               <a:ext uri="{FF2B5EF4-FFF2-40B4-BE49-F238E27FC236}">
                 <a16:creationId xmlns:a16="http://schemas.microsoft.com/office/drawing/2014/main" id="{2FFE28B5-FB16-49A9-B851-3C35FAC0CACB}"/>
@@ -9463,7 +9471,7 @@
           <p:cNvPr id="2" name="Title 1">
             <a:extLst>
               <a:ext uri="{FF2B5EF4-FFF2-40B4-BE49-F238E27FC236}">
-                <a16:creationId xmlns:a16="http://schemas.microsoft.com/office/drawing/2014/main" id="{42CA5B38-EBAF-4C64-91A1-6E5300D607D5}"/>
+                <a16:creationId xmlns:a16="http://schemas.microsoft.com/office/drawing/2014/main" id="{FD65F6C6-3FCF-459F-8A15-0D9283A6E883}"/>
               </a:ext>
             </a:extLst>
           </p:cNvPr>
@@ -9481,22 +9489,24 @@
           </a:xfrm>
         </p:spPr>
         <p:txBody>
-          <a:bodyPr vert="horz" lIns="91440" tIns="45720" rIns="91440" bIns="45720" rtlCol="0">
+          <a:bodyPr>
             <a:normAutofit/>
           </a:bodyPr>
           <a:lstStyle/>
           <a:p>
             <a:r>
-              <a:rPr lang="en-US" b="1" spc="-100" dirty="0"/>
-              <a:t>                               SOCIAL SECTION</a:t>
-            </a:r>
-            <a:endParaRPr lang="en-US" dirty="0"/>
+              <a:rPr lang="en-GB" sz="3200" b="1" dirty="0">
+                <a:latin typeface="Arial" panose="020B0604020202020204" pitchFamily="34" charset="0"/>
+                <a:cs typeface="Arial" panose="020B0604020202020204" pitchFamily="34" charset="0"/>
+              </a:rPr>
+              <a:t>                                ADD BOOK</a:t>
+            </a:r>
           </a:p>
         </p:txBody>
       </p:sp>
       <p:sp>
         <p:nvSpPr>
-          <p:cNvPr id="7" name="Rectangle 11">
+          <p:cNvPr id="12" name="Rectangle 11">
             <a:extLst>
               <a:ext uri="{FF2B5EF4-FFF2-40B4-BE49-F238E27FC236}">
                 <a16:creationId xmlns:a16="http://schemas.microsoft.com/office/drawing/2014/main" id="{01014442-855A-4E0F-8D09-C314661A48B9}"/>
@@ -9553,7 +9563,7 @@
       </p:sp>
       <p:sp>
         <p:nvSpPr>
-          <p:cNvPr id="9" name="Rectangle 13">
+          <p:cNvPr id="14" name="Rectangle 13">
             <a:extLst>
               <a:ext uri="{FF2B5EF4-FFF2-40B4-BE49-F238E27FC236}">
                 <a16:creationId xmlns:a16="http://schemas.microsoft.com/office/drawing/2014/main" id="{9B1ABF09-86CF-414E-88A5-2B84CC7232A9}"/>
@@ -9610,7 +9620,7 @@
       </p:sp>
       <p:sp>
         <p:nvSpPr>
-          <p:cNvPr id="11" name="Rectangle 15">
+          <p:cNvPr id="16" name="Rectangle 15">
             <a:extLst>
               <a:ext uri="{FF2B5EF4-FFF2-40B4-BE49-F238E27FC236}">
                 <a16:creationId xmlns:a16="http://schemas.microsoft.com/office/drawing/2014/main" id="{3FE91770-CDBB-4D24-94E5-AD484F36CE87}"/>
@@ -9674,141 +9684,39 @@
           </a:p>
         </p:txBody>
       </p:sp>
-      <p:sp>
-        <p:nvSpPr>
-          <p:cNvPr id="10" name="TextBox 9">
+      <p:pic>
+        <p:nvPicPr>
+          <p:cNvPr id="6" name="Picture 6" descr="A screenshot of a cell phone&#10;&#10;Description generated with very high confidence">
             <a:extLst>
               <a:ext uri="{FF2B5EF4-FFF2-40B4-BE49-F238E27FC236}">
-                <a16:creationId xmlns:a16="http://schemas.microsoft.com/office/drawing/2014/main" id="{E7E1857B-DD12-4EAA-A375-66DFDDF0CACF}"/>
+                <a16:creationId xmlns:a16="http://schemas.microsoft.com/office/drawing/2014/main" id="{32B46CCE-A4FA-4EE0-A4F9-9B04DF6E6978}"/>
               </a:ext>
             </a:extLst>
           </p:cNvPr>
-          <p:cNvSpPr txBox="1"/>
-          <p:nvPr/>
-        </p:nvSpPr>
-        <p:spPr>
-          <a:xfrm>
-            <a:off x="1877683" y="3085381"/>
-            <a:ext cx="9284897" cy="2708434"/>
-          </a:xfrm>
-          <a:prstGeom prst="rect">
-            <a:avLst/>
-          </a:prstGeom>
-          <a:noFill/>
-        </p:spPr>
-        <p:txBody>
-          <a:bodyPr rot="0" spcFirstLastPara="0" vertOverflow="overflow" horzOverflow="overflow" vert="horz" wrap="square" lIns="91440" tIns="45720" rIns="91440" bIns="45720" numCol="1" spcCol="0" rtlCol="0" fromWordArt="0" anchor="t" anchorCtr="0" forceAA="0" compatLnSpc="1">
-            <a:prstTxWarp prst="textNoShape">
-              <a:avLst/>
-            </a:prstTxWarp>
-            <a:spAutoFit/>
-          </a:bodyPr>
-          <a:lstStyle/>
-          <a:p>
-            <a:r>
-              <a:rPr lang="en-GB" sz="4000" b="1" dirty="0">
-                <a:solidFill>
-                  <a:srgbClr val="FF0000"/>
-                </a:solidFill>
-                <a:latin typeface="Arial"/>
-                <a:cs typeface="Arial"/>
-              </a:rPr>
-              <a:t>Social Section :</a:t>
-            </a:r>
-          </a:p>
-          <a:p>
-            <a:r>
-              <a:rPr lang="en-GB" dirty="0">
-                <a:latin typeface="Arial"/>
-                <a:cs typeface="Arial"/>
-              </a:rPr>
-              <a:t>                      </a:t>
-            </a:r>
-          </a:p>
-          <a:p>
-            <a:r>
-              <a:rPr lang="en-GB" dirty="0">
-                <a:solidFill>
-                  <a:schemeClr val="accent1">
-                    <a:lumMod val="50000"/>
-                  </a:schemeClr>
-                </a:solidFill>
-                <a:latin typeface="Arial"/>
-                <a:cs typeface="Arial"/>
-              </a:rPr>
-              <a:t>                      </a:t>
-            </a:r>
-            <a:r>
-              <a:rPr lang="en-GB" sz="2800" b="1" dirty="0">
-                <a:solidFill>
-                  <a:schemeClr val="accent1">
-                    <a:lumMod val="50000"/>
-                  </a:schemeClr>
-                </a:solidFill>
-                <a:latin typeface="Arial"/>
-                <a:cs typeface="Arial"/>
-              </a:rPr>
-              <a:t>3) Book Recommendation:  </a:t>
-            </a:r>
-          </a:p>
-          <a:p>
-            <a:r>
-              <a:rPr lang="en-GB" sz="2800" b="1" dirty="0">
-                <a:solidFill>
-                  <a:schemeClr val="accent1">
-                    <a:lumMod val="50000"/>
-                  </a:schemeClr>
-                </a:solidFill>
-                <a:latin typeface="Arial"/>
-                <a:cs typeface="Arial"/>
-              </a:rPr>
-              <a:t>                             </a:t>
-            </a:r>
-          </a:p>
-          <a:p>
-            <a:r>
-              <a:rPr lang="en-GB" sz="2800" b="1" dirty="0">
-                <a:solidFill>
-                  <a:schemeClr val="accent1">
-                    <a:lumMod val="50000"/>
-                  </a:schemeClr>
-                </a:solidFill>
-                <a:latin typeface="Arial"/>
-                <a:cs typeface="Arial"/>
-              </a:rPr>
-              <a:t>                             User can able to view other user books if they share </a:t>
-            </a:r>
-            <a:r>
-              <a:rPr lang="en-GB" sz="2800" b="1" dirty="0" err="1">
-                <a:solidFill>
-                  <a:schemeClr val="accent1">
-                    <a:lumMod val="50000"/>
-                  </a:schemeClr>
-                </a:solidFill>
-                <a:latin typeface="Arial"/>
-                <a:cs typeface="Arial"/>
-              </a:rPr>
-              <a:t>atleast</a:t>
-            </a:r>
-            <a:r>
-              <a:rPr lang="en-GB" sz="2800" b="1" dirty="0">
-                <a:solidFill>
-                  <a:schemeClr val="accent1">
-                    <a:lumMod val="50000"/>
-                  </a:schemeClr>
-                </a:solidFill>
-                <a:latin typeface="Arial"/>
-                <a:cs typeface="Arial"/>
-              </a:rPr>
-              <a:t> three books in common.</a:t>
-            </a:r>
-          </a:p>
-        </p:txBody>
-      </p:sp>
+          <p:cNvPicPr>
+            <a:picLocks noGrp="1" noChangeAspect="1"/>
+          </p:cNvPicPr>
+          <p:nvPr>
+            <p:ph idx="1"/>
+          </p:nvPr>
+        </p:nvPicPr>
+        <p:blipFill>
+          <a:blip r:embed="rId2"/>
+          <a:stretch>
+            <a:fillRect/>
+          </a:stretch>
+        </p:blipFill>
+        <p:spPr>
+          <a:xfrm>
+            <a:off x="-55750" y="2528944"/>
+            <a:ext cx="12246632" cy="4249496"/>
+          </a:xfrm>
+        </p:spPr>
+      </p:pic>
     </p:spTree>
     <p:extLst>
       <p:ext uri="{BB962C8B-B14F-4D97-AF65-F5344CB8AC3E}">
-        <p14:creationId xmlns:p14="http://schemas.microsoft.com/office/powerpoint/2010/main" val="327072001"/>
+        <p14:creationId xmlns:p14="http://schemas.microsoft.com/office/powerpoint/2010/main" val="745318177"/>
       </p:ext>
     </p:extLst>
   </p:cSld>
@@ -9845,7 +9753,7 @@
       </p:grpSpPr>
       <p:sp useBgFill="1">
         <p:nvSpPr>
-          <p:cNvPr id="8" name="Rectangle 7">
+          <p:cNvPr id="5" name="Rectangle 7">
             <a:extLst>
               <a:ext uri="{FF2B5EF4-FFF2-40B4-BE49-F238E27FC236}">
                 <a16:creationId xmlns:a16="http://schemas.microsoft.com/office/drawing/2014/main" id="{29DC5A77-10C9-4ECF-B7EB-8D917F36A9EE}"/>
@@ -9905,7 +9813,7 @@
       </p:sp>
       <p:sp>
         <p:nvSpPr>
-          <p:cNvPr id="10" name="Rectangle 9">
+          <p:cNvPr id="6" name="Rectangle 9">
             <a:extLst>
               <a:ext uri="{FF2B5EF4-FFF2-40B4-BE49-F238E27FC236}">
                 <a16:creationId xmlns:a16="http://schemas.microsoft.com/office/drawing/2014/main" id="{2FFE28B5-FB16-49A9-B851-3C35FAC0CACB}"/>
@@ -9970,7 +9878,7 @@
           <p:cNvPr id="2" name="Title 1">
             <a:extLst>
               <a:ext uri="{FF2B5EF4-FFF2-40B4-BE49-F238E27FC236}">
-                <a16:creationId xmlns:a16="http://schemas.microsoft.com/office/drawing/2014/main" id="{FD65F6C6-3FCF-459F-8A15-0D9283A6E883}"/>
+                <a16:creationId xmlns:a16="http://schemas.microsoft.com/office/drawing/2014/main" id="{42CA5B38-EBAF-4C64-91A1-6E5300D607D5}"/>
               </a:ext>
             </a:extLst>
           </p:cNvPr>
@@ -9988,21 +9896,24 @@
           </a:xfrm>
         </p:spPr>
         <p:txBody>
-          <a:bodyPr>
+          <a:bodyPr vert="horz" lIns="91440" tIns="45720" rIns="91440" bIns="45720" rtlCol="0">
             <a:normAutofit/>
           </a:bodyPr>
           <a:lstStyle/>
           <a:p>
             <a:r>
-              <a:rPr lang="en-GB" dirty="0"/>
-              <a:t>                      SOCIAL SECTION</a:t>
+              <a:rPr lang="en-US" sz="3200" b="1" spc="-100" dirty="0">
+                <a:latin typeface="Arial" panose="020B0604020202020204" pitchFamily="34" charset="0"/>
+                <a:cs typeface="Arial" panose="020B0604020202020204" pitchFamily="34" charset="0"/>
+              </a:rPr>
+              <a:t>                       BOOK MANAGEMENT</a:t>
             </a:r>
           </a:p>
         </p:txBody>
       </p:sp>
       <p:sp>
         <p:nvSpPr>
-          <p:cNvPr id="12" name="Rectangle 11">
+          <p:cNvPr id="7" name="Rectangle 11">
             <a:extLst>
               <a:ext uri="{FF2B5EF4-FFF2-40B4-BE49-F238E27FC236}">
                 <a16:creationId xmlns:a16="http://schemas.microsoft.com/office/drawing/2014/main" id="{01014442-855A-4E0F-8D09-C314661A48B9}"/>
@@ -10059,7 +9970,7 @@
       </p:sp>
       <p:sp>
         <p:nvSpPr>
-          <p:cNvPr id="14" name="Rectangle 13">
+          <p:cNvPr id="9" name="Rectangle 13">
             <a:extLst>
               <a:ext uri="{FF2B5EF4-FFF2-40B4-BE49-F238E27FC236}">
                 <a16:creationId xmlns:a16="http://schemas.microsoft.com/office/drawing/2014/main" id="{9B1ABF09-86CF-414E-88A5-2B84CC7232A9}"/>
@@ -10116,7 +10027,7 @@
       </p:sp>
       <p:sp>
         <p:nvSpPr>
-          <p:cNvPr id="16" name="Rectangle 15">
+          <p:cNvPr id="11" name="Rectangle 15">
             <a:extLst>
               <a:ext uri="{FF2B5EF4-FFF2-40B4-BE49-F238E27FC236}">
                 <a16:creationId xmlns:a16="http://schemas.microsoft.com/office/drawing/2014/main" id="{3FE91770-CDBB-4D24-94E5-AD484F36CE87}"/>
@@ -10180,39 +10091,144 @@
           </a:p>
         </p:txBody>
       </p:sp>
-      <p:pic>
-        <p:nvPicPr>
-          <p:cNvPr id="6" name="Picture 6" descr="A screenshot of a cell phone&#10;&#10;Description generated with very high confidence">
+      <p:sp>
+        <p:nvSpPr>
+          <p:cNvPr id="10" name="TextBox 9">
             <a:extLst>
               <a:ext uri="{FF2B5EF4-FFF2-40B4-BE49-F238E27FC236}">
-                <a16:creationId xmlns:a16="http://schemas.microsoft.com/office/drawing/2014/main" id="{2054E8E3-3658-4854-9F6D-8025AC785776}"/>
+                <a16:creationId xmlns:a16="http://schemas.microsoft.com/office/drawing/2014/main" id="{E7E1857B-DD12-4EAA-A375-66DFDDF0CACF}"/>
               </a:ext>
             </a:extLst>
           </p:cNvPr>
-          <p:cNvPicPr>
-            <a:picLocks noGrp="1" noChangeAspect="1"/>
-          </p:cNvPicPr>
-          <p:nvPr>
-            <p:ph idx="1"/>
-          </p:nvPr>
-        </p:nvPicPr>
-        <p:blipFill>
-          <a:blip r:embed="rId2"/>
-          <a:stretch>
-            <a:fillRect/>
-          </a:stretch>
-        </p:blipFill>
-        <p:spPr>
-          <a:xfrm>
-            <a:off x="1758" y="2413747"/>
-            <a:ext cx="12189124" cy="4839323"/>
-          </a:xfrm>
-        </p:spPr>
-      </p:pic>
+          <p:cNvSpPr txBox="1"/>
+          <p:nvPr/>
+        </p:nvSpPr>
+        <p:spPr>
+          <a:xfrm>
+            <a:off x="1273833" y="2567797"/>
+            <a:ext cx="10402351" cy="2462213"/>
+          </a:xfrm>
+          <a:prstGeom prst="rect">
+            <a:avLst/>
+          </a:prstGeom>
+          <a:noFill/>
+        </p:spPr>
+        <p:txBody>
+          <a:bodyPr rot="0" spcFirstLastPara="0" vertOverflow="overflow" horzOverflow="overflow" vert="horz" wrap="square" lIns="91440" tIns="45720" rIns="91440" bIns="45720" numCol="1" spcCol="0" rtlCol="0" fromWordArt="0" anchor="t" anchorCtr="0" forceAA="0" compatLnSpc="1">
+            <a:prstTxWarp prst="textNoShape">
+              <a:avLst/>
+            </a:prstTxWarp>
+            <a:spAutoFit/>
+          </a:bodyPr>
+          <a:lstStyle/>
+          <a:p>
+            <a:r>
+              <a:rPr lang="en-GB" sz="2800" b="1" dirty="0">
+                <a:solidFill>
+                  <a:srgbClr val="FF0000"/>
+                </a:solidFill>
+                <a:latin typeface="Arial"/>
+                <a:cs typeface="Arial"/>
+              </a:rPr>
+              <a:t>Book Management :</a:t>
+            </a:r>
+          </a:p>
+          <a:p>
+            <a:r>
+              <a:rPr lang="en-GB" dirty="0">
+                <a:latin typeface="Arial"/>
+                <a:cs typeface="Arial"/>
+              </a:rPr>
+              <a:t>                               </a:t>
+            </a:r>
+            <a:endParaRPr lang="en-GB" dirty="0">
+              <a:solidFill>
+                <a:schemeClr val="accent1">
+                  <a:lumMod val="50000"/>
+                </a:schemeClr>
+              </a:solidFill>
+              <a:latin typeface="Arial"/>
+              <a:cs typeface="Arial"/>
+            </a:endParaRPr>
+          </a:p>
+          <a:p>
+            <a:r>
+              <a:rPr lang="en-GB" sz="2800" b="1" dirty="0">
+                <a:solidFill>
+                  <a:schemeClr val="accent1">
+                    <a:lumMod val="50000"/>
+                  </a:schemeClr>
+                </a:solidFill>
+                <a:latin typeface="Arial"/>
+                <a:cs typeface="Arial"/>
+              </a:rPr>
+              <a:t>  </a:t>
+            </a:r>
+            <a:endParaRPr lang="en-GB" dirty="0">
+              <a:solidFill>
+                <a:schemeClr val="accent1">
+                  <a:lumMod val="50000"/>
+                </a:schemeClr>
+              </a:solidFill>
+              <a:latin typeface="Arial" panose="020B0604020202020204" pitchFamily="34" charset="0"/>
+              <a:cs typeface="Arial" panose="020B0604020202020204" pitchFamily="34" charset="0"/>
+            </a:endParaRPr>
+          </a:p>
+          <a:p>
+            <a:r>
+              <a:rPr lang="en-GB" sz="2800" b="1" dirty="0">
+                <a:solidFill>
+                  <a:schemeClr val="accent1">
+                    <a:lumMod val="50000"/>
+                  </a:schemeClr>
+                </a:solidFill>
+                <a:latin typeface="Arial" panose="020B0604020202020204" pitchFamily="34" charset="0"/>
+                <a:cs typeface="Arial" panose="020B0604020202020204" pitchFamily="34" charset="0"/>
+              </a:rPr>
+              <a:t>                  </a:t>
+            </a:r>
+            <a:r>
+              <a:rPr lang="en-GB" sz="2000" b="1" dirty="0">
+                <a:solidFill>
+                  <a:schemeClr val="accent1">
+                    <a:lumMod val="50000"/>
+                  </a:schemeClr>
+                </a:solidFill>
+                <a:latin typeface="Arial" panose="020B0604020202020204" pitchFamily="34" charset="0"/>
+                <a:cs typeface="Arial" panose="020B0604020202020204" pitchFamily="34" charset="0"/>
+              </a:rPr>
+              <a:t>1) Customized search based on Title, Author Name, Published Year and ISBN.</a:t>
+            </a:r>
+            <a:endParaRPr lang="en-GB" sz="2000" dirty="0">
+              <a:solidFill>
+                <a:schemeClr val="accent1">
+                  <a:lumMod val="50000"/>
+                </a:schemeClr>
+              </a:solidFill>
+              <a:latin typeface="Arial" panose="020B0604020202020204" pitchFamily="34" charset="0"/>
+              <a:cs typeface="Arial" panose="020B0604020202020204" pitchFamily="34" charset="0"/>
+            </a:endParaRPr>
+          </a:p>
+          <a:p>
+            <a:r>
+              <a:rPr lang="en-GB" sz="2800" dirty="0">
+                <a:solidFill>
+                  <a:schemeClr val="accent1">
+                    <a:lumMod val="50000"/>
+                  </a:schemeClr>
+                </a:solidFill>
+                <a:latin typeface="Arial" panose="020B0604020202020204" pitchFamily="34" charset="0"/>
+                <a:cs typeface="Arial" panose="020B0604020202020204" pitchFamily="34" charset="0"/>
+              </a:rPr>
+              <a:t>                                                   </a:t>
+            </a:r>
+          </a:p>
+        </p:txBody>
+      </p:sp>
     </p:spTree>
     <p:extLst>
       <p:ext uri="{BB962C8B-B14F-4D97-AF65-F5344CB8AC3E}">
-        <p14:creationId xmlns:p14="http://schemas.microsoft.com/office/powerpoint/2010/main" val="1955348653"/>
+        <p14:creationId xmlns:p14="http://schemas.microsoft.com/office/powerpoint/2010/main" val="909086268"/>
       </p:ext>
     </p:extLst>
   </p:cSld>
@@ -10249,7 +10265,7 @@
       </p:grpSpPr>
       <p:sp useBgFill="1">
         <p:nvSpPr>
-          <p:cNvPr id="5" name="Rectangle 7">
+          <p:cNvPr id="8" name="Rectangle 7">
             <a:extLst>
               <a:ext uri="{FF2B5EF4-FFF2-40B4-BE49-F238E27FC236}">
                 <a16:creationId xmlns:a16="http://schemas.microsoft.com/office/drawing/2014/main" id="{29DC5A77-10C9-4ECF-B7EB-8D917F36A9EE}"/>
@@ -10309,7 +10325,7 @@
       </p:sp>
       <p:sp>
         <p:nvSpPr>
-          <p:cNvPr id="6" name="Rectangle 9">
+          <p:cNvPr id="10" name="Rectangle 9">
             <a:extLst>
               <a:ext uri="{FF2B5EF4-FFF2-40B4-BE49-F238E27FC236}">
                 <a16:creationId xmlns:a16="http://schemas.microsoft.com/office/drawing/2014/main" id="{2FFE28B5-FB16-49A9-B851-3C35FAC0CACB}"/>
@@ -10374,7 +10390,7 @@
           <p:cNvPr id="2" name="Title 1">
             <a:extLst>
               <a:ext uri="{FF2B5EF4-FFF2-40B4-BE49-F238E27FC236}">
-                <a16:creationId xmlns:a16="http://schemas.microsoft.com/office/drawing/2014/main" id="{42CA5B38-EBAF-4C64-91A1-6E5300D607D5}"/>
+                <a16:creationId xmlns:a16="http://schemas.microsoft.com/office/drawing/2014/main" id="{8B05AF88-ECFD-4683-AE66-8ED7A2E68156}"/>
               </a:ext>
             </a:extLst>
           </p:cNvPr>
@@ -10392,22 +10408,24 @@
           </a:xfrm>
         </p:spPr>
         <p:txBody>
-          <a:bodyPr vert="horz" lIns="91440" tIns="45720" rIns="91440" bIns="45720" rtlCol="0">
+          <a:bodyPr>
             <a:normAutofit/>
           </a:bodyPr>
           <a:lstStyle/>
           <a:p>
             <a:r>
-              <a:rPr lang="en-US" b="1" spc="-100" dirty="0"/>
-              <a:t>                                    ADD BOOK</a:t>
-            </a:r>
-            <a:endParaRPr lang="en-US" dirty="0"/>
+              <a:rPr lang="en-GB" sz="3200" b="1" dirty="0">
+                <a:latin typeface="Arial" panose="020B0604020202020204" pitchFamily="34" charset="0"/>
+                <a:cs typeface="Arial" panose="020B0604020202020204" pitchFamily="34" charset="0"/>
+              </a:rPr>
+              <a:t>                      BOOK MANAGEMENT</a:t>
+            </a:r>
           </a:p>
         </p:txBody>
       </p:sp>
       <p:sp>
         <p:nvSpPr>
-          <p:cNvPr id="7" name="Rectangle 11">
+          <p:cNvPr id="12" name="Rectangle 11">
             <a:extLst>
               <a:ext uri="{FF2B5EF4-FFF2-40B4-BE49-F238E27FC236}">
                 <a16:creationId xmlns:a16="http://schemas.microsoft.com/office/drawing/2014/main" id="{01014442-855A-4E0F-8D09-C314661A48B9}"/>
@@ -10464,7 +10482,7 @@
       </p:sp>
       <p:sp>
         <p:nvSpPr>
-          <p:cNvPr id="9" name="Rectangle 13">
+          <p:cNvPr id="14" name="Rectangle 13">
             <a:extLst>
               <a:ext uri="{FF2B5EF4-FFF2-40B4-BE49-F238E27FC236}">
                 <a16:creationId xmlns:a16="http://schemas.microsoft.com/office/drawing/2014/main" id="{9B1ABF09-86CF-414E-88A5-2B84CC7232A9}"/>
@@ -10521,7 +10539,7 @@
       </p:sp>
       <p:sp>
         <p:nvSpPr>
-          <p:cNvPr id="11" name="Rectangle 15">
+          <p:cNvPr id="16" name="Rectangle 15">
             <a:extLst>
               <a:ext uri="{FF2B5EF4-FFF2-40B4-BE49-F238E27FC236}">
                 <a16:creationId xmlns:a16="http://schemas.microsoft.com/office/drawing/2014/main" id="{3FE91770-CDBB-4D24-94E5-AD484F36CE87}"/>
@@ -10585,202 +10603,39 @@
           </a:p>
         </p:txBody>
       </p:sp>
-      <p:sp>
-        <p:nvSpPr>
-          <p:cNvPr id="10" name="TextBox 9">
+      <p:pic>
+        <p:nvPicPr>
+          <p:cNvPr id="4" name="Picture 4" descr="A screenshot of a cell phone&#10;&#10;Description generated with very high confidence">
             <a:extLst>
               <a:ext uri="{FF2B5EF4-FFF2-40B4-BE49-F238E27FC236}">
-                <a16:creationId xmlns:a16="http://schemas.microsoft.com/office/drawing/2014/main" id="{E7E1857B-DD12-4EAA-A375-66DFDDF0CACF}"/>
+                <a16:creationId xmlns:a16="http://schemas.microsoft.com/office/drawing/2014/main" id="{D49ED5C2-41AE-41B7-A101-E13361F6FAF6}"/>
               </a:ext>
             </a:extLst>
           </p:cNvPr>
-          <p:cNvSpPr txBox="1"/>
-          <p:nvPr/>
-        </p:nvSpPr>
-        <p:spPr>
-          <a:xfrm>
-            <a:off x="1273834" y="2567797"/>
-            <a:ext cx="9888746" cy="3231654"/>
-          </a:xfrm>
-          <a:prstGeom prst="rect">
-            <a:avLst/>
-          </a:prstGeom>
-          <a:noFill/>
-        </p:spPr>
-        <p:txBody>
-          <a:bodyPr rot="0" spcFirstLastPara="0" vertOverflow="overflow" horzOverflow="overflow" vert="horz" wrap="square" lIns="91440" tIns="45720" rIns="91440" bIns="45720" numCol="1" spcCol="0" rtlCol="0" fromWordArt="0" anchor="t" anchorCtr="0" forceAA="0" compatLnSpc="1">
-            <a:prstTxWarp prst="textNoShape">
-              <a:avLst/>
-            </a:prstTxWarp>
-            <a:spAutoFit/>
-          </a:bodyPr>
-          <a:lstStyle/>
-          <a:p>
-            <a:r>
-              <a:rPr lang="en-GB" sz="4000" b="1" dirty="0">
-                <a:solidFill>
-                  <a:srgbClr val="FF0000"/>
-                </a:solidFill>
-                <a:latin typeface="Arial"/>
-                <a:cs typeface="Arial"/>
-              </a:rPr>
-              <a:t>Add Book :</a:t>
-            </a:r>
-          </a:p>
-          <a:p>
-            <a:r>
-              <a:rPr lang="en-GB" dirty="0">
-                <a:latin typeface="Arial"/>
-                <a:cs typeface="Arial"/>
-              </a:rPr>
-              <a:t>                               </a:t>
-            </a:r>
-            <a:r>
-              <a:rPr lang="en-GB" sz="2800" b="1" dirty="0">
-                <a:solidFill>
-                  <a:schemeClr val="accent1">
-                    <a:lumMod val="50000"/>
-                  </a:schemeClr>
-                </a:solidFill>
-                <a:latin typeface="Arial"/>
-                <a:cs typeface="Arial"/>
-              </a:rPr>
-              <a:t>1)  Here we can add books to this library .The fields which required to add the books includes:</a:t>
-            </a:r>
-            <a:endParaRPr lang="en-GB">
-              <a:solidFill>
-                <a:schemeClr val="accent1">
-                  <a:lumMod val="50000"/>
-                </a:schemeClr>
-              </a:solidFill>
-              <a:latin typeface="Arial"/>
-              <a:cs typeface="Arial"/>
-            </a:endParaRPr>
-          </a:p>
-          <a:p>
-            <a:pPr marL="3028950" lvl="6" indent="-285750">
-              <a:buFont typeface="Wingdings"/>
-              <a:buChar char="Ø"/>
-            </a:pPr>
-            <a:r>
-              <a:rPr lang="en-GB" b="1" dirty="0">
-                <a:solidFill>
-                  <a:schemeClr val="accent1">
-                    <a:lumMod val="50000"/>
-                  </a:schemeClr>
-                </a:solidFill>
-                <a:latin typeface="Arial"/>
-                <a:cs typeface="Arial"/>
-              </a:rPr>
-              <a:t>Title</a:t>
-            </a:r>
-          </a:p>
-          <a:p>
-            <a:pPr marL="3028950" lvl="6" indent="-285750">
-              <a:buFont typeface="Wingdings"/>
-              <a:buChar char="Ø"/>
-            </a:pPr>
-            <a:r>
-              <a:rPr lang="en-GB" b="1" dirty="0">
-                <a:solidFill>
-                  <a:schemeClr val="accent1">
-                    <a:lumMod val="50000"/>
-                  </a:schemeClr>
-                </a:solidFill>
-                <a:latin typeface="Arial"/>
-                <a:cs typeface="Arial"/>
-              </a:rPr>
-              <a:t>Author</a:t>
-            </a:r>
-          </a:p>
-          <a:p>
-            <a:pPr marL="3028950" lvl="6" indent="-285750">
-              <a:buFont typeface="Wingdings"/>
-              <a:buChar char="Ø"/>
-            </a:pPr>
-            <a:r>
-              <a:rPr lang="en-GB" b="1" dirty="0">
-                <a:solidFill>
-                  <a:schemeClr val="accent1">
-                    <a:lumMod val="50000"/>
-                  </a:schemeClr>
-                </a:solidFill>
-                <a:latin typeface="Arial"/>
-                <a:cs typeface="Arial"/>
-              </a:rPr>
-              <a:t>Public Year</a:t>
-            </a:r>
-          </a:p>
-          <a:p>
-            <a:pPr marL="3028950" lvl="6" indent="-285750">
-              <a:buFont typeface="Wingdings"/>
-              <a:buChar char="Ø"/>
-            </a:pPr>
-            <a:r>
-              <a:rPr lang="en-GB" b="1" dirty="0">
-                <a:solidFill>
-                  <a:schemeClr val="accent1">
-                    <a:lumMod val="50000"/>
-                  </a:schemeClr>
-                </a:solidFill>
-                <a:latin typeface="Arial"/>
-                <a:cs typeface="Arial"/>
-              </a:rPr>
-              <a:t>ISBN</a:t>
-            </a:r>
-          </a:p>
-          <a:p>
-            <a:pPr marL="3028950" lvl="6" indent="-285750">
-              <a:buFont typeface="Wingdings"/>
-              <a:buChar char="Ø"/>
-            </a:pPr>
-            <a:r>
-              <a:rPr lang="en-GB" b="1" dirty="0">
-                <a:solidFill>
-                  <a:schemeClr val="accent1">
-                    <a:lumMod val="50000"/>
-                  </a:schemeClr>
-                </a:solidFill>
-                <a:latin typeface="Arial"/>
-                <a:cs typeface="Arial"/>
-              </a:rPr>
-              <a:t>Abstract</a:t>
-            </a:r>
-          </a:p>
-          <a:p>
-            <a:pPr marL="3028950" lvl="6" indent="-285750">
-              <a:buFont typeface="Wingdings"/>
-              <a:buChar char="Ø"/>
-            </a:pPr>
-            <a:r>
-              <a:rPr lang="en-GB" b="1" dirty="0">
-                <a:solidFill>
-                  <a:schemeClr val="accent1">
-                    <a:lumMod val="50000"/>
-                  </a:schemeClr>
-                </a:solidFill>
-                <a:latin typeface="Arial"/>
-                <a:cs typeface="Arial"/>
-              </a:rPr>
-              <a:t>Metadata  </a:t>
-            </a:r>
-            <a:r>
-              <a:rPr lang="en-GB" dirty="0">
-                <a:solidFill>
-                  <a:schemeClr val="accent1">
-                    <a:lumMod val="50000"/>
-                  </a:schemeClr>
-                </a:solidFill>
-              </a:rPr>
-              <a:t>                                                          </a:t>
-            </a:r>
-          </a:p>
-        </p:txBody>
-      </p:sp>
+          <p:cNvPicPr>
+            <a:picLocks noGrp="1" noChangeAspect="1"/>
+          </p:cNvPicPr>
+          <p:nvPr>
+            <p:ph idx="1"/>
+          </p:nvPr>
+        </p:nvPicPr>
+        <p:blipFill>
+          <a:blip r:embed="rId2"/>
+          <a:stretch>
+            <a:fillRect/>
+          </a:stretch>
+        </p:blipFill>
+        <p:spPr>
+          <a:xfrm>
+            <a:off x="2530" y="2406050"/>
+            <a:ext cx="12194311" cy="4445852"/>
+          </a:xfrm>
+        </p:spPr>
+      </p:pic>
     </p:spTree>
     <p:extLst>
       <p:ext uri="{BB962C8B-B14F-4D97-AF65-F5344CB8AC3E}">
-        <p14:creationId xmlns:p14="http://schemas.microsoft.com/office/powerpoint/2010/main" val="4288163776"/>
+        <p14:creationId xmlns:p14="http://schemas.microsoft.com/office/powerpoint/2010/main" val="1643236380"/>
       </p:ext>
     </p:extLst>
   </p:cSld>
@@ -11205,12 +11060,33 @@
           <a:p>
             <a:pPr algn="r"/>
             <a:r>
-              <a:rPr lang="en-US" sz="5900" b="1" spc="-100" dirty="0">
+              <a:rPr lang="en-US" sz="4400" b="1" spc="-100" dirty="0">
                 <a:solidFill>
                   <a:srgbClr val="C00000"/>
                 </a:solidFill>
+                <a:latin typeface="Arial" panose="020B0604020202020204" pitchFamily="34" charset="0"/>
+                <a:cs typeface="Arial" panose="020B0604020202020204" pitchFamily="34" charset="0"/>
               </a:rPr>
-              <a:t>TECHNOLOGIES USED</a:t>
+              <a:t>TECHNOLOGIES</a:t>
+            </a:r>
+            <a:br>
+              <a:rPr lang="en-US" sz="4400" b="1" spc="-100" dirty="0">
+                <a:solidFill>
+                  <a:srgbClr val="C00000"/>
+                </a:solidFill>
+                <a:latin typeface="Arial" panose="020B0604020202020204" pitchFamily="34" charset="0"/>
+                <a:cs typeface="Arial" panose="020B0604020202020204" pitchFamily="34" charset="0"/>
+              </a:rPr>
+            </a:br>
+            <a:r>
+              <a:rPr lang="en-US" sz="4400" b="1" spc="-100" dirty="0">
+                <a:solidFill>
+                  <a:srgbClr val="C00000"/>
+                </a:solidFill>
+                <a:latin typeface="Arial" panose="020B0604020202020204" pitchFamily="34" charset="0"/>
+                <a:cs typeface="Arial" panose="020B0604020202020204" pitchFamily="34" charset="0"/>
+              </a:rPr>
+              <a:t>USED</a:t>
             </a:r>
           </a:p>
         </p:txBody>
@@ -11253,134 +11129,12 @@
           <a:chExt cx="0" cy="0"/>
         </a:xfrm>
       </p:grpSpPr>
-      <p:sp useBgFill="1">
-        <p:nvSpPr>
-          <p:cNvPr id="8" name="Rectangle 7">
-            <a:extLst>
-              <a:ext uri="{FF2B5EF4-FFF2-40B4-BE49-F238E27FC236}">
-                <a16:creationId xmlns:a16="http://schemas.microsoft.com/office/drawing/2014/main" id="{29DC5A77-10C9-4ECF-B7EB-8D917F36A9EE}"/>
-              </a:ext>
-              <a:ext uri="{C183D7F6-B498-43B3-948B-1728B52AA6E4}">
-                <adec:decorative xmlns:adec="http://schemas.microsoft.com/office/drawing/2017/decorative" val="1"/>
-              </a:ext>
-            </a:extLst>
-          </p:cNvPr>
-          <p:cNvSpPr>
-            <a:spLocks noGrp="1" noRot="1" noChangeAspect="1" noMove="1" noResize="1" noEditPoints="1" noAdjustHandles="1" noChangeArrowheads="1" noChangeShapeType="1" noTextEdit="1"/>
-          </p:cNvSpPr>
-          <p:nvPr>
-            <p:extLst>
-              <p:ext uri="{386F3935-93C4-4BCD-93E2-E3B085C9AB24}">
-                <p16:designElem xmlns:p16="http://schemas.microsoft.com/office/powerpoint/2015/main" val="1"/>
-              </p:ext>
-            </p:extLst>
-          </p:nvPr>
-        </p:nvSpPr>
-        <p:spPr>
-          <a:xfrm>
-            <a:off x="0" y="0"/>
-            <a:ext cx="12192000" cy="6858000"/>
-          </a:xfrm>
-          <a:prstGeom prst="rect">
-            <a:avLst/>
-          </a:prstGeom>
-          <a:ln>
-            <a:noFill/>
-          </a:ln>
-        </p:spPr>
-        <p:style>
-          <a:lnRef idx="2">
-            <a:schemeClr val="accent1">
-              <a:shade val="50000"/>
-            </a:schemeClr>
-          </a:lnRef>
-          <a:fillRef idx="1">
-            <a:schemeClr val="accent1"/>
-          </a:fillRef>
-          <a:effectRef idx="0">
-            <a:schemeClr val="accent1"/>
-          </a:effectRef>
-          <a:fontRef idx="minor">
-            <a:schemeClr val="lt1"/>
-          </a:fontRef>
-        </p:style>
-        <p:txBody>
-          <a:bodyPr rtlCol="0" anchor="ctr"/>
-          <a:lstStyle/>
-          <a:p>
-            <a:pPr algn="ctr"/>
-            <a:endParaRPr lang="en-US"/>
-          </a:p>
-        </p:txBody>
-      </p:sp>
-      <p:sp>
-        <p:nvSpPr>
-          <p:cNvPr id="10" name="Rectangle 9">
-            <a:extLst>
-              <a:ext uri="{FF2B5EF4-FFF2-40B4-BE49-F238E27FC236}">
-                <a16:creationId xmlns:a16="http://schemas.microsoft.com/office/drawing/2014/main" id="{2FFE28B5-FB16-49A9-B851-3C35FAC0CACB}"/>
-              </a:ext>
-              <a:ext uri="{C183D7F6-B498-43B3-948B-1728B52AA6E4}">
-                <adec:decorative xmlns:adec="http://schemas.microsoft.com/office/drawing/2017/decorative" val="1"/>
-              </a:ext>
-            </a:extLst>
-          </p:cNvPr>
-          <p:cNvSpPr>
-            <a:spLocks noGrp="1" noRot="1" noChangeAspect="1" noMove="1" noResize="1" noEditPoints="1" noAdjustHandles="1" noChangeArrowheads="1" noChangeShapeType="1" noTextEdit="1"/>
-          </p:cNvSpPr>
-          <p:nvPr>
-            <p:extLst>
-              <p:ext uri="{386F3935-93C4-4BCD-93E2-E3B085C9AB24}">
-                <p16:designElem xmlns:p16="http://schemas.microsoft.com/office/powerpoint/2015/main" val="1"/>
-              </p:ext>
-            </p:extLst>
-          </p:nvPr>
-        </p:nvSpPr>
-        <p:spPr>
-          <a:xfrm>
-            <a:off x="1" y="758952"/>
-            <a:ext cx="10905976" cy="1651133"/>
-          </a:xfrm>
-          <a:prstGeom prst="rect">
-            <a:avLst/>
-          </a:prstGeom>
-          <a:solidFill>
-            <a:schemeClr val="accent1"/>
-          </a:solidFill>
-          <a:ln>
-            <a:noFill/>
-          </a:ln>
-        </p:spPr>
-        <p:style>
-          <a:lnRef idx="2">
-            <a:schemeClr val="accent1">
-              <a:shade val="50000"/>
-            </a:schemeClr>
-          </a:lnRef>
-          <a:fillRef idx="1">
-            <a:schemeClr val="accent1"/>
-          </a:fillRef>
-          <a:effectRef idx="0">
-            <a:schemeClr val="accent1"/>
-          </a:effectRef>
-          <a:fontRef idx="minor">
-            <a:schemeClr val="lt1"/>
-          </a:fontRef>
-        </p:style>
-        <p:txBody>
-          <a:bodyPr/>
-          <a:lstStyle/>
-          <a:p>
-            <a:endParaRPr lang="en-US" dirty="0"/>
-          </a:p>
-        </p:txBody>
-      </p:sp>
       <p:sp>
         <p:nvSpPr>
           <p:cNvPr id="2" name="Title 1">
             <a:extLst>
               <a:ext uri="{FF2B5EF4-FFF2-40B4-BE49-F238E27FC236}">
-                <a16:creationId xmlns:a16="http://schemas.microsoft.com/office/drawing/2014/main" id="{FD65F6C6-3FCF-459F-8A15-0D9283A6E883}"/>
+                <a16:creationId xmlns:a16="http://schemas.microsoft.com/office/drawing/2014/main" id="{A3D8773C-2C46-4FB5-B625-2900809E2707}"/>
               </a:ext>
             </a:extLst>
           </p:cNvPr>
@@ -11393,236 +11147,81 @@
         </p:nvSpPr>
         <p:spPr>
           <a:xfrm>
-            <a:off x="1600754" y="1087374"/>
-            <a:ext cx="8983489" cy="1000978"/>
+            <a:off x="-126609" y="-745588"/>
+            <a:ext cx="3545058" cy="5078437"/>
           </a:xfrm>
         </p:spPr>
         <p:txBody>
-          <a:bodyPr>
+          <a:bodyPr vert="horz" lIns="91440" tIns="45720" rIns="91440" bIns="45720" rtlCol="0" anchor="b">
             <a:normAutofit/>
           </a:bodyPr>
           <a:lstStyle/>
           <a:p>
-            <a:r>
-              <a:rPr lang="en-GB" dirty="0"/>
-              <a:t>                                   ADD BOOK</a:t>
+            <a:pPr algn="ctr"/>
+            <a:r>
+              <a:rPr lang="en-US" sz="4400" b="1" spc="-100" dirty="0">
+                <a:solidFill>
+                  <a:schemeClr val="bg1"/>
+                </a:solidFill>
+                <a:latin typeface="Arial" panose="020B0604020202020204" pitchFamily="34" charset="0"/>
+                <a:cs typeface="Arial" panose="020B0604020202020204" pitchFamily="34" charset="0"/>
+              </a:rPr>
+              <a:t>WEB HOSTING</a:t>
             </a:r>
           </a:p>
         </p:txBody>
       </p:sp>
-      <p:sp>
-        <p:nvSpPr>
-          <p:cNvPr id="12" name="Rectangle 11">
+      <p:pic>
+        <p:nvPicPr>
+          <p:cNvPr id="4" name="Picture 2" descr="Klarna signs deal with AWS | FinTech Alliance">
             <a:extLst>
               <a:ext uri="{FF2B5EF4-FFF2-40B4-BE49-F238E27FC236}">
-                <a16:creationId xmlns:a16="http://schemas.microsoft.com/office/drawing/2014/main" id="{01014442-855A-4E0F-8D09-C314661A48B9}"/>
-              </a:ext>
-              <a:ext uri="{C183D7F6-B498-43B3-948B-1728B52AA6E4}">
-                <adec:decorative xmlns:adec="http://schemas.microsoft.com/office/drawing/2017/decorative" val="1"/>
-              </a:ext>
-            </a:extLst>
-          </p:cNvPr>
-          <p:cNvSpPr>
-            <a:spLocks noGrp="1" noRot="1" noChangeAspect="1" noMove="1" noResize="1" noEditPoints="1" noAdjustHandles="1" noChangeArrowheads="1" noChangeShapeType="1" noTextEdit="1"/>
-          </p:cNvSpPr>
-          <p:nvPr>
-            <p:extLst>
-              <p:ext uri="{386F3935-93C4-4BCD-93E2-E3B085C9AB24}">
-                <p16:designElem xmlns:p16="http://schemas.microsoft.com/office/powerpoint/2015/main" val="1"/>
-              </p:ext>
-            </p:extLst>
-          </p:nvPr>
-        </p:nvSpPr>
-        <p:spPr>
-          <a:xfrm>
-            <a:off x="11014533" y="758952"/>
-            <a:ext cx="1185379" cy="1651133"/>
-          </a:xfrm>
-          <a:prstGeom prst="rect">
-            <a:avLst/>
-          </a:prstGeom>
-          <a:solidFill>
-            <a:srgbClr val="C8C8C8">
-              <a:alpha val="49804"/>
-            </a:srgbClr>
-          </a:solidFill>
-          <a:ln>
-            <a:noFill/>
-          </a:ln>
-        </p:spPr>
-        <p:style>
-          <a:lnRef idx="2">
-            <a:schemeClr val="accent1">
-              <a:shade val="50000"/>
-            </a:schemeClr>
-          </a:lnRef>
-          <a:fillRef idx="1">
-            <a:schemeClr val="accent1"/>
-          </a:fillRef>
-          <a:effectRef idx="0">
-            <a:schemeClr val="accent1"/>
-          </a:effectRef>
-          <a:fontRef idx="minor">
-            <a:schemeClr val="lt1"/>
-          </a:fontRef>
-        </p:style>
-      </p:sp>
-      <p:sp>
-        <p:nvSpPr>
-          <p:cNvPr id="14" name="Rectangle 13">
-            <a:extLst>
-              <a:ext uri="{FF2B5EF4-FFF2-40B4-BE49-F238E27FC236}">
-                <a16:creationId xmlns:a16="http://schemas.microsoft.com/office/drawing/2014/main" id="{9B1ABF09-86CF-414E-88A5-2B84CC7232A9}"/>
-              </a:ext>
-              <a:ext uri="{C183D7F6-B498-43B3-948B-1728B52AA6E4}">
-                <adec:decorative xmlns:adec="http://schemas.microsoft.com/office/drawing/2017/decorative" val="1"/>
-              </a:ext>
-            </a:extLst>
-          </p:cNvPr>
-          <p:cNvSpPr>
-            <a:spLocks noGrp="1" noRot="1" noChangeAspect="1" noMove="1" noResize="1" noEditPoints="1" noAdjustHandles="1" noChangeArrowheads="1" noChangeShapeType="1" noTextEdit="1"/>
-          </p:cNvSpPr>
-          <p:nvPr>
-            <p:extLst>
-              <p:ext uri="{386F3935-93C4-4BCD-93E2-E3B085C9AB24}">
-                <p16:designElem xmlns:p16="http://schemas.microsoft.com/office/powerpoint/2015/main" val="1"/>
-              </p:ext>
-            </p:extLst>
-          </p:nvPr>
-        </p:nvSpPr>
-        <p:spPr>
-          <a:xfrm>
-            <a:off x="763" y="2526526"/>
-            <a:ext cx="1169701" cy="3563378"/>
-          </a:xfrm>
-          <a:prstGeom prst="rect">
-            <a:avLst/>
-          </a:prstGeom>
-          <a:solidFill>
-            <a:srgbClr val="C8C8C8">
-              <a:alpha val="49804"/>
-            </a:srgbClr>
-          </a:solidFill>
-          <a:ln>
-            <a:noFill/>
-          </a:ln>
-        </p:spPr>
-        <p:style>
-          <a:lnRef idx="2">
-            <a:schemeClr val="accent1">
-              <a:shade val="50000"/>
-            </a:schemeClr>
-          </a:lnRef>
-          <a:fillRef idx="1">
-            <a:schemeClr val="accent1"/>
-          </a:fillRef>
-          <a:effectRef idx="0">
-            <a:schemeClr val="accent1"/>
-          </a:effectRef>
-          <a:fontRef idx="minor">
-            <a:schemeClr val="lt1"/>
-          </a:fontRef>
-        </p:style>
-      </p:sp>
-      <p:sp>
-        <p:nvSpPr>
-          <p:cNvPr id="16" name="Rectangle 15">
-            <a:extLst>
-              <a:ext uri="{FF2B5EF4-FFF2-40B4-BE49-F238E27FC236}">
-                <a16:creationId xmlns:a16="http://schemas.microsoft.com/office/drawing/2014/main" id="{3FE91770-CDBB-4D24-94E5-AD484F36CE87}"/>
-              </a:ext>
-              <a:ext uri="{C183D7F6-B498-43B3-948B-1728B52AA6E4}">
-                <adec:decorative xmlns:adec="http://schemas.microsoft.com/office/drawing/2017/decorative" val="1"/>
-              </a:ext>
-            </a:extLst>
-          </p:cNvPr>
-          <p:cNvSpPr>
-            <a:spLocks noGrp="1" noRot="1" noChangeAspect="1" noMove="1" noResize="1" noEditPoints="1" noAdjustHandles="1" noChangeArrowheads="1" noChangeShapeType="1" noTextEdit="1"/>
-          </p:cNvSpPr>
-          <p:nvPr>
-            <p:extLst>
-              <p:ext uri="{386F3935-93C4-4BCD-93E2-E3B085C9AB24}">
-                <p16:designElem xmlns:p16="http://schemas.microsoft.com/office/powerpoint/2015/main" val="1"/>
-              </p:ext>
-            </p:extLst>
-          </p:nvPr>
-        </p:nvSpPr>
-        <p:spPr>
-          <a:xfrm>
-            <a:off x="1279019" y="2526526"/>
-            <a:ext cx="10920893" cy="3563377"/>
-          </a:xfrm>
-          <a:prstGeom prst="rect">
-            <a:avLst/>
-          </a:prstGeom>
-          <a:solidFill>
-            <a:schemeClr val="bg2">
-              <a:lumMod val="60000"/>
-              <a:lumOff val="40000"/>
-              <a:alpha val="60000"/>
-            </a:schemeClr>
-          </a:solidFill>
-          <a:ln>
-            <a:noFill/>
-          </a:ln>
-        </p:spPr>
-        <p:style>
-          <a:lnRef idx="2">
-            <a:schemeClr val="accent1">
-              <a:shade val="50000"/>
-            </a:schemeClr>
-          </a:lnRef>
-          <a:fillRef idx="1">
-            <a:schemeClr val="accent1"/>
-          </a:fillRef>
-          <a:effectRef idx="0">
-            <a:schemeClr val="accent1"/>
-          </a:effectRef>
-          <a:fontRef idx="minor">
-            <a:schemeClr val="lt1"/>
-          </a:fontRef>
-        </p:style>
-        <p:txBody>
-          <a:bodyPr/>
-          <a:lstStyle/>
-          <a:p>
-            <a:endParaRPr lang="en-US" dirty="0"/>
-          </a:p>
-        </p:txBody>
-      </p:sp>
-      <p:pic>
-        <p:nvPicPr>
-          <p:cNvPr id="6" name="Picture 6" descr="A screenshot of a cell phone&#10;&#10;Description generated with very high confidence">
-            <a:extLst>
-              <a:ext uri="{FF2B5EF4-FFF2-40B4-BE49-F238E27FC236}">
-                <a16:creationId xmlns:a16="http://schemas.microsoft.com/office/drawing/2014/main" id="{32B46CCE-A4FA-4EE0-A4F9-9B04DF6E6978}"/>
+                <a16:creationId xmlns:a16="http://schemas.microsoft.com/office/drawing/2014/main" id="{2DE163E0-9E6E-42B2-84CB-5C0887C03451}"/>
               </a:ext>
             </a:extLst>
           </p:cNvPr>
           <p:cNvPicPr>
-            <a:picLocks noGrp="1" noChangeAspect="1"/>
+            <a:picLocks noChangeAspect="1" noChangeArrowheads="1"/>
           </p:cNvPicPr>
-          <p:nvPr>
-            <p:ph idx="1"/>
-          </p:nvPr>
+          <p:nvPr/>
         </p:nvPicPr>
         <p:blipFill>
-          <a:blip r:embed="rId2"/>
+          <a:blip r:embed="rId2">
+            <a:extLst>
+              <a:ext uri="{28A0092B-C50C-407E-A947-70E740481C1C}">
+                <a14:useLocalDpi xmlns:a14="http://schemas.microsoft.com/office/drawing/2010/main" val="0"/>
+              </a:ext>
+            </a:extLst>
+          </a:blip>
+          <a:srcRect/>
           <a:stretch>
             <a:fillRect/>
           </a:stretch>
         </p:blipFill>
-        <p:spPr>
-          <a:xfrm>
-            <a:off x="-55750" y="2528944"/>
-            <a:ext cx="12246632" cy="4249496"/>
-          </a:xfrm>
+        <p:spPr bwMode="auto">
+          <a:xfrm>
+            <a:off x="4128306" y="1168763"/>
+            <a:ext cx="6771616" cy="4112742"/>
+          </a:xfrm>
+          <a:prstGeom prst="rect">
+            <a:avLst/>
+          </a:prstGeom>
+          <a:noFill/>
+          <a:extLst>
+            <a:ext uri="{909E8E84-426E-40DD-AFC4-6F175D3DCCD1}">
+              <a14:hiddenFill xmlns:a14="http://schemas.microsoft.com/office/drawing/2010/main">
+                <a:solidFill>
+                  <a:srgbClr val="FFFFFF"/>
+                </a:solidFill>
+              </a14:hiddenFill>
+            </a:ext>
+          </a:extLst>
         </p:spPr>
       </p:pic>
     </p:spTree>
     <p:extLst>
       <p:ext uri="{BB962C8B-B14F-4D97-AF65-F5344CB8AC3E}">
-        <p14:creationId xmlns:p14="http://schemas.microsoft.com/office/powerpoint/2010/main" val="745318177"/>
+        <p14:creationId xmlns:p14="http://schemas.microsoft.com/office/powerpoint/2010/main" val="3437735645"/>
       </p:ext>
     </p:extLst>
   </p:cSld>
@@ -11657,128 +11256,6 @@
           <a:chExt cx="0" cy="0"/>
         </a:xfrm>
       </p:grpSpPr>
-      <p:sp useBgFill="1">
-        <p:nvSpPr>
-          <p:cNvPr id="5" name="Rectangle 7">
-            <a:extLst>
-              <a:ext uri="{FF2B5EF4-FFF2-40B4-BE49-F238E27FC236}">
-                <a16:creationId xmlns:a16="http://schemas.microsoft.com/office/drawing/2014/main" id="{29DC5A77-10C9-4ECF-B7EB-8D917F36A9EE}"/>
-              </a:ext>
-              <a:ext uri="{C183D7F6-B498-43B3-948B-1728B52AA6E4}">
-                <adec:decorative xmlns:adec="http://schemas.microsoft.com/office/drawing/2017/decorative" val="1"/>
-              </a:ext>
-            </a:extLst>
-          </p:cNvPr>
-          <p:cNvSpPr>
-            <a:spLocks noGrp="1" noRot="1" noChangeAspect="1" noMove="1" noResize="1" noEditPoints="1" noAdjustHandles="1" noChangeArrowheads="1" noChangeShapeType="1" noTextEdit="1"/>
-          </p:cNvSpPr>
-          <p:nvPr>
-            <p:extLst>
-              <p:ext uri="{386F3935-93C4-4BCD-93E2-E3B085C9AB24}">
-                <p16:designElem xmlns:p16="http://schemas.microsoft.com/office/powerpoint/2015/main" val="1"/>
-              </p:ext>
-            </p:extLst>
-          </p:nvPr>
-        </p:nvSpPr>
-        <p:spPr>
-          <a:xfrm>
-            <a:off x="0" y="0"/>
-            <a:ext cx="12192000" cy="6858000"/>
-          </a:xfrm>
-          <a:prstGeom prst="rect">
-            <a:avLst/>
-          </a:prstGeom>
-          <a:ln>
-            <a:noFill/>
-          </a:ln>
-        </p:spPr>
-        <p:style>
-          <a:lnRef idx="2">
-            <a:schemeClr val="accent1">
-              <a:shade val="50000"/>
-            </a:schemeClr>
-          </a:lnRef>
-          <a:fillRef idx="1">
-            <a:schemeClr val="accent1"/>
-          </a:fillRef>
-          <a:effectRef idx="0">
-            <a:schemeClr val="accent1"/>
-          </a:effectRef>
-          <a:fontRef idx="minor">
-            <a:schemeClr val="lt1"/>
-          </a:fontRef>
-        </p:style>
-        <p:txBody>
-          <a:bodyPr rtlCol="0" anchor="ctr"/>
-          <a:lstStyle/>
-          <a:p>
-            <a:pPr algn="ctr"/>
-            <a:endParaRPr lang="en-US"/>
-          </a:p>
-        </p:txBody>
-      </p:sp>
-      <p:sp>
-        <p:nvSpPr>
-          <p:cNvPr id="6" name="Rectangle 9">
-            <a:extLst>
-              <a:ext uri="{FF2B5EF4-FFF2-40B4-BE49-F238E27FC236}">
-                <a16:creationId xmlns:a16="http://schemas.microsoft.com/office/drawing/2014/main" id="{2FFE28B5-FB16-49A9-B851-3C35FAC0CACB}"/>
-              </a:ext>
-              <a:ext uri="{C183D7F6-B498-43B3-948B-1728B52AA6E4}">
-                <adec:decorative xmlns:adec="http://schemas.microsoft.com/office/drawing/2017/decorative" val="1"/>
-              </a:ext>
-            </a:extLst>
-          </p:cNvPr>
-          <p:cNvSpPr>
-            <a:spLocks noGrp="1" noRot="1" noChangeAspect="1" noMove="1" noResize="1" noEditPoints="1" noAdjustHandles="1" noChangeArrowheads="1" noChangeShapeType="1" noTextEdit="1"/>
-          </p:cNvSpPr>
-          <p:nvPr>
-            <p:extLst>
-              <p:ext uri="{386F3935-93C4-4BCD-93E2-E3B085C9AB24}">
-                <p16:designElem xmlns:p16="http://schemas.microsoft.com/office/powerpoint/2015/main" val="1"/>
-              </p:ext>
-            </p:extLst>
-          </p:nvPr>
-        </p:nvSpPr>
-        <p:spPr>
-          <a:xfrm>
-            <a:off x="1" y="758952"/>
-            <a:ext cx="10905976" cy="1651133"/>
-          </a:xfrm>
-          <a:prstGeom prst="rect">
-            <a:avLst/>
-          </a:prstGeom>
-          <a:solidFill>
-            <a:schemeClr val="accent1"/>
-          </a:solidFill>
-          <a:ln>
-            <a:noFill/>
-          </a:ln>
-        </p:spPr>
-        <p:style>
-          <a:lnRef idx="2">
-            <a:schemeClr val="accent1">
-              <a:shade val="50000"/>
-            </a:schemeClr>
-          </a:lnRef>
-          <a:fillRef idx="1">
-            <a:schemeClr val="accent1"/>
-          </a:fillRef>
-          <a:effectRef idx="0">
-            <a:schemeClr val="accent1"/>
-          </a:effectRef>
-          <a:fontRef idx="minor">
-            <a:schemeClr val="lt1"/>
-          </a:fontRef>
-        </p:style>
-        <p:txBody>
-          <a:bodyPr/>
-          <a:lstStyle/>
-          <a:p>
-            <a:endParaRPr lang="en-US" dirty="0"/>
-          </a:p>
-        </p:txBody>
-      </p:sp>
       <p:sp>
         <p:nvSpPr>
           <p:cNvPr id="2" name="Title 1">
@@ -11792,13 +11269,13 @@
             <a:spLocks noGrp="1"/>
           </p:cNvSpPr>
           <p:nvPr>
-            <p:ph type="title"/>
-          </p:nvPr>
-        </p:nvSpPr>
-        <p:spPr>
-          <a:xfrm>
-            <a:off x="1600754" y="1087374"/>
-            <a:ext cx="8983489" cy="1000978"/>
+            <p:ph type="title" idx="4294967295"/>
+          </p:nvPr>
+        </p:nvSpPr>
+        <p:spPr>
+          <a:xfrm>
+            <a:off x="0" y="1087438"/>
+            <a:ext cx="8983663" cy="1000125"/>
           </a:xfrm>
         </p:spPr>
         <p:txBody>
@@ -11809,188 +11286,8 @@
           <a:p>
             <a:r>
               <a:rPr lang="en-US" b="1" spc="-100" dirty="0"/>
-              <a:t>                       BOOK MANAGEMENT</a:t>
-            </a:r>
-          </a:p>
-        </p:txBody>
-      </p:sp>
-      <p:sp>
-        <p:nvSpPr>
-          <p:cNvPr id="7" name="Rectangle 11">
-            <a:extLst>
-              <a:ext uri="{FF2B5EF4-FFF2-40B4-BE49-F238E27FC236}">
-                <a16:creationId xmlns:a16="http://schemas.microsoft.com/office/drawing/2014/main" id="{01014442-855A-4E0F-8D09-C314661A48B9}"/>
-              </a:ext>
-              <a:ext uri="{C183D7F6-B498-43B3-948B-1728B52AA6E4}">
-                <adec:decorative xmlns:adec="http://schemas.microsoft.com/office/drawing/2017/decorative" val="1"/>
-              </a:ext>
-            </a:extLst>
-          </p:cNvPr>
-          <p:cNvSpPr>
-            <a:spLocks noGrp="1" noRot="1" noChangeAspect="1" noMove="1" noResize="1" noEditPoints="1" noAdjustHandles="1" noChangeArrowheads="1" noChangeShapeType="1" noTextEdit="1"/>
-          </p:cNvSpPr>
-          <p:nvPr>
-            <p:extLst>
-              <p:ext uri="{386F3935-93C4-4BCD-93E2-E3B085C9AB24}">
-                <p16:designElem xmlns:p16="http://schemas.microsoft.com/office/powerpoint/2015/main" val="1"/>
-              </p:ext>
-            </p:extLst>
-          </p:nvPr>
-        </p:nvSpPr>
-        <p:spPr>
-          <a:xfrm>
-            <a:off x="11014533" y="758952"/>
-            <a:ext cx="1185379" cy="1651133"/>
-          </a:xfrm>
-          <a:prstGeom prst="rect">
-            <a:avLst/>
-          </a:prstGeom>
-          <a:solidFill>
-            <a:srgbClr val="C8C8C8">
-              <a:alpha val="49804"/>
-            </a:srgbClr>
-          </a:solidFill>
-          <a:ln>
-            <a:noFill/>
-          </a:ln>
-        </p:spPr>
-        <p:style>
-          <a:lnRef idx="2">
-            <a:schemeClr val="accent1">
-              <a:shade val="50000"/>
-            </a:schemeClr>
-          </a:lnRef>
-          <a:fillRef idx="1">
-            <a:schemeClr val="accent1"/>
-          </a:fillRef>
-          <a:effectRef idx="0">
-            <a:schemeClr val="accent1"/>
-          </a:effectRef>
-          <a:fontRef idx="minor">
-            <a:schemeClr val="lt1"/>
-          </a:fontRef>
-        </p:style>
-      </p:sp>
-      <p:sp>
-        <p:nvSpPr>
-          <p:cNvPr id="9" name="Rectangle 13">
-            <a:extLst>
-              <a:ext uri="{FF2B5EF4-FFF2-40B4-BE49-F238E27FC236}">
-                <a16:creationId xmlns:a16="http://schemas.microsoft.com/office/drawing/2014/main" id="{9B1ABF09-86CF-414E-88A5-2B84CC7232A9}"/>
-              </a:ext>
-              <a:ext uri="{C183D7F6-B498-43B3-948B-1728B52AA6E4}">
-                <adec:decorative xmlns:adec="http://schemas.microsoft.com/office/drawing/2017/decorative" val="1"/>
-              </a:ext>
-            </a:extLst>
-          </p:cNvPr>
-          <p:cNvSpPr>
-            <a:spLocks noGrp="1" noRot="1" noChangeAspect="1" noMove="1" noResize="1" noEditPoints="1" noAdjustHandles="1" noChangeArrowheads="1" noChangeShapeType="1" noTextEdit="1"/>
-          </p:cNvSpPr>
-          <p:nvPr>
-            <p:extLst>
-              <p:ext uri="{386F3935-93C4-4BCD-93E2-E3B085C9AB24}">
-                <p16:designElem xmlns:p16="http://schemas.microsoft.com/office/powerpoint/2015/main" val="1"/>
-              </p:ext>
-            </p:extLst>
-          </p:nvPr>
-        </p:nvSpPr>
-        <p:spPr>
-          <a:xfrm>
-            <a:off x="763" y="2526526"/>
-            <a:ext cx="1169701" cy="3563378"/>
-          </a:xfrm>
-          <a:prstGeom prst="rect">
-            <a:avLst/>
-          </a:prstGeom>
-          <a:solidFill>
-            <a:srgbClr val="C8C8C8">
-              <a:alpha val="49804"/>
-            </a:srgbClr>
-          </a:solidFill>
-          <a:ln>
-            <a:noFill/>
-          </a:ln>
-        </p:spPr>
-        <p:style>
-          <a:lnRef idx="2">
-            <a:schemeClr val="accent1">
-              <a:shade val="50000"/>
-            </a:schemeClr>
-          </a:lnRef>
-          <a:fillRef idx="1">
-            <a:schemeClr val="accent1"/>
-          </a:fillRef>
-          <a:effectRef idx="0">
-            <a:schemeClr val="accent1"/>
-          </a:effectRef>
-          <a:fontRef idx="minor">
-            <a:schemeClr val="lt1"/>
-          </a:fontRef>
-        </p:style>
-      </p:sp>
-      <p:sp>
-        <p:nvSpPr>
-          <p:cNvPr id="11" name="Rectangle 15">
-            <a:extLst>
-              <a:ext uri="{FF2B5EF4-FFF2-40B4-BE49-F238E27FC236}">
-                <a16:creationId xmlns:a16="http://schemas.microsoft.com/office/drawing/2014/main" id="{3FE91770-CDBB-4D24-94E5-AD484F36CE87}"/>
-              </a:ext>
-              <a:ext uri="{C183D7F6-B498-43B3-948B-1728B52AA6E4}">
-                <adec:decorative xmlns:adec="http://schemas.microsoft.com/office/drawing/2017/decorative" val="1"/>
-              </a:ext>
-            </a:extLst>
-          </p:cNvPr>
-          <p:cNvSpPr>
-            <a:spLocks noGrp="1" noRot="1" noChangeAspect="1" noMove="1" noResize="1" noEditPoints="1" noAdjustHandles="1" noChangeArrowheads="1" noChangeShapeType="1" noTextEdit="1"/>
-          </p:cNvSpPr>
-          <p:nvPr>
-            <p:extLst>
-              <p:ext uri="{386F3935-93C4-4BCD-93E2-E3B085C9AB24}">
-                <p16:designElem xmlns:p16="http://schemas.microsoft.com/office/powerpoint/2015/main" val="1"/>
-              </p:ext>
-            </p:extLst>
-          </p:nvPr>
-        </p:nvSpPr>
-        <p:spPr>
-          <a:xfrm>
-            <a:off x="1279019" y="2526526"/>
-            <a:ext cx="10920893" cy="3563377"/>
-          </a:xfrm>
-          <a:prstGeom prst="rect">
-            <a:avLst/>
-          </a:prstGeom>
-          <a:solidFill>
-            <a:schemeClr val="bg2">
-              <a:lumMod val="60000"/>
-              <a:lumOff val="40000"/>
-              <a:alpha val="60000"/>
-            </a:schemeClr>
-          </a:solidFill>
-          <a:ln>
-            <a:noFill/>
-          </a:ln>
-        </p:spPr>
-        <p:style>
-          <a:lnRef idx="2">
-            <a:schemeClr val="accent1">
-              <a:shade val="50000"/>
-            </a:schemeClr>
-          </a:lnRef>
-          <a:fillRef idx="1">
-            <a:schemeClr val="accent1"/>
-          </a:fillRef>
-          <a:effectRef idx="0">
-            <a:schemeClr val="accent1"/>
-          </a:effectRef>
-          <a:fontRef idx="minor">
-            <a:schemeClr val="lt1"/>
-          </a:fontRef>
-        </p:style>
-        <p:txBody>
-          <a:bodyPr/>
-          <a:lstStyle/>
-          <a:p>
-            <a:endParaRPr lang="en-US" dirty="0"/>
+              <a:t>                       APP DEPLOYMENT</a:t>
+            </a:r>
           </a:p>
         </p:txBody>
       </p:sp>
@@ -12009,7 +11306,7 @@
         <p:spPr>
           <a:xfrm>
             <a:off x="1273834" y="2567797"/>
-            <a:ext cx="9888746" cy="2277547"/>
+            <a:ext cx="9888746" cy="523220"/>
           </a:xfrm>
           <a:prstGeom prst="rect">
             <a:avLst/>
@@ -12026,23 +11323,24 @@
           <a:lstStyle/>
           <a:p>
             <a:r>
-              <a:rPr lang="en-GB" sz="4000" b="1" dirty="0">
+              <a:rPr lang="en-GB" sz="2800" b="1" dirty="0">
                 <a:solidFill>
-                  <a:srgbClr val="FF0000"/>
+                  <a:schemeClr val="accent1">
+                    <a:lumMod val="50000"/>
+                  </a:schemeClr>
                 </a:solidFill>
-                <a:latin typeface="Arial"/>
-                <a:cs typeface="Arial"/>
               </a:rPr>
-              <a:t>Book Management :</a:t>
-            </a:r>
-          </a:p>
-          <a:p>
+              <a:t> </a:t>
+            </a:r>
             <a:r>
               <a:rPr lang="en-GB" dirty="0">
-                <a:latin typeface="Arial"/>
-                <a:cs typeface="Arial"/>
+                <a:solidFill>
+                  <a:schemeClr val="accent1">
+                    <a:lumMod val="50000"/>
+                  </a:schemeClr>
+                </a:solidFill>
               </a:rPr>
-              <a:t>                               </a:t>
+              <a:t>                                                    </a:t>
             </a:r>
             <a:endParaRPr lang="en-GB" dirty="0">
               <a:solidFill>
@@ -12054,101 +11352,42 @@
               <a:cs typeface="Arial"/>
             </a:endParaRPr>
           </a:p>
-          <a:p>
-            <a:r>
-              <a:rPr lang="en-GB" sz="2800" b="1" dirty="0">
-                <a:solidFill>
-                  <a:schemeClr val="accent1">
-                    <a:lumMod val="50000"/>
-                  </a:schemeClr>
-                </a:solidFill>
-                <a:latin typeface="Arial"/>
-                <a:cs typeface="Arial"/>
-              </a:rPr>
-              <a:t>  </a:t>
-            </a:r>
-            <a:endParaRPr lang="en-GB" dirty="0">
-              <a:solidFill>
-                <a:schemeClr val="accent1">
-                  <a:lumMod val="50000"/>
-                </a:schemeClr>
-              </a:solidFill>
-              <a:latin typeface="Arial"/>
-              <a:cs typeface="Arial"/>
-            </a:endParaRPr>
-          </a:p>
-          <a:p>
-            <a:r>
-              <a:rPr lang="en-GB" sz="2800" b="1" dirty="0">
-                <a:solidFill>
-                  <a:schemeClr val="accent1">
-                    <a:lumMod val="50000"/>
-                  </a:schemeClr>
-                </a:solidFill>
-                <a:latin typeface="Arial"/>
-                <a:cs typeface="Arial"/>
-              </a:rPr>
-              <a:t>                  1) Customized search based on Title,</a:t>
-            </a:r>
-            <a:endParaRPr lang="en-GB" dirty="0">
-              <a:solidFill>
-                <a:schemeClr val="accent1">
-                  <a:lumMod val="50000"/>
-                </a:schemeClr>
-              </a:solidFill>
-              <a:latin typeface="Arial"/>
-              <a:cs typeface="Arial"/>
-            </a:endParaRPr>
-          </a:p>
-          <a:p>
-            <a:r>
-              <a:rPr lang="en-GB" sz="2800" b="1" dirty="0">
-                <a:solidFill>
-                  <a:schemeClr val="accent1">
-                    <a:lumMod val="50000"/>
-                  </a:schemeClr>
-                </a:solidFill>
-                <a:latin typeface="Arial"/>
-                <a:cs typeface="Arial"/>
-              </a:rPr>
-              <a:t>Author Name, Published Year and ISBN</a:t>
-            </a:r>
-            <a:r>
-              <a:rPr lang="en-GB" sz="2800" b="1" dirty="0">
-                <a:solidFill>
-                  <a:schemeClr val="accent1">
-                    <a:lumMod val="50000"/>
-                  </a:schemeClr>
-                </a:solidFill>
-              </a:rPr>
-              <a:t>   </a:t>
-            </a:r>
-            <a:r>
-              <a:rPr lang="en-GB" dirty="0">
-                <a:solidFill>
-                  <a:schemeClr val="accent1">
-                    <a:lumMod val="50000"/>
-                  </a:schemeClr>
-                </a:solidFill>
-              </a:rPr>
-              <a:t>                                                    </a:t>
-            </a:r>
-            <a:endParaRPr lang="en-GB" dirty="0">
-              <a:solidFill>
-                <a:schemeClr val="accent1">
-                  <a:lumMod val="50000"/>
-                </a:schemeClr>
-              </a:solidFill>
-              <a:latin typeface="Arial"/>
-              <a:cs typeface="Arial"/>
-            </a:endParaRPr>
-          </a:p>
         </p:txBody>
       </p:sp>
+      <p:pic>
+        <p:nvPicPr>
+          <p:cNvPr id="3" name="Picture 2">
+            <a:extLst>
+              <a:ext uri="{FF2B5EF4-FFF2-40B4-BE49-F238E27FC236}">
+                <a16:creationId xmlns:a16="http://schemas.microsoft.com/office/drawing/2014/main" id="{FA4C2C8E-C1CE-4DAC-9A89-2C7D4760C3A4}"/>
+              </a:ext>
+            </a:extLst>
+          </p:cNvPr>
+          <p:cNvPicPr>
+            <a:picLocks noChangeAspect="1"/>
+          </p:cNvPicPr>
+          <p:nvPr/>
+        </p:nvPicPr>
+        <p:blipFill>
+          <a:blip r:embed="rId2"/>
+          <a:stretch>
+            <a:fillRect/>
+          </a:stretch>
+        </p:blipFill>
+        <p:spPr>
+          <a:xfrm>
+            <a:off x="679235" y="1212018"/>
+            <a:ext cx="11077943" cy="5259119"/>
+          </a:xfrm>
+          <a:prstGeom prst="rect">
+            <a:avLst/>
+          </a:prstGeom>
+        </p:spPr>
+      </p:pic>
     </p:spTree>
     <p:extLst>
       <p:ext uri="{BB962C8B-B14F-4D97-AF65-F5344CB8AC3E}">
-        <p14:creationId xmlns:p14="http://schemas.microsoft.com/office/powerpoint/2010/main" val="909086268"/>
+        <p14:creationId xmlns:p14="http://schemas.microsoft.com/office/powerpoint/2010/main" val="2116854974"/>
       </p:ext>
     </p:extLst>
   </p:cSld>
@@ -12185,7 +11424,7 @@
       </p:grpSpPr>
       <p:sp useBgFill="1">
         <p:nvSpPr>
-          <p:cNvPr id="8" name="Rectangle 7">
+          <p:cNvPr id="5" name="Rectangle 7">
             <a:extLst>
               <a:ext uri="{FF2B5EF4-FFF2-40B4-BE49-F238E27FC236}">
                 <a16:creationId xmlns:a16="http://schemas.microsoft.com/office/drawing/2014/main" id="{29DC5A77-10C9-4ECF-B7EB-8D917F36A9EE}"/>
@@ -12245,7 +11484,7 @@
       </p:sp>
       <p:sp>
         <p:nvSpPr>
-          <p:cNvPr id="10" name="Rectangle 9">
+          <p:cNvPr id="6" name="Rectangle 9">
             <a:extLst>
               <a:ext uri="{FF2B5EF4-FFF2-40B4-BE49-F238E27FC236}">
                 <a16:creationId xmlns:a16="http://schemas.microsoft.com/office/drawing/2014/main" id="{2FFE28B5-FB16-49A9-B851-3C35FAC0CACB}"/>
@@ -12310,7 +11549,7 @@
           <p:cNvPr id="2" name="Title 1">
             <a:extLst>
               <a:ext uri="{FF2B5EF4-FFF2-40B4-BE49-F238E27FC236}">
-                <a16:creationId xmlns:a16="http://schemas.microsoft.com/office/drawing/2014/main" id="{8B05AF88-ECFD-4683-AE66-8ED7A2E68156}"/>
+                <a16:creationId xmlns:a16="http://schemas.microsoft.com/office/drawing/2014/main" id="{42CA5B38-EBAF-4C64-91A1-6E5300D607D5}"/>
               </a:ext>
             </a:extLst>
           </p:cNvPr>
@@ -12328,21 +11567,24 @@
           </a:xfrm>
         </p:spPr>
         <p:txBody>
-          <a:bodyPr>
+          <a:bodyPr vert="horz" lIns="91440" tIns="45720" rIns="91440" bIns="45720" rtlCol="0">
             <a:normAutofit/>
           </a:bodyPr>
           <a:lstStyle/>
           <a:p>
             <a:r>
-              <a:rPr lang="en-GB" dirty="0"/>
-              <a:t>                             BOOK MANAGEMENT</a:t>
+              <a:rPr lang="en-US" sz="3200" b="1" spc="-100" dirty="0">
+                <a:latin typeface="Arial" panose="020B0604020202020204" pitchFamily="34" charset="0"/>
+                <a:cs typeface="Arial" panose="020B0604020202020204" pitchFamily="34" charset="0"/>
+              </a:rPr>
+              <a:t>                       APP DEPLOYMENT</a:t>
             </a:r>
           </a:p>
         </p:txBody>
       </p:sp>
       <p:sp>
         <p:nvSpPr>
-          <p:cNvPr id="12" name="Rectangle 11">
+          <p:cNvPr id="7" name="Rectangle 11">
             <a:extLst>
               <a:ext uri="{FF2B5EF4-FFF2-40B4-BE49-F238E27FC236}">
                 <a16:creationId xmlns:a16="http://schemas.microsoft.com/office/drawing/2014/main" id="{01014442-855A-4E0F-8D09-C314661A48B9}"/>
@@ -12399,7 +11641,7 @@
       </p:sp>
       <p:sp>
         <p:nvSpPr>
-          <p:cNvPr id="14" name="Rectangle 13">
+          <p:cNvPr id="9" name="Rectangle 13">
             <a:extLst>
               <a:ext uri="{FF2B5EF4-FFF2-40B4-BE49-F238E27FC236}">
                 <a16:creationId xmlns:a16="http://schemas.microsoft.com/office/drawing/2014/main" id="{9B1ABF09-86CF-414E-88A5-2B84CC7232A9}"/>
@@ -12456,7 +11698,7 @@
       </p:sp>
       <p:sp>
         <p:nvSpPr>
-          <p:cNvPr id="16" name="Rectangle 15">
+          <p:cNvPr id="11" name="Rectangle 15">
             <a:extLst>
               <a:ext uri="{FF2B5EF4-FFF2-40B4-BE49-F238E27FC236}">
                 <a16:creationId xmlns:a16="http://schemas.microsoft.com/office/drawing/2014/main" id="{3FE91770-CDBB-4D24-94E5-AD484F36CE87}"/>
@@ -12520,233 +11762,6 @@
           </a:p>
         </p:txBody>
       </p:sp>
-      <p:pic>
-        <p:nvPicPr>
-          <p:cNvPr id="4" name="Picture 4" descr="A screenshot of a cell phone&#10;&#10;Description generated with very high confidence">
-            <a:extLst>
-              <a:ext uri="{FF2B5EF4-FFF2-40B4-BE49-F238E27FC236}">
-                <a16:creationId xmlns:a16="http://schemas.microsoft.com/office/drawing/2014/main" id="{D49ED5C2-41AE-41B7-A101-E13361F6FAF6}"/>
-              </a:ext>
-            </a:extLst>
-          </p:cNvPr>
-          <p:cNvPicPr>
-            <a:picLocks noGrp="1" noChangeAspect="1"/>
-          </p:cNvPicPr>
-          <p:nvPr>
-            <p:ph idx="1"/>
-          </p:nvPr>
-        </p:nvPicPr>
-        <p:blipFill>
-          <a:blip r:embed="rId2"/>
-          <a:stretch>
-            <a:fillRect/>
-          </a:stretch>
-        </p:blipFill>
-        <p:spPr>
-          <a:xfrm>
-            <a:off x="2530" y="2406050"/>
-            <a:ext cx="12194311" cy="4445852"/>
-          </a:xfrm>
-        </p:spPr>
-      </p:pic>
-    </p:spTree>
-    <p:extLst>
-      <p:ext uri="{BB962C8B-B14F-4D97-AF65-F5344CB8AC3E}">
-        <p14:creationId xmlns:p14="http://schemas.microsoft.com/office/powerpoint/2010/main" val="1643236380"/>
-      </p:ext>
-    </p:extLst>
-  </p:cSld>
-  <p:clrMapOvr>
-    <a:masterClrMapping/>
-  </p:clrMapOvr>
-</p:sld>
-</file>
-
-<file path=ppt/slides/slide23.xml><?xml version="1.0" encoding="utf-8"?>
-<p:sld xmlns:a="http://schemas.openxmlformats.org/drawingml/2006/main" xmlns:r="http://schemas.openxmlformats.org/officeDocument/2006/relationships" xmlns:p="http://schemas.openxmlformats.org/presentationml/2006/main">
-  <p:cSld>
-    <p:bg>
-      <p:bgPr>
-        <a:solidFill>
-          <a:schemeClr val="bg1"/>
-        </a:solidFill>
-        <a:effectLst/>
-      </p:bgPr>
-    </p:bg>
-    <p:spTree>
-      <p:nvGrpSpPr>
-        <p:cNvPr id="1" name=""/>
-        <p:cNvGrpSpPr/>
-        <p:nvPr/>
-      </p:nvGrpSpPr>
-      <p:grpSpPr>
-        <a:xfrm>
-          <a:off x="0" y="0"/>
-          <a:ext cx="0" cy="0"/>
-          <a:chOff x="0" y="0"/>
-          <a:chExt cx="0" cy="0"/>
-        </a:xfrm>
-      </p:grpSpPr>
-      <p:sp>
-        <p:nvSpPr>
-          <p:cNvPr id="2" name="Title 1">
-            <a:extLst>
-              <a:ext uri="{FF2B5EF4-FFF2-40B4-BE49-F238E27FC236}">
-                <a16:creationId xmlns:a16="http://schemas.microsoft.com/office/drawing/2014/main" id="{A3D8773C-2C46-4FB5-B625-2900809E2707}"/>
-              </a:ext>
-            </a:extLst>
-          </p:cNvPr>
-          <p:cNvSpPr>
-            <a:spLocks noGrp="1"/>
-          </p:cNvSpPr>
-          <p:nvPr>
-            <p:ph type="title"/>
-          </p:nvPr>
-        </p:nvSpPr>
-        <p:spPr>
-          <a:xfrm>
-            <a:off x="-126609" y="-745588"/>
-            <a:ext cx="3545058" cy="5078437"/>
-          </a:xfrm>
-        </p:spPr>
-        <p:txBody>
-          <a:bodyPr vert="horz" lIns="91440" tIns="45720" rIns="91440" bIns="45720" rtlCol="0" anchor="b">
-            <a:normAutofit/>
-          </a:bodyPr>
-          <a:lstStyle/>
-          <a:p>
-            <a:pPr algn="ctr"/>
-            <a:r>
-              <a:rPr lang="en-US" sz="5900" b="1" spc="-100" dirty="0">
-                <a:solidFill>
-                  <a:schemeClr val="bg1"/>
-                </a:solidFill>
-              </a:rPr>
-              <a:t>WEB HOSTING</a:t>
-            </a:r>
-          </a:p>
-        </p:txBody>
-      </p:sp>
-      <p:pic>
-        <p:nvPicPr>
-          <p:cNvPr id="4" name="Picture 2" descr="Klarna signs deal with AWS | FinTech Alliance">
-            <a:extLst>
-              <a:ext uri="{FF2B5EF4-FFF2-40B4-BE49-F238E27FC236}">
-                <a16:creationId xmlns:a16="http://schemas.microsoft.com/office/drawing/2014/main" id="{2DE163E0-9E6E-42B2-84CB-5C0887C03451}"/>
-              </a:ext>
-            </a:extLst>
-          </p:cNvPr>
-          <p:cNvPicPr>
-            <a:picLocks noChangeAspect="1" noChangeArrowheads="1"/>
-          </p:cNvPicPr>
-          <p:nvPr/>
-        </p:nvPicPr>
-        <p:blipFill>
-          <a:blip r:embed="rId2">
-            <a:extLst>
-              <a:ext uri="{28A0092B-C50C-407E-A947-70E740481C1C}">
-                <a14:useLocalDpi xmlns:a14="http://schemas.microsoft.com/office/drawing/2010/main" val="0"/>
-              </a:ext>
-            </a:extLst>
-          </a:blip>
-          <a:srcRect/>
-          <a:stretch>
-            <a:fillRect/>
-          </a:stretch>
-        </p:blipFill>
-        <p:spPr bwMode="auto">
-          <a:xfrm>
-            <a:off x="4128306" y="1168763"/>
-            <a:ext cx="6771616" cy="4112742"/>
-          </a:xfrm>
-          <a:prstGeom prst="rect">
-            <a:avLst/>
-          </a:prstGeom>
-          <a:noFill/>
-          <a:extLst>
-            <a:ext uri="{909E8E84-426E-40DD-AFC4-6F175D3DCCD1}">
-              <a14:hiddenFill xmlns:a14="http://schemas.microsoft.com/office/drawing/2010/main">
-                <a:solidFill>
-                  <a:srgbClr val="FFFFFF"/>
-                </a:solidFill>
-              </a14:hiddenFill>
-            </a:ext>
-          </a:extLst>
-        </p:spPr>
-      </p:pic>
-    </p:spTree>
-    <p:extLst>
-      <p:ext uri="{BB962C8B-B14F-4D97-AF65-F5344CB8AC3E}">
-        <p14:creationId xmlns:p14="http://schemas.microsoft.com/office/powerpoint/2010/main" val="3437735645"/>
-      </p:ext>
-    </p:extLst>
-  </p:cSld>
-  <p:clrMapOvr>
-    <a:masterClrMapping/>
-  </p:clrMapOvr>
-</p:sld>
-</file>
-
-<file path=ppt/slides/slide24.xml><?xml version="1.0" encoding="utf-8"?>
-<p:sld xmlns:a="http://schemas.openxmlformats.org/drawingml/2006/main" xmlns:r="http://schemas.openxmlformats.org/officeDocument/2006/relationships" xmlns:p="http://schemas.openxmlformats.org/presentationml/2006/main">
-  <p:cSld>
-    <p:bg>
-      <p:bgPr>
-        <a:solidFill>
-          <a:schemeClr val="bg1"/>
-        </a:solidFill>
-        <a:effectLst/>
-      </p:bgPr>
-    </p:bg>
-    <p:spTree>
-      <p:nvGrpSpPr>
-        <p:cNvPr id="1" name=""/>
-        <p:cNvGrpSpPr/>
-        <p:nvPr/>
-      </p:nvGrpSpPr>
-      <p:grpSpPr>
-        <a:xfrm>
-          <a:off x="0" y="0"/>
-          <a:ext cx="0" cy="0"/>
-          <a:chOff x="0" y="0"/>
-          <a:chExt cx="0" cy="0"/>
-        </a:xfrm>
-      </p:grpSpPr>
-      <p:sp>
-        <p:nvSpPr>
-          <p:cNvPr id="2" name="Title 1">
-            <a:extLst>
-              <a:ext uri="{FF2B5EF4-FFF2-40B4-BE49-F238E27FC236}">
-                <a16:creationId xmlns:a16="http://schemas.microsoft.com/office/drawing/2014/main" id="{42CA5B38-EBAF-4C64-91A1-6E5300D607D5}"/>
-              </a:ext>
-            </a:extLst>
-          </p:cNvPr>
-          <p:cNvSpPr>
-            <a:spLocks noGrp="1"/>
-          </p:cNvSpPr>
-          <p:nvPr>
-            <p:ph type="title" idx="4294967295"/>
-          </p:nvPr>
-        </p:nvSpPr>
-        <p:spPr>
-          <a:xfrm>
-            <a:off x="0" y="1087438"/>
-            <a:ext cx="8983663" cy="1000125"/>
-          </a:xfrm>
-        </p:spPr>
-        <p:txBody>
-          <a:bodyPr vert="horz" lIns="91440" tIns="45720" rIns="91440" bIns="45720" rtlCol="0">
-            <a:normAutofit/>
-          </a:bodyPr>
-          <a:lstStyle/>
-          <a:p>
-            <a:r>
-              <a:rPr lang="en-US" b="1" spc="-100" dirty="0"/>
-              <a:t>                       APP DEPLOYMENT</a:t>
-            </a:r>
-          </a:p>
-        </p:txBody>
-      </p:sp>
       <p:sp>
         <p:nvSpPr>
           <p:cNvPr id="10" name="TextBox 9">
@@ -12761,8 +11776,8 @@
         </p:nvSpPr>
         <p:spPr>
           <a:xfrm>
-            <a:off x="1273834" y="2567797"/>
-            <a:ext cx="9888746" cy="523220"/>
+            <a:off x="1927273" y="2567798"/>
+            <a:ext cx="9425355" cy="3970318"/>
           </a:xfrm>
           <a:prstGeom prst="rect">
             <a:avLst/>
@@ -12781,526 +11796,140 @@
             <a:r>
               <a:rPr lang="en-GB" sz="2800" b="1" dirty="0">
                 <a:solidFill>
-                  <a:schemeClr val="accent1">
-                    <a:lumMod val="50000"/>
-                  </a:schemeClr>
+                  <a:srgbClr val="FF0000"/>
                 </a:solidFill>
+                <a:latin typeface="Arial" panose="020B0604020202020204" pitchFamily="34" charset="0"/>
+                <a:cs typeface="Arial" panose="020B0604020202020204" pitchFamily="34" charset="0"/>
               </a:rPr>
-              <a:t> </a:t>
-            </a:r>
-            <a:r>
-              <a:rPr lang="en-GB" dirty="0">
-                <a:solidFill>
-                  <a:schemeClr val="accent1">
-                    <a:lumMod val="50000"/>
-                  </a:schemeClr>
-                </a:solidFill>
-              </a:rPr>
-              <a:t>                                                    </a:t>
-            </a:r>
-            <a:endParaRPr lang="en-GB" dirty="0">
-              <a:solidFill>
-                <a:schemeClr val="accent1">
-                  <a:lumMod val="50000"/>
-                </a:schemeClr>
-              </a:solidFill>
-              <a:latin typeface="Arial"/>
-              <a:cs typeface="Arial"/>
-            </a:endParaRPr>
-          </a:p>
-        </p:txBody>
-      </p:sp>
-      <p:pic>
-        <p:nvPicPr>
-          <p:cNvPr id="12" name="Picture 11">
-            <a:extLst>
-              <a:ext uri="{FF2B5EF4-FFF2-40B4-BE49-F238E27FC236}">
-                <a16:creationId xmlns:a16="http://schemas.microsoft.com/office/drawing/2014/main" id="{C17E78FC-9122-4898-B238-1C9EACBA9EC7}"/>
-              </a:ext>
-            </a:extLst>
-          </p:cNvPr>
-          <p:cNvPicPr>
-            <a:picLocks noChangeAspect="1"/>
-          </p:cNvPicPr>
-          <p:nvPr/>
-        </p:nvPicPr>
-        <p:blipFill>
-          <a:blip r:embed="rId2"/>
-          <a:stretch>
-            <a:fillRect/>
-          </a:stretch>
-        </p:blipFill>
-        <p:spPr>
-          <a:xfrm>
-            <a:off x="2084511" y="881216"/>
-            <a:ext cx="8670134" cy="5041281"/>
-          </a:xfrm>
-          <a:prstGeom prst="rect">
-            <a:avLst/>
-          </a:prstGeom>
-        </p:spPr>
-      </p:pic>
-    </p:spTree>
-    <p:extLst>
-      <p:ext uri="{BB962C8B-B14F-4D97-AF65-F5344CB8AC3E}">
-        <p14:creationId xmlns:p14="http://schemas.microsoft.com/office/powerpoint/2010/main" val="2116854974"/>
-      </p:ext>
-    </p:extLst>
-  </p:cSld>
-  <p:clrMapOvr>
-    <a:masterClrMapping/>
-  </p:clrMapOvr>
-</p:sld>
-</file>
-
-<file path=ppt/slides/slide25.xml><?xml version="1.0" encoding="utf-8"?>
-<p:sld xmlns:a="http://schemas.openxmlformats.org/drawingml/2006/main" xmlns:r="http://schemas.openxmlformats.org/officeDocument/2006/relationships" xmlns:p="http://schemas.openxmlformats.org/presentationml/2006/main">
-  <p:cSld>
-    <p:bg>
-      <p:bgPr>
-        <a:solidFill>
-          <a:schemeClr val="bg1"/>
-        </a:solidFill>
-        <a:effectLst/>
-      </p:bgPr>
-    </p:bg>
-    <p:spTree>
-      <p:nvGrpSpPr>
-        <p:cNvPr id="1" name=""/>
-        <p:cNvGrpSpPr/>
-        <p:nvPr/>
-      </p:nvGrpSpPr>
-      <p:grpSpPr>
-        <a:xfrm>
-          <a:off x="0" y="0"/>
-          <a:ext cx="0" cy="0"/>
-          <a:chOff x="0" y="0"/>
-          <a:chExt cx="0" cy="0"/>
-        </a:xfrm>
-      </p:grpSpPr>
-      <p:sp useBgFill="1">
-        <p:nvSpPr>
-          <p:cNvPr id="5" name="Rectangle 7">
-            <a:extLst>
-              <a:ext uri="{FF2B5EF4-FFF2-40B4-BE49-F238E27FC236}">
-                <a16:creationId xmlns:a16="http://schemas.microsoft.com/office/drawing/2014/main" id="{29DC5A77-10C9-4ECF-B7EB-8D917F36A9EE}"/>
-              </a:ext>
-              <a:ext uri="{C183D7F6-B498-43B3-948B-1728B52AA6E4}">
-                <adec:decorative xmlns:adec="http://schemas.microsoft.com/office/drawing/2017/decorative" val="1"/>
-              </a:ext>
-            </a:extLst>
-          </p:cNvPr>
-          <p:cNvSpPr>
-            <a:spLocks noGrp="1" noRot="1" noChangeAspect="1" noMove="1" noResize="1" noEditPoints="1" noAdjustHandles="1" noChangeArrowheads="1" noChangeShapeType="1" noTextEdit="1"/>
-          </p:cNvSpPr>
-          <p:nvPr>
-            <p:extLst>
-              <p:ext uri="{386F3935-93C4-4BCD-93E2-E3B085C9AB24}">
-                <p16:designElem xmlns:p16="http://schemas.microsoft.com/office/powerpoint/2015/main" val="1"/>
-              </p:ext>
-            </p:extLst>
-          </p:nvPr>
-        </p:nvSpPr>
-        <p:spPr>
-          <a:xfrm>
-            <a:off x="0" y="0"/>
-            <a:ext cx="12192000" cy="6858000"/>
-          </a:xfrm>
-          <a:prstGeom prst="rect">
-            <a:avLst/>
-          </a:prstGeom>
-          <a:ln>
-            <a:noFill/>
-          </a:ln>
-        </p:spPr>
-        <p:style>
-          <a:lnRef idx="2">
-            <a:schemeClr val="accent1">
-              <a:shade val="50000"/>
-            </a:schemeClr>
-          </a:lnRef>
-          <a:fillRef idx="1">
-            <a:schemeClr val="accent1"/>
-          </a:fillRef>
-          <a:effectRef idx="0">
-            <a:schemeClr val="accent1"/>
-          </a:effectRef>
-          <a:fontRef idx="minor">
-            <a:schemeClr val="lt1"/>
-          </a:fontRef>
-        </p:style>
-        <p:txBody>
-          <a:bodyPr rtlCol="0" anchor="ctr"/>
-          <a:lstStyle/>
-          <a:p>
-            <a:pPr algn="ctr"/>
-            <a:endParaRPr lang="en-US"/>
-          </a:p>
-        </p:txBody>
-      </p:sp>
-      <p:sp>
-        <p:nvSpPr>
-          <p:cNvPr id="6" name="Rectangle 9">
-            <a:extLst>
-              <a:ext uri="{FF2B5EF4-FFF2-40B4-BE49-F238E27FC236}">
-                <a16:creationId xmlns:a16="http://schemas.microsoft.com/office/drawing/2014/main" id="{2FFE28B5-FB16-49A9-B851-3C35FAC0CACB}"/>
-              </a:ext>
-              <a:ext uri="{C183D7F6-B498-43B3-948B-1728B52AA6E4}">
-                <adec:decorative xmlns:adec="http://schemas.microsoft.com/office/drawing/2017/decorative" val="1"/>
-              </a:ext>
-            </a:extLst>
-          </p:cNvPr>
-          <p:cNvSpPr>
-            <a:spLocks noGrp="1" noRot="1" noChangeAspect="1" noMove="1" noResize="1" noEditPoints="1" noAdjustHandles="1" noChangeArrowheads="1" noChangeShapeType="1" noTextEdit="1"/>
-          </p:cNvSpPr>
-          <p:nvPr>
-            <p:extLst>
-              <p:ext uri="{386F3935-93C4-4BCD-93E2-E3B085C9AB24}">
-                <p16:designElem xmlns:p16="http://schemas.microsoft.com/office/powerpoint/2015/main" val="1"/>
-              </p:ext>
-            </p:extLst>
-          </p:nvPr>
-        </p:nvSpPr>
-        <p:spPr>
-          <a:xfrm>
-            <a:off x="1" y="758952"/>
-            <a:ext cx="10905976" cy="1651133"/>
-          </a:xfrm>
-          <a:prstGeom prst="rect">
-            <a:avLst/>
-          </a:prstGeom>
-          <a:solidFill>
-            <a:schemeClr val="accent1"/>
-          </a:solidFill>
-          <a:ln>
-            <a:noFill/>
-          </a:ln>
-        </p:spPr>
-        <p:style>
-          <a:lnRef idx="2">
-            <a:schemeClr val="accent1">
-              <a:shade val="50000"/>
-            </a:schemeClr>
-          </a:lnRef>
-          <a:fillRef idx="1">
-            <a:schemeClr val="accent1"/>
-          </a:fillRef>
-          <a:effectRef idx="0">
-            <a:schemeClr val="accent1"/>
-          </a:effectRef>
-          <a:fontRef idx="minor">
-            <a:schemeClr val="lt1"/>
-          </a:fontRef>
-        </p:style>
-        <p:txBody>
-          <a:bodyPr/>
-          <a:lstStyle/>
-          <a:p>
-            <a:endParaRPr lang="en-US" dirty="0"/>
-          </a:p>
-        </p:txBody>
-      </p:sp>
-      <p:sp>
-        <p:nvSpPr>
-          <p:cNvPr id="2" name="Title 1">
-            <a:extLst>
-              <a:ext uri="{FF2B5EF4-FFF2-40B4-BE49-F238E27FC236}">
-                <a16:creationId xmlns:a16="http://schemas.microsoft.com/office/drawing/2014/main" id="{42CA5B38-EBAF-4C64-91A1-6E5300D607D5}"/>
-              </a:ext>
-            </a:extLst>
-          </p:cNvPr>
-          <p:cNvSpPr>
-            <a:spLocks noGrp="1"/>
-          </p:cNvSpPr>
-          <p:nvPr>
-            <p:ph type="title"/>
-          </p:nvPr>
-        </p:nvSpPr>
-        <p:spPr>
-          <a:xfrm>
-            <a:off x="1600754" y="1087374"/>
-            <a:ext cx="8983489" cy="1000978"/>
-          </a:xfrm>
-        </p:spPr>
-        <p:txBody>
-          <a:bodyPr vert="horz" lIns="91440" tIns="45720" rIns="91440" bIns="45720" rtlCol="0">
-            <a:normAutofit/>
-          </a:bodyPr>
-          <a:lstStyle/>
-          <a:p>
-            <a:r>
-              <a:rPr lang="en-US" b="1" spc="-100" dirty="0"/>
-              <a:t>                       APP DEPLOYMENT</a:t>
-            </a:r>
-          </a:p>
-        </p:txBody>
-      </p:sp>
-      <p:sp>
-        <p:nvSpPr>
-          <p:cNvPr id="7" name="Rectangle 11">
-            <a:extLst>
-              <a:ext uri="{FF2B5EF4-FFF2-40B4-BE49-F238E27FC236}">
-                <a16:creationId xmlns:a16="http://schemas.microsoft.com/office/drawing/2014/main" id="{01014442-855A-4E0F-8D09-C314661A48B9}"/>
-              </a:ext>
-              <a:ext uri="{C183D7F6-B498-43B3-948B-1728B52AA6E4}">
-                <adec:decorative xmlns:adec="http://schemas.microsoft.com/office/drawing/2017/decorative" val="1"/>
-              </a:ext>
-            </a:extLst>
-          </p:cNvPr>
-          <p:cNvSpPr>
-            <a:spLocks noGrp="1" noRot="1" noChangeAspect="1" noMove="1" noResize="1" noEditPoints="1" noAdjustHandles="1" noChangeArrowheads="1" noChangeShapeType="1" noTextEdit="1"/>
-          </p:cNvSpPr>
-          <p:nvPr>
-            <p:extLst>
-              <p:ext uri="{386F3935-93C4-4BCD-93E2-E3B085C9AB24}">
-                <p16:designElem xmlns:p16="http://schemas.microsoft.com/office/powerpoint/2015/main" val="1"/>
-              </p:ext>
-            </p:extLst>
-          </p:nvPr>
-        </p:nvSpPr>
-        <p:spPr>
-          <a:xfrm>
-            <a:off x="11014533" y="758952"/>
-            <a:ext cx="1185379" cy="1651133"/>
-          </a:xfrm>
-          <a:prstGeom prst="rect">
-            <a:avLst/>
-          </a:prstGeom>
-          <a:solidFill>
-            <a:srgbClr val="C8C8C8">
-              <a:alpha val="49804"/>
-            </a:srgbClr>
-          </a:solidFill>
-          <a:ln>
-            <a:noFill/>
-          </a:ln>
-        </p:spPr>
-        <p:style>
-          <a:lnRef idx="2">
-            <a:schemeClr val="accent1">
-              <a:shade val="50000"/>
-            </a:schemeClr>
-          </a:lnRef>
-          <a:fillRef idx="1">
-            <a:schemeClr val="accent1"/>
-          </a:fillRef>
-          <a:effectRef idx="0">
-            <a:schemeClr val="accent1"/>
-          </a:effectRef>
-          <a:fontRef idx="minor">
-            <a:schemeClr val="lt1"/>
-          </a:fontRef>
-        </p:style>
-      </p:sp>
-      <p:sp>
-        <p:nvSpPr>
-          <p:cNvPr id="9" name="Rectangle 13">
-            <a:extLst>
-              <a:ext uri="{FF2B5EF4-FFF2-40B4-BE49-F238E27FC236}">
-                <a16:creationId xmlns:a16="http://schemas.microsoft.com/office/drawing/2014/main" id="{9B1ABF09-86CF-414E-88A5-2B84CC7232A9}"/>
-              </a:ext>
-              <a:ext uri="{C183D7F6-B498-43B3-948B-1728B52AA6E4}">
-                <adec:decorative xmlns:adec="http://schemas.microsoft.com/office/drawing/2017/decorative" val="1"/>
-              </a:ext>
-            </a:extLst>
-          </p:cNvPr>
-          <p:cNvSpPr>
-            <a:spLocks noGrp="1" noRot="1" noChangeAspect="1" noMove="1" noResize="1" noEditPoints="1" noAdjustHandles="1" noChangeArrowheads="1" noChangeShapeType="1" noTextEdit="1"/>
-          </p:cNvSpPr>
-          <p:nvPr>
-            <p:extLst>
-              <p:ext uri="{386F3935-93C4-4BCD-93E2-E3B085C9AB24}">
-                <p16:designElem xmlns:p16="http://schemas.microsoft.com/office/powerpoint/2015/main" val="1"/>
-              </p:ext>
-            </p:extLst>
-          </p:nvPr>
-        </p:nvSpPr>
-        <p:spPr>
-          <a:xfrm>
-            <a:off x="763" y="2526526"/>
-            <a:ext cx="1169701" cy="3563378"/>
-          </a:xfrm>
-          <a:prstGeom prst="rect">
-            <a:avLst/>
-          </a:prstGeom>
-          <a:solidFill>
-            <a:srgbClr val="C8C8C8">
-              <a:alpha val="49804"/>
-            </a:srgbClr>
-          </a:solidFill>
-          <a:ln>
-            <a:noFill/>
-          </a:ln>
-        </p:spPr>
-        <p:style>
-          <a:lnRef idx="2">
-            <a:schemeClr val="accent1">
-              <a:shade val="50000"/>
-            </a:schemeClr>
-          </a:lnRef>
-          <a:fillRef idx="1">
-            <a:schemeClr val="accent1"/>
-          </a:fillRef>
-          <a:effectRef idx="0">
-            <a:schemeClr val="accent1"/>
-          </a:effectRef>
-          <a:fontRef idx="minor">
-            <a:schemeClr val="lt1"/>
-          </a:fontRef>
-        </p:style>
-      </p:sp>
-      <p:sp>
-        <p:nvSpPr>
-          <p:cNvPr id="11" name="Rectangle 15">
-            <a:extLst>
-              <a:ext uri="{FF2B5EF4-FFF2-40B4-BE49-F238E27FC236}">
-                <a16:creationId xmlns:a16="http://schemas.microsoft.com/office/drawing/2014/main" id="{3FE91770-CDBB-4D24-94E5-AD484F36CE87}"/>
-              </a:ext>
-              <a:ext uri="{C183D7F6-B498-43B3-948B-1728B52AA6E4}">
-                <adec:decorative xmlns:adec="http://schemas.microsoft.com/office/drawing/2017/decorative" val="1"/>
-              </a:ext>
-            </a:extLst>
-          </p:cNvPr>
-          <p:cNvSpPr>
-            <a:spLocks noGrp="1" noRot="1" noChangeAspect="1" noMove="1" noResize="1" noEditPoints="1" noAdjustHandles="1" noChangeArrowheads="1" noChangeShapeType="1" noTextEdit="1"/>
-          </p:cNvSpPr>
-          <p:nvPr>
-            <p:extLst>
-              <p:ext uri="{386F3935-93C4-4BCD-93E2-E3B085C9AB24}">
-                <p16:designElem xmlns:p16="http://schemas.microsoft.com/office/powerpoint/2015/main" val="1"/>
-              </p:ext>
-            </p:extLst>
-          </p:nvPr>
-        </p:nvSpPr>
-        <p:spPr>
-          <a:xfrm>
-            <a:off x="1279019" y="2526526"/>
-            <a:ext cx="10920893" cy="3563377"/>
-          </a:xfrm>
-          <a:prstGeom prst="rect">
-            <a:avLst/>
-          </a:prstGeom>
-          <a:solidFill>
-            <a:schemeClr val="bg2">
-              <a:lumMod val="60000"/>
-              <a:lumOff val="40000"/>
-              <a:alpha val="60000"/>
-            </a:schemeClr>
-          </a:solidFill>
-          <a:ln>
-            <a:noFill/>
-          </a:ln>
-        </p:spPr>
-        <p:style>
-          <a:lnRef idx="2">
-            <a:schemeClr val="accent1">
-              <a:shade val="50000"/>
-            </a:schemeClr>
-          </a:lnRef>
-          <a:fillRef idx="1">
-            <a:schemeClr val="accent1"/>
-          </a:fillRef>
-          <a:effectRef idx="0">
-            <a:schemeClr val="accent1"/>
-          </a:effectRef>
-          <a:fontRef idx="minor">
-            <a:schemeClr val="lt1"/>
-          </a:fontRef>
-        </p:style>
-        <p:txBody>
-          <a:bodyPr/>
-          <a:lstStyle/>
-          <a:p>
-            <a:endParaRPr lang="en-US" dirty="0"/>
-          </a:p>
-        </p:txBody>
-      </p:sp>
-      <p:sp>
-        <p:nvSpPr>
-          <p:cNvPr id="10" name="TextBox 9">
-            <a:extLst>
-              <a:ext uri="{FF2B5EF4-FFF2-40B4-BE49-F238E27FC236}">
-                <a16:creationId xmlns:a16="http://schemas.microsoft.com/office/drawing/2014/main" id="{E7E1857B-DD12-4EAA-A375-66DFDDF0CACF}"/>
-              </a:ext>
-            </a:extLst>
-          </p:cNvPr>
-          <p:cNvSpPr txBox="1"/>
-          <p:nvPr/>
-        </p:nvSpPr>
-        <p:spPr>
-          <a:xfrm>
-            <a:off x="1927273" y="2567798"/>
-            <a:ext cx="9425355" cy="3416320"/>
-          </a:xfrm>
-          <a:prstGeom prst="rect">
-            <a:avLst/>
-          </a:prstGeom>
-          <a:noFill/>
-        </p:spPr>
-        <p:txBody>
-          <a:bodyPr rot="0" spcFirstLastPara="0" vertOverflow="overflow" horzOverflow="overflow" vert="horz" wrap="square" lIns="91440" tIns="45720" rIns="91440" bIns="45720" numCol="1" spcCol="0" rtlCol="0" fromWordArt="0" anchor="t" anchorCtr="0" forceAA="0" compatLnSpc="1">
-            <a:prstTxWarp prst="textNoShape">
-              <a:avLst/>
-            </a:prstTxWarp>
-            <a:spAutoFit/>
-          </a:bodyPr>
-          <a:lstStyle/>
-          <a:p>
-            <a:r>
-              <a:rPr lang="en-GB" sz="3600" b="1" dirty="0">
+              <a:t>AMAZON  ELB ( Elastic Load Balancing ) :</a:t>
+            </a:r>
+          </a:p>
+          <a:p>
+            <a:r>
+              <a:rPr lang="en-GB" sz="2800" b="1" dirty="0">
                 <a:solidFill>
                   <a:srgbClr val="FF0000"/>
                 </a:solidFill>
+                <a:latin typeface="Arial" panose="020B0604020202020204" pitchFamily="34" charset="0"/>
+                <a:cs typeface="Arial" panose="020B0604020202020204" pitchFamily="34" charset="0"/>
               </a:rPr>
-              <a:t>AMAZON  ELB ( Elastic Load Balancing ) :</a:t>
-            </a:r>
-          </a:p>
-          <a:p>
-            <a:r>
-              <a:rPr lang="en-GB" sz="3600" b="1" dirty="0">
+              <a:t>                 </a:t>
+            </a:r>
+          </a:p>
+          <a:p>
+            <a:r>
+              <a:rPr lang="en-GB" sz="2800" b="1" dirty="0">
                 <a:solidFill>
                   <a:srgbClr val="FF0000"/>
                 </a:solidFill>
+                <a:latin typeface="Arial" panose="020B0604020202020204" pitchFamily="34" charset="0"/>
+                <a:cs typeface="Arial" panose="020B0604020202020204" pitchFamily="34" charset="0"/>
               </a:rPr>
-              <a:t>                 </a:t>
-            </a:r>
-            <a:r>
-              <a:rPr lang="en-GB" sz="3600" b="1" dirty="0"/>
-              <a:t>For Consistence Application Performance</a:t>
-            </a:r>
-          </a:p>
-          <a:p>
-            <a:r>
-              <a:rPr lang="en-GB" sz="3600" b="1" dirty="0">
+              <a:t>              </a:t>
+            </a:r>
+            <a:r>
+              <a:rPr lang="en-GB" sz="2000" b="1" dirty="0">
                 <a:solidFill>
                   <a:srgbClr val="FF0000"/>
                 </a:solidFill>
+                <a:latin typeface="Arial" panose="020B0604020202020204" pitchFamily="34" charset="0"/>
+                <a:cs typeface="Arial" panose="020B0604020202020204" pitchFamily="34" charset="0"/>
               </a:rPr>
-              <a:t>EC2   :                     </a:t>
-            </a:r>
-            <a:r>
-              <a:rPr lang="en-GB" sz="3600" b="1" dirty="0"/>
-              <a:t>Virtual Server</a:t>
-            </a:r>
-          </a:p>
-          <a:p>
-            <a:r>
-              <a:rPr lang="en-GB" sz="3600" b="1" dirty="0">
+              <a:t> </a:t>
+            </a:r>
+            <a:r>
+              <a:rPr lang="en-GB" sz="2000" b="1" dirty="0">
+                <a:latin typeface="Arial" panose="020B0604020202020204" pitchFamily="34" charset="0"/>
+                <a:cs typeface="Arial" panose="020B0604020202020204" pitchFamily="34" charset="0"/>
+              </a:rPr>
+              <a:t>For Consistence Application Performance</a:t>
+            </a:r>
+          </a:p>
+          <a:p>
+            <a:endParaRPr lang="en-GB" sz="3200" b="1" dirty="0">
+              <a:solidFill>
+                <a:srgbClr val="FF0000"/>
+              </a:solidFill>
+              <a:latin typeface="Arial" panose="020B0604020202020204" pitchFamily="34" charset="0"/>
+              <a:cs typeface="Arial" panose="020B0604020202020204" pitchFamily="34" charset="0"/>
+            </a:endParaRPr>
+          </a:p>
+          <a:p>
+            <a:r>
+              <a:rPr lang="en-GB" sz="2800" b="1" dirty="0">
                 <a:solidFill>
                   <a:srgbClr val="FF0000"/>
                 </a:solidFill>
+                <a:latin typeface="Arial" panose="020B0604020202020204" pitchFamily="34" charset="0"/>
+                <a:cs typeface="Arial" panose="020B0604020202020204" pitchFamily="34" charset="0"/>
+              </a:rPr>
+              <a:t>EC2</a:t>
+            </a:r>
+            <a:r>
+              <a:rPr lang="en-GB" sz="3200" b="1" dirty="0">
+                <a:solidFill>
+                  <a:srgbClr val="FF0000"/>
+                </a:solidFill>
+                <a:latin typeface="Arial" panose="020B0604020202020204" pitchFamily="34" charset="0"/>
+                <a:cs typeface="Arial" panose="020B0604020202020204" pitchFamily="34" charset="0"/>
+              </a:rPr>
+              <a:t>   </a:t>
+            </a:r>
+            <a:r>
+              <a:rPr lang="en-GB" sz="2800" b="1" dirty="0">
+                <a:solidFill>
+                  <a:srgbClr val="FF0000"/>
+                </a:solidFill>
+                <a:latin typeface="Arial" panose="020B0604020202020204" pitchFamily="34" charset="0"/>
+                <a:cs typeface="Arial" panose="020B0604020202020204" pitchFamily="34" charset="0"/>
+              </a:rPr>
+              <a:t>:</a:t>
+            </a:r>
+            <a:r>
+              <a:rPr lang="en-GB" sz="3200" b="1" dirty="0">
+                <a:solidFill>
+                  <a:srgbClr val="FF0000"/>
+                </a:solidFill>
+                <a:latin typeface="Arial" panose="020B0604020202020204" pitchFamily="34" charset="0"/>
+                <a:cs typeface="Arial" panose="020B0604020202020204" pitchFamily="34" charset="0"/>
+              </a:rPr>
+              <a:t>  </a:t>
+            </a:r>
+            <a:r>
+              <a:rPr lang="en-GB" sz="2000" b="1" dirty="0">
+                <a:latin typeface="Arial" panose="020B0604020202020204" pitchFamily="34" charset="0"/>
+                <a:cs typeface="Arial" panose="020B0604020202020204" pitchFamily="34" charset="0"/>
+              </a:rPr>
+              <a:t>Virtual Server</a:t>
+            </a:r>
+          </a:p>
+          <a:p>
+            <a:endParaRPr lang="en-GB" sz="3200" b="1" dirty="0">
+              <a:solidFill>
+                <a:srgbClr val="FF0000"/>
+              </a:solidFill>
+              <a:latin typeface="Arial" panose="020B0604020202020204" pitchFamily="34" charset="0"/>
+              <a:cs typeface="Arial" panose="020B0604020202020204" pitchFamily="34" charset="0"/>
+            </a:endParaRPr>
+          </a:p>
+          <a:p>
+            <a:r>
+              <a:rPr lang="en-GB" sz="2800" b="1" dirty="0">
+                <a:solidFill>
+                  <a:srgbClr val="FF0000"/>
+                </a:solidFill>
+                <a:latin typeface="Arial" panose="020B0604020202020204" pitchFamily="34" charset="0"/>
+                <a:cs typeface="Arial" panose="020B0604020202020204" pitchFamily="34" charset="0"/>
               </a:rPr>
               <a:t>Available Zone: </a:t>
             </a:r>
             <a:r>
-              <a:rPr lang="en-GB" sz="3600" b="1" dirty="0"/>
-              <a:t>Data </a:t>
-            </a:r>
-            <a:r>
-              <a:rPr lang="en-GB" sz="3600" b="1" dirty="0" err="1"/>
-              <a:t>Center</a:t>
-            </a:r>
-            <a:endParaRPr lang="en-GB" sz="3600" b="1" dirty="0"/>
+              <a:rPr lang="en-GB" sz="2000" b="1" dirty="0">
+                <a:latin typeface="Arial" panose="020B0604020202020204" pitchFamily="34" charset="0"/>
+                <a:cs typeface="Arial" panose="020B0604020202020204" pitchFamily="34" charset="0"/>
+              </a:rPr>
+              <a:t>Data Centre</a:t>
+            </a:r>
           </a:p>
           <a:p>
             <a:r>
@@ -13327,7 +11956,7 @@
 </p:sld>
 </file>
 
-<file path=ppt/slides/slide26.xml><?xml version="1.0" encoding="utf-8"?>
+<file path=ppt/slides/slide23.xml><?xml version="1.0" encoding="utf-8"?>
 <p:sld xmlns:a="http://schemas.openxmlformats.org/drawingml/2006/main" xmlns:r="http://schemas.openxmlformats.org/officeDocument/2006/relationships" xmlns:p="http://schemas.openxmlformats.org/presentationml/2006/main">
   <p:cSld>
     <p:spTree>
@@ -13387,7 +12016,7 @@
 </p:sld>
 </file>
 
-<file path=ppt/slides/slide27.xml><?xml version="1.0" encoding="utf-8"?>
+<file path=ppt/slides/slide24.xml><?xml version="1.0" encoding="utf-8"?>
 <p:sld xmlns:a="http://schemas.openxmlformats.org/drawingml/2006/main" xmlns:r="http://schemas.openxmlformats.org/officeDocument/2006/relationships" xmlns:p="http://schemas.openxmlformats.org/presentationml/2006/main">
   <p:cSld>
     <p:spTree>
@@ -13678,22 +12307,26 @@
         </p:spPr>
         <p:txBody>
           <a:bodyPr vert="horz" lIns="91440" tIns="45720" rIns="91440" bIns="45720" rtlCol="0">
-            <a:normAutofit/>
+            <a:noAutofit/>
           </a:bodyPr>
           <a:lstStyle/>
           <a:p>
             <a:r>
-              <a:rPr lang="en-US" b="1" spc="-100" dirty="0">
+              <a:rPr lang="en-US" sz="3200" b="1" spc="-100" dirty="0">
                 <a:solidFill>
                   <a:schemeClr val="bg1"/>
                 </a:solidFill>
+                <a:latin typeface="Arial" panose="020B0604020202020204" pitchFamily="34" charset="0"/>
+                <a:cs typeface="Arial" panose="020B0604020202020204" pitchFamily="34" charset="0"/>
               </a:rPr>
               <a:t>               Model  -   View  -  Controller</a:t>
             </a:r>
-            <a:endParaRPr lang="en-US" dirty="0">
+            <a:endParaRPr lang="en-US" sz="3200" dirty="0">
               <a:solidFill>
                 <a:schemeClr val="bg1"/>
               </a:solidFill>
+              <a:latin typeface="Arial" panose="020B0604020202020204" pitchFamily="34" charset="0"/>
+              <a:cs typeface="Arial" panose="020B0604020202020204" pitchFamily="34" charset="0"/>
             </a:endParaRPr>
           </a:p>
         </p:txBody>
@@ -13893,7 +12526,7 @@
         <p:spPr>
           <a:xfrm>
             <a:off x="2136321" y="2780632"/>
-            <a:ext cx="8738558" cy="5139869"/>
+            <a:ext cx="8738558" cy="4339650"/>
           </a:xfrm>
           <a:prstGeom prst="rect">
             <a:avLst/>
@@ -13920,7 +12553,7 @@
               <a:t>Model :   </a:t>
             </a:r>
             <a:r>
-              <a:rPr lang="en-GB" sz="2800" b="1" dirty="0">
+              <a:rPr lang="en-GB" sz="2400" b="1" dirty="0">
                 <a:latin typeface="Arial"/>
                 <a:cs typeface="Arial"/>
               </a:rPr>
@@ -13965,12 +12598,24 @@
                 <a:latin typeface="Arial"/>
                 <a:cs typeface="Arial"/>
               </a:rPr>
-              <a:t> - Managing Relationship between data.</a:t>
+              <a:t> </a:t>
+            </a:r>
+            <a:r>
+              <a:rPr lang="en-GB" sz="2000" b="1" dirty="0">
+                <a:solidFill>
+                  <a:schemeClr val="accent1">
+                    <a:lumMod val="50000"/>
+                  </a:schemeClr>
+                </a:solidFill>
+                <a:latin typeface="Arial"/>
+                <a:cs typeface="Arial"/>
+              </a:rPr>
+              <a:t>- Managing Relationship between data.</a:t>
             </a:r>
           </a:p>
           <a:p>
             <a:pPr lvl="3"/>
-            <a:endParaRPr lang="en-GB" sz="2800" b="1" dirty="0">
+            <a:endParaRPr lang="en-GB" sz="2000" b="1" dirty="0">
               <a:solidFill>
                 <a:schemeClr val="accent1">
                   <a:lumMod val="50000"/>
@@ -13982,6 +12627,48 @@
           </a:p>
           <a:p>
             <a:pPr lvl="3"/>
+            <a:r>
+              <a:rPr lang="en-GB" sz="2000" b="1" dirty="0">
+                <a:solidFill>
+                  <a:schemeClr val="accent1">
+                    <a:lumMod val="50000"/>
+                  </a:schemeClr>
+                </a:solidFill>
+                <a:latin typeface="Arial"/>
+                <a:cs typeface="Arial"/>
+              </a:rPr>
+              <a:t> - Schema Validation</a:t>
+            </a:r>
+          </a:p>
+          <a:p>
+            <a:pPr lvl="3"/>
+            <a:r>
+              <a:rPr lang="en-GB" sz="2000" b="1" dirty="0">
+                <a:solidFill>
+                  <a:schemeClr val="accent1">
+                    <a:lumMod val="50000"/>
+                  </a:schemeClr>
+                </a:solidFill>
+                <a:latin typeface="Arial"/>
+                <a:cs typeface="Arial"/>
+              </a:rPr>
+              <a:t> </a:t>
+            </a:r>
+          </a:p>
+          <a:p>
+            <a:pPr lvl="3"/>
+            <a:r>
+              <a:rPr lang="en-GB" sz="2000" b="1" dirty="0">
+                <a:solidFill>
+                  <a:schemeClr val="accent1">
+                    <a:lumMod val="50000"/>
+                  </a:schemeClr>
+                </a:solidFill>
+                <a:latin typeface="Arial"/>
+                <a:cs typeface="Arial"/>
+              </a:rPr>
+              <a:t> - Object representation in MongoDB.</a:t>
+            </a:r>
             <a:r>
               <a:rPr lang="en-GB" sz="2800" b="1" dirty="0">
                 <a:solidFill>
@@ -13992,37 +12679,7 @@
                 <a:latin typeface="Arial"/>
                 <a:cs typeface="Arial"/>
               </a:rPr>
-              <a:t> - Schema Validation</a:t>
-            </a:r>
-          </a:p>
-          <a:p>
-            <a:pPr lvl="3"/>
-            <a:r>
-              <a:rPr lang="en-GB" sz="2800" b="1" dirty="0">
-                <a:solidFill>
-                  <a:schemeClr val="accent1">
-                    <a:lumMod val="50000"/>
-                  </a:schemeClr>
-                </a:solidFill>
-                <a:latin typeface="Arial"/>
-                <a:cs typeface="Arial"/>
-              </a:rPr>
-              <a:t> </a:t>
-            </a:r>
-          </a:p>
-          <a:p>
-            <a:pPr lvl="3"/>
-            <a:r>
-              <a:rPr lang="en-GB" sz="2800" b="1" dirty="0">
-                <a:solidFill>
-                  <a:schemeClr val="accent1">
-                    <a:lumMod val="50000"/>
-                  </a:schemeClr>
-                </a:solidFill>
-                <a:latin typeface="Arial"/>
-                <a:cs typeface="Arial"/>
-              </a:rPr>
-              <a:t> - Object representation in MongoDB.	   	                        </a:t>
+              <a:t>	   	                        </a:t>
             </a:r>
           </a:p>
           <a:p>
@@ -14272,12 +12929,24 @@
                   <a:schemeClr val="bg1"/>
                 </a:solidFill>
               </a:rPr>
-              <a:t>        Model  -   View  -  Controller</a:t>
-            </a:r>
-            <a:endParaRPr lang="en-US" dirty="0">
+              <a:t>                 </a:t>
+            </a:r>
+            <a:r>
+              <a:rPr lang="en-US" sz="3200" b="1" spc="-100" dirty="0">
+                <a:solidFill>
+                  <a:schemeClr val="bg1"/>
+                </a:solidFill>
+                <a:latin typeface="Arial" panose="020B0604020202020204" pitchFamily="34" charset="0"/>
+                <a:cs typeface="Arial" panose="020B0604020202020204" pitchFamily="34" charset="0"/>
+              </a:rPr>
+              <a:t>Model  -   View  -  Controller</a:t>
+            </a:r>
+            <a:endParaRPr lang="en-US" sz="3200" dirty="0">
               <a:solidFill>
                 <a:schemeClr val="bg1"/>
               </a:solidFill>
+              <a:latin typeface="Arial" panose="020B0604020202020204" pitchFamily="34" charset="0"/>
+              <a:cs typeface="Arial" panose="020B0604020202020204" pitchFamily="34" charset="0"/>
             </a:endParaRPr>
           </a:p>
         </p:txBody>
@@ -14477,7 +13146,7 @@
         <p:spPr>
           <a:xfrm>
             <a:off x="2136321" y="2780632"/>
-            <a:ext cx="8738558" cy="4708981"/>
+            <a:ext cx="8738558" cy="4339650"/>
           </a:xfrm>
           <a:prstGeom prst="rect">
             <a:avLst/>
@@ -14516,23 +13185,12 @@
               <a:t>  </a:t>
             </a:r>
             <a:r>
-              <a:rPr lang="en-GB" sz="2800" b="1" dirty="0">
+              <a:rPr lang="en-GB" sz="2400" b="1" dirty="0">
                 <a:latin typeface="Arial"/>
                 <a:cs typeface="Arial"/>
               </a:rPr>
-              <a:t>HTML, CSS, </a:t>
-            </a:r>
-            <a:r>
-              <a:rPr lang="en-GB" sz="2800" b="1" dirty="0" err="1">
-                <a:latin typeface="Arial"/>
-                <a:cs typeface="Arial"/>
-              </a:rPr>
-              <a:t>BootStrap</a:t>
-            </a:r>
-            <a:endParaRPr lang="en-GB" sz="2800" b="1" dirty="0">
-              <a:latin typeface="Arial"/>
-              <a:cs typeface="Arial"/>
-            </a:endParaRPr>
+              <a:t>HTML, CSS, Boot Strap</a:t>
+            </a:r>
           </a:p>
           <a:p>
             <a:r>
@@ -14550,7 +13208,7 @@
           </a:p>
           <a:p>
             <a:r>
-              <a:rPr lang="en-GB" sz="2800" b="1" dirty="0">
+              <a:rPr lang="en-GB" sz="2000" b="1" dirty="0">
                 <a:solidFill>
                   <a:schemeClr val="accent1">
                     <a:lumMod val="50000"/>
@@ -14564,7 +13222,7 @@
           </a:p>
           <a:p>
             <a:r>
-              <a:rPr lang="en-GB" sz="2800" b="1" dirty="0">
+              <a:rPr lang="en-GB" sz="2000" b="1" dirty="0">
                 <a:solidFill>
                   <a:schemeClr val="accent1">
                     <a:lumMod val="50000"/>
@@ -14578,7 +13236,7 @@
           </a:p>
           <a:p>
             <a:r>
-              <a:rPr lang="en-GB" sz="2800" b="1" dirty="0">
+              <a:rPr lang="en-GB" sz="2000" b="1" dirty="0">
                 <a:solidFill>
                   <a:schemeClr val="accent1">
                     <a:lumMod val="50000"/>
@@ -14865,12 +13523,24 @@
                   <a:schemeClr val="bg1"/>
                 </a:solidFill>
               </a:rPr>
-              <a:t>        Model  -   View  -  Controller</a:t>
-            </a:r>
-            <a:endParaRPr lang="en-US" dirty="0">
+              <a:t>                    </a:t>
+            </a:r>
+            <a:r>
+              <a:rPr lang="en-US" sz="3200" b="1" spc="-100" dirty="0">
+                <a:solidFill>
+                  <a:schemeClr val="bg1"/>
+                </a:solidFill>
+                <a:latin typeface="Arial" panose="020B0604020202020204" pitchFamily="34" charset="0"/>
+                <a:cs typeface="Arial" panose="020B0604020202020204" pitchFamily="34" charset="0"/>
+              </a:rPr>
+              <a:t>Model  -   View  -  Controller</a:t>
+            </a:r>
+            <a:endParaRPr lang="en-US" sz="3200" dirty="0">
               <a:solidFill>
                 <a:schemeClr val="bg1"/>
               </a:solidFill>
+              <a:latin typeface="Arial" panose="020B0604020202020204" pitchFamily="34" charset="0"/>
+              <a:cs typeface="Arial" panose="020B0604020202020204" pitchFamily="34" charset="0"/>
             </a:endParaRPr>
           </a:p>
         </p:txBody>
@@ -15070,7 +13740,7 @@
         <p:spPr>
           <a:xfrm>
             <a:off x="2136321" y="2780632"/>
-            <a:ext cx="8738558" cy="3847207"/>
+            <a:ext cx="8738558" cy="3600986"/>
           </a:xfrm>
           <a:prstGeom prst="rect">
             <a:avLst/>
@@ -15109,7 +13779,7 @@
               <a:t>  </a:t>
             </a:r>
             <a:r>
-              <a:rPr lang="en-GB" sz="2800" b="1" dirty="0">
+              <a:rPr lang="en-GB" sz="2400" b="1" dirty="0">
                 <a:latin typeface="Arial"/>
                 <a:cs typeface="Arial"/>
               </a:rPr>
@@ -15132,6 +13802,46 @@
           </a:p>
           <a:p>
             <a:r>
+              <a:rPr lang="en-GB" sz="2000" b="1" dirty="0">
+                <a:solidFill>
+                  <a:schemeClr val="accent1">
+                    <a:lumMod val="50000"/>
+                  </a:schemeClr>
+                </a:solidFill>
+                <a:latin typeface="Arial"/>
+                <a:cs typeface="Arial"/>
+              </a:rPr>
+              <a:t>        - JavaScript : Implementing functions.</a:t>
+            </a:r>
+          </a:p>
+          <a:p>
+            <a:r>
+              <a:rPr lang="en-GB" sz="2000" b="1" dirty="0">
+                <a:solidFill>
+                  <a:schemeClr val="accent1">
+                    <a:lumMod val="50000"/>
+                  </a:schemeClr>
+                </a:solidFill>
+                <a:latin typeface="Arial"/>
+                <a:cs typeface="Arial"/>
+              </a:rPr>
+              <a:t>        </a:t>
+            </a:r>
+          </a:p>
+          <a:p>
+            <a:r>
+              <a:rPr lang="en-GB" sz="2000" b="1" dirty="0">
+                <a:solidFill>
+                  <a:schemeClr val="accent1">
+                    <a:lumMod val="50000"/>
+                  </a:schemeClr>
+                </a:solidFill>
+                <a:latin typeface="Arial"/>
+                <a:cs typeface="Arial"/>
+              </a:rPr>
+              <a:t>        -  Express      : API Creation     </a:t>
+            </a:r>
+            <a:r>
               <a:rPr lang="en-GB" sz="2800" b="1" dirty="0">
                 <a:solidFill>
                   <a:schemeClr val="accent1">
@@ -15141,35 +13851,7 @@
                 <a:latin typeface="Arial"/>
                 <a:cs typeface="Arial"/>
               </a:rPr>
-              <a:t>        - JavaScript : Implementing functions.</a:t>
-            </a:r>
-          </a:p>
-          <a:p>
-            <a:r>
-              <a:rPr lang="en-GB" sz="2800" b="1" dirty="0">
-                <a:solidFill>
-                  <a:schemeClr val="accent1">
-                    <a:lumMod val="50000"/>
-                  </a:schemeClr>
-                </a:solidFill>
-                <a:latin typeface="Arial"/>
-                <a:cs typeface="Arial"/>
-              </a:rPr>
-              <a:t>        </a:t>
-            </a:r>
-          </a:p>
-          <a:p>
-            <a:r>
-              <a:rPr lang="en-GB" sz="2800" b="1" dirty="0">
-                <a:solidFill>
-                  <a:schemeClr val="accent1">
-                    <a:lumMod val="50000"/>
-                  </a:schemeClr>
-                </a:solidFill>
-                <a:latin typeface="Arial"/>
-                <a:cs typeface="Arial"/>
-              </a:rPr>
-              <a:t>       -  Express      : API Creation        </a:t>
+              <a:t>   </a:t>
             </a:r>
           </a:p>
           <a:p>
@@ -15653,18 +14335,15 @@
           <a:p>
             <a:pPr algn="r"/>
             <a:r>
-              <a:rPr lang="en-US" sz="5900" b="1" spc="-100">
+              <a:rPr lang="en-US" sz="4400" b="1" spc="-100" dirty="0">
                 <a:solidFill>
                   <a:srgbClr val="C00000"/>
                 </a:solidFill>
+                <a:latin typeface="Arial" panose="020B0604020202020204" pitchFamily="34" charset="0"/>
+                <a:cs typeface="Arial" panose="020B0604020202020204" pitchFamily="34" charset="0"/>
               </a:rPr>
               <a:t>ARCHITECURE DIAGRAM</a:t>
             </a:r>
-            <a:endParaRPr lang="en-US" sz="5900" b="1" spc="-100" dirty="0">
-              <a:solidFill>
-                <a:srgbClr val="C00000"/>
-              </a:solidFill>
-            </a:endParaRPr>
           </a:p>
         </p:txBody>
       </p:sp>
@@ -15922,9 +14601,22 @@
                   <a:srgbClr val="C00000"/>
                 </a:solidFill>
               </a:rPr>
-              <a:t>                                 REQUIREMENTS</a:t>
-            </a:r>
-            <a:endParaRPr lang="en-US" dirty="0"/>
+              <a:t>                                 </a:t>
+            </a:r>
+            <a:r>
+              <a:rPr lang="en-US" sz="3200" b="1" spc="-100" dirty="0">
+                <a:solidFill>
+                  <a:srgbClr val="C00000"/>
+                </a:solidFill>
+                <a:latin typeface="Arial" panose="020B0604020202020204" pitchFamily="34" charset="0"/>
+                <a:cs typeface="Arial" panose="020B0604020202020204" pitchFamily="34" charset="0"/>
+              </a:rPr>
+              <a:t>REQUIREMENTS</a:t>
+            </a:r>
+            <a:endParaRPr lang="en-US" sz="3200" dirty="0">
+              <a:latin typeface="Arial" panose="020B0604020202020204" pitchFamily="34" charset="0"/>
+              <a:cs typeface="Arial" panose="020B0604020202020204" pitchFamily="34" charset="0"/>
+            </a:endParaRPr>
           </a:p>
         </p:txBody>
       </p:sp>
@@ -16123,7 +14815,7 @@
         <p:spPr>
           <a:xfrm>
             <a:off x="1434905" y="2416774"/>
-            <a:ext cx="10297550" cy="3539430"/>
+            <a:ext cx="10297550" cy="3046988"/>
           </a:xfrm>
           <a:prstGeom prst="rect">
             <a:avLst/>
@@ -16175,7 +14867,7 @@
               <a:t>           </a:t>
             </a:r>
             <a:r>
-              <a:rPr lang="en-GB" sz="2800" b="1" dirty="0">
+              <a:rPr lang="en-GB" sz="2400" b="1" dirty="0">
                 <a:solidFill>
                   <a:srgbClr val="FF0000"/>
                 </a:solidFill>
@@ -16185,7 +14877,7 @@
               <a:t>Functions</a:t>
             </a:r>
             <a:r>
-              <a:rPr lang="en-GB" sz="2800" b="1" dirty="0">
+              <a:rPr lang="en-GB" sz="2400" b="1" dirty="0">
                 <a:solidFill>
                   <a:schemeClr val="accent5">
                     <a:lumMod val="50000"/>
@@ -16194,12 +14886,10 @@
                 <a:latin typeface="Arial"/>
                 <a:cs typeface="Arial"/>
               </a:rPr>
-              <a:t> :   login()  -   Logging into the application.</a:t>
-            </a:r>
-          </a:p>
-          <a:p>
-            <a:r>
-              <a:rPr lang="en-GB" sz="2800" b="1" dirty="0">
+              <a:t> </a:t>
+            </a:r>
+            <a:r>
+              <a:rPr lang="en-GB" sz="2000" b="1" dirty="0">
                 <a:solidFill>
                   <a:schemeClr val="accent5">
                     <a:lumMod val="50000"/>
@@ -16208,12 +14898,12 @@
                 <a:latin typeface="Arial"/>
                 <a:cs typeface="Arial"/>
               </a:rPr>
-              <a:t>                                  register() – Registering new user</a:t>
-            </a:r>
-          </a:p>
-          <a:p>
-            <a:r>
-              <a:rPr lang="en-GB" sz="2800" b="1" dirty="0">
+              <a:t>:       login()  -   Logging into the application.</a:t>
+            </a:r>
+          </a:p>
+          <a:p>
+            <a:r>
+              <a:rPr lang="en-GB" sz="2000" b="1" dirty="0">
                 <a:solidFill>
                   <a:schemeClr val="accent5">
                     <a:lumMod val="50000"/>
@@ -16222,12 +14912,12 @@
                 <a:latin typeface="Arial"/>
                 <a:cs typeface="Arial"/>
               </a:rPr>
-              <a:t>                                  create() -  Adding a book into library</a:t>
-            </a:r>
-          </a:p>
-          <a:p>
-            <a:r>
-              <a:rPr lang="en-GB" sz="2800" b="1" dirty="0">
+              <a:t>                                              register() – Registering new user</a:t>
+            </a:r>
+          </a:p>
+          <a:p>
+            <a:r>
+              <a:rPr lang="en-GB" sz="2000" b="1" dirty="0">
                 <a:solidFill>
                   <a:schemeClr val="accent5">
                     <a:lumMod val="50000"/>
@@ -16236,12 +14926,12 @@
                 <a:latin typeface="Arial"/>
                 <a:cs typeface="Arial"/>
               </a:rPr>
-              <a:t>                                  edit()   - Editing the book details</a:t>
-            </a:r>
-          </a:p>
-          <a:p>
-            <a:r>
-              <a:rPr lang="en-GB" sz="2800" b="1" dirty="0">
+              <a:t>                                              create() -  Adding a book into library</a:t>
+            </a:r>
+          </a:p>
+          <a:p>
+            <a:r>
+              <a:rPr lang="en-GB" sz="2000" b="1" dirty="0">
                 <a:solidFill>
                   <a:schemeClr val="accent5">
                     <a:lumMod val="50000"/>
@@ -16250,7 +14940,21 @@
                 <a:latin typeface="Arial"/>
                 <a:cs typeface="Arial"/>
               </a:rPr>
-              <a:t>                                  delete()  - deleting the books</a:t>
+              <a:t>                                              edit()   - Editing the book details</a:t>
+            </a:r>
+          </a:p>
+          <a:p>
+            <a:r>
+              <a:rPr lang="en-GB" sz="2000" b="1" dirty="0">
+                <a:solidFill>
+                  <a:schemeClr val="accent5">
+                    <a:lumMod val="50000"/>
+                  </a:schemeClr>
+                </a:solidFill>
+                <a:latin typeface="Arial"/>
+                <a:cs typeface="Arial"/>
+              </a:rPr>
+              <a:t>                                              delete()  - deleting the books</a:t>
             </a:r>
           </a:p>
           <a:p>
